--- a/籃球秘書.pptx
+++ b/籃球秘書.pptx
@@ -5,10 +5,10 @@
     <p:sldMasterId id="2147483648" r:id="rId4"/>
   </p:sldMasterIdLst>
   <p:notesMasterIdLst>
-    <p:notesMasterId r:id="rId16"/>
+    <p:notesMasterId r:id="rId13"/>
   </p:notesMasterIdLst>
   <p:handoutMasterIdLst>
-    <p:handoutMasterId r:id="rId17"/>
+    <p:handoutMasterId r:id="rId14"/>
   </p:handoutMasterIdLst>
   <p:sldIdLst>
     <p:sldId id="257" r:id="rId5"/>
@@ -16,18 +16,15 @@
     <p:sldId id="266" r:id="rId7"/>
     <p:sldId id="272" r:id="rId8"/>
     <p:sldId id="273" r:id="rId9"/>
-    <p:sldId id="264" r:id="rId10"/>
-    <p:sldId id="267" r:id="rId11"/>
-    <p:sldId id="268" r:id="rId12"/>
-    <p:sldId id="269" r:id="rId13"/>
-    <p:sldId id="270" r:id="rId14"/>
-    <p:sldId id="271" r:id="rId15"/>
+    <p:sldId id="274" r:id="rId10"/>
+    <p:sldId id="275" r:id="rId11"/>
+    <p:sldId id="271" r:id="rId12"/>
   </p:sldIdLst>
   <p:sldSz cx="12192000" cy="6858000"/>
   <p:notesSz cx="6858000" cy="9144000"/>
   <p:defaultTextStyle>
     <a:defPPr rtl="0">
-      <a:defRPr lang="zh-tw"/>
+      <a:defRPr lang="zh-TW"/>
     </a:defPPr>
     <a:lvl1pPr marL="0" algn="l" defTabSz="914400" rtl="0" eaLnBrk="1" latinLnBrk="0" hangingPunct="1">
       <a:defRPr sz="1800" kern="1200">
@@ -131,1101 +128,4555 @@
 </p:presentation>
 </file>
 
-<file path=ppt/charts/chart1.xml><?xml version="1.0" encoding="utf-8"?>
-<c:chartSpace xmlns:c="http://schemas.openxmlformats.org/drawingml/2006/chart" xmlns:a="http://schemas.openxmlformats.org/drawingml/2006/main" xmlns:r="http://schemas.openxmlformats.org/officeDocument/2006/relationships" xmlns:c16r2="http://schemas.microsoft.com/office/drawing/2015/06/chart">
-  <c:date1904 val="0"/>
-  <c:lang val="zh-TW"/>
-  <c:roundedCorners val="0"/>
-  <mc:AlternateContent xmlns:mc="http://schemas.openxmlformats.org/markup-compatibility/2006">
-    <mc:Choice xmlns:c14="http://schemas.microsoft.com/office/drawing/2007/8/2/chart" Requires="c14">
-      <c14:style val="102"/>
-    </mc:Choice>
-    <mc:Fallback>
-      <c:style val="2"/>
-    </mc:Fallback>
-  </mc:AlternateContent>
-  <c:chart>
-    <c:autoTitleDeleted val="1"/>
-    <c:plotArea>
-      <c:layout/>
-      <c:barChart>
-        <c:barDir val="col"/>
-        <c:grouping val="clustered"/>
-        <c:varyColors val="0"/>
-        <c:ser>
-          <c:idx val="0"/>
-          <c:order val="0"/>
-          <c:tx>
-            <c:strRef>
-              <c:f>Sheet1!$B$1</c:f>
-              <c:strCache>
-                <c:ptCount val="1"/>
-                <c:pt idx="0">
-                  <c:v>數列 1</c:v>
-                </c:pt>
-              </c:strCache>
-            </c:strRef>
-          </c:tx>
-          <c:spPr>
+<file path=ppt/diagrams/colors1.xml><?xml version="1.0" encoding="utf-8"?>
+<dgm:colorsDef xmlns:dgm="http://schemas.openxmlformats.org/drawingml/2006/diagram" xmlns:a="http://schemas.openxmlformats.org/drawingml/2006/main" uniqueId="urn:microsoft.com/office/officeart/2005/8/colors/accent3_3">
+  <dgm:title val=""/>
+  <dgm:desc val=""/>
+  <dgm:catLst>
+    <dgm:cat type="accent3" pri="11300"/>
+  </dgm:catLst>
+  <dgm:styleLbl name="node0">
+    <dgm:fillClrLst meth="repeat">
+      <a:schemeClr val="accent3">
+        <a:shade val="80000"/>
+      </a:schemeClr>
+    </dgm:fillClrLst>
+    <dgm:linClrLst meth="repeat">
+      <a:schemeClr val="lt1"/>
+    </dgm:linClrLst>
+    <dgm:effectClrLst/>
+    <dgm:txLinClrLst/>
+    <dgm:txFillClrLst/>
+    <dgm:txEffectClrLst/>
+  </dgm:styleLbl>
+  <dgm:styleLbl name="node1">
+    <dgm:fillClrLst>
+      <a:schemeClr val="accent3">
+        <a:shade val="80000"/>
+      </a:schemeClr>
+      <a:schemeClr val="accent3">
+        <a:tint val="70000"/>
+      </a:schemeClr>
+    </dgm:fillClrLst>
+    <dgm:linClrLst meth="repeat">
+      <a:schemeClr val="lt1"/>
+    </dgm:linClrLst>
+    <dgm:effectClrLst/>
+    <dgm:txLinClrLst/>
+    <dgm:txFillClrLst/>
+    <dgm:txEffectClrLst/>
+  </dgm:styleLbl>
+  <dgm:styleLbl name="alignNode1">
+    <dgm:fillClrLst>
+      <a:schemeClr val="accent3">
+        <a:shade val="80000"/>
+      </a:schemeClr>
+      <a:schemeClr val="accent3">
+        <a:tint val="70000"/>
+      </a:schemeClr>
+    </dgm:fillClrLst>
+    <dgm:linClrLst>
+      <a:schemeClr val="accent3">
+        <a:shade val="80000"/>
+      </a:schemeClr>
+      <a:schemeClr val="accent3">
+        <a:tint val="70000"/>
+      </a:schemeClr>
+    </dgm:linClrLst>
+    <dgm:effectClrLst/>
+    <dgm:txLinClrLst/>
+    <dgm:txFillClrLst/>
+    <dgm:txEffectClrLst/>
+  </dgm:styleLbl>
+  <dgm:styleLbl name="lnNode1">
+    <dgm:fillClrLst>
+      <a:schemeClr val="accent3">
+        <a:shade val="80000"/>
+      </a:schemeClr>
+      <a:schemeClr val="accent3">
+        <a:tint val="70000"/>
+      </a:schemeClr>
+    </dgm:fillClrLst>
+    <dgm:linClrLst meth="repeat">
+      <a:schemeClr val="lt1"/>
+    </dgm:linClrLst>
+    <dgm:effectClrLst/>
+    <dgm:txLinClrLst/>
+    <dgm:txFillClrLst/>
+    <dgm:txEffectClrLst/>
+  </dgm:styleLbl>
+  <dgm:styleLbl name="vennNode1">
+    <dgm:fillClrLst>
+      <a:schemeClr val="accent3">
+        <a:shade val="80000"/>
+        <a:alpha val="50000"/>
+      </a:schemeClr>
+      <a:schemeClr val="accent3">
+        <a:tint val="70000"/>
+        <a:alpha val="50000"/>
+      </a:schemeClr>
+    </dgm:fillClrLst>
+    <dgm:linClrLst meth="repeat">
+      <a:schemeClr val="lt1"/>
+    </dgm:linClrLst>
+    <dgm:effectClrLst/>
+    <dgm:txLinClrLst/>
+    <dgm:txFillClrLst/>
+    <dgm:txEffectClrLst/>
+  </dgm:styleLbl>
+  <dgm:styleLbl name="node2">
+    <dgm:fillClrLst>
+      <a:schemeClr val="accent3">
+        <a:tint val="99000"/>
+      </a:schemeClr>
+    </dgm:fillClrLst>
+    <dgm:linClrLst meth="repeat">
+      <a:schemeClr val="lt1"/>
+    </dgm:linClrLst>
+    <dgm:effectClrLst/>
+    <dgm:txLinClrLst/>
+    <dgm:txFillClrLst/>
+    <dgm:txEffectClrLst/>
+  </dgm:styleLbl>
+  <dgm:styleLbl name="node3">
+    <dgm:fillClrLst>
+      <a:schemeClr val="accent3">
+        <a:tint val="80000"/>
+      </a:schemeClr>
+    </dgm:fillClrLst>
+    <dgm:linClrLst meth="repeat">
+      <a:schemeClr val="lt1"/>
+    </dgm:linClrLst>
+    <dgm:effectClrLst/>
+    <dgm:txLinClrLst/>
+    <dgm:txFillClrLst/>
+    <dgm:txEffectClrLst/>
+  </dgm:styleLbl>
+  <dgm:styleLbl name="node4">
+    <dgm:fillClrLst>
+      <a:schemeClr val="accent3">
+        <a:tint val="70000"/>
+      </a:schemeClr>
+    </dgm:fillClrLst>
+    <dgm:linClrLst meth="repeat">
+      <a:schemeClr val="lt1"/>
+    </dgm:linClrLst>
+    <dgm:effectClrLst/>
+    <dgm:txLinClrLst/>
+    <dgm:txFillClrLst/>
+    <dgm:txEffectClrLst/>
+  </dgm:styleLbl>
+  <dgm:styleLbl name="fgImgPlace1">
+    <dgm:fillClrLst>
+      <a:schemeClr val="accent3">
+        <a:tint val="50000"/>
+      </a:schemeClr>
+      <a:schemeClr val="accent3">
+        <a:tint val="20000"/>
+      </a:schemeClr>
+    </dgm:fillClrLst>
+    <dgm:linClrLst meth="repeat">
+      <a:schemeClr val="lt1"/>
+    </dgm:linClrLst>
+    <dgm:effectClrLst/>
+    <dgm:txLinClrLst/>
+    <dgm:txFillClrLst meth="repeat">
+      <a:schemeClr val="lt1"/>
+    </dgm:txFillClrLst>
+    <dgm:txEffectClrLst/>
+  </dgm:styleLbl>
+  <dgm:styleLbl name="alignImgPlace1">
+    <dgm:fillClrLst>
+      <a:schemeClr val="accent3">
+        <a:tint val="50000"/>
+      </a:schemeClr>
+      <a:schemeClr val="accent3">
+        <a:tint val="20000"/>
+      </a:schemeClr>
+    </dgm:fillClrLst>
+    <dgm:linClrLst meth="repeat">
+      <a:schemeClr val="lt1"/>
+    </dgm:linClrLst>
+    <dgm:effectClrLst/>
+    <dgm:txLinClrLst/>
+    <dgm:txFillClrLst meth="repeat">
+      <a:schemeClr val="lt1"/>
+    </dgm:txFillClrLst>
+    <dgm:txEffectClrLst/>
+  </dgm:styleLbl>
+  <dgm:styleLbl name="bgImgPlace1">
+    <dgm:fillClrLst>
+      <a:schemeClr val="accent3">
+        <a:tint val="50000"/>
+      </a:schemeClr>
+      <a:schemeClr val="accent3">
+        <a:tint val="20000"/>
+      </a:schemeClr>
+    </dgm:fillClrLst>
+    <dgm:linClrLst meth="repeat">
+      <a:schemeClr val="lt1"/>
+    </dgm:linClrLst>
+    <dgm:effectClrLst/>
+    <dgm:txLinClrLst/>
+    <dgm:txFillClrLst meth="repeat">
+      <a:schemeClr val="lt1"/>
+    </dgm:txFillClrLst>
+    <dgm:txEffectClrLst/>
+  </dgm:styleLbl>
+  <dgm:styleLbl name="sibTrans2D1">
+    <dgm:fillClrLst>
+      <a:schemeClr val="accent3">
+        <a:shade val="90000"/>
+      </a:schemeClr>
+      <a:schemeClr val="accent3">
+        <a:tint val="70000"/>
+      </a:schemeClr>
+    </dgm:fillClrLst>
+    <dgm:linClrLst>
+      <a:schemeClr val="accent3">
+        <a:shade val="90000"/>
+      </a:schemeClr>
+      <a:schemeClr val="accent3">
+        <a:tint val="70000"/>
+      </a:schemeClr>
+    </dgm:linClrLst>
+    <dgm:effectClrLst/>
+    <dgm:txLinClrLst/>
+    <dgm:txFillClrLst/>
+    <dgm:txEffectClrLst/>
+  </dgm:styleLbl>
+  <dgm:styleLbl name="fgSibTrans2D1">
+    <dgm:fillClrLst>
+      <a:schemeClr val="accent3">
+        <a:shade val="90000"/>
+      </a:schemeClr>
+      <a:schemeClr val="accent3">
+        <a:tint val="70000"/>
+      </a:schemeClr>
+    </dgm:fillClrLst>
+    <dgm:linClrLst>
+      <a:schemeClr val="accent3">
+        <a:shade val="90000"/>
+      </a:schemeClr>
+      <a:schemeClr val="accent3">
+        <a:tint val="70000"/>
+      </a:schemeClr>
+    </dgm:linClrLst>
+    <dgm:effectClrLst/>
+    <dgm:txLinClrLst/>
+    <dgm:txFillClrLst meth="repeat">
+      <a:schemeClr val="lt1"/>
+    </dgm:txFillClrLst>
+    <dgm:txEffectClrLst/>
+  </dgm:styleLbl>
+  <dgm:styleLbl name="bgSibTrans2D1">
+    <dgm:fillClrLst>
+      <a:schemeClr val="accent3">
+        <a:shade val="90000"/>
+      </a:schemeClr>
+      <a:schemeClr val="accent3">
+        <a:tint val="70000"/>
+      </a:schemeClr>
+    </dgm:fillClrLst>
+    <dgm:linClrLst>
+      <a:schemeClr val="accent3">
+        <a:shade val="90000"/>
+      </a:schemeClr>
+      <a:schemeClr val="accent3">
+        <a:tint val="70000"/>
+      </a:schemeClr>
+    </dgm:linClrLst>
+    <dgm:effectClrLst/>
+    <dgm:txLinClrLst/>
+    <dgm:txFillClrLst meth="repeat">
+      <a:schemeClr val="lt1"/>
+    </dgm:txFillClrLst>
+    <dgm:txEffectClrLst/>
+  </dgm:styleLbl>
+  <dgm:styleLbl name="sibTrans1D1">
+    <dgm:fillClrLst>
+      <a:schemeClr val="accent3">
+        <a:shade val="90000"/>
+      </a:schemeClr>
+      <a:schemeClr val="accent3">
+        <a:tint val="70000"/>
+      </a:schemeClr>
+    </dgm:fillClrLst>
+    <dgm:linClrLst>
+      <a:schemeClr val="accent3">
+        <a:shade val="90000"/>
+      </a:schemeClr>
+      <a:schemeClr val="accent3">
+        <a:tint val="70000"/>
+      </a:schemeClr>
+    </dgm:linClrLst>
+    <dgm:effectClrLst/>
+    <dgm:txLinClrLst/>
+    <dgm:txFillClrLst meth="repeat">
+      <a:schemeClr val="tx1"/>
+    </dgm:txFillClrLst>
+    <dgm:txEffectClrLst/>
+  </dgm:styleLbl>
+  <dgm:styleLbl name="callout">
+    <dgm:fillClrLst meth="repeat">
+      <a:schemeClr val="accent3"/>
+    </dgm:fillClrLst>
+    <dgm:linClrLst meth="repeat">
+      <a:schemeClr val="accent3"/>
+    </dgm:linClrLst>
+    <dgm:effectClrLst/>
+    <dgm:txLinClrLst/>
+    <dgm:txFillClrLst meth="repeat">
+      <a:schemeClr val="tx1"/>
+    </dgm:txFillClrLst>
+    <dgm:txEffectClrLst/>
+  </dgm:styleLbl>
+  <dgm:styleLbl name="asst0">
+    <dgm:fillClrLst meth="repeat">
+      <a:schemeClr val="accent3">
+        <a:shade val="80000"/>
+      </a:schemeClr>
+    </dgm:fillClrLst>
+    <dgm:linClrLst meth="repeat">
+      <a:schemeClr val="lt1"/>
+    </dgm:linClrLst>
+    <dgm:effectClrLst/>
+    <dgm:txLinClrLst/>
+    <dgm:txFillClrLst/>
+    <dgm:txEffectClrLst/>
+  </dgm:styleLbl>
+  <dgm:styleLbl name="asst1">
+    <dgm:fillClrLst meth="repeat">
+      <a:schemeClr val="accent3">
+        <a:shade val="80000"/>
+      </a:schemeClr>
+    </dgm:fillClrLst>
+    <dgm:linClrLst meth="repeat">
+      <a:schemeClr val="lt1"/>
+    </dgm:linClrLst>
+    <dgm:effectClrLst/>
+    <dgm:txLinClrLst/>
+    <dgm:txFillClrLst/>
+    <dgm:txEffectClrLst/>
+  </dgm:styleLbl>
+  <dgm:styleLbl name="asst2">
+    <dgm:fillClrLst>
+      <a:schemeClr val="accent3">
+        <a:tint val="99000"/>
+      </a:schemeClr>
+    </dgm:fillClrLst>
+    <dgm:linClrLst meth="repeat">
+      <a:schemeClr val="lt1"/>
+    </dgm:linClrLst>
+    <dgm:effectClrLst/>
+    <dgm:txLinClrLst/>
+    <dgm:txFillClrLst/>
+    <dgm:txEffectClrLst/>
+  </dgm:styleLbl>
+  <dgm:styleLbl name="asst3">
+    <dgm:fillClrLst>
+      <a:schemeClr val="accent3">
+        <a:tint val="80000"/>
+      </a:schemeClr>
+    </dgm:fillClrLst>
+    <dgm:linClrLst meth="repeat">
+      <a:schemeClr val="lt1"/>
+    </dgm:linClrLst>
+    <dgm:effectClrLst/>
+    <dgm:txLinClrLst/>
+    <dgm:txFillClrLst/>
+    <dgm:txEffectClrLst/>
+  </dgm:styleLbl>
+  <dgm:styleLbl name="asst4">
+    <dgm:fillClrLst>
+      <a:schemeClr val="accent3">
+        <a:tint val="70000"/>
+      </a:schemeClr>
+    </dgm:fillClrLst>
+    <dgm:linClrLst meth="repeat">
+      <a:schemeClr val="lt1"/>
+    </dgm:linClrLst>
+    <dgm:effectClrLst/>
+    <dgm:txLinClrLst/>
+    <dgm:txFillClrLst/>
+    <dgm:txEffectClrLst/>
+  </dgm:styleLbl>
+  <dgm:styleLbl name="parChTrans2D1">
+    <dgm:fillClrLst meth="repeat">
+      <a:schemeClr val="accent3">
+        <a:tint val="60000"/>
+      </a:schemeClr>
+    </dgm:fillClrLst>
+    <dgm:linClrLst meth="repeat">
+      <a:schemeClr val="accent3">
+        <a:tint val="60000"/>
+      </a:schemeClr>
+    </dgm:linClrLst>
+    <dgm:effectClrLst/>
+    <dgm:txLinClrLst/>
+    <dgm:txFillClrLst meth="repeat">
+      <a:schemeClr val="lt1"/>
+    </dgm:txFillClrLst>
+    <dgm:txEffectClrLst/>
+  </dgm:styleLbl>
+  <dgm:styleLbl name="parChTrans2D2">
+    <dgm:fillClrLst meth="repeat">
+      <a:schemeClr val="accent3">
+        <a:tint val="90000"/>
+      </a:schemeClr>
+    </dgm:fillClrLst>
+    <dgm:linClrLst meth="repeat">
+      <a:schemeClr val="accent3">
+        <a:tint val="90000"/>
+      </a:schemeClr>
+    </dgm:linClrLst>
+    <dgm:effectClrLst/>
+    <dgm:txLinClrLst/>
+    <dgm:txFillClrLst/>
+    <dgm:txEffectClrLst/>
+  </dgm:styleLbl>
+  <dgm:styleLbl name="parChTrans2D3">
+    <dgm:fillClrLst meth="repeat">
+      <a:schemeClr val="accent3">
+        <a:tint val="70000"/>
+      </a:schemeClr>
+    </dgm:fillClrLst>
+    <dgm:linClrLst meth="repeat">
+      <a:schemeClr val="accent3">
+        <a:tint val="70000"/>
+      </a:schemeClr>
+    </dgm:linClrLst>
+    <dgm:effectClrLst/>
+    <dgm:txLinClrLst/>
+    <dgm:txFillClrLst/>
+    <dgm:txEffectClrLst/>
+  </dgm:styleLbl>
+  <dgm:styleLbl name="parChTrans2D4">
+    <dgm:fillClrLst meth="repeat">
+      <a:schemeClr val="accent3">
+        <a:tint val="50000"/>
+      </a:schemeClr>
+    </dgm:fillClrLst>
+    <dgm:linClrLst meth="repeat">
+      <a:schemeClr val="accent3">
+        <a:tint val="50000"/>
+      </a:schemeClr>
+    </dgm:linClrLst>
+    <dgm:effectClrLst/>
+    <dgm:txLinClrLst/>
+    <dgm:txFillClrLst meth="repeat">
+      <a:schemeClr val="lt1"/>
+    </dgm:txFillClrLst>
+    <dgm:txEffectClrLst/>
+  </dgm:styleLbl>
+  <dgm:styleLbl name="parChTrans1D1">
+    <dgm:fillClrLst meth="repeat">
+      <a:schemeClr val="accent3">
+        <a:shade val="80000"/>
+      </a:schemeClr>
+    </dgm:fillClrLst>
+    <dgm:linClrLst meth="repeat">
+      <a:schemeClr val="accent3">
+        <a:shade val="80000"/>
+      </a:schemeClr>
+    </dgm:linClrLst>
+    <dgm:effectClrLst/>
+    <dgm:txLinClrLst/>
+    <dgm:txFillClrLst meth="repeat">
+      <a:schemeClr val="tx1"/>
+    </dgm:txFillClrLst>
+    <dgm:txEffectClrLst/>
+  </dgm:styleLbl>
+  <dgm:styleLbl name="parChTrans1D2">
+    <dgm:fillClrLst meth="repeat">
+      <a:schemeClr val="accent3">
+        <a:tint val="99000"/>
+      </a:schemeClr>
+    </dgm:fillClrLst>
+    <dgm:linClrLst meth="repeat">
+      <a:schemeClr val="accent3">
+        <a:tint val="99000"/>
+      </a:schemeClr>
+    </dgm:linClrLst>
+    <dgm:effectClrLst/>
+    <dgm:txLinClrLst/>
+    <dgm:txFillClrLst meth="repeat">
+      <a:schemeClr val="tx1"/>
+    </dgm:txFillClrLst>
+    <dgm:txEffectClrLst/>
+  </dgm:styleLbl>
+  <dgm:styleLbl name="parChTrans1D3">
+    <dgm:fillClrLst meth="repeat">
+      <a:schemeClr val="accent3">
+        <a:tint val="80000"/>
+      </a:schemeClr>
+    </dgm:fillClrLst>
+    <dgm:linClrLst meth="repeat">
+      <a:schemeClr val="accent3">
+        <a:tint val="80000"/>
+      </a:schemeClr>
+    </dgm:linClrLst>
+    <dgm:effectClrLst/>
+    <dgm:txLinClrLst/>
+    <dgm:txFillClrLst meth="repeat">
+      <a:schemeClr val="tx1"/>
+    </dgm:txFillClrLst>
+    <dgm:txEffectClrLst/>
+  </dgm:styleLbl>
+  <dgm:styleLbl name="parChTrans1D4">
+    <dgm:fillClrLst meth="repeat">
+      <a:schemeClr val="accent3">
+        <a:tint val="70000"/>
+      </a:schemeClr>
+    </dgm:fillClrLst>
+    <dgm:linClrLst meth="repeat">
+      <a:schemeClr val="accent3">
+        <a:tint val="70000"/>
+      </a:schemeClr>
+    </dgm:linClrLst>
+    <dgm:effectClrLst/>
+    <dgm:txLinClrLst/>
+    <dgm:txFillClrLst meth="repeat">
+      <a:schemeClr val="tx1"/>
+    </dgm:txFillClrLst>
+    <dgm:txEffectClrLst/>
+  </dgm:styleLbl>
+  <dgm:styleLbl name="fgAcc1">
+    <dgm:fillClrLst meth="repeat">
+      <a:schemeClr val="lt1">
+        <a:alpha val="90000"/>
+      </a:schemeClr>
+    </dgm:fillClrLst>
+    <dgm:linClrLst>
+      <a:schemeClr val="accent3">
+        <a:shade val="80000"/>
+      </a:schemeClr>
+      <a:schemeClr val="accent3">
+        <a:tint val="70000"/>
+      </a:schemeClr>
+    </dgm:linClrLst>
+    <dgm:effectClrLst/>
+    <dgm:txLinClrLst/>
+    <dgm:txFillClrLst meth="repeat">
+      <a:schemeClr val="dk1"/>
+    </dgm:txFillClrLst>
+    <dgm:txEffectClrLst/>
+  </dgm:styleLbl>
+  <dgm:styleLbl name="conFgAcc1">
+    <dgm:fillClrLst meth="repeat">
+      <a:schemeClr val="lt1">
+        <a:alpha val="90000"/>
+      </a:schemeClr>
+    </dgm:fillClrLst>
+    <dgm:linClrLst>
+      <a:schemeClr val="accent3">
+        <a:shade val="80000"/>
+      </a:schemeClr>
+      <a:schemeClr val="accent3">
+        <a:tint val="70000"/>
+      </a:schemeClr>
+    </dgm:linClrLst>
+    <dgm:effectClrLst/>
+    <dgm:txLinClrLst/>
+    <dgm:txFillClrLst meth="repeat">
+      <a:schemeClr val="dk1"/>
+    </dgm:txFillClrLst>
+    <dgm:txEffectClrLst/>
+  </dgm:styleLbl>
+  <dgm:styleLbl name="alignAcc1">
+    <dgm:fillClrLst meth="repeat">
+      <a:schemeClr val="lt1">
+        <a:alpha val="90000"/>
+      </a:schemeClr>
+    </dgm:fillClrLst>
+    <dgm:linClrLst>
+      <a:schemeClr val="accent3">
+        <a:shade val="80000"/>
+      </a:schemeClr>
+      <a:schemeClr val="accent3">
+        <a:tint val="70000"/>
+      </a:schemeClr>
+    </dgm:linClrLst>
+    <dgm:effectClrLst/>
+    <dgm:txLinClrLst/>
+    <dgm:txFillClrLst meth="repeat">
+      <a:schemeClr val="dk1"/>
+    </dgm:txFillClrLst>
+    <dgm:txEffectClrLst/>
+  </dgm:styleLbl>
+  <dgm:styleLbl name="trAlignAcc1">
+    <dgm:fillClrLst meth="repeat">
+      <a:schemeClr val="lt1">
+        <a:alpha val="40000"/>
+      </a:schemeClr>
+    </dgm:fillClrLst>
+    <dgm:linClrLst meth="repeat">
+      <a:schemeClr val="accent3"/>
+    </dgm:linClrLst>
+    <dgm:effectClrLst/>
+    <dgm:txLinClrLst/>
+    <dgm:txFillClrLst meth="repeat">
+      <a:schemeClr val="dk1"/>
+    </dgm:txFillClrLst>
+    <dgm:txEffectClrLst/>
+  </dgm:styleLbl>
+  <dgm:styleLbl name="bgAcc1">
+    <dgm:fillClrLst meth="repeat">
+      <a:schemeClr val="lt1">
+        <a:alpha val="90000"/>
+      </a:schemeClr>
+    </dgm:fillClrLst>
+    <dgm:linClrLst>
+      <a:schemeClr val="accent3">
+        <a:shade val="80000"/>
+      </a:schemeClr>
+      <a:schemeClr val="accent3">
+        <a:tint val="70000"/>
+      </a:schemeClr>
+    </dgm:linClrLst>
+    <dgm:effectClrLst/>
+    <dgm:txLinClrLst/>
+    <dgm:txFillClrLst meth="repeat">
+      <a:schemeClr val="dk1"/>
+    </dgm:txFillClrLst>
+    <dgm:txEffectClrLst/>
+  </dgm:styleLbl>
+  <dgm:styleLbl name="solidFgAcc1">
+    <dgm:fillClrLst meth="repeat">
+      <a:schemeClr val="lt1"/>
+    </dgm:fillClrLst>
+    <dgm:linClrLst>
+      <a:schemeClr val="accent3">
+        <a:shade val="80000"/>
+      </a:schemeClr>
+      <a:schemeClr val="accent3">
+        <a:tint val="70000"/>
+      </a:schemeClr>
+    </dgm:linClrLst>
+    <dgm:effectClrLst/>
+    <dgm:txLinClrLst/>
+    <dgm:txFillClrLst meth="repeat">
+      <a:schemeClr val="dk1"/>
+    </dgm:txFillClrLst>
+    <dgm:txEffectClrLst/>
+  </dgm:styleLbl>
+  <dgm:styleLbl name="solidAlignAcc1">
+    <dgm:fillClrLst meth="repeat">
+      <a:schemeClr val="lt1"/>
+    </dgm:fillClrLst>
+    <dgm:linClrLst meth="repeat">
+      <a:schemeClr val="accent3"/>
+    </dgm:linClrLst>
+    <dgm:effectClrLst/>
+    <dgm:txLinClrLst/>
+    <dgm:txFillClrLst meth="repeat">
+      <a:schemeClr val="dk1"/>
+    </dgm:txFillClrLst>
+    <dgm:txEffectClrLst/>
+  </dgm:styleLbl>
+  <dgm:styleLbl name="solidBgAcc1">
+    <dgm:fillClrLst meth="repeat">
+      <a:schemeClr val="lt1"/>
+    </dgm:fillClrLst>
+    <dgm:linClrLst meth="repeat">
+      <a:schemeClr val="accent3"/>
+    </dgm:linClrLst>
+    <dgm:effectClrLst/>
+    <dgm:txLinClrLst/>
+    <dgm:txFillClrLst meth="repeat">
+      <a:schemeClr val="dk1"/>
+    </dgm:txFillClrLst>
+    <dgm:txEffectClrLst/>
+  </dgm:styleLbl>
+  <dgm:styleLbl name="fgAccFollowNode1">
+    <dgm:fillClrLst meth="repeat">
+      <a:schemeClr val="accent3">
+        <a:alpha val="90000"/>
+        <a:tint val="40000"/>
+      </a:schemeClr>
+    </dgm:fillClrLst>
+    <dgm:linClrLst meth="repeat">
+      <a:schemeClr val="accent3">
+        <a:alpha val="90000"/>
+        <a:tint val="40000"/>
+      </a:schemeClr>
+    </dgm:linClrLst>
+    <dgm:effectClrLst/>
+    <dgm:txLinClrLst/>
+    <dgm:txFillClrLst meth="repeat">
+      <a:schemeClr val="dk1"/>
+    </dgm:txFillClrLst>
+    <dgm:txEffectClrLst/>
+  </dgm:styleLbl>
+  <dgm:styleLbl name="alignAccFollowNode1">
+    <dgm:fillClrLst meth="repeat">
+      <a:schemeClr val="accent3">
+        <a:alpha val="90000"/>
+        <a:tint val="40000"/>
+      </a:schemeClr>
+    </dgm:fillClrLst>
+    <dgm:linClrLst meth="repeat">
+      <a:schemeClr val="accent3">
+        <a:alpha val="90000"/>
+        <a:tint val="40000"/>
+      </a:schemeClr>
+    </dgm:linClrLst>
+    <dgm:effectClrLst/>
+    <dgm:txLinClrLst/>
+    <dgm:txFillClrLst meth="repeat">
+      <a:schemeClr val="dk1"/>
+    </dgm:txFillClrLst>
+    <dgm:txEffectClrLst/>
+  </dgm:styleLbl>
+  <dgm:styleLbl name="bgAccFollowNode1">
+    <dgm:fillClrLst meth="repeat">
+      <a:schemeClr val="accent3">
+        <a:alpha val="90000"/>
+        <a:tint val="40000"/>
+      </a:schemeClr>
+    </dgm:fillClrLst>
+    <dgm:linClrLst meth="repeat">
+      <a:schemeClr val="lt1"/>
+    </dgm:linClrLst>
+    <dgm:effectClrLst/>
+    <dgm:txLinClrLst/>
+    <dgm:txFillClrLst meth="repeat">
+      <a:schemeClr val="dk1"/>
+    </dgm:txFillClrLst>
+    <dgm:txEffectClrLst/>
+  </dgm:styleLbl>
+  <dgm:styleLbl name="fgAcc0">
+    <dgm:fillClrLst meth="repeat">
+      <a:schemeClr val="lt1">
+        <a:alpha val="90000"/>
+      </a:schemeClr>
+    </dgm:fillClrLst>
+    <dgm:linClrLst meth="repeat">
+      <a:schemeClr val="accent3">
+        <a:shade val="80000"/>
+      </a:schemeClr>
+    </dgm:linClrLst>
+    <dgm:effectClrLst/>
+    <dgm:txLinClrLst/>
+    <dgm:txFillClrLst meth="repeat">
+      <a:schemeClr val="dk1"/>
+    </dgm:txFillClrLst>
+    <dgm:txEffectClrLst/>
+  </dgm:styleLbl>
+  <dgm:styleLbl name="fgAcc2">
+    <dgm:fillClrLst meth="repeat">
+      <a:schemeClr val="lt1">
+        <a:alpha val="90000"/>
+      </a:schemeClr>
+    </dgm:fillClrLst>
+    <dgm:linClrLst meth="repeat">
+      <a:schemeClr val="accent3">
+        <a:tint val="99000"/>
+      </a:schemeClr>
+    </dgm:linClrLst>
+    <dgm:effectClrLst/>
+    <dgm:txLinClrLst/>
+    <dgm:txFillClrLst meth="repeat">
+      <a:schemeClr val="dk1"/>
+    </dgm:txFillClrLst>
+    <dgm:txEffectClrLst/>
+  </dgm:styleLbl>
+  <dgm:styleLbl name="fgAcc3">
+    <dgm:fillClrLst meth="repeat">
+      <a:schemeClr val="lt1">
+        <a:alpha val="90000"/>
+      </a:schemeClr>
+    </dgm:fillClrLst>
+    <dgm:linClrLst meth="repeat">
+      <a:schemeClr val="accent3">
+        <a:tint val="80000"/>
+      </a:schemeClr>
+    </dgm:linClrLst>
+    <dgm:effectClrLst/>
+    <dgm:txLinClrLst/>
+    <dgm:txFillClrLst meth="repeat">
+      <a:schemeClr val="dk1"/>
+    </dgm:txFillClrLst>
+    <dgm:txEffectClrLst/>
+  </dgm:styleLbl>
+  <dgm:styleLbl name="fgAcc4">
+    <dgm:fillClrLst meth="repeat">
+      <a:schemeClr val="lt1">
+        <a:alpha val="90000"/>
+      </a:schemeClr>
+    </dgm:fillClrLst>
+    <dgm:linClrLst meth="repeat">
+      <a:schemeClr val="accent3">
+        <a:tint val="70000"/>
+      </a:schemeClr>
+    </dgm:linClrLst>
+    <dgm:effectClrLst/>
+    <dgm:txLinClrLst/>
+    <dgm:txFillClrLst meth="repeat">
+      <a:schemeClr val="dk1"/>
+    </dgm:txFillClrLst>
+    <dgm:txEffectClrLst/>
+  </dgm:styleLbl>
+  <dgm:styleLbl name="bgShp">
+    <dgm:fillClrLst meth="repeat">
+      <a:schemeClr val="accent3">
+        <a:tint val="40000"/>
+      </a:schemeClr>
+    </dgm:fillClrLst>
+    <dgm:linClrLst meth="repeat">
+      <a:schemeClr val="dk1"/>
+    </dgm:linClrLst>
+    <dgm:effectClrLst/>
+    <dgm:txLinClrLst/>
+    <dgm:txFillClrLst meth="repeat">
+      <a:schemeClr val="dk1"/>
+    </dgm:txFillClrLst>
+    <dgm:txEffectClrLst/>
+  </dgm:styleLbl>
+  <dgm:styleLbl name="dkBgShp">
+    <dgm:fillClrLst meth="repeat">
+      <a:schemeClr val="accent3">
+        <a:shade val="90000"/>
+      </a:schemeClr>
+    </dgm:fillClrLst>
+    <dgm:linClrLst meth="repeat">
+      <a:schemeClr val="dk1"/>
+    </dgm:linClrLst>
+    <dgm:effectClrLst/>
+    <dgm:txLinClrLst/>
+    <dgm:txFillClrLst meth="repeat">
+      <a:schemeClr val="lt1"/>
+    </dgm:txFillClrLst>
+    <dgm:txEffectClrLst/>
+  </dgm:styleLbl>
+  <dgm:styleLbl name="trBgShp">
+    <dgm:fillClrLst meth="repeat">
+      <a:schemeClr val="accent3">
+        <a:tint val="50000"/>
+        <a:alpha val="40000"/>
+      </a:schemeClr>
+    </dgm:fillClrLst>
+    <dgm:linClrLst meth="repeat">
+      <a:schemeClr val="accent3"/>
+    </dgm:linClrLst>
+    <dgm:effectClrLst/>
+    <dgm:txLinClrLst/>
+    <dgm:txFillClrLst meth="repeat">
+      <a:schemeClr val="lt1"/>
+    </dgm:txFillClrLst>
+    <dgm:txEffectClrLst/>
+  </dgm:styleLbl>
+  <dgm:styleLbl name="fgShp">
+    <dgm:fillClrLst meth="repeat">
+      <a:schemeClr val="accent3">
+        <a:tint val="40000"/>
+      </a:schemeClr>
+    </dgm:fillClrLst>
+    <dgm:linClrLst meth="repeat">
+      <a:schemeClr val="lt1"/>
+    </dgm:linClrLst>
+    <dgm:effectClrLst/>
+    <dgm:txLinClrLst/>
+    <dgm:txFillClrLst meth="repeat">
+      <a:schemeClr val="dk1"/>
+    </dgm:txFillClrLst>
+    <dgm:txEffectClrLst/>
+  </dgm:styleLbl>
+  <dgm:styleLbl name="revTx">
+    <dgm:fillClrLst meth="repeat">
+      <a:schemeClr val="lt1">
+        <a:alpha val="0"/>
+      </a:schemeClr>
+    </dgm:fillClrLst>
+    <dgm:linClrLst meth="repeat">
+      <a:schemeClr val="dk1">
+        <a:alpha val="0"/>
+      </a:schemeClr>
+    </dgm:linClrLst>
+    <dgm:effectClrLst/>
+    <dgm:txLinClrLst/>
+    <dgm:txFillClrLst meth="repeat">
+      <a:schemeClr val="tx1"/>
+    </dgm:txFillClrLst>
+    <dgm:txEffectClrLst/>
+  </dgm:styleLbl>
+</dgm:colorsDef>
+</file>
+
+<file path=ppt/diagrams/data1.xml><?xml version="1.0" encoding="utf-8"?>
+<dgm:dataModel xmlns:dgm="http://schemas.openxmlformats.org/drawingml/2006/diagram" xmlns:a="http://schemas.openxmlformats.org/drawingml/2006/main">
+  <dgm:ptLst>
+    <dgm:pt modelId="{8CD05B93-892E-4BDB-8D82-3282245BA974}" type="doc">
+      <dgm:prSet loTypeId="urn:microsoft.com/office/officeart/2005/8/layout/vProcess5" loCatId="process" qsTypeId="urn:microsoft.com/office/officeart/2005/8/quickstyle/simple1" qsCatId="simple" csTypeId="urn:microsoft.com/office/officeart/2005/8/colors/accent3_3" csCatId="accent3" phldr="1"/>
+      <dgm:spPr/>
+    </dgm:pt>
+    <dgm:pt modelId="{67B50F81-6ACC-4FFC-94BB-C471B3D1385F}">
+      <dgm:prSet phldrT="[文字]" custT="1"/>
+      <dgm:spPr/>
+      <dgm:t>
+        <a:bodyPr/>
+        <a:lstStyle/>
+        <a:p>
+          <a:r>
+            <a:rPr lang="zh-TW" altLang="en-US" sz="2000" dirty="0" smtClean="0">
+              <a:solidFill>
+                <a:schemeClr val="bg1"/>
+              </a:solidFill>
+            </a:rPr>
+            <a:t>標準化</a:t>
+          </a:r>
+          <a:r>
+            <a:rPr lang="en-US" altLang="zh-TW" sz="2000" dirty="0" smtClean="0">
+              <a:solidFill>
+                <a:schemeClr val="bg1"/>
+              </a:solidFill>
+            </a:rPr>
+            <a:t>D</a:t>
+          </a:r>
+          <a:r>
+            <a:rPr lang="zh-TW" altLang="en-US" sz="2000" dirty="0" smtClean="0">
+              <a:solidFill>
+                <a:schemeClr val="bg1"/>
+              </a:solidFill>
+            </a:rPr>
+            <a:t>維原數據集</a:t>
+          </a:r>
+          <a:endParaRPr lang="zh-TW" altLang="en-US" sz="2000" dirty="0">
             <a:solidFill>
-              <a:schemeClr val="accent1"/>
+              <a:schemeClr val="bg1"/>
             </a:solidFill>
-            <a:ln>
-              <a:noFill/>
-            </a:ln>
-            <a:effectLst/>
-          </c:spPr>
-          <c:invertIfNegative val="0"/>
-          <c:dLbls>
-            <c:spPr>
-              <a:noFill/>
-              <a:ln>
-                <a:noFill/>
-              </a:ln>
-              <a:effectLst/>
-            </c:spPr>
-            <c:txPr>
-              <a:bodyPr rot="0" spcFirstLastPara="1" vertOverflow="ellipsis" vert="horz" wrap="square" lIns="38100" tIns="19050" rIns="38100" bIns="19050" anchor="ctr" anchorCtr="1">
-                <a:spAutoFit/>
-              </a:bodyPr>
-              <a:lstStyle/>
-              <a:p>
-                <a:pPr>
-                  <a:defRPr sz="1197" b="0" i="0" u="none" strike="noStrike" kern="1200" baseline="0">
-                    <a:solidFill>
-                      <a:schemeClr val="tx1">
-                        <a:lumMod val="75000"/>
-                        <a:lumOff val="25000"/>
-                      </a:schemeClr>
-                    </a:solidFill>
-                    <a:latin typeface="微軟正黑體" panose="020B0604030504040204" pitchFamily="34" charset="-120"/>
-                    <a:ea typeface="微軟正黑體" panose="020B0604030504040204" pitchFamily="34" charset="-120"/>
-                    <a:cs typeface="+mn-cs"/>
-                  </a:defRPr>
-                </a:pPr>
-                <a:endParaRPr lang="zh-TW"/>
-              </a:p>
-            </c:txPr>
-            <c:showLegendKey val="0"/>
-            <c:showVal val="1"/>
-            <c:showCatName val="0"/>
-            <c:showSerName val="0"/>
-            <c:showPercent val="0"/>
-            <c:showBubbleSize val="0"/>
-            <c:showLeaderLines val="0"/>
-            <c:extLst>
-              <c:ext xmlns:c15="http://schemas.microsoft.com/office/drawing/2012/chart" uri="{CE6537A1-D6FC-4f65-9D91-7224C49458BB}">
-                <c15:layout/>
-                <c15:showLeaderLines val="1"/>
-                <c15:leaderLines>
-                  <c:spPr>
-                    <a:ln w="9525" cap="flat" cmpd="sng" algn="ctr">
-                      <a:solidFill>
-                        <a:schemeClr val="tx1">
-                          <a:lumMod val="35000"/>
-                          <a:lumOff val="65000"/>
-                        </a:schemeClr>
-                      </a:solidFill>
-                      <a:round/>
-                    </a:ln>
-                    <a:effectLst/>
-                  </c:spPr>
-                </c15:leaderLines>
-              </c:ext>
-            </c:extLst>
-          </c:dLbls>
-          <c:cat>
-            <c:strRef>
-              <c:f>Sheet1!$A$2:$A$5</c:f>
-              <c:strCache>
-                <c:ptCount val="4"/>
-                <c:pt idx="0">
-                  <c:v>類別 1</c:v>
-                </c:pt>
-                <c:pt idx="1">
-                  <c:v>類別 2</c:v>
-                </c:pt>
-                <c:pt idx="2">
-                  <c:v>類別 3</c:v>
-                </c:pt>
-                <c:pt idx="3">
-                  <c:v>類別 4</c:v>
-                </c:pt>
-              </c:strCache>
-            </c:strRef>
-          </c:cat>
-          <c:val>
-            <c:numRef>
-              <c:f>Sheet1!$B$2:$B$5</c:f>
-              <c:numCache>
-                <c:formatCode>General</c:formatCode>
-                <c:ptCount val="4"/>
-                <c:pt idx="0">
-                  <c:v>4.3</c:v>
-                </c:pt>
-                <c:pt idx="1">
-                  <c:v>2.5</c:v>
-                </c:pt>
-                <c:pt idx="2">
-                  <c:v>3.5</c:v>
-                </c:pt>
-                <c:pt idx="3">
-                  <c:v>4.5</c:v>
-                </c:pt>
-              </c:numCache>
-            </c:numRef>
-          </c:val>
-          <c:extLst>
-            <c:ext xmlns:c16="http://schemas.microsoft.com/office/drawing/2014/chart" uri="{C3380CC4-5D6E-409C-BE32-E72D297353CC}">
-              <c16:uniqueId val="{00000000-4436-4FEF-9D1A-746EB9A75A6D}"/>
-            </c:ext>
-          </c:extLst>
-        </c:ser>
-        <c:ser>
-          <c:idx val="1"/>
-          <c:order val="1"/>
-          <c:tx>
-            <c:strRef>
-              <c:f>Sheet1!$C$1</c:f>
-              <c:strCache>
-                <c:ptCount val="1"/>
-                <c:pt idx="0">
-                  <c:v>數列 2</c:v>
-                </c:pt>
-              </c:strCache>
-            </c:strRef>
-          </c:tx>
-          <c:spPr>
+          </a:endParaRPr>
+        </a:p>
+      </dgm:t>
+    </dgm:pt>
+    <dgm:pt modelId="{E542AAA5-1ABE-483F-869B-20F5041F42C8}" type="parTrans" cxnId="{04B6FA74-D8BC-4180-AE05-5465C89D665A}">
+      <dgm:prSet/>
+      <dgm:spPr/>
+      <dgm:t>
+        <a:bodyPr/>
+        <a:lstStyle/>
+        <a:p>
+          <a:endParaRPr lang="zh-TW" altLang="en-US" sz="2000">
             <a:solidFill>
-              <a:schemeClr val="accent2"/>
+              <a:schemeClr val="bg1"/>
             </a:solidFill>
-            <a:ln>
-              <a:noFill/>
-            </a:ln>
-            <a:effectLst/>
-          </c:spPr>
-          <c:invertIfNegative val="0"/>
-          <c:dLbls>
-            <c:spPr>
-              <a:noFill/>
-              <a:ln>
-                <a:noFill/>
-              </a:ln>
-              <a:effectLst/>
-            </c:spPr>
-            <c:txPr>
-              <a:bodyPr rot="0" spcFirstLastPara="1" vertOverflow="ellipsis" vert="horz" wrap="square" lIns="38100" tIns="19050" rIns="38100" bIns="19050" anchor="ctr" anchorCtr="1">
-                <a:spAutoFit/>
-              </a:bodyPr>
-              <a:lstStyle/>
-              <a:p>
-                <a:pPr>
-                  <a:defRPr sz="1197" b="0" i="0" u="none" strike="noStrike" kern="1200" baseline="0">
-                    <a:solidFill>
-                      <a:schemeClr val="tx1">
-                        <a:lumMod val="75000"/>
-                        <a:lumOff val="25000"/>
-                      </a:schemeClr>
-                    </a:solidFill>
-                    <a:latin typeface="微軟正黑體" panose="020B0604030504040204" pitchFamily="34" charset="-120"/>
-                    <a:ea typeface="微軟正黑體" panose="020B0604030504040204" pitchFamily="34" charset="-120"/>
-                    <a:cs typeface="+mn-cs"/>
-                  </a:defRPr>
-                </a:pPr>
-                <a:endParaRPr lang="zh-TW"/>
-              </a:p>
-            </c:txPr>
-            <c:showLegendKey val="0"/>
-            <c:showVal val="1"/>
-            <c:showCatName val="0"/>
-            <c:showSerName val="0"/>
-            <c:showPercent val="0"/>
-            <c:showBubbleSize val="0"/>
-            <c:showLeaderLines val="0"/>
-            <c:extLst>
-              <c:ext xmlns:c15="http://schemas.microsoft.com/office/drawing/2012/chart" uri="{CE6537A1-D6FC-4f65-9D91-7224C49458BB}">
-                <c15:layout/>
-                <c15:showLeaderLines val="1"/>
-                <c15:leaderLines>
-                  <c:spPr>
-                    <a:ln w="9525" cap="flat" cmpd="sng" algn="ctr">
-                      <a:solidFill>
-                        <a:schemeClr val="tx1">
-                          <a:lumMod val="35000"/>
-                          <a:lumOff val="65000"/>
-                        </a:schemeClr>
-                      </a:solidFill>
-                      <a:round/>
-                    </a:ln>
-                    <a:effectLst/>
-                  </c:spPr>
-                </c15:leaderLines>
-              </c:ext>
-            </c:extLst>
-          </c:dLbls>
-          <c:cat>
-            <c:strRef>
-              <c:f>Sheet1!$A$2:$A$5</c:f>
-              <c:strCache>
-                <c:ptCount val="4"/>
-                <c:pt idx="0">
-                  <c:v>類別 1</c:v>
-                </c:pt>
-                <c:pt idx="1">
-                  <c:v>類別 2</c:v>
-                </c:pt>
-                <c:pt idx="2">
-                  <c:v>類別 3</c:v>
-                </c:pt>
-                <c:pt idx="3">
-                  <c:v>類別 4</c:v>
-                </c:pt>
-              </c:strCache>
-            </c:strRef>
-          </c:cat>
-          <c:val>
-            <c:numRef>
-              <c:f>Sheet1!$C$2:$C$5</c:f>
-              <c:numCache>
-                <c:formatCode>General</c:formatCode>
-                <c:ptCount val="4"/>
-                <c:pt idx="0">
-                  <c:v>2.4</c:v>
-                </c:pt>
-                <c:pt idx="1">
-                  <c:v>4.4000000000000004</c:v>
-                </c:pt>
-                <c:pt idx="2">
-                  <c:v>1.8</c:v>
-                </c:pt>
-                <c:pt idx="3">
-                  <c:v>2.8</c:v>
-                </c:pt>
-              </c:numCache>
-            </c:numRef>
-          </c:val>
-          <c:extLst>
-            <c:ext xmlns:c16="http://schemas.microsoft.com/office/drawing/2014/chart" uri="{C3380CC4-5D6E-409C-BE32-E72D297353CC}">
-              <c16:uniqueId val="{00000001-4436-4FEF-9D1A-746EB9A75A6D}"/>
-            </c:ext>
-          </c:extLst>
-        </c:ser>
-        <c:ser>
-          <c:idx val="2"/>
-          <c:order val="2"/>
-          <c:tx>
-            <c:strRef>
-              <c:f>Sheet1!$D$1</c:f>
-              <c:strCache>
-                <c:ptCount val="1"/>
-                <c:pt idx="0">
-                  <c:v>數列 3</c:v>
-                </c:pt>
-              </c:strCache>
-            </c:strRef>
-          </c:tx>
-          <c:spPr>
+          </a:endParaRPr>
+        </a:p>
+      </dgm:t>
+    </dgm:pt>
+    <dgm:pt modelId="{5E973A67-1486-45A0-BA8F-94F816C5FE28}" type="sibTrans" cxnId="{04B6FA74-D8BC-4180-AE05-5465C89D665A}">
+      <dgm:prSet custT="1"/>
+      <dgm:spPr/>
+      <dgm:t>
+        <a:bodyPr/>
+        <a:lstStyle/>
+        <a:p>
+          <a:endParaRPr lang="zh-TW" altLang="en-US" sz="2000">
             <a:solidFill>
-              <a:schemeClr val="accent3"/>
+              <a:schemeClr val="bg1"/>
             </a:solidFill>
-            <a:ln>
-              <a:noFill/>
-            </a:ln>
-            <a:effectLst/>
-          </c:spPr>
-          <c:invertIfNegative val="0"/>
-          <c:dLbls>
-            <c:spPr>
-              <a:noFill/>
-              <a:ln>
-                <a:noFill/>
-              </a:ln>
-              <a:effectLst/>
-            </c:spPr>
-            <c:txPr>
-              <a:bodyPr rot="0" spcFirstLastPara="1" vertOverflow="ellipsis" vert="horz" wrap="square" lIns="38100" tIns="19050" rIns="38100" bIns="19050" anchor="ctr" anchorCtr="1">
-                <a:spAutoFit/>
-              </a:bodyPr>
-              <a:lstStyle/>
-              <a:p>
-                <a:pPr>
-                  <a:defRPr sz="1197" b="0" i="0" u="none" strike="noStrike" kern="1200" baseline="0">
-                    <a:solidFill>
-                      <a:schemeClr val="tx1">
-                        <a:lumMod val="75000"/>
-                        <a:lumOff val="25000"/>
-                      </a:schemeClr>
-                    </a:solidFill>
-                    <a:latin typeface="微軟正黑體" panose="020B0604030504040204" pitchFamily="34" charset="-120"/>
-                    <a:ea typeface="微軟正黑體" panose="020B0604030504040204" pitchFamily="34" charset="-120"/>
-                    <a:cs typeface="+mn-cs"/>
-                  </a:defRPr>
-                </a:pPr>
-                <a:endParaRPr lang="zh-TW"/>
-              </a:p>
-            </c:txPr>
-            <c:showLegendKey val="0"/>
-            <c:showVal val="1"/>
-            <c:showCatName val="0"/>
-            <c:showSerName val="0"/>
-            <c:showPercent val="0"/>
-            <c:showBubbleSize val="0"/>
-            <c:showLeaderLines val="0"/>
-            <c:extLst>
-              <c:ext xmlns:c15="http://schemas.microsoft.com/office/drawing/2012/chart" uri="{CE6537A1-D6FC-4f65-9D91-7224C49458BB}">
-                <c15:layout/>
-                <c15:showLeaderLines val="1"/>
-                <c15:leaderLines>
-                  <c:spPr>
-                    <a:ln w="9525" cap="flat" cmpd="sng" algn="ctr">
-                      <a:solidFill>
-                        <a:schemeClr val="tx1">
-                          <a:lumMod val="35000"/>
-                          <a:lumOff val="65000"/>
-                        </a:schemeClr>
-                      </a:solidFill>
-                      <a:round/>
-                    </a:ln>
-                    <a:effectLst/>
-                  </c:spPr>
-                </c15:leaderLines>
-              </c:ext>
-            </c:extLst>
-          </c:dLbls>
-          <c:cat>
-            <c:strRef>
-              <c:f>Sheet1!$A$2:$A$5</c:f>
-              <c:strCache>
-                <c:ptCount val="4"/>
-                <c:pt idx="0">
-                  <c:v>類別 1</c:v>
-                </c:pt>
-                <c:pt idx="1">
-                  <c:v>類別 2</c:v>
-                </c:pt>
-                <c:pt idx="2">
-                  <c:v>類別 3</c:v>
-                </c:pt>
-                <c:pt idx="3">
-                  <c:v>類別 4</c:v>
-                </c:pt>
-              </c:strCache>
-            </c:strRef>
-          </c:cat>
-          <c:val>
-            <c:numRef>
-              <c:f>Sheet1!$D$2:$D$5</c:f>
-              <c:numCache>
-                <c:formatCode>General</c:formatCode>
-                <c:ptCount val="4"/>
-                <c:pt idx="0">
-                  <c:v>2</c:v>
-                </c:pt>
-                <c:pt idx="1">
-                  <c:v>2</c:v>
-                </c:pt>
-                <c:pt idx="2">
-                  <c:v>3</c:v>
-                </c:pt>
-                <c:pt idx="3">
-                  <c:v>5</c:v>
-                </c:pt>
-              </c:numCache>
-            </c:numRef>
-          </c:val>
-          <c:extLst>
-            <c:ext xmlns:c16="http://schemas.microsoft.com/office/drawing/2014/chart" uri="{C3380CC4-5D6E-409C-BE32-E72D297353CC}">
-              <c16:uniqueId val="{00000002-4436-4FEF-9D1A-746EB9A75A6D}"/>
-            </c:ext>
-          </c:extLst>
-        </c:ser>
-        <c:dLbls>
-          <c:showLegendKey val="0"/>
-          <c:showVal val="1"/>
-          <c:showCatName val="0"/>
-          <c:showSerName val="0"/>
-          <c:showPercent val="0"/>
-          <c:showBubbleSize val="0"/>
-        </c:dLbls>
-        <c:gapWidth val="150"/>
-        <c:overlap val="-25"/>
-        <c:axId val="391884040"/>
-        <c:axId val="391883648"/>
-      </c:barChart>
-      <c:catAx>
-        <c:axId val="391884040"/>
-        <c:scaling>
-          <c:orientation val="minMax"/>
-        </c:scaling>
-        <c:delete val="0"/>
-        <c:axPos val="b"/>
-        <c:numFmt formatCode="General" sourceLinked="1"/>
-        <c:majorTickMark val="none"/>
-        <c:minorTickMark val="none"/>
-        <c:tickLblPos val="nextTo"/>
-        <c:spPr>
-          <a:noFill/>
-          <a:ln w="9525" cap="flat" cmpd="sng" algn="ctr">
+          </a:endParaRPr>
+        </a:p>
+      </dgm:t>
+    </dgm:pt>
+    <dgm:pt modelId="{295CCB4F-B6B3-4028-B8DF-7C3D0AB51AAD}">
+      <dgm:prSet phldrT="[文字]" custT="1"/>
+      <dgm:spPr/>
+      <dgm:t>
+        <a:bodyPr/>
+        <a:lstStyle/>
+        <a:p>
+          <a:r>
+            <a:rPr lang="zh-TW" altLang="en-US" sz="2000" dirty="0" smtClean="0">
+              <a:solidFill>
+                <a:schemeClr val="bg1"/>
+              </a:solidFill>
+            </a:rPr>
+            <a:t>分解共變異數矩陣為特徵向量與特徵值</a:t>
+          </a:r>
+          <a:r>
+            <a:rPr lang="en-US" altLang="zh-TW" sz="2000" dirty="0" smtClean="0">
+              <a:solidFill>
+                <a:schemeClr val="bg1"/>
+              </a:solidFill>
+            </a:rPr>
+            <a:t>(eigenvector)</a:t>
+          </a:r>
+          <a:endParaRPr lang="zh-TW" altLang="en-US" sz="2000" dirty="0">
             <a:solidFill>
-              <a:schemeClr val="tx1">
-                <a:lumMod val="15000"/>
-                <a:lumOff val="85000"/>
-              </a:schemeClr>
+              <a:schemeClr val="bg1"/>
             </a:solidFill>
-            <a:round/>
-          </a:ln>
-          <a:effectLst/>
-        </c:spPr>
-        <c:txPr>
-          <a:bodyPr rot="-60000000" spcFirstLastPara="1" vertOverflow="ellipsis" vert="horz" wrap="square" anchor="ctr" anchorCtr="1"/>
-          <a:lstStyle/>
-          <a:p>
-            <a:pPr>
-              <a:defRPr sz="1197" b="0" i="0" u="none" strike="noStrike" kern="1200" baseline="0">
-                <a:solidFill>
-                  <a:schemeClr val="tx1">
-                    <a:lumMod val="65000"/>
-                    <a:lumOff val="35000"/>
-                  </a:schemeClr>
-                </a:solidFill>
-                <a:latin typeface="微軟正黑體" panose="020B0604030504040204" pitchFamily="34" charset="-120"/>
-                <a:ea typeface="微軟正黑體" panose="020B0604030504040204" pitchFamily="34" charset="-120"/>
-                <a:cs typeface="+mn-cs"/>
-              </a:defRPr>
-            </a:pPr>
-            <a:endParaRPr lang="zh-TW"/>
-          </a:p>
-        </c:txPr>
-        <c:crossAx val="391883648"/>
-        <c:crosses val="autoZero"/>
-        <c:auto val="1"/>
-        <c:lblAlgn val="ctr"/>
-        <c:lblOffset val="100"/>
-        <c:noMultiLvlLbl val="0"/>
-      </c:catAx>
-      <c:valAx>
-        <c:axId val="391883648"/>
-        <c:scaling>
-          <c:orientation val="minMax"/>
-        </c:scaling>
-        <c:delete val="1"/>
-        <c:axPos val="l"/>
-        <c:numFmt formatCode="General" sourceLinked="1"/>
-        <c:majorTickMark val="none"/>
-        <c:minorTickMark val="none"/>
-        <c:tickLblPos val="nextTo"/>
-        <c:crossAx val="391884040"/>
-        <c:crosses val="autoZero"/>
-        <c:crossBetween val="between"/>
-      </c:valAx>
-      <c:spPr>
-        <a:noFill/>
-        <a:ln>
-          <a:noFill/>
+          </a:endParaRPr>
+        </a:p>
+      </dgm:t>
+    </dgm:pt>
+    <dgm:pt modelId="{4EDF469E-0B9E-4C73-AA0C-4AA0D0E0D4F9}" type="parTrans" cxnId="{A57273BD-0DEA-462F-8D96-E777F2BBE039}">
+      <dgm:prSet/>
+      <dgm:spPr/>
+      <dgm:t>
+        <a:bodyPr/>
+        <a:lstStyle/>
+        <a:p>
+          <a:endParaRPr lang="zh-TW" altLang="en-US" sz="2000">
+            <a:solidFill>
+              <a:schemeClr val="bg1"/>
+            </a:solidFill>
+          </a:endParaRPr>
+        </a:p>
+      </dgm:t>
+    </dgm:pt>
+    <dgm:pt modelId="{755BAA70-8F1B-43F7-9791-F4C090C93D44}" type="sibTrans" cxnId="{A57273BD-0DEA-462F-8D96-E777F2BBE039}">
+      <dgm:prSet custT="1"/>
+      <dgm:spPr/>
+      <dgm:t>
+        <a:bodyPr/>
+        <a:lstStyle/>
+        <a:p>
+          <a:endParaRPr lang="zh-TW" altLang="en-US" sz="2000">
+            <a:solidFill>
+              <a:schemeClr val="bg1"/>
+            </a:solidFill>
+          </a:endParaRPr>
+        </a:p>
+      </dgm:t>
+    </dgm:pt>
+    <dgm:pt modelId="{4241C6E5-1D1A-4507-93FF-C3D69CE477B1}">
+      <dgm:prSet phldrT="[文字]" custT="1"/>
+      <dgm:spPr/>
+      <dgm:t>
+        <a:bodyPr/>
+        <a:lstStyle/>
+        <a:p>
+          <a:r>
+            <a:rPr lang="zh-TW" altLang="en-US" sz="2000" dirty="0" smtClean="0">
+              <a:solidFill>
+                <a:schemeClr val="bg1"/>
+              </a:solidFill>
+            </a:rPr>
+            <a:t>選取</a:t>
+          </a:r>
+          <a:r>
+            <a:rPr lang="en-US" altLang="zh-TW" sz="2000" dirty="0" smtClean="0">
+              <a:solidFill>
+                <a:schemeClr val="bg1"/>
+              </a:solidFill>
+            </a:rPr>
+            <a:t>K</a:t>
+          </a:r>
+          <a:r>
+            <a:rPr lang="zh-TW" altLang="en-US" sz="2000" dirty="0" smtClean="0">
+              <a:solidFill>
+                <a:schemeClr val="bg1"/>
+              </a:solidFill>
+            </a:rPr>
+            <a:t>個最大特徵值相對應知特徵向量</a:t>
+          </a:r>
+          <a:endParaRPr lang="zh-TW" altLang="en-US" sz="2000" dirty="0">
+            <a:solidFill>
+              <a:schemeClr val="bg1"/>
+            </a:solidFill>
+          </a:endParaRPr>
+        </a:p>
+      </dgm:t>
+    </dgm:pt>
+    <dgm:pt modelId="{EE1B9613-8362-40C1-8F9B-52B9492C0AE3}" type="parTrans" cxnId="{B1123C7D-D6DF-452D-AA93-A04E9E7BA46F}">
+      <dgm:prSet/>
+      <dgm:spPr/>
+      <dgm:t>
+        <a:bodyPr/>
+        <a:lstStyle/>
+        <a:p>
+          <a:endParaRPr lang="zh-TW" altLang="en-US" sz="2000">
+            <a:solidFill>
+              <a:schemeClr val="bg1"/>
+            </a:solidFill>
+          </a:endParaRPr>
+        </a:p>
+      </dgm:t>
+    </dgm:pt>
+    <dgm:pt modelId="{01504A53-2CF1-45CA-B751-A9B5CD895E4D}" type="sibTrans" cxnId="{B1123C7D-D6DF-452D-AA93-A04E9E7BA46F}">
+      <dgm:prSet custT="1"/>
+      <dgm:spPr/>
+      <dgm:t>
+        <a:bodyPr/>
+        <a:lstStyle/>
+        <a:p>
+          <a:endParaRPr lang="zh-TW" altLang="en-US" sz="2000">
+            <a:solidFill>
+              <a:schemeClr val="bg1"/>
+            </a:solidFill>
+          </a:endParaRPr>
+        </a:p>
+      </dgm:t>
+    </dgm:pt>
+    <dgm:pt modelId="{64BCB513-6798-45D7-9B02-98E28A53E0F0}">
+      <dgm:prSet phldrT="[文字]" custT="1"/>
+      <dgm:spPr/>
+      <dgm:t>
+        <a:bodyPr/>
+        <a:lstStyle/>
+        <a:p>
+          <a:r>
+            <a:rPr lang="zh-TW" altLang="en-US" sz="2000" dirty="0" smtClean="0">
+              <a:solidFill>
+                <a:schemeClr val="bg1"/>
+              </a:solidFill>
+            </a:rPr>
+            <a:t>建立共變異數矩陣</a:t>
+          </a:r>
+          <a:r>
+            <a:rPr lang="en-US" altLang="zh-TW" sz="2000" dirty="0" smtClean="0">
+              <a:solidFill>
+                <a:schemeClr val="bg1"/>
+              </a:solidFill>
+            </a:rPr>
+            <a:t>(covariance matrix)</a:t>
+          </a:r>
+          <a:endParaRPr lang="zh-TW" altLang="en-US" sz="2000" dirty="0">
+            <a:solidFill>
+              <a:schemeClr val="bg1"/>
+            </a:solidFill>
+          </a:endParaRPr>
+        </a:p>
+      </dgm:t>
+    </dgm:pt>
+    <dgm:pt modelId="{D5A931BB-ABFB-4C43-8979-FF79EF65F0AF}" type="parTrans" cxnId="{763D4546-FE86-423F-9274-5E94E6537363}">
+      <dgm:prSet/>
+      <dgm:spPr/>
+      <dgm:t>
+        <a:bodyPr/>
+        <a:lstStyle/>
+        <a:p>
+          <a:endParaRPr lang="zh-TW" altLang="en-US" sz="2000">
+            <a:solidFill>
+              <a:schemeClr val="bg1"/>
+            </a:solidFill>
+          </a:endParaRPr>
+        </a:p>
+      </dgm:t>
+    </dgm:pt>
+    <dgm:pt modelId="{31D25216-6064-4032-B402-5EBDBD20B3A0}" type="sibTrans" cxnId="{763D4546-FE86-423F-9274-5E94E6537363}">
+      <dgm:prSet custT="1"/>
+      <dgm:spPr/>
+      <dgm:t>
+        <a:bodyPr/>
+        <a:lstStyle/>
+        <a:p>
+          <a:endParaRPr lang="zh-TW" altLang="en-US" sz="2000">
+            <a:solidFill>
+              <a:schemeClr val="bg1"/>
+            </a:solidFill>
+          </a:endParaRPr>
+        </a:p>
+      </dgm:t>
+    </dgm:pt>
+    <dgm:pt modelId="{BCFC0A7E-F2E5-4311-9C57-6C486BDF63A6}">
+      <dgm:prSet phldrT="[文字]" custT="1"/>
+      <dgm:spPr/>
+      <dgm:t>
+        <a:bodyPr/>
+        <a:lstStyle/>
+        <a:p>
+          <a:r>
+            <a:rPr lang="zh-TW" altLang="en-US" sz="2000" dirty="0" smtClean="0">
+              <a:solidFill>
+                <a:schemeClr val="bg1"/>
+              </a:solidFill>
+            </a:rPr>
+            <a:t>使用遞減的</a:t>
+          </a:r>
+          <a:r>
+            <a:rPr lang="en-US" altLang="zh-TW" sz="2000" dirty="0" smtClean="0">
+              <a:solidFill>
+                <a:schemeClr val="bg1"/>
+              </a:solidFill>
+            </a:rPr>
+            <a:t>K</a:t>
+          </a:r>
+          <a:r>
+            <a:rPr lang="zh-TW" altLang="en-US" sz="2000" dirty="0" smtClean="0">
+              <a:solidFill>
+                <a:schemeClr val="bg1"/>
+              </a:solidFill>
+            </a:rPr>
+            <a:t>個特徵向量，建立投影矩陣</a:t>
+          </a:r>
+          <a:r>
+            <a:rPr lang="en-US" altLang="zh-TW" sz="2000" dirty="0" smtClean="0">
+              <a:solidFill>
+                <a:schemeClr val="bg1"/>
+              </a:solidFill>
+            </a:rPr>
+            <a:t>(project matrix) W</a:t>
+          </a:r>
+          <a:endParaRPr lang="zh-TW" altLang="en-US" sz="2000" dirty="0">
+            <a:solidFill>
+              <a:schemeClr val="bg1"/>
+            </a:solidFill>
+          </a:endParaRPr>
+        </a:p>
+      </dgm:t>
+    </dgm:pt>
+    <dgm:pt modelId="{5A0A140C-52A6-4E03-9ABF-E38C2A36146F}" type="parTrans" cxnId="{EBD73034-0A65-4A08-BC60-C8DCFBDB8870}">
+      <dgm:prSet/>
+      <dgm:spPr/>
+      <dgm:t>
+        <a:bodyPr/>
+        <a:lstStyle/>
+        <a:p>
+          <a:endParaRPr lang="zh-TW" altLang="en-US" sz="2000">
+            <a:solidFill>
+              <a:schemeClr val="bg1"/>
+            </a:solidFill>
+          </a:endParaRPr>
+        </a:p>
+      </dgm:t>
+    </dgm:pt>
+    <dgm:pt modelId="{52C4958B-73A3-46D3-9C09-0123013C5AE2}" type="sibTrans" cxnId="{EBD73034-0A65-4A08-BC60-C8DCFBDB8870}">
+      <dgm:prSet/>
+      <dgm:spPr/>
+      <dgm:t>
+        <a:bodyPr/>
+        <a:lstStyle/>
+        <a:p>
+          <a:endParaRPr lang="zh-TW" altLang="en-US" sz="2000">
+            <a:solidFill>
+              <a:schemeClr val="bg1"/>
+            </a:solidFill>
+          </a:endParaRPr>
+        </a:p>
+      </dgm:t>
+    </dgm:pt>
+    <dgm:pt modelId="{1BBADA4F-6A1B-4631-925F-3615CC91EBEF}">
+      <dgm:prSet phldrT="[文字]"/>
+      <dgm:spPr/>
+    </dgm:pt>
+    <dgm:pt modelId="{B7B52BFF-68E1-407E-AC29-F88370EF0795}" type="parTrans" cxnId="{FBCC2F53-45F9-45C3-BFF0-79260B7C797B}">
+      <dgm:prSet/>
+      <dgm:spPr/>
+      <dgm:t>
+        <a:bodyPr/>
+        <a:lstStyle/>
+        <a:p>
+          <a:endParaRPr lang="zh-TW" altLang="en-US" sz="2000">
+            <a:solidFill>
+              <a:schemeClr val="bg1"/>
+            </a:solidFill>
+          </a:endParaRPr>
+        </a:p>
+      </dgm:t>
+    </dgm:pt>
+    <dgm:pt modelId="{97406011-F0B3-48FC-972D-9CABA10F7550}" type="sibTrans" cxnId="{FBCC2F53-45F9-45C3-BFF0-79260B7C797B}">
+      <dgm:prSet/>
+      <dgm:spPr/>
+      <dgm:t>
+        <a:bodyPr/>
+        <a:lstStyle/>
+        <a:p>
+          <a:endParaRPr lang="zh-TW" altLang="en-US" sz="2000">
+            <a:solidFill>
+              <a:schemeClr val="bg1"/>
+            </a:solidFill>
+          </a:endParaRPr>
+        </a:p>
+      </dgm:t>
+    </dgm:pt>
+    <dgm:pt modelId="{A933EC0E-EBAB-4D6E-AE2F-9D173E284B24}" type="pres">
+      <dgm:prSet presAssocID="{8CD05B93-892E-4BDB-8D82-3282245BA974}" presName="outerComposite" presStyleCnt="0">
+        <dgm:presLayoutVars>
+          <dgm:chMax val="5"/>
+          <dgm:dir/>
+          <dgm:resizeHandles val="exact"/>
+        </dgm:presLayoutVars>
+      </dgm:prSet>
+      <dgm:spPr/>
+    </dgm:pt>
+    <dgm:pt modelId="{DA589D38-BD1C-4878-9015-98DDBE6B2192}" type="pres">
+      <dgm:prSet presAssocID="{8CD05B93-892E-4BDB-8D82-3282245BA974}" presName="dummyMaxCanvas" presStyleCnt="0">
+        <dgm:presLayoutVars/>
+      </dgm:prSet>
+      <dgm:spPr/>
+    </dgm:pt>
+    <dgm:pt modelId="{B7842F61-43E3-4DD7-ACE8-CB43256A62A0}" type="pres">
+      <dgm:prSet presAssocID="{8CD05B93-892E-4BDB-8D82-3282245BA974}" presName="FiveNodes_1" presStyleLbl="node1" presStyleIdx="0" presStyleCnt="5" custLinFactNeighborX="-3820">
+        <dgm:presLayoutVars>
+          <dgm:bulletEnabled val="1"/>
+        </dgm:presLayoutVars>
+      </dgm:prSet>
+      <dgm:spPr/>
+    </dgm:pt>
+    <dgm:pt modelId="{A50C9E9E-59AD-47F1-82ED-AC525D671497}" type="pres">
+      <dgm:prSet presAssocID="{8CD05B93-892E-4BDB-8D82-3282245BA974}" presName="FiveNodes_2" presStyleLbl="node1" presStyleIdx="1" presStyleCnt="5">
+        <dgm:presLayoutVars>
+          <dgm:bulletEnabled val="1"/>
+        </dgm:presLayoutVars>
+      </dgm:prSet>
+      <dgm:spPr/>
+    </dgm:pt>
+    <dgm:pt modelId="{2409B480-F2F4-4240-8D37-CC00BC634AC3}" type="pres">
+      <dgm:prSet presAssocID="{8CD05B93-892E-4BDB-8D82-3282245BA974}" presName="FiveNodes_3" presStyleLbl="node1" presStyleIdx="2" presStyleCnt="5">
+        <dgm:presLayoutVars>
+          <dgm:bulletEnabled val="1"/>
+        </dgm:presLayoutVars>
+      </dgm:prSet>
+      <dgm:spPr/>
+    </dgm:pt>
+    <dgm:pt modelId="{639BC478-BFC6-43D7-922D-87D859ECC05E}" type="pres">
+      <dgm:prSet presAssocID="{8CD05B93-892E-4BDB-8D82-3282245BA974}" presName="FiveNodes_4" presStyleLbl="node1" presStyleIdx="3" presStyleCnt="5">
+        <dgm:presLayoutVars>
+          <dgm:bulletEnabled val="1"/>
+        </dgm:presLayoutVars>
+      </dgm:prSet>
+      <dgm:spPr/>
+    </dgm:pt>
+    <dgm:pt modelId="{6C3685A6-6BD8-44D9-9485-F25396213415}" type="pres">
+      <dgm:prSet presAssocID="{8CD05B93-892E-4BDB-8D82-3282245BA974}" presName="FiveNodes_5" presStyleLbl="node1" presStyleIdx="4" presStyleCnt="5">
+        <dgm:presLayoutVars>
+          <dgm:bulletEnabled val="1"/>
+        </dgm:presLayoutVars>
+      </dgm:prSet>
+      <dgm:spPr/>
+    </dgm:pt>
+    <dgm:pt modelId="{A316C06E-254C-4613-AB82-1A7851A08F52}" type="pres">
+      <dgm:prSet presAssocID="{8CD05B93-892E-4BDB-8D82-3282245BA974}" presName="FiveConn_1-2" presStyleLbl="fgAccFollowNode1" presStyleIdx="0" presStyleCnt="4">
+        <dgm:presLayoutVars>
+          <dgm:bulletEnabled val="1"/>
+        </dgm:presLayoutVars>
+      </dgm:prSet>
+      <dgm:spPr/>
+    </dgm:pt>
+    <dgm:pt modelId="{A0438C1E-A85C-4F41-8B4F-1A91042C8A67}" type="pres">
+      <dgm:prSet presAssocID="{8CD05B93-892E-4BDB-8D82-3282245BA974}" presName="FiveConn_2-3" presStyleLbl="fgAccFollowNode1" presStyleIdx="1" presStyleCnt="4">
+        <dgm:presLayoutVars>
+          <dgm:bulletEnabled val="1"/>
+        </dgm:presLayoutVars>
+      </dgm:prSet>
+      <dgm:spPr/>
+    </dgm:pt>
+    <dgm:pt modelId="{FA081C38-F8FC-452B-9922-C1113C5BAE9A}" type="pres">
+      <dgm:prSet presAssocID="{8CD05B93-892E-4BDB-8D82-3282245BA974}" presName="FiveConn_3-4" presStyleLbl="fgAccFollowNode1" presStyleIdx="2" presStyleCnt="4">
+        <dgm:presLayoutVars>
+          <dgm:bulletEnabled val="1"/>
+        </dgm:presLayoutVars>
+      </dgm:prSet>
+      <dgm:spPr/>
+    </dgm:pt>
+    <dgm:pt modelId="{71F58A9D-9043-4643-B80B-A10773953D9C}" type="pres">
+      <dgm:prSet presAssocID="{8CD05B93-892E-4BDB-8D82-3282245BA974}" presName="FiveConn_4-5" presStyleLbl="fgAccFollowNode1" presStyleIdx="3" presStyleCnt="4">
+        <dgm:presLayoutVars>
+          <dgm:bulletEnabled val="1"/>
+        </dgm:presLayoutVars>
+      </dgm:prSet>
+      <dgm:spPr/>
+    </dgm:pt>
+    <dgm:pt modelId="{27FE6635-730F-4BDB-A4F9-A84809B11271}" type="pres">
+      <dgm:prSet presAssocID="{8CD05B93-892E-4BDB-8D82-3282245BA974}" presName="FiveNodes_1_text" presStyleLbl="node1" presStyleIdx="4" presStyleCnt="5">
+        <dgm:presLayoutVars>
+          <dgm:bulletEnabled val="1"/>
+        </dgm:presLayoutVars>
+      </dgm:prSet>
+      <dgm:spPr/>
+    </dgm:pt>
+    <dgm:pt modelId="{A6971738-7F8D-4002-9312-FBB6A557D8E0}" type="pres">
+      <dgm:prSet presAssocID="{8CD05B93-892E-4BDB-8D82-3282245BA974}" presName="FiveNodes_2_text" presStyleLbl="node1" presStyleIdx="4" presStyleCnt="5">
+        <dgm:presLayoutVars>
+          <dgm:bulletEnabled val="1"/>
+        </dgm:presLayoutVars>
+      </dgm:prSet>
+      <dgm:spPr/>
+    </dgm:pt>
+    <dgm:pt modelId="{0EE590B3-7D07-44B6-A516-4970ED561F29}" type="pres">
+      <dgm:prSet presAssocID="{8CD05B93-892E-4BDB-8D82-3282245BA974}" presName="FiveNodes_3_text" presStyleLbl="node1" presStyleIdx="4" presStyleCnt="5">
+        <dgm:presLayoutVars>
+          <dgm:bulletEnabled val="1"/>
+        </dgm:presLayoutVars>
+      </dgm:prSet>
+      <dgm:spPr/>
+    </dgm:pt>
+    <dgm:pt modelId="{354A9E5D-6C73-49F3-B456-5BB9BD393D48}" type="pres">
+      <dgm:prSet presAssocID="{8CD05B93-892E-4BDB-8D82-3282245BA974}" presName="FiveNodes_4_text" presStyleLbl="node1" presStyleIdx="4" presStyleCnt="5">
+        <dgm:presLayoutVars>
+          <dgm:bulletEnabled val="1"/>
+        </dgm:presLayoutVars>
+      </dgm:prSet>
+      <dgm:spPr/>
+    </dgm:pt>
+    <dgm:pt modelId="{1A87E1D3-ADA9-4EF9-ABB8-5584B2974D4E}" type="pres">
+      <dgm:prSet presAssocID="{8CD05B93-892E-4BDB-8D82-3282245BA974}" presName="FiveNodes_5_text" presStyleLbl="node1" presStyleIdx="4" presStyleCnt="5">
+        <dgm:presLayoutVars>
+          <dgm:bulletEnabled val="1"/>
+        </dgm:presLayoutVars>
+      </dgm:prSet>
+      <dgm:spPr/>
+    </dgm:pt>
+  </dgm:ptLst>
+  <dgm:cxnLst>
+    <dgm:cxn modelId="{EBD73034-0A65-4A08-BC60-C8DCFBDB8870}" srcId="{8CD05B93-892E-4BDB-8D82-3282245BA974}" destId="{BCFC0A7E-F2E5-4311-9C57-6C486BDF63A6}" srcOrd="4" destOrd="0" parTransId="{5A0A140C-52A6-4E03-9ABF-E38C2A36146F}" sibTransId="{52C4958B-73A3-46D3-9C09-0123013C5AE2}"/>
+    <dgm:cxn modelId="{B1123C7D-D6DF-452D-AA93-A04E9E7BA46F}" srcId="{8CD05B93-892E-4BDB-8D82-3282245BA974}" destId="{4241C6E5-1D1A-4507-93FF-C3D69CE477B1}" srcOrd="3" destOrd="0" parTransId="{EE1B9613-8362-40C1-8F9B-52B9492C0AE3}" sibTransId="{01504A53-2CF1-45CA-B751-A9B5CD895E4D}"/>
+    <dgm:cxn modelId="{F5C490D4-1723-4716-88EC-CDF664A11EB4}" type="presOf" srcId="{8CD05B93-892E-4BDB-8D82-3282245BA974}" destId="{A933EC0E-EBAB-4D6E-AE2F-9D173E284B24}" srcOrd="0" destOrd="0" presId="urn:microsoft.com/office/officeart/2005/8/layout/vProcess5"/>
+    <dgm:cxn modelId="{832C5EC9-5EB8-45E0-B200-5778736079DF}" type="presOf" srcId="{BCFC0A7E-F2E5-4311-9C57-6C486BDF63A6}" destId="{6C3685A6-6BD8-44D9-9485-F25396213415}" srcOrd="0" destOrd="0" presId="urn:microsoft.com/office/officeart/2005/8/layout/vProcess5"/>
+    <dgm:cxn modelId="{C925A89A-2764-4043-BED1-D7A665A0BA42}" type="presOf" srcId="{BCFC0A7E-F2E5-4311-9C57-6C486BDF63A6}" destId="{1A87E1D3-ADA9-4EF9-ABB8-5584B2974D4E}" srcOrd="1" destOrd="0" presId="urn:microsoft.com/office/officeart/2005/8/layout/vProcess5"/>
+    <dgm:cxn modelId="{9BE94DB2-70E4-453C-BE71-E1777C7F57AC}" type="presOf" srcId="{295CCB4F-B6B3-4028-B8DF-7C3D0AB51AAD}" destId="{2409B480-F2F4-4240-8D37-CC00BC634AC3}" srcOrd="0" destOrd="0" presId="urn:microsoft.com/office/officeart/2005/8/layout/vProcess5"/>
+    <dgm:cxn modelId="{7539D3B8-6081-4D80-8D68-2AE341B1E742}" type="presOf" srcId="{755BAA70-8F1B-43F7-9791-F4C090C93D44}" destId="{FA081C38-F8FC-452B-9922-C1113C5BAE9A}" srcOrd="0" destOrd="0" presId="urn:microsoft.com/office/officeart/2005/8/layout/vProcess5"/>
+    <dgm:cxn modelId="{0448492E-8B35-4607-A40B-BC2EB4EF69DD}" type="presOf" srcId="{4241C6E5-1D1A-4507-93FF-C3D69CE477B1}" destId="{354A9E5D-6C73-49F3-B456-5BB9BD393D48}" srcOrd="1" destOrd="0" presId="urn:microsoft.com/office/officeart/2005/8/layout/vProcess5"/>
+    <dgm:cxn modelId="{67AD016B-E966-4EC1-9313-AF882A9B0F64}" type="presOf" srcId="{67B50F81-6ACC-4FFC-94BB-C471B3D1385F}" destId="{B7842F61-43E3-4DD7-ACE8-CB43256A62A0}" srcOrd="0" destOrd="0" presId="urn:microsoft.com/office/officeart/2005/8/layout/vProcess5"/>
+    <dgm:cxn modelId="{A7D45F59-BF9B-4BE6-AD2C-8EBCC5C90AE1}" type="presOf" srcId="{67B50F81-6ACC-4FFC-94BB-C471B3D1385F}" destId="{27FE6635-730F-4BDB-A4F9-A84809B11271}" srcOrd="1" destOrd="0" presId="urn:microsoft.com/office/officeart/2005/8/layout/vProcess5"/>
+    <dgm:cxn modelId="{DAF18B11-0970-4164-B37A-98FEE9BCEF7D}" type="presOf" srcId="{31D25216-6064-4032-B402-5EBDBD20B3A0}" destId="{A0438C1E-A85C-4F41-8B4F-1A91042C8A67}" srcOrd="0" destOrd="0" presId="urn:microsoft.com/office/officeart/2005/8/layout/vProcess5"/>
+    <dgm:cxn modelId="{73B5E8D9-D7DC-4452-AF7B-88EA9B45FB96}" type="presOf" srcId="{5E973A67-1486-45A0-BA8F-94F816C5FE28}" destId="{A316C06E-254C-4613-AB82-1A7851A08F52}" srcOrd="0" destOrd="0" presId="urn:microsoft.com/office/officeart/2005/8/layout/vProcess5"/>
+    <dgm:cxn modelId="{4C497EFD-95D9-4CF1-A87B-863209B4C2BC}" type="presOf" srcId="{64BCB513-6798-45D7-9B02-98E28A53E0F0}" destId="{A50C9E9E-59AD-47F1-82ED-AC525D671497}" srcOrd="0" destOrd="0" presId="urn:microsoft.com/office/officeart/2005/8/layout/vProcess5"/>
+    <dgm:cxn modelId="{73231374-6CE7-46BA-89D8-53D76B79F739}" type="presOf" srcId="{4241C6E5-1D1A-4507-93FF-C3D69CE477B1}" destId="{639BC478-BFC6-43D7-922D-87D859ECC05E}" srcOrd="0" destOrd="0" presId="urn:microsoft.com/office/officeart/2005/8/layout/vProcess5"/>
+    <dgm:cxn modelId="{2CB82B34-E4D2-4C85-9A16-EDDB9D4B188A}" type="presOf" srcId="{01504A53-2CF1-45CA-B751-A9B5CD895E4D}" destId="{71F58A9D-9043-4643-B80B-A10773953D9C}" srcOrd="0" destOrd="0" presId="urn:microsoft.com/office/officeart/2005/8/layout/vProcess5"/>
+    <dgm:cxn modelId="{A57273BD-0DEA-462F-8D96-E777F2BBE039}" srcId="{8CD05B93-892E-4BDB-8D82-3282245BA974}" destId="{295CCB4F-B6B3-4028-B8DF-7C3D0AB51AAD}" srcOrd="2" destOrd="0" parTransId="{4EDF469E-0B9E-4C73-AA0C-4AA0D0E0D4F9}" sibTransId="{755BAA70-8F1B-43F7-9791-F4C090C93D44}"/>
+    <dgm:cxn modelId="{763D4546-FE86-423F-9274-5E94E6537363}" srcId="{8CD05B93-892E-4BDB-8D82-3282245BA974}" destId="{64BCB513-6798-45D7-9B02-98E28A53E0F0}" srcOrd="1" destOrd="0" parTransId="{D5A931BB-ABFB-4C43-8979-FF79EF65F0AF}" sibTransId="{31D25216-6064-4032-B402-5EBDBD20B3A0}"/>
+    <dgm:cxn modelId="{A059A806-FA14-4931-BDF5-36E7C9E47904}" type="presOf" srcId="{64BCB513-6798-45D7-9B02-98E28A53E0F0}" destId="{A6971738-7F8D-4002-9312-FBB6A557D8E0}" srcOrd="1" destOrd="0" presId="urn:microsoft.com/office/officeart/2005/8/layout/vProcess5"/>
+    <dgm:cxn modelId="{04B6FA74-D8BC-4180-AE05-5465C89D665A}" srcId="{8CD05B93-892E-4BDB-8D82-3282245BA974}" destId="{67B50F81-6ACC-4FFC-94BB-C471B3D1385F}" srcOrd="0" destOrd="0" parTransId="{E542AAA5-1ABE-483F-869B-20F5041F42C8}" sibTransId="{5E973A67-1486-45A0-BA8F-94F816C5FE28}"/>
+    <dgm:cxn modelId="{FBCC2F53-45F9-45C3-BFF0-79260B7C797B}" srcId="{8CD05B93-892E-4BDB-8D82-3282245BA974}" destId="{1BBADA4F-6A1B-4631-925F-3615CC91EBEF}" srcOrd="5" destOrd="0" parTransId="{B7B52BFF-68E1-407E-AC29-F88370EF0795}" sibTransId="{97406011-F0B3-48FC-972D-9CABA10F7550}"/>
+    <dgm:cxn modelId="{9A99BE22-BAAA-4E4E-8DF3-8A89B5FF6B3E}" type="presOf" srcId="{295CCB4F-B6B3-4028-B8DF-7C3D0AB51AAD}" destId="{0EE590B3-7D07-44B6-A516-4970ED561F29}" srcOrd="1" destOrd="0" presId="urn:microsoft.com/office/officeart/2005/8/layout/vProcess5"/>
+    <dgm:cxn modelId="{69B0AF02-6FCF-45FD-8A97-6E08046F82A7}" type="presParOf" srcId="{A933EC0E-EBAB-4D6E-AE2F-9D173E284B24}" destId="{DA589D38-BD1C-4878-9015-98DDBE6B2192}" srcOrd="0" destOrd="0" presId="urn:microsoft.com/office/officeart/2005/8/layout/vProcess5"/>
+    <dgm:cxn modelId="{AADF5733-9F7C-460B-8EEB-2674BC7C5F87}" type="presParOf" srcId="{A933EC0E-EBAB-4D6E-AE2F-9D173E284B24}" destId="{B7842F61-43E3-4DD7-ACE8-CB43256A62A0}" srcOrd="1" destOrd="0" presId="urn:microsoft.com/office/officeart/2005/8/layout/vProcess5"/>
+    <dgm:cxn modelId="{55AED4A1-AA4F-44CD-BE52-30495A28C505}" type="presParOf" srcId="{A933EC0E-EBAB-4D6E-AE2F-9D173E284B24}" destId="{A50C9E9E-59AD-47F1-82ED-AC525D671497}" srcOrd="2" destOrd="0" presId="urn:microsoft.com/office/officeart/2005/8/layout/vProcess5"/>
+    <dgm:cxn modelId="{1FDE78A3-EE9A-475E-8DE4-9AF037F2AAFD}" type="presParOf" srcId="{A933EC0E-EBAB-4D6E-AE2F-9D173E284B24}" destId="{2409B480-F2F4-4240-8D37-CC00BC634AC3}" srcOrd="3" destOrd="0" presId="urn:microsoft.com/office/officeart/2005/8/layout/vProcess5"/>
+    <dgm:cxn modelId="{682C1133-5CBA-444E-915D-0ED403E77E78}" type="presParOf" srcId="{A933EC0E-EBAB-4D6E-AE2F-9D173E284B24}" destId="{639BC478-BFC6-43D7-922D-87D859ECC05E}" srcOrd="4" destOrd="0" presId="urn:microsoft.com/office/officeart/2005/8/layout/vProcess5"/>
+    <dgm:cxn modelId="{8A4F922B-5304-4311-A980-023F406967A2}" type="presParOf" srcId="{A933EC0E-EBAB-4D6E-AE2F-9D173E284B24}" destId="{6C3685A6-6BD8-44D9-9485-F25396213415}" srcOrd="5" destOrd="0" presId="urn:microsoft.com/office/officeart/2005/8/layout/vProcess5"/>
+    <dgm:cxn modelId="{7F3CBDDD-E07D-41EE-88BA-8C4DA8848648}" type="presParOf" srcId="{A933EC0E-EBAB-4D6E-AE2F-9D173E284B24}" destId="{A316C06E-254C-4613-AB82-1A7851A08F52}" srcOrd="6" destOrd="0" presId="urn:microsoft.com/office/officeart/2005/8/layout/vProcess5"/>
+    <dgm:cxn modelId="{0BD3DB3E-491F-47AC-BA87-334BFE3B6992}" type="presParOf" srcId="{A933EC0E-EBAB-4D6E-AE2F-9D173E284B24}" destId="{A0438C1E-A85C-4F41-8B4F-1A91042C8A67}" srcOrd="7" destOrd="0" presId="urn:microsoft.com/office/officeart/2005/8/layout/vProcess5"/>
+    <dgm:cxn modelId="{75A3BD61-A69D-462F-B766-A59E6988EE04}" type="presParOf" srcId="{A933EC0E-EBAB-4D6E-AE2F-9D173E284B24}" destId="{FA081C38-F8FC-452B-9922-C1113C5BAE9A}" srcOrd="8" destOrd="0" presId="urn:microsoft.com/office/officeart/2005/8/layout/vProcess5"/>
+    <dgm:cxn modelId="{1CBBBC36-9F0B-46C3-BF00-6054E205B91E}" type="presParOf" srcId="{A933EC0E-EBAB-4D6E-AE2F-9D173E284B24}" destId="{71F58A9D-9043-4643-B80B-A10773953D9C}" srcOrd="9" destOrd="0" presId="urn:microsoft.com/office/officeart/2005/8/layout/vProcess5"/>
+    <dgm:cxn modelId="{00510554-E237-49C3-92CB-E9EF0C31B7D8}" type="presParOf" srcId="{A933EC0E-EBAB-4D6E-AE2F-9D173E284B24}" destId="{27FE6635-730F-4BDB-A4F9-A84809B11271}" srcOrd="10" destOrd="0" presId="urn:microsoft.com/office/officeart/2005/8/layout/vProcess5"/>
+    <dgm:cxn modelId="{42B6394C-78B9-4290-983D-741A0AC081FA}" type="presParOf" srcId="{A933EC0E-EBAB-4D6E-AE2F-9D173E284B24}" destId="{A6971738-7F8D-4002-9312-FBB6A557D8E0}" srcOrd="11" destOrd="0" presId="urn:microsoft.com/office/officeart/2005/8/layout/vProcess5"/>
+    <dgm:cxn modelId="{4A8FBB29-8881-4746-83C5-1AAEE6353096}" type="presParOf" srcId="{A933EC0E-EBAB-4D6E-AE2F-9D173E284B24}" destId="{0EE590B3-7D07-44B6-A516-4970ED561F29}" srcOrd="12" destOrd="0" presId="urn:microsoft.com/office/officeart/2005/8/layout/vProcess5"/>
+    <dgm:cxn modelId="{A5A9F130-C8B4-4D49-AF27-2473BC686964}" type="presParOf" srcId="{A933EC0E-EBAB-4D6E-AE2F-9D173E284B24}" destId="{354A9E5D-6C73-49F3-B456-5BB9BD393D48}" srcOrd="13" destOrd="0" presId="urn:microsoft.com/office/officeart/2005/8/layout/vProcess5"/>
+    <dgm:cxn modelId="{789DACC8-F25B-44DC-B824-C60BF47AC929}" type="presParOf" srcId="{A933EC0E-EBAB-4D6E-AE2F-9D173E284B24}" destId="{1A87E1D3-ADA9-4EF9-ABB8-5584B2974D4E}" srcOrd="14" destOrd="0" presId="urn:microsoft.com/office/officeart/2005/8/layout/vProcess5"/>
+  </dgm:cxnLst>
+  <dgm:bg/>
+  <dgm:whole/>
+  <dgm:extLst>
+    <a:ext uri="http://schemas.microsoft.com/office/drawing/2008/diagram">
+      <dsp:dataModelExt xmlns:dsp="http://schemas.microsoft.com/office/drawing/2008/diagram" relId="rId6" minVer="http://schemas.openxmlformats.org/drawingml/2006/diagram"/>
+    </a:ext>
+  </dgm:extLst>
+</dgm:dataModel>
+</file>
+
+<file path=ppt/diagrams/drawing1.xml><?xml version="1.0" encoding="utf-8"?>
+<dsp:drawing xmlns:dgm="http://schemas.openxmlformats.org/drawingml/2006/diagram" xmlns:dsp="http://schemas.microsoft.com/office/drawing/2008/diagram" xmlns:a="http://schemas.openxmlformats.org/drawingml/2006/main">
+  <dsp:spTree>
+    <dsp:nvGrpSpPr>
+      <dsp:cNvPr id="0" name=""/>
+      <dsp:cNvGrpSpPr/>
+    </dsp:nvGrpSpPr>
+    <dsp:grpSpPr/>
+    <dsp:sp modelId="{B7842F61-43E3-4DD7-ACE8-CB43256A62A0}">
+      <dsp:nvSpPr>
+        <dsp:cNvPr id="0" name=""/>
+        <dsp:cNvSpPr/>
+      </dsp:nvSpPr>
+      <dsp:spPr>
+        <a:xfrm>
+          <a:off x="0" y="0"/>
+          <a:ext cx="7920053" cy="790647"/>
+        </a:xfrm>
+        <a:prstGeom prst="roundRect">
+          <a:avLst>
+            <a:gd name="adj" fmla="val 10000"/>
+          </a:avLst>
+        </a:prstGeom>
+        <a:solidFill>
+          <a:schemeClr val="accent3">
+            <a:shade val="80000"/>
+            <a:hueOff val="0"/>
+            <a:satOff val="0"/>
+            <a:lumOff val="0"/>
+            <a:alphaOff val="0"/>
+          </a:schemeClr>
+        </a:solidFill>
+        <a:ln w="12700" cap="flat" cmpd="sng" algn="ctr">
+          <a:solidFill>
+            <a:schemeClr val="lt1">
+              <a:hueOff val="0"/>
+              <a:satOff val="0"/>
+              <a:lumOff val="0"/>
+              <a:alphaOff val="0"/>
+            </a:schemeClr>
+          </a:solidFill>
+          <a:prstDash val="solid"/>
+          <a:miter lim="800000"/>
         </a:ln>
         <a:effectLst/>
-      </c:spPr>
-    </c:plotArea>
-    <c:legend>
-      <c:legendPos val="t"/>
-      <c:layout/>
-      <c:overlay val="0"/>
-      <c:spPr>
-        <a:noFill/>
-        <a:ln>
-          <a:noFill/>
+      </dsp:spPr>
+      <dsp:style>
+        <a:lnRef idx="2">
+          <a:scrgbClr r="0" g="0" b="0"/>
+        </a:lnRef>
+        <a:fillRef idx="1">
+          <a:scrgbClr r="0" g="0" b="0"/>
+        </a:fillRef>
+        <a:effectRef idx="0">
+          <a:scrgbClr r="0" g="0" b="0"/>
+        </a:effectRef>
+        <a:fontRef idx="minor">
+          <a:schemeClr val="lt1"/>
+        </a:fontRef>
+      </dsp:style>
+      <dsp:txBody>
+        <a:bodyPr spcFirstLastPara="0" vert="horz" wrap="square" lIns="76200" tIns="76200" rIns="76200" bIns="76200" numCol="1" spcCol="1270" anchor="ctr" anchorCtr="0">
+          <a:noAutofit/>
+        </a:bodyPr>
+        <a:lstStyle/>
+        <a:p>
+          <a:pPr lvl="0" algn="l" defTabSz="889000">
+            <a:lnSpc>
+              <a:spcPct val="90000"/>
+            </a:lnSpc>
+            <a:spcBef>
+              <a:spcPct val="0"/>
+            </a:spcBef>
+            <a:spcAft>
+              <a:spcPct val="35000"/>
+            </a:spcAft>
+          </a:pPr>
+          <a:r>
+            <a:rPr lang="zh-TW" altLang="en-US" sz="2000" kern="1200" dirty="0" smtClean="0">
+              <a:solidFill>
+                <a:schemeClr val="bg1"/>
+              </a:solidFill>
+            </a:rPr>
+            <a:t>標準化</a:t>
+          </a:r>
+          <a:r>
+            <a:rPr lang="en-US" altLang="zh-TW" sz="2000" kern="1200" dirty="0" smtClean="0">
+              <a:solidFill>
+                <a:schemeClr val="bg1"/>
+              </a:solidFill>
+            </a:rPr>
+            <a:t>D</a:t>
+          </a:r>
+          <a:r>
+            <a:rPr lang="zh-TW" altLang="en-US" sz="2000" kern="1200" dirty="0" smtClean="0">
+              <a:solidFill>
+                <a:schemeClr val="bg1"/>
+              </a:solidFill>
+            </a:rPr>
+            <a:t>維原數據集</a:t>
+          </a:r>
+          <a:endParaRPr lang="zh-TW" altLang="en-US" sz="2000" kern="1200" dirty="0">
+            <a:solidFill>
+              <a:schemeClr val="bg1"/>
+            </a:solidFill>
+          </a:endParaRPr>
+        </a:p>
+      </dsp:txBody>
+      <dsp:txXfrm>
+        <a:off x="23157" y="23157"/>
+        <a:ext cx="6974377" cy="744333"/>
+      </dsp:txXfrm>
+    </dsp:sp>
+    <dsp:sp modelId="{A50C9E9E-59AD-47F1-82ED-AC525D671497}">
+      <dsp:nvSpPr>
+        <dsp:cNvPr id="0" name=""/>
+        <dsp:cNvSpPr/>
+      </dsp:nvSpPr>
+      <dsp:spPr>
+        <a:xfrm>
+          <a:off x="591432" y="900460"/>
+          <a:ext cx="7920053" cy="790647"/>
+        </a:xfrm>
+        <a:prstGeom prst="roundRect">
+          <a:avLst>
+            <a:gd name="adj" fmla="val 10000"/>
+          </a:avLst>
+        </a:prstGeom>
+        <a:solidFill>
+          <a:schemeClr val="accent3">
+            <a:shade val="80000"/>
+            <a:hueOff val="-193039"/>
+            <a:satOff val="-11032"/>
+            <a:lumOff val="8949"/>
+            <a:alphaOff val="0"/>
+          </a:schemeClr>
+        </a:solidFill>
+        <a:ln w="12700" cap="flat" cmpd="sng" algn="ctr">
+          <a:solidFill>
+            <a:schemeClr val="lt1">
+              <a:hueOff val="0"/>
+              <a:satOff val="0"/>
+              <a:lumOff val="0"/>
+              <a:alphaOff val="0"/>
+            </a:schemeClr>
+          </a:solidFill>
+          <a:prstDash val="solid"/>
+          <a:miter lim="800000"/>
         </a:ln>
         <a:effectLst/>
-      </c:spPr>
-      <c:txPr>
-        <a:bodyPr rot="0" spcFirstLastPara="1" vertOverflow="ellipsis" vert="horz" wrap="square" anchor="ctr" anchorCtr="1"/>
+      </dsp:spPr>
+      <dsp:style>
+        <a:lnRef idx="2">
+          <a:scrgbClr r="0" g="0" b="0"/>
+        </a:lnRef>
+        <a:fillRef idx="1">
+          <a:scrgbClr r="0" g="0" b="0"/>
+        </a:fillRef>
+        <a:effectRef idx="0">
+          <a:scrgbClr r="0" g="0" b="0"/>
+        </a:effectRef>
+        <a:fontRef idx="minor">
+          <a:schemeClr val="lt1"/>
+        </a:fontRef>
+      </dsp:style>
+      <dsp:txBody>
+        <a:bodyPr spcFirstLastPara="0" vert="horz" wrap="square" lIns="76200" tIns="76200" rIns="76200" bIns="76200" numCol="1" spcCol="1270" anchor="ctr" anchorCtr="0">
+          <a:noAutofit/>
+        </a:bodyPr>
         <a:lstStyle/>
         <a:p>
-          <a:pPr>
-            <a:defRPr sz="1197" b="0" i="0" u="none" strike="noStrike" kern="1200" baseline="0">
+          <a:pPr lvl="0" algn="l" defTabSz="889000">
+            <a:lnSpc>
+              <a:spcPct val="90000"/>
+            </a:lnSpc>
+            <a:spcBef>
+              <a:spcPct val="0"/>
+            </a:spcBef>
+            <a:spcAft>
+              <a:spcPct val="35000"/>
+            </a:spcAft>
+          </a:pPr>
+          <a:r>
+            <a:rPr lang="zh-TW" altLang="en-US" sz="2000" kern="1200" dirty="0" smtClean="0">
               <a:solidFill>
-                <a:schemeClr val="tx1">
-                  <a:lumMod val="65000"/>
-                  <a:lumOff val="35000"/>
-                </a:schemeClr>
+                <a:schemeClr val="bg1"/>
               </a:solidFill>
-              <a:latin typeface="微軟正黑體" panose="020B0604030504040204" pitchFamily="34" charset="-120"/>
-              <a:ea typeface="微軟正黑體" panose="020B0604030504040204" pitchFamily="34" charset="-120"/>
-              <a:cs typeface="+mn-cs"/>
-            </a:defRPr>
+            </a:rPr>
+            <a:t>建立共變異數矩陣</a:t>
+          </a:r>
+          <a:r>
+            <a:rPr lang="en-US" altLang="zh-TW" sz="2000" kern="1200" dirty="0" smtClean="0">
+              <a:solidFill>
+                <a:schemeClr val="bg1"/>
+              </a:solidFill>
+            </a:rPr>
+            <a:t>(covariance matrix)</a:t>
+          </a:r>
+          <a:endParaRPr lang="zh-TW" altLang="en-US" sz="2000" kern="1200" dirty="0">
+            <a:solidFill>
+              <a:schemeClr val="bg1"/>
+            </a:solidFill>
+          </a:endParaRPr>
+        </a:p>
+      </dsp:txBody>
+      <dsp:txXfrm>
+        <a:off x="614589" y="923617"/>
+        <a:ext cx="6768386" cy="744333"/>
+      </dsp:txXfrm>
+    </dsp:sp>
+    <dsp:sp modelId="{2409B480-F2F4-4240-8D37-CC00BC634AC3}">
+      <dsp:nvSpPr>
+        <dsp:cNvPr id="0" name=""/>
+        <dsp:cNvSpPr/>
+      </dsp:nvSpPr>
+      <dsp:spPr>
+        <a:xfrm>
+          <a:off x="1182865" y="1800920"/>
+          <a:ext cx="7920053" cy="790647"/>
+        </a:xfrm>
+        <a:prstGeom prst="roundRect">
+          <a:avLst>
+            <a:gd name="adj" fmla="val 10000"/>
+          </a:avLst>
+        </a:prstGeom>
+        <a:solidFill>
+          <a:schemeClr val="accent3">
+            <a:shade val="80000"/>
+            <a:hueOff val="-386079"/>
+            <a:satOff val="-22064"/>
+            <a:lumOff val="17898"/>
+            <a:alphaOff val="0"/>
+          </a:schemeClr>
+        </a:solidFill>
+        <a:ln w="12700" cap="flat" cmpd="sng" algn="ctr">
+          <a:solidFill>
+            <a:schemeClr val="lt1">
+              <a:hueOff val="0"/>
+              <a:satOff val="0"/>
+              <a:lumOff val="0"/>
+              <a:alphaOff val="0"/>
+            </a:schemeClr>
+          </a:solidFill>
+          <a:prstDash val="solid"/>
+          <a:miter lim="800000"/>
+        </a:ln>
+        <a:effectLst/>
+      </dsp:spPr>
+      <dsp:style>
+        <a:lnRef idx="2">
+          <a:scrgbClr r="0" g="0" b="0"/>
+        </a:lnRef>
+        <a:fillRef idx="1">
+          <a:scrgbClr r="0" g="0" b="0"/>
+        </a:fillRef>
+        <a:effectRef idx="0">
+          <a:scrgbClr r="0" g="0" b="0"/>
+        </a:effectRef>
+        <a:fontRef idx="minor">
+          <a:schemeClr val="lt1"/>
+        </a:fontRef>
+      </dsp:style>
+      <dsp:txBody>
+        <a:bodyPr spcFirstLastPara="0" vert="horz" wrap="square" lIns="76200" tIns="76200" rIns="76200" bIns="76200" numCol="1" spcCol="1270" anchor="ctr" anchorCtr="0">
+          <a:noAutofit/>
+        </a:bodyPr>
+        <a:lstStyle/>
+        <a:p>
+          <a:pPr lvl="0" algn="l" defTabSz="889000">
+            <a:lnSpc>
+              <a:spcPct val="90000"/>
+            </a:lnSpc>
+            <a:spcBef>
+              <a:spcPct val="0"/>
+            </a:spcBef>
+            <a:spcAft>
+              <a:spcPct val="35000"/>
+            </a:spcAft>
           </a:pPr>
-          <a:endParaRPr lang="zh-TW"/>
+          <a:r>
+            <a:rPr lang="zh-TW" altLang="en-US" sz="2000" kern="1200" dirty="0" smtClean="0">
+              <a:solidFill>
+                <a:schemeClr val="bg1"/>
+              </a:solidFill>
+            </a:rPr>
+            <a:t>分解共變異數矩陣為特徵向量與特徵值</a:t>
+          </a:r>
+          <a:r>
+            <a:rPr lang="en-US" altLang="zh-TW" sz="2000" kern="1200" dirty="0" smtClean="0">
+              <a:solidFill>
+                <a:schemeClr val="bg1"/>
+              </a:solidFill>
+            </a:rPr>
+            <a:t>(eigenvector)</a:t>
+          </a:r>
+          <a:endParaRPr lang="zh-TW" altLang="en-US" sz="2000" kern="1200" dirty="0">
+            <a:solidFill>
+              <a:schemeClr val="bg1"/>
+            </a:solidFill>
+          </a:endParaRPr>
         </a:p>
-      </c:txPr>
-    </c:legend>
-    <c:plotVisOnly val="1"/>
-    <c:dispBlanksAs val="gap"/>
-    <c:showDLblsOverMax val="0"/>
-  </c:chart>
-  <c:spPr>
-    <a:noFill/>
-    <a:ln>
-      <a:noFill/>
-    </a:ln>
-    <a:effectLst/>
-  </c:spPr>
-  <c:txPr>
-    <a:bodyPr/>
-    <a:lstStyle/>
-    <a:p>
-      <a:pPr>
-        <a:defRPr/>
-      </a:pPr>
-      <a:endParaRPr lang="zh-TW"/>
-    </a:p>
-  </c:txPr>
-  <c:externalData r:id="rId3">
-    <c:autoUpdate val="0"/>
-  </c:externalData>
-</c:chartSpace>
+      </dsp:txBody>
+      <dsp:txXfrm>
+        <a:off x="1206022" y="1824077"/>
+        <a:ext cx="6768386" cy="744333"/>
+      </dsp:txXfrm>
+    </dsp:sp>
+    <dsp:sp modelId="{639BC478-BFC6-43D7-922D-87D859ECC05E}">
+      <dsp:nvSpPr>
+        <dsp:cNvPr id="0" name=""/>
+        <dsp:cNvSpPr/>
+      </dsp:nvSpPr>
+      <dsp:spPr>
+        <a:xfrm>
+          <a:off x="1774297" y="2701380"/>
+          <a:ext cx="7920053" cy="790647"/>
+        </a:xfrm>
+        <a:prstGeom prst="roundRect">
+          <a:avLst>
+            <a:gd name="adj" fmla="val 10000"/>
+          </a:avLst>
+        </a:prstGeom>
+        <a:solidFill>
+          <a:schemeClr val="accent3">
+            <a:shade val="80000"/>
+            <a:hueOff val="-579118"/>
+            <a:satOff val="-33096"/>
+            <a:lumOff val="26846"/>
+            <a:alphaOff val="0"/>
+          </a:schemeClr>
+        </a:solidFill>
+        <a:ln w="12700" cap="flat" cmpd="sng" algn="ctr">
+          <a:solidFill>
+            <a:schemeClr val="lt1">
+              <a:hueOff val="0"/>
+              <a:satOff val="0"/>
+              <a:lumOff val="0"/>
+              <a:alphaOff val="0"/>
+            </a:schemeClr>
+          </a:solidFill>
+          <a:prstDash val="solid"/>
+          <a:miter lim="800000"/>
+        </a:ln>
+        <a:effectLst/>
+      </dsp:spPr>
+      <dsp:style>
+        <a:lnRef idx="2">
+          <a:scrgbClr r="0" g="0" b="0"/>
+        </a:lnRef>
+        <a:fillRef idx="1">
+          <a:scrgbClr r="0" g="0" b="0"/>
+        </a:fillRef>
+        <a:effectRef idx="0">
+          <a:scrgbClr r="0" g="0" b="0"/>
+        </a:effectRef>
+        <a:fontRef idx="minor">
+          <a:schemeClr val="lt1"/>
+        </a:fontRef>
+      </dsp:style>
+      <dsp:txBody>
+        <a:bodyPr spcFirstLastPara="0" vert="horz" wrap="square" lIns="76200" tIns="76200" rIns="76200" bIns="76200" numCol="1" spcCol="1270" anchor="ctr" anchorCtr="0">
+          <a:noAutofit/>
+        </a:bodyPr>
+        <a:lstStyle/>
+        <a:p>
+          <a:pPr lvl="0" algn="l" defTabSz="889000">
+            <a:lnSpc>
+              <a:spcPct val="90000"/>
+            </a:lnSpc>
+            <a:spcBef>
+              <a:spcPct val="0"/>
+            </a:spcBef>
+            <a:spcAft>
+              <a:spcPct val="35000"/>
+            </a:spcAft>
+          </a:pPr>
+          <a:r>
+            <a:rPr lang="zh-TW" altLang="en-US" sz="2000" kern="1200" dirty="0" smtClean="0">
+              <a:solidFill>
+                <a:schemeClr val="bg1"/>
+              </a:solidFill>
+            </a:rPr>
+            <a:t>選取</a:t>
+          </a:r>
+          <a:r>
+            <a:rPr lang="en-US" altLang="zh-TW" sz="2000" kern="1200" dirty="0" smtClean="0">
+              <a:solidFill>
+                <a:schemeClr val="bg1"/>
+              </a:solidFill>
+            </a:rPr>
+            <a:t>K</a:t>
+          </a:r>
+          <a:r>
+            <a:rPr lang="zh-TW" altLang="en-US" sz="2000" kern="1200" dirty="0" smtClean="0">
+              <a:solidFill>
+                <a:schemeClr val="bg1"/>
+              </a:solidFill>
+            </a:rPr>
+            <a:t>個最大特徵值相對應知特徵向量</a:t>
+          </a:r>
+          <a:endParaRPr lang="zh-TW" altLang="en-US" sz="2000" kern="1200" dirty="0">
+            <a:solidFill>
+              <a:schemeClr val="bg1"/>
+            </a:solidFill>
+          </a:endParaRPr>
+        </a:p>
+      </dsp:txBody>
+      <dsp:txXfrm>
+        <a:off x="1797454" y="2724537"/>
+        <a:ext cx="6768386" cy="744333"/>
+      </dsp:txXfrm>
+    </dsp:sp>
+    <dsp:sp modelId="{6C3685A6-6BD8-44D9-9485-F25396213415}">
+      <dsp:nvSpPr>
+        <dsp:cNvPr id="0" name=""/>
+        <dsp:cNvSpPr/>
+      </dsp:nvSpPr>
+      <dsp:spPr>
+        <a:xfrm>
+          <a:off x="2365730" y="3601840"/>
+          <a:ext cx="7920053" cy="790647"/>
+        </a:xfrm>
+        <a:prstGeom prst="roundRect">
+          <a:avLst>
+            <a:gd name="adj" fmla="val 10000"/>
+          </a:avLst>
+        </a:prstGeom>
+        <a:solidFill>
+          <a:schemeClr val="accent3">
+            <a:shade val="80000"/>
+            <a:hueOff val="-772157"/>
+            <a:satOff val="-44128"/>
+            <a:lumOff val="35795"/>
+            <a:alphaOff val="0"/>
+          </a:schemeClr>
+        </a:solidFill>
+        <a:ln w="12700" cap="flat" cmpd="sng" algn="ctr">
+          <a:solidFill>
+            <a:schemeClr val="lt1">
+              <a:hueOff val="0"/>
+              <a:satOff val="0"/>
+              <a:lumOff val="0"/>
+              <a:alphaOff val="0"/>
+            </a:schemeClr>
+          </a:solidFill>
+          <a:prstDash val="solid"/>
+          <a:miter lim="800000"/>
+        </a:ln>
+        <a:effectLst/>
+      </dsp:spPr>
+      <dsp:style>
+        <a:lnRef idx="2">
+          <a:scrgbClr r="0" g="0" b="0"/>
+        </a:lnRef>
+        <a:fillRef idx="1">
+          <a:scrgbClr r="0" g="0" b="0"/>
+        </a:fillRef>
+        <a:effectRef idx="0">
+          <a:scrgbClr r="0" g="0" b="0"/>
+        </a:effectRef>
+        <a:fontRef idx="minor">
+          <a:schemeClr val="lt1"/>
+        </a:fontRef>
+      </dsp:style>
+      <dsp:txBody>
+        <a:bodyPr spcFirstLastPara="0" vert="horz" wrap="square" lIns="76200" tIns="76200" rIns="76200" bIns="76200" numCol="1" spcCol="1270" anchor="ctr" anchorCtr="0">
+          <a:noAutofit/>
+        </a:bodyPr>
+        <a:lstStyle/>
+        <a:p>
+          <a:pPr lvl="0" algn="l" defTabSz="889000">
+            <a:lnSpc>
+              <a:spcPct val="90000"/>
+            </a:lnSpc>
+            <a:spcBef>
+              <a:spcPct val="0"/>
+            </a:spcBef>
+            <a:spcAft>
+              <a:spcPct val="35000"/>
+            </a:spcAft>
+          </a:pPr>
+          <a:r>
+            <a:rPr lang="zh-TW" altLang="en-US" sz="2000" kern="1200" dirty="0" smtClean="0">
+              <a:solidFill>
+                <a:schemeClr val="bg1"/>
+              </a:solidFill>
+            </a:rPr>
+            <a:t>使用遞減的</a:t>
+          </a:r>
+          <a:r>
+            <a:rPr lang="en-US" altLang="zh-TW" sz="2000" kern="1200" dirty="0" smtClean="0">
+              <a:solidFill>
+                <a:schemeClr val="bg1"/>
+              </a:solidFill>
+            </a:rPr>
+            <a:t>K</a:t>
+          </a:r>
+          <a:r>
+            <a:rPr lang="zh-TW" altLang="en-US" sz="2000" kern="1200" dirty="0" smtClean="0">
+              <a:solidFill>
+                <a:schemeClr val="bg1"/>
+              </a:solidFill>
+            </a:rPr>
+            <a:t>個特徵向量，建立投影矩陣</a:t>
+          </a:r>
+          <a:r>
+            <a:rPr lang="en-US" altLang="zh-TW" sz="2000" kern="1200" dirty="0" smtClean="0">
+              <a:solidFill>
+                <a:schemeClr val="bg1"/>
+              </a:solidFill>
+            </a:rPr>
+            <a:t>(project matrix) W</a:t>
+          </a:r>
+          <a:endParaRPr lang="zh-TW" altLang="en-US" sz="2000" kern="1200" dirty="0">
+            <a:solidFill>
+              <a:schemeClr val="bg1"/>
+            </a:solidFill>
+          </a:endParaRPr>
+        </a:p>
+      </dsp:txBody>
+      <dsp:txXfrm>
+        <a:off x="2388887" y="3624997"/>
+        <a:ext cx="6768386" cy="744333"/>
+      </dsp:txXfrm>
+    </dsp:sp>
+    <dsp:sp modelId="{A316C06E-254C-4613-AB82-1A7851A08F52}">
+      <dsp:nvSpPr>
+        <dsp:cNvPr id="0" name=""/>
+        <dsp:cNvSpPr/>
+      </dsp:nvSpPr>
+      <dsp:spPr>
+        <a:xfrm>
+          <a:off x="7406132" y="577612"/>
+          <a:ext cx="513921" cy="513921"/>
+        </a:xfrm>
+        <a:prstGeom prst="downArrow">
+          <a:avLst>
+            <a:gd name="adj1" fmla="val 55000"/>
+            <a:gd name="adj2" fmla="val 45000"/>
+          </a:avLst>
+        </a:prstGeom>
+        <a:solidFill>
+          <a:schemeClr val="accent3">
+            <a:alpha val="90000"/>
+            <a:tint val="40000"/>
+            <a:hueOff val="0"/>
+            <a:satOff val="0"/>
+            <a:lumOff val="0"/>
+            <a:alphaOff val="0"/>
+          </a:schemeClr>
+        </a:solidFill>
+        <a:ln w="12700" cap="flat" cmpd="sng" algn="ctr">
+          <a:solidFill>
+            <a:schemeClr val="accent3">
+              <a:alpha val="90000"/>
+              <a:tint val="40000"/>
+              <a:hueOff val="0"/>
+              <a:satOff val="0"/>
+              <a:lumOff val="0"/>
+              <a:alphaOff val="0"/>
+            </a:schemeClr>
+          </a:solidFill>
+          <a:prstDash val="solid"/>
+          <a:miter lim="800000"/>
+        </a:ln>
+        <a:effectLst/>
+      </dsp:spPr>
+      <dsp:style>
+        <a:lnRef idx="2">
+          <a:scrgbClr r="0" g="0" b="0"/>
+        </a:lnRef>
+        <a:fillRef idx="1">
+          <a:scrgbClr r="0" g="0" b="0"/>
+        </a:fillRef>
+        <a:effectRef idx="0">
+          <a:scrgbClr r="0" g="0" b="0"/>
+        </a:effectRef>
+        <a:fontRef idx="minor"/>
+      </dsp:style>
+      <dsp:txBody>
+        <a:bodyPr spcFirstLastPara="0" vert="horz" wrap="square" lIns="25400" tIns="25400" rIns="25400" bIns="25400" numCol="1" spcCol="1270" anchor="ctr" anchorCtr="0">
+          <a:noAutofit/>
+        </a:bodyPr>
+        <a:lstStyle/>
+        <a:p>
+          <a:pPr lvl="0" algn="ctr" defTabSz="889000">
+            <a:lnSpc>
+              <a:spcPct val="90000"/>
+            </a:lnSpc>
+            <a:spcBef>
+              <a:spcPct val="0"/>
+            </a:spcBef>
+            <a:spcAft>
+              <a:spcPct val="35000"/>
+            </a:spcAft>
+          </a:pPr>
+          <a:endParaRPr lang="zh-TW" altLang="en-US" sz="2000" kern="1200">
+            <a:solidFill>
+              <a:schemeClr val="bg1"/>
+            </a:solidFill>
+          </a:endParaRPr>
+        </a:p>
+      </dsp:txBody>
+      <dsp:txXfrm>
+        <a:off x="7521764" y="577612"/>
+        <a:ext cx="282657" cy="386726"/>
+      </dsp:txXfrm>
+    </dsp:sp>
+    <dsp:sp modelId="{A0438C1E-A85C-4F41-8B4F-1A91042C8A67}">
+      <dsp:nvSpPr>
+        <dsp:cNvPr id="0" name=""/>
+        <dsp:cNvSpPr/>
+      </dsp:nvSpPr>
+      <dsp:spPr>
+        <a:xfrm>
+          <a:off x="7997565" y="1478072"/>
+          <a:ext cx="513921" cy="513921"/>
+        </a:xfrm>
+        <a:prstGeom prst="downArrow">
+          <a:avLst>
+            <a:gd name="adj1" fmla="val 55000"/>
+            <a:gd name="adj2" fmla="val 45000"/>
+          </a:avLst>
+        </a:prstGeom>
+        <a:solidFill>
+          <a:schemeClr val="accent3">
+            <a:alpha val="90000"/>
+            <a:tint val="40000"/>
+            <a:hueOff val="0"/>
+            <a:satOff val="0"/>
+            <a:lumOff val="0"/>
+            <a:alphaOff val="0"/>
+          </a:schemeClr>
+        </a:solidFill>
+        <a:ln w="12700" cap="flat" cmpd="sng" algn="ctr">
+          <a:solidFill>
+            <a:schemeClr val="accent3">
+              <a:alpha val="90000"/>
+              <a:tint val="40000"/>
+              <a:hueOff val="0"/>
+              <a:satOff val="0"/>
+              <a:lumOff val="0"/>
+              <a:alphaOff val="0"/>
+            </a:schemeClr>
+          </a:solidFill>
+          <a:prstDash val="solid"/>
+          <a:miter lim="800000"/>
+        </a:ln>
+        <a:effectLst/>
+      </dsp:spPr>
+      <dsp:style>
+        <a:lnRef idx="2">
+          <a:scrgbClr r="0" g="0" b="0"/>
+        </a:lnRef>
+        <a:fillRef idx="1">
+          <a:scrgbClr r="0" g="0" b="0"/>
+        </a:fillRef>
+        <a:effectRef idx="0">
+          <a:scrgbClr r="0" g="0" b="0"/>
+        </a:effectRef>
+        <a:fontRef idx="minor"/>
+      </dsp:style>
+      <dsp:txBody>
+        <a:bodyPr spcFirstLastPara="0" vert="horz" wrap="square" lIns="25400" tIns="25400" rIns="25400" bIns="25400" numCol="1" spcCol="1270" anchor="ctr" anchorCtr="0">
+          <a:noAutofit/>
+        </a:bodyPr>
+        <a:lstStyle/>
+        <a:p>
+          <a:pPr lvl="0" algn="ctr" defTabSz="889000">
+            <a:lnSpc>
+              <a:spcPct val="90000"/>
+            </a:lnSpc>
+            <a:spcBef>
+              <a:spcPct val="0"/>
+            </a:spcBef>
+            <a:spcAft>
+              <a:spcPct val="35000"/>
+            </a:spcAft>
+          </a:pPr>
+          <a:endParaRPr lang="zh-TW" altLang="en-US" sz="2000" kern="1200">
+            <a:solidFill>
+              <a:schemeClr val="bg1"/>
+            </a:solidFill>
+          </a:endParaRPr>
+        </a:p>
+      </dsp:txBody>
+      <dsp:txXfrm>
+        <a:off x="8113197" y="1478072"/>
+        <a:ext cx="282657" cy="386726"/>
+      </dsp:txXfrm>
+    </dsp:sp>
+    <dsp:sp modelId="{FA081C38-F8FC-452B-9922-C1113C5BAE9A}">
+      <dsp:nvSpPr>
+        <dsp:cNvPr id="0" name=""/>
+        <dsp:cNvSpPr/>
+      </dsp:nvSpPr>
+      <dsp:spPr>
+        <a:xfrm>
+          <a:off x="8588997" y="2365354"/>
+          <a:ext cx="513921" cy="513921"/>
+        </a:xfrm>
+        <a:prstGeom prst="downArrow">
+          <a:avLst>
+            <a:gd name="adj1" fmla="val 55000"/>
+            <a:gd name="adj2" fmla="val 45000"/>
+          </a:avLst>
+        </a:prstGeom>
+        <a:solidFill>
+          <a:schemeClr val="accent3">
+            <a:alpha val="90000"/>
+            <a:tint val="40000"/>
+            <a:hueOff val="0"/>
+            <a:satOff val="0"/>
+            <a:lumOff val="0"/>
+            <a:alphaOff val="0"/>
+          </a:schemeClr>
+        </a:solidFill>
+        <a:ln w="12700" cap="flat" cmpd="sng" algn="ctr">
+          <a:solidFill>
+            <a:schemeClr val="accent3">
+              <a:alpha val="90000"/>
+              <a:tint val="40000"/>
+              <a:hueOff val="0"/>
+              <a:satOff val="0"/>
+              <a:lumOff val="0"/>
+              <a:alphaOff val="0"/>
+            </a:schemeClr>
+          </a:solidFill>
+          <a:prstDash val="solid"/>
+          <a:miter lim="800000"/>
+        </a:ln>
+        <a:effectLst/>
+      </dsp:spPr>
+      <dsp:style>
+        <a:lnRef idx="2">
+          <a:scrgbClr r="0" g="0" b="0"/>
+        </a:lnRef>
+        <a:fillRef idx="1">
+          <a:scrgbClr r="0" g="0" b="0"/>
+        </a:fillRef>
+        <a:effectRef idx="0">
+          <a:scrgbClr r="0" g="0" b="0"/>
+        </a:effectRef>
+        <a:fontRef idx="minor"/>
+      </dsp:style>
+      <dsp:txBody>
+        <a:bodyPr spcFirstLastPara="0" vert="horz" wrap="square" lIns="25400" tIns="25400" rIns="25400" bIns="25400" numCol="1" spcCol="1270" anchor="ctr" anchorCtr="0">
+          <a:noAutofit/>
+        </a:bodyPr>
+        <a:lstStyle/>
+        <a:p>
+          <a:pPr lvl="0" algn="ctr" defTabSz="889000">
+            <a:lnSpc>
+              <a:spcPct val="90000"/>
+            </a:lnSpc>
+            <a:spcBef>
+              <a:spcPct val="0"/>
+            </a:spcBef>
+            <a:spcAft>
+              <a:spcPct val="35000"/>
+            </a:spcAft>
+          </a:pPr>
+          <a:endParaRPr lang="zh-TW" altLang="en-US" sz="2000" kern="1200">
+            <a:solidFill>
+              <a:schemeClr val="bg1"/>
+            </a:solidFill>
+          </a:endParaRPr>
+        </a:p>
+      </dsp:txBody>
+      <dsp:txXfrm>
+        <a:off x="8704629" y="2365354"/>
+        <a:ext cx="282657" cy="386726"/>
+      </dsp:txXfrm>
+    </dsp:sp>
+    <dsp:sp modelId="{71F58A9D-9043-4643-B80B-A10773953D9C}">
+      <dsp:nvSpPr>
+        <dsp:cNvPr id="0" name=""/>
+        <dsp:cNvSpPr/>
+      </dsp:nvSpPr>
+      <dsp:spPr>
+        <a:xfrm>
+          <a:off x="9180430" y="3274599"/>
+          <a:ext cx="513921" cy="513921"/>
+        </a:xfrm>
+        <a:prstGeom prst="downArrow">
+          <a:avLst>
+            <a:gd name="adj1" fmla="val 55000"/>
+            <a:gd name="adj2" fmla="val 45000"/>
+          </a:avLst>
+        </a:prstGeom>
+        <a:solidFill>
+          <a:schemeClr val="accent3">
+            <a:alpha val="90000"/>
+            <a:tint val="40000"/>
+            <a:hueOff val="0"/>
+            <a:satOff val="0"/>
+            <a:lumOff val="0"/>
+            <a:alphaOff val="0"/>
+          </a:schemeClr>
+        </a:solidFill>
+        <a:ln w="12700" cap="flat" cmpd="sng" algn="ctr">
+          <a:solidFill>
+            <a:schemeClr val="accent3">
+              <a:alpha val="90000"/>
+              <a:tint val="40000"/>
+              <a:hueOff val="0"/>
+              <a:satOff val="0"/>
+              <a:lumOff val="0"/>
+              <a:alphaOff val="0"/>
+            </a:schemeClr>
+          </a:solidFill>
+          <a:prstDash val="solid"/>
+          <a:miter lim="800000"/>
+        </a:ln>
+        <a:effectLst/>
+      </dsp:spPr>
+      <dsp:style>
+        <a:lnRef idx="2">
+          <a:scrgbClr r="0" g="0" b="0"/>
+        </a:lnRef>
+        <a:fillRef idx="1">
+          <a:scrgbClr r="0" g="0" b="0"/>
+        </a:fillRef>
+        <a:effectRef idx="0">
+          <a:scrgbClr r="0" g="0" b="0"/>
+        </a:effectRef>
+        <a:fontRef idx="minor"/>
+      </dsp:style>
+      <dsp:txBody>
+        <a:bodyPr spcFirstLastPara="0" vert="horz" wrap="square" lIns="25400" tIns="25400" rIns="25400" bIns="25400" numCol="1" spcCol="1270" anchor="ctr" anchorCtr="0">
+          <a:noAutofit/>
+        </a:bodyPr>
+        <a:lstStyle/>
+        <a:p>
+          <a:pPr lvl="0" algn="ctr" defTabSz="889000">
+            <a:lnSpc>
+              <a:spcPct val="90000"/>
+            </a:lnSpc>
+            <a:spcBef>
+              <a:spcPct val="0"/>
+            </a:spcBef>
+            <a:spcAft>
+              <a:spcPct val="35000"/>
+            </a:spcAft>
+          </a:pPr>
+          <a:endParaRPr lang="zh-TW" altLang="en-US" sz="2000" kern="1200">
+            <a:solidFill>
+              <a:schemeClr val="bg1"/>
+            </a:solidFill>
+          </a:endParaRPr>
+        </a:p>
+      </dsp:txBody>
+      <dsp:txXfrm>
+        <a:off x="9296062" y="3274599"/>
+        <a:ext cx="282657" cy="386726"/>
+      </dsp:txXfrm>
+    </dsp:sp>
+  </dsp:spTree>
+</dsp:drawing>
 </file>
 
-<file path=ppt/charts/colors1.xml><?xml version="1.0" encoding="utf-8"?>
-<cs:colorStyle xmlns:cs="http://schemas.microsoft.com/office/drawing/2012/chartStyle" xmlns:a="http://schemas.openxmlformats.org/drawingml/2006/main" meth="cycle" id="10">
-  <a:schemeClr val="accent1"/>
-  <a:schemeClr val="accent2"/>
-  <a:schemeClr val="accent3"/>
-  <a:schemeClr val="accent4"/>
-  <a:schemeClr val="accent5"/>
-  <a:schemeClr val="accent6"/>
-  <cs:variation/>
-  <cs:variation>
-    <a:lumMod val="60000"/>
-  </cs:variation>
-  <cs:variation>
-    <a:lumMod val="80000"/>
-    <a:lumOff val="20000"/>
-  </cs:variation>
-  <cs:variation>
-    <a:lumMod val="80000"/>
-  </cs:variation>
-  <cs:variation>
-    <a:lumMod val="60000"/>
-    <a:lumOff val="40000"/>
-  </cs:variation>
-  <cs:variation>
-    <a:lumMod val="50000"/>
-  </cs:variation>
-  <cs:variation>
-    <a:lumMod val="70000"/>
-    <a:lumOff val="30000"/>
-  </cs:variation>
-  <cs:variation>
-    <a:lumMod val="70000"/>
-  </cs:variation>
-  <cs:variation>
-    <a:lumMod val="50000"/>
-    <a:lumOff val="50000"/>
-  </cs:variation>
-</cs:colorStyle>
+<file path=ppt/diagrams/layout1.xml><?xml version="1.0" encoding="utf-8"?>
+<dgm:layoutDef xmlns:dgm="http://schemas.openxmlformats.org/drawingml/2006/diagram" xmlns:a="http://schemas.openxmlformats.org/drawingml/2006/main" uniqueId="urn:microsoft.com/office/officeart/2005/8/layout/vProcess5">
+  <dgm:title val=""/>
+  <dgm:desc val=""/>
+  <dgm:catLst>
+    <dgm:cat type="process" pri="14000"/>
+  </dgm:catLst>
+  <dgm:sampData>
+    <dgm:dataModel>
+      <dgm:ptLst>
+        <dgm:pt modelId="0" type="doc"/>
+        <dgm:pt modelId="1">
+          <dgm:prSet phldr="1"/>
+        </dgm:pt>
+        <dgm:pt modelId="2">
+          <dgm:prSet phldr="1"/>
+        </dgm:pt>
+        <dgm:pt modelId="3">
+          <dgm:prSet phldr="1"/>
+        </dgm:pt>
+      </dgm:ptLst>
+      <dgm:cxnLst>
+        <dgm:cxn modelId="5" srcId="0" destId="1" srcOrd="0" destOrd="0"/>
+        <dgm:cxn modelId="6" srcId="0" destId="2" srcOrd="1" destOrd="0"/>
+        <dgm:cxn modelId="7" srcId="0" destId="3" srcOrd="2" destOrd="0"/>
+      </dgm:cxnLst>
+      <dgm:bg/>
+      <dgm:whole/>
+    </dgm:dataModel>
+  </dgm:sampData>
+  <dgm:styleData>
+    <dgm:dataModel>
+      <dgm:ptLst>
+        <dgm:pt modelId="0" type="doc"/>
+        <dgm:pt modelId="1"/>
+        <dgm:pt modelId="2"/>
+      </dgm:ptLst>
+      <dgm:cxnLst>
+        <dgm:cxn modelId="3" srcId="0" destId="1" srcOrd="0" destOrd="0"/>
+        <dgm:cxn modelId="4" srcId="0" destId="2" srcOrd="1" destOrd="0"/>
+      </dgm:cxnLst>
+      <dgm:bg/>
+      <dgm:whole/>
+    </dgm:dataModel>
+  </dgm:styleData>
+  <dgm:clrData>
+    <dgm:dataModel>
+      <dgm:ptLst>
+        <dgm:pt modelId="0" type="doc"/>
+        <dgm:pt modelId="1"/>
+        <dgm:pt modelId="2"/>
+        <dgm:pt modelId="3"/>
+        <dgm:pt modelId="4"/>
+      </dgm:ptLst>
+      <dgm:cxnLst>
+        <dgm:cxn modelId="6" srcId="0" destId="1" srcOrd="0" destOrd="0"/>
+        <dgm:cxn modelId="7" srcId="0" destId="2" srcOrd="1" destOrd="0"/>
+        <dgm:cxn modelId="8" srcId="0" destId="3" srcOrd="2" destOrd="0"/>
+        <dgm:cxn modelId="9" srcId="0" destId="4" srcOrd="3" destOrd="0"/>
+      </dgm:cxnLst>
+      <dgm:bg/>
+      <dgm:whole/>
+    </dgm:dataModel>
+  </dgm:clrData>
+  <dgm:layoutNode name="outerComposite">
+    <dgm:varLst>
+      <dgm:chMax val="5"/>
+      <dgm:dir/>
+      <dgm:resizeHandles val="exact"/>
+    </dgm:varLst>
+    <dgm:alg type="composite"/>
+    <dgm:shape xmlns:r="http://schemas.openxmlformats.org/officeDocument/2006/relationships" r:blip="">
+      <dgm:adjLst/>
+    </dgm:shape>
+    <dgm:presOf/>
+    <dgm:choose name="Name0">
+      <dgm:if name="Name1" func="var" arg="dir" op="equ" val="norm">
+        <dgm:constrLst>
+          <dgm:constr type="primFontSz" for="ch" ptType="node" op="equ" val="65"/>
+          <dgm:constr type="w" for="ch" forName="dummyMaxCanvas" refType="w"/>
+          <dgm:constr type="h" for="ch" forName="dummyMaxCanvas" refType="h"/>
+          <dgm:constr type="w" for="ch" forName="OneNode_1" refType="w"/>
+          <dgm:constr type="h" for="ch" forName="OneNode_1" refType="h" fact="0.5"/>
+          <dgm:constr type="ctrY" for="ch" forName="OneNode_1" refType="h" fact="0.5"/>
+          <dgm:constr type="w" for="ch" forName="TwoNodes_1" refType="w" fact="0.85"/>
+          <dgm:constr type="h" for="ch" forName="TwoNodes_1" refType="h" fact="0.45"/>
+          <dgm:constr type="t" for="ch" forName="TwoNodes_1"/>
+          <dgm:constr type="l" for="ch" forName="TwoNodes_1"/>
+          <dgm:constr type="w" for="ch" forName="TwoNodes_2" refType="w" fact="0.85"/>
+          <dgm:constr type="h" for="ch" forName="TwoNodes_2" refType="h" fact="0.45"/>
+          <dgm:constr type="b" for="ch" forName="TwoNodes_2" refType="h"/>
+          <dgm:constr type="r" for="ch" forName="TwoNodes_2" refType="w"/>
+          <dgm:constr type="w" for="ch" forName="TwoConn_1-2" refType="h" refFor="ch" refForName="TwoNodes_1" fact="0.65"/>
+          <dgm:constr type="h" for="ch" forName="TwoConn_1-2" refType="h" refFor="ch" refForName="TwoNodes_1" fact="0.65"/>
+          <dgm:constr type="ctrY" for="ch" forName="TwoConn_1-2" refType="h" fact="0.5"/>
+          <dgm:constr type="r" for="ch" forName="TwoConn_1-2" refType="r" refFor="ch" refForName="TwoNodes_1"/>
+          <dgm:constr type="r" for="ch" forName="TwoNodes_1_text" refType="l" refFor="ch" refForName="TwoConn_1-2"/>
+          <dgm:constr type="rOff" for="ch" forName="TwoNodes_1_text" refType="w" refFor="ch" refForName="TwoConn_1-2" fact="-0.5"/>
+          <dgm:constr type="t" for="ch" forName="TwoNodes_1_text" refType="t" refFor="ch" refForName="TwoNodes_1"/>
+          <dgm:constr type="b" for="ch" forName="TwoNodes_1_text" refType="b" refFor="ch" refForName="TwoNodes_1"/>
+          <dgm:constr type="l" for="ch" forName="TwoNodes_1_text" refType="l" refFor="ch" refForName="TwoNodes_1"/>
+          <dgm:constr type="r" for="ch" forName="TwoNodes_2_text" refType="l" refFor="ch" refForName="TwoConn_1-2"/>
+          <dgm:constr type="t" for="ch" forName="TwoNodes_2_text" refType="t" refFor="ch" refForName="TwoNodes_2"/>
+          <dgm:constr type="b" for="ch" forName="TwoNodes_2_text" refType="b" refFor="ch" refForName="TwoNodes_2"/>
+          <dgm:constr type="l" for="ch" forName="TwoNodes_2_text" refType="l" refFor="ch" refForName="TwoNodes_2"/>
+          <dgm:constr type="w" for="ch" forName="ThreeNodes_1" refType="w" fact="0.85"/>
+          <dgm:constr type="h" for="ch" forName="ThreeNodes_1" refType="h" fact="0.3"/>
+          <dgm:constr type="t" for="ch" forName="ThreeNodes_1"/>
+          <dgm:constr type="l" for="ch" forName="ThreeNodes_1"/>
+          <dgm:constr type="w" for="ch" forName="ThreeNodes_2" refType="w" fact="0.85"/>
+          <dgm:constr type="h" for="ch" forName="ThreeNodes_2" refType="h" fact="0.3"/>
+          <dgm:constr type="ctrY" for="ch" forName="ThreeNodes_2" refType="h" fact="0.5"/>
+          <dgm:constr type="ctrX" for="ch" forName="ThreeNodes_2" refType="w" fact="0.5"/>
+          <dgm:constr type="w" for="ch" forName="ThreeNodes_3" refType="w" fact="0.85"/>
+          <dgm:constr type="h" for="ch" forName="ThreeNodes_3" refType="h" fact="0.3"/>
+          <dgm:constr type="b" for="ch" forName="ThreeNodes_3" refType="h"/>
+          <dgm:constr type="r" for="ch" forName="ThreeNodes_3" refType="w"/>
+          <dgm:constr type="w" for="ch" forName="ThreeConn_1-2" refType="h" refFor="ch" refForName="ThreeNodes_1" fact="0.65"/>
+          <dgm:constr type="h" for="ch" forName="ThreeConn_1-2" refType="h" refFor="ch" refForName="ThreeNodes_1" fact="0.65"/>
+          <dgm:constr type="ctrY" for="ch" forName="ThreeConn_1-2" refType="h" fact="0.325"/>
+          <dgm:constr type="r" for="ch" forName="ThreeConn_1-2" refType="r" refFor="ch" refForName="ThreeNodes_1"/>
+          <dgm:constr type="w" for="ch" forName="ThreeConn_2-3" refType="h" refFor="ch" refForName="ThreeNodes_2" fact="0.65"/>
+          <dgm:constr type="h" for="ch" forName="ThreeConn_2-3" refType="h" refFor="ch" refForName="ThreeNodes_2" fact="0.65"/>
+          <dgm:constr type="ctrY" for="ch" forName="ThreeConn_2-3" refType="h" fact="0.673"/>
+          <dgm:constr type="r" for="ch" forName="ThreeConn_2-3" refType="r" refFor="ch" refForName="ThreeNodes_2"/>
+          <dgm:constr type="r" for="ch" forName="ThreeNodes_1_text" refType="l" refFor="ch" refForName="ThreeConn_1-2"/>
+          <dgm:constr type="rOff" for="ch" forName="ThreeNodes_1_text" refType="w" refFor="ch" refForName="ThreeConn_1-2" fact="-0.57"/>
+          <dgm:constr type="t" for="ch" forName="ThreeNodes_1_text" refType="t" refFor="ch" refForName="ThreeNodes_1"/>
+          <dgm:constr type="b" for="ch" forName="ThreeNodes_1_text" refType="b" refFor="ch" refForName="ThreeNodes_1"/>
+          <dgm:constr type="l" for="ch" forName="ThreeNodes_1_text" refType="l" refFor="ch" refForName="ThreeNodes_1"/>
+          <dgm:constr type="r" for="ch" forName="ThreeNodes_2_text" refType="l" refFor="ch" refForName="ThreeConn_1-2"/>
+          <dgm:constr type="t" for="ch" forName="ThreeNodes_2_text" refType="t" refFor="ch" refForName="ThreeNodes_2"/>
+          <dgm:constr type="b" for="ch" forName="ThreeNodes_2_text" refType="b" refFor="ch" refForName="ThreeNodes_2"/>
+          <dgm:constr type="l" for="ch" forName="ThreeNodes_2_text" refType="l" refFor="ch" refForName="ThreeNodes_2"/>
+          <dgm:constr type="r" for="ch" forName="ThreeNodes_3_text" refType="l" refFor="ch" refForName="ThreeConn_2-3"/>
+          <dgm:constr type="t" for="ch" forName="ThreeNodes_3_text" refType="t" refFor="ch" refForName="ThreeNodes_3"/>
+          <dgm:constr type="b" for="ch" forName="ThreeNodes_3_text" refType="b" refFor="ch" refForName="ThreeNodes_3"/>
+          <dgm:constr type="l" for="ch" forName="ThreeNodes_3_text" refType="l" refFor="ch" refForName="ThreeNodes_3"/>
+          <dgm:constr type="w" for="ch" forName="FourNodes_1" refType="w" fact="0.8"/>
+          <dgm:constr type="h" for="ch" forName="FourNodes_1" refType="h" fact="0.22"/>
+          <dgm:constr type="t" for="ch" forName="FourNodes_1"/>
+          <dgm:constr type="l" for="ch" forName="FourNodes_1"/>
+          <dgm:constr type="w" for="ch" forName="FourNodes_2" refType="w" fact="0.8"/>
+          <dgm:constr type="h" for="ch" forName="FourNodes_2" refType="h" fact="0.22"/>
+          <dgm:constr type="ctrY" for="ch" forName="FourNodes_2" refType="h" fact="0.37"/>
+          <dgm:constr type="ctrX" for="ch" forName="FourNodes_2" refType="w" fact="0.467"/>
+          <dgm:constr type="w" for="ch" forName="FourNodes_3" refType="w" fact="0.8"/>
+          <dgm:constr type="h" for="ch" forName="FourNodes_3" refType="h" fact="0.22"/>
+          <dgm:constr type="ctrY" for="ch" forName="FourNodes_3" refType="h" fact="0.63"/>
+          <dgm:constr type="ctrX" for="ch" forName="FourNodes_3" refType="w" fact="0.533"/>
+          <dgm:constr type="w" for="ch" forName="FourNodes_4" refType="w" fact="0.8"/>
+          <dgm:constr type="h" for="ch" forName="FourNodes_4" refType="h" fact="0.22"/>
+          <dgm:constr type="b" for="ch" forName="FourNodes_4" refType="h"/>
+          <dgm:constr type="r" for="ch" forName="FourNodes_4" refType="w"/>
+          <dgm:constr type="w" for="ch" forName="FourConn_1-2" refType="h" refFor="ch" refForName="FourNodes_1" fact="0.65"/>
+          <dgm:constr type="h" for="ch" forName="FourConn_1-2" refType="h" refFor="ch" refForName="FourNodes_1" fact="0.65"/>
+          <dgm:constr type="ctrY" for="ch" forName="FourConn_1-2" refType="h" fact="0.24"/>
+          <dgm:constr type="r" for="ch" forName="FourConn_1-2" refType="r" refFor="ch" refForName="FourNodes_1"/>
+          <dgm:constr type="w" for="ch" forName="FourConn_2-3" refType="h" refFor="ch" refForName="FourNodes_2" fact="0.65"/>
+          <dgm:constr type="h" for="ch" forName="FourConn_2-3" refType="h" refFor="ch" refForName="FourNodes_2" fact="0.65"/>
+          <dgm:constr type="ctrY" for="ch" forName="FourConn_2-3" refType="h" fact="0.5"/>
+          <dgm:constr type="r" for="ch" forName="FourConn_2-3" refType="r" refFor="ch" refForName="FourNodes_2"/>
+          <dgm:constr type="w" for="ch" forName="FourConn_3-4" refType="h" refFor="ch" refForName="FourNodes_3" fact="0.65"/>
+          <dgm:constr type="h" for="ch" forName="FourConn_3-4" refType="h" refFor="ch" refForName="FourNodes_3" fact="0.65"/>
+          <dgm:constr type="ctrY" for="ch" forName="FourConn_3-4" refType="h" fact="0.76"/>
+          <dgm:constr type="r" for="ch" forName="FourConn_3-4" refType="r" refFor="ch" refForName="FourNodes_3"/>
+          <dgm:constr type="r" for="ch" forName="FourNodes_1_text" refType="l" refFor="ch" refForName="FourConn_1-2"/>
+          <dgm:constr type="rOff" for="ch" forName="FourNodes_1_text" refType="w" refFor="ch" refForName="FourConn_1-2" fact="-0.7"/>
+          <dgm:constr type="t" for="ch" forName="FourNodes_1_text" refType="t" refFor="ch" refForName="FourNodes_1"/>
+          <dgm:constr type="b" for="ch" forName="FourNodes_1_text" refType="b" refFor="ch" refForName="FourNodes_1"/>
+          <dgm:constr type="l" for="ch" forName="FourNodes_1_text" refType="l" refFor="ch" refForName="FourNodes_1"/>
+          <dgm:constr type="r" for="ch" forName="FourNodes_2_text" refType="l" refFor="ch" refForName="FourConn_1-2"/>
+          <dgm:constr type="t" for="ch" forName="FourNodes_2_text" refType="t" refFor="ch" refForName="FourNodes_2"/>
+          <dgm:constr type="b" for="ch" forName="FourNodes_2_text" refType="b" refFor="ch" refForName="FourNodes_2"/>
+          <dgm:constr type="l" for="ch" forName="FourNodes_2_text" refType="l" refFor="ch" refForName="FourNodes_2"/>
+          <dgm:constr type="r" for="ch" forName="FourNodes_3_text" refType="l" refFor="ch" refForName="FourConn_2-3"/>
+          <dgm:constr type="t" for="ch" forName="FourNodes_3_text" refType="t" refFor="ch" refForName="FourNodes_3"/>
+          <dgm:constr type="b" for="ch" forName="FourNodes_3_text" refType="b" refFor="ch" refForName="FourNodes_3"/>
+          <dgm:constr type="l" for="ch" forName="FourNodes_3_text" refType="l" refFor="ch" refForName="FourNodes_3"/>
+          <dgm:constr type="r" for="ch" forName="FourNodes_4_text" refType="l" refFor="ch" refForName="FourConn_3-4"/>
+          <dgm:constr type="t" for="ch" forName="FourNodes_4_text" refType="t" refFor="ch" refForName="FourNodes_4"/>
+          <dgm:constr type="b" for="ch" forName="FourNodes_4_text" refType="b" refFor="ch" refForName="FourNodes_4"/>
+          <dgm:constr type="l" for="ch" forName="FourNodes_4_text" refType="l" refFor="ch" refForName="FourNodes_4"/>
+          <dgm:constr type="w" for="ch" forName="FiveNodes_1" refType="w" fact="0.77"/>
+          <dgm:constr type="h" for="ch" forName="FiveNodes_1" refType="h" fact="0.18"/>
+          <dgm:constr type="t" for="ch" forName="FiveNodes_1"/>
+          <dgm:constr type="l" for="ch" forName="FiveNodes_1"/>
+          <dgm:constr type="w" for="ch" forName="FiveNodes_2" refType="w" fact="0.77"/>
+          <dgm:constr type="h" for="ch" forName="FiveNodes_2" refType="h" fact="0.18"/>
+          <dgm:constr type="ctrY" for="ch" forName="FiveNodes_2" refType="h" fact="0.295"/>
+          <dgm:constr type="ctrX" for="ch" forName="FiveNodes_2" refType="w" fact="0.4425"/>
+          <dgm:constr type="w" for="ch" forName="FiveNodes_3" refType="w" fact="0.77"/>
+          <dgm:constr type="h" for="ch" forName="FiveNodes_3" refType="h" fact="0.18"/>
+          <dgm:constr type="ctrY" for="ch" forName="FiveNodes_3" refType="h" fact="0.5"/>
+          <dgm:constr type="ctrX" for="ch" forName="FiveNodes_3" refType="w" fact="0.5"/>
+          <dgm:constr type="w" for="ch" forName="FiveNodes_4" refType="w" fact="0.77"/>
+          <dgm:constr type="h" for="ch" forName="FiveNodes_4" refType="h" fact="0.18"/>
+          <dgm:constr type="ctrY" for="ch" forName="FiveNodes_4" refType="h" fact="0.705"/>
+          <dgm:constr type="ctrX" for="ch" forName="FiveNodes_4" refType="w" fact="0.5575"/>
+          <dgm:constr type="w" for="ch" forName="FiveNodes_5" refType="w" fact="0.77"/>
+          <dgm:constr type="h" for="ch" forName="FiveNodes_5" refType="h" fact="0.18"/>
+          <dgm:constr type="b" for="ch" forName="FiveNodes_5" refType="h"/>
+          <dgm:constr type="r" for="ch" forName="FiveNodes_5" refType="w"/>
+          <dgm:constr type="w" for="ch" forName="FiveConn_1-2" refType="h" refFor="ch" refForName="FiveNodes_1" fact="0.65"/>
+          <dgm:constr type="h" for="ch" forName="FiveConn_1-2" refType="h" refFor="ch" refForName="FiveNodes_1" fact="0.65"/>
+          <dgm:constr type="ctrY" for="ch" forName="FiveConn_1-2" refType="h" fact="0.19"/>
+          <dgm:constr type="r" for="ch" forName="FiveConn_1-2" refType="r" refFor="ch" refForName="FiveNodes_1"/>
+          <dgm:constr type="w" for="ch" forName="FiveConn_2-3" refType="h" refFor="ch" refForName="FiveNodes_2" fact="0.65"/>
+          <dgm:constr type="h" for="ch" forName="FiveConn_2-3" refType="h" refFor="ch" refForName="FiveNodes_2" fact="0.65"/>
+          <dgm:constr type="ctrY" for="ch" forName="FiveConn_2-3" refType="h" fact="0.395"/>
+          <dgm:constr type="r" for="ch" forName="FiveConn_2-3" refType="r" refFor="ch" refForName="FiveNodes_2"/>
+          <dgm:constr type="w" for="ch" forName="FiveConn_3-4" refType="h" refFor="ch" refForName="FiveNodes_3" fact="0.65"/>
+          <dgm:constr type="h" for="ch" forName="FiveConn_3-4" refType="h" refFor="ch" refForName="FiveNodes_3" fact="0.65"/>
+          <dgm:constr type="ctrY" for="ch" forName="FiveConn_3-4" refType="h" fact="0.597"/>
+          <dgm:constr type="r" for="ch" forName="FiveConn_3-4" refType="r" refFor="ch" refForName="FiveNodes_3"/>
+          <dgm:constr type="w" for="ch" forName="FiveConn_4-5" refType="h" refFor="ch" refForName="FiveNodes_4" fact="0.65"/>
+          <dgm:constr type="h" for="ch" forName="FiveConn_4-5" refType="h" refFor="ch" refForName="FiveNodes_4" fact="0.65"/>
+          <dgm:constr type="ctrY" for="ch" forName="FiveConn_4-5" refType="h" fact="0.804"/>
+          <dgm:constr type="r" for="ch" forName="FiveConn_4-5" refType="r" refFor="ch" refForName="FiveNodes_4"/>
+          <dgm:constr type="r" for="ch" forName="FiveNodes_1_text" refType="l" refFor="ch" refForName="FiveConn_1-2"/>
+          <dgm:constr type="rOff" for="ch" forName="FiveNodes_1_text" refType="w" refFor="ch" refForName="FiveConn_1-2" fact="-0.75"/>
+          <dgm:constr type="t" for="ch" forName="FiveNodes_1_text" refType="t" refFor="ch" refForName="FiveNodes_1"/>
+          <dgm:constr type="b" for="ch" forName="FiveNodes_1_text" refType="b" refFor="ch" refForName="FiveNodes_1"/>
+          <dgm:constr type="l" for="ch" forName="FiveNodes_1_text" refType="l" refFor="ch" refForName="FiveNodes_1"/>
+          <dgm:constr type="r" for="ch" forName="FiveNodes_2_text" refType="l" refFor="ch" refForName="FiveConn_1-2"/>
+          <dgm:constr type="t" for="ch" forName="FiveNodes_2_text" refType="t" refFor="ch" refForName="FiveNodes_2"/>
+          <dgm:constr type="b" for="ch" forName="FiveNodes_2_text" refType="b" refFor="ch" refForName="FiveNodes_2"/>
+          <dgm:constr type="l" for="ch" forName="FiveNodes_2_text" refType="l" refFor="ch" refForName="FiveNodes_2"/>
+          <dgm:constr type="r" for="ch" forName="FiveNodes_3_text" refType="l" refFor="ch" refForName="FiveConn_2-3"/>
+          <dgm:constr type="t" for="ch" forName="FiveNodes_3_text" refType="t" refFor="ch" refForName="FiveNodes_3"/>
+          <dgm:constr type="b" for="ch" forName="FiveNodes_3_text" refType="b" refFor="ch" refForName="FiveNodes_3"/>
+          <dgm:constr type="l" for="ch" forName="FiveNodes_3_text" refType="l" refFor="ch" refForName="FiveNodes_3"/>
+          <dgm:constr type="r" for="ch" forName="FiveNodes_4_text" refType="l" refFor="ch" refForName="FiveConn_3-4"/>
+          <dgm:constr type="t" for="ch" forName="FiveNodes_4_text" refType="t" refFor="ch" refForName="FiveNodes_4"/>
+          <dgm:constr type="b" for="ch" forName="FiveNodes_4_text" refType="b" refFor="ch" refForName="FiveNodes_4"/>
+          <dgm:constr type="l" for="ch" forName="FiveNodes_4_text" refType="l" refFor="ch" refForName="FiveNodes_4"/>
+          <dgm:constr type="r" for="ch" forName="FiveNodes_5_text" refType="l" refFor="ch" refForName="FiveConn_4-5"/>
+          <dgm:constr type="t" for="ch" forName="FiveNodes_5_text" refType="t" refFor="ch" refForName="FiveNodes_5"/>
+          <dgm:constr type="b" for="ch" forName="FiveNodes_5_text" refType="b" refFor="ch" refForName="FiveNodes_5"/>
+          <dgm:constr type="l" for="ch" forName="FiveNodes_5_text" refType="l" refFor="ch" refForName="FiveNodes_5"/>
+        </dgm:constrLst>
+      </dgm:if>
+      <dgm:else name="Name2">
+        <dgm:constrLst>
+          <dgm:constr type="primFontSz" for="ch" ptType="node" op="equ" val="65"/>
+          <dgm:constr type="w" for="ch" forName="dummyMaxCanvas" refType="w"/>
+          <dgm:constr type="h" for="ch" forName="dummyMaxCanvas" refType="h"/>
+          <dgm:constr type="w" for="ch" forName="OneNode_1" refType="w"/>
+          <dgm:constr type="h" for="ch" forName="OneNode_1" refType="h" fact="0.5"/>
+          <dgm:constr type="ctrY" for="ch" forName="OneNode_1" refType="h" fact="0.5"/>
+          <dgm:constr type="w" for="ch" forName="TwoNodes_1" refType="w" fact="0.85"/>
+          <dgm:constr type="h" for="ch" forName="TwoNodes_1" refType="h" fact="0.45"/>
+          <dgm:constr type="t" for="ch" forName="TwoNodes_1"/>
+          <dgm:constr type="r" for="ch" forName="TwoNodes_1" refType="w"/>
+          <dgm:constr type="w" for="ch" forName="TwoNodes_2" refType="w" fact="0.85"/>
+          <dgm:constr type="h" for="ch" forName="TwoNodes_2" refType="h" fact="0.45"/>
+          <dgm:constr type="b" for="ch" forName="TwoNodes_2" refType="h"/>
+          <dgm:constr type="l" for="ch" forName="TwoNodes_2"/>
+          <dgm:constr type="w" for="ch" forName="TwoConn_1-2" refType="h" refFor="ch" refForName="TwoNodes_1" fact="0.65"/>
+          <dgm:constr type="h" for="ch" forName="TwoConn_1-2" refType="h" refFor="ch" refForName="TwoNodes_1" fact="0.65"/>
+          <dgm:constr type="ctrY" for="ch" forName="TwoConn_1-2" refType="h" fact="0.5"/>
+          <dgm:constr type="l" for="ch" forName="TwoConn_1-2" refType="l" refFor="ch" refForName="TwoNodes_1"/>
+          <dgm:constr type="l" for="ch" forName="TwoNodes_1_text" refType="r" refFor="ch" refForName="TwoConn_1-2"/>
+          <dgm:constr type="lOff" for="ch" forName="TwoNodes_1_text" refType="w" refFor="ch" refForName="TwoConn_1-2" fact="0.5"/>
+          <dgm:constr type="t" for="ch" forName="TwoNodes_1_text" refType="t" refFor="ch" refForName="TwoNodes_1"/>
+          <dgm:constr type="b" for="ch" forName="TwoNodes_1_text" refType="b" refFor="ch" refForName="TwoNodes_1"/>
+          <dgm:constr type="r" for="ch" forName="TwoNodes_1_text" refType="r" refFor="ch" refForName="TwoNodes_1"/>
+          <dgm:constr type="l" for="ch" forName="TwoNodes_2_text" refType="r" refFor="ch" refForName="TwoConn_1-2"/>
+          <dgm:constr type="t" for="ch" forName="TwoNodes_2_text" refType="t" refFor="ch" refForName="TwoNodes_2"/>
+          <dgm:constr type="b" for="ch" forName="TwoNodes_2_text" refType="b" refFor="ch" refForName="TwoNodes_2"/>
+          <dgm:constr type="r" for="ch" forName="TwoNodes_2_text" refType="r" refFor="ch" refForName="TwoNodes_2"/>
+          <dgm:constr type="w" for="ch" forName="ThreeNodes_1" refType="w" fact="0.85"/>
+          <dgm:constr type="h" for="ch" forName="ThreeNodes_1" refType="h" fact="0.3"/>
+          <dgm:constr type="t" for="ch" forName="ThreeNodes_1"/>
+          <dgm:constr type="r" for="ch" forName="ThreeNodes_1" refType="w"/>
+          <dgm:constr type="w" for="ch" forName="ThreeNodes_2" refType="w" fact="0.85"/>
+          <dgm:constr type="h" for="ch" forName="ThreeNodes_2" refType="h" fact="0.3"/>
+          <dgm:constr type="ctrY" for="ch" forName="ThreeNodes_2" refType="h" fact="0.5"/>
+          <dgm:constr type="ctrX" for="ch" forName="ThreeNodes_2" refType="w" fact="0.5"/>
+          <dgm:constr type="w" for="ch" forName="ThreeNodes_3" refType="w" fact="0.85"/>
+          <dgm:constr type="h" for="ch" forName="ThreeNodes_3" refType="h" fact="0.3"/>
+          <dgm:constr type="b" for="ch" forName="ThreeNodes_3" refType="h"/>
+          <dgm:constr type="l" for="ch" forName="ThreeNodes_3"/>
+          <dgm:constr type="w" for="ch" forName="ThreeConn_1-2" refType="h" refFor="ch" refForName="ThreeNodes_1" fact="0.65"/>
+          <dgm:constr type="h" for="ch" forName="ThreeConn_1-2" refType="h" refFor="ch" refForName="ThreeNodes_1" fact="0.65"/>
+          <dgm:constr type="ctrY" for="ch" forName="ThreeConn_1-2" refType="h" fact="0.325"/>
+          <dgm:constr type="l" for="ch" forName="ThreeConn_1-2" refType="l" refFor="ch" refForName="ThreeNodes_1"/>
+          <dgm:constr type="w" for="ch" forName="ThreeConn_2-3" refType="h" refFor="ch" refForName="ThreeNodes_2" fact="0.65"/>
+          <dgm:constr type="h" for="ch" forName="ThreeConn_2-3" refType="h" refFor="ch" refForName="ThreeNodes_2" fact="0.65"/>
+          <dgm:constr type="ctrY" for="ch" forName="ThreeConn_2-3" refType="h" fact="0.673"/>
+          <dgm:constr type="l" for="ch" forName="ThreeConn_2-3" refType="l" refFor="ch" refForName="ThreeNodes_2"/>
+          <dgm:constr type="l" for="ch" forName="ThreeNodes_1_text" refType="r" refFor="ch" refForName="ThreeConn_1-2"/>
+          <dgm:constr type="lOff" for="ch" forName="ThreeNodes_1_text" refType="w" refFor="ch" refForName="ThreeConn_1-2" fact="0.55"/>
+          <dgm:constr type="t" for="ch" forName="ThreeNodes_1_text" refType="t" refFor="ch" refForName="ThreeNodes_1"/>
+          <dgm:constr type="b" for="ch" forName="ThreeNodes_1_text" refType="b" refFor="ch" refForName="ThreeNodes_1"/>
+          <dgm:constr type="r" for="ch" forName="ThreeNodes_1_text" refType="r" refFor="ch" refForName="ThreeNodes_1"/>
+          <dgm:constr type="l" for="ch" forName="ThreeNodes_2_text" refType="r" refFor="ch" refForName="ThreeConn_1-2"/>
+          <dgm:constr type="t" for="ch" forName="ThreeNodes_2_text" refType="t" refFor="ch" refForName="ThreeNodes_2"/>
+          <dgm:constr type="b" for="ch" forName="ThreeNodes_2_text" refType="b" refFor="ch" refForName="ThreeNodes_2"/>
+          <dgm:constr type="r" for="ch" forName="ThreeNodes_2_text" refType="r" refFor="ch" refForName="ThreeNodes_2"/>
+          <dgm:constr type="l" for="ch" forName="ThreeNodes_3_text" refType="r" refFor="ch" refForName="ThreeConn_2-3"/>
+          <dgm:constr type="t" for="ch" forName="ThreeNodes_3_text" refType="t" refFor="ch" refForName="ThreeNodes_3"/>
+          <dgm:constr type="b" for="ch" forName="ThreeNodes_3_text" refType="b" refFor="ch" refForName="ThreeNodes_3"/>
+          <dgm:constr type="r" for="ch" forName="ThreeNodes_3_text" refType="r" refFor="ch" refForName="ThreeNodes_3"/>
+          <dgm:constr type="w" for="ch" forName="FourNodes_1" refType="w" fact="0.8"/>
+          <dgm:constr type="h" for="ch" forName="FourNodes_1" refType="h" fact="0.22"/>
+          <dgm:constr type="t" for="ch" forName="FourNodes_1"/>
+          <dgm:constr type="r" for="ch" forName="FourNodes_1" refType="w"/>
+          <dgm:constr type="w" for="ch" forName="FourNodes_2" refType="w" fact="0.8"/>
+          <dgm:constr type="h" for="ch" forName="FourNodes_2" refType="h" fact="0.22"/>
+          <dgm:constr type="ctrY" for="ch" forName="FourNodes_2" refType="h" fact="0.37"/>
+          <dgm:constr type="ctrX" for="ch" forName="FourNodes_2" refType="w" fact="0.533"/>
+          <dgm:constr type="w" for="ch" forName="FourNodes_3" refType="w" fact="0.8"/>
+          <dgm:constr type="h" for="ch" forName="FourNodes_3" refType="h" fact="0.22"/>
+          <dgm:constr type="ctrY" for="ch" forName="FourNodes_3" refType="h" fact="0.63"/>
+          <dgm:constr type="ctrX" for="ch" forName="FourNodes_3" refType="w" fact="0.467"/>
+          <dgm:constr type="w" for="ch" forName="FourNodes_4" refType="w" fact="0.8"/>
+          <dgm:constr type="h" for="ch" forName="FourNodes_4" refType="h" fact="0.22"/>
+          <dgm:constr type="b" for="ch" forName="FourNodes_4" refType="h"/>
+          <dgm:constr type="l" for="ch" forName="FourNodes_4"/>
+          <dgm:constr type="w" for="ch" forName="FourConn_1-2" refType="h" refFor="ch" refForName="FourNodes_1" fact="0.65"/>
+          <dgm:constr type="h" for="ch" forName="FourConn_1-2" refType="h" refFor="ch" refForName="FourNodes_1" fact="0.65"/>
+          <dgm:constr type="ctrY" for="ch" forName="FourConn_1-2" refType="h" fact="0.24"/>
+          <dgm:constr type="l" for="ch" forName="FourConn_1-2" refType="l" refFor="ch" refForName="FourNodes_1"/>
+          <dgm:constr type="w" for="ch" forName="FourConn_2-3" refType="h" refFor="ch" refForName="FourNodes_2" fact="0.65"/>
+          <dgm:constr type="h" for="ch" forName="FourConn_2-3" refType="h" refFor="ch" refForName="FourNodes_2" fact="0.65"/>
+          <dgm:constr type="ctrY" for="ch" forName="FourConn_2-3" refType="h" fact="0.5"/>
+          <dgm:constr type="l" for="ch" forName="FourConn_2-3" refType="l" refFor="ch" refForName="FourNodes_2"/>
+          <dgm:constr type="w" for="ch" forName="FourConn_3-4" refType="h" refFor="ch" refForName="FourNodes_3" fact="0.65"/>
+          <dgm:constr type="h" for="ch" forName="FourConn_3-4" refType="h" refFor="ch" refForName="FourNodes_3" fact="0.65"/>
+          <dgm:constr type="ctrY" for="ch" forName="FourConn_3-4" refType="h" fact="0.76"/>
+          <dgm:constr type="l" for="ch" forName="FourConn_3-4" refType="l" refFor="ch" refForName="FourNodes_3"/>
+          <dgm:constr type="l" for="ch" forName="FourNodes_1_text" refType="r" refFor="ch" refForName="FourConn_1-2"/>
+          <dgm:constr type="lOff" for="ch" forName="FourNodes_1_text" refType="w" refFor="ch" refForName="FourConn_1-2" fact="0.69"/>
+          <dgm:constr type="t" for="ch" forName="FourNodes_1_text" refType="t" refFor="ch" refForName="FourNodes_1"/>
+          <dgm:constr type="b" for="ch" forName="FourNodes_1_text" refType="b" refFor="ch" refForName="FourNodes_1"/>
+          <dgm:constr type="r" for="ch" forName="FourNodes_1_text" refType="r" refFor="ch" refForName="FourNodes_1"/>
+          <dgm:constr type="l" for="ch" forName="FourNodes_2_text" refType="r" refFor="ch" refForName="FourConn_1-2"/>
+          <dgm:constr type="t" for="ch" forName="FourNodes_2_text" refType="t" refFor="ch" refForName="FourNodes_2"/>
+          <dgm:constr type="b" for="ch" forName="FourNodes_2_text" refType="b" refFor="ch" refForName="FourNodes_2"/>
+          <dgm:constr type="r" for="ch" forName="FourNodes_2_text" refType="r" refFor="ch" refForName="FourNodes_2"/>
+          <dgm:constr type="l" for="ch" forName="FourNodes_3_text" refType="r" refFor="ch" refForName="FourConn_2-3"/>
+          <dgm:constr type="t" for="ch" forName="FourNodes_3_text" refType="t" refFor="ch" refForName="FourNodes_3"/>
+          <dgm:constr type="b" for="ch" forName="FourNodes_3_text" refType="b" refFor="ch" refForName="FourNodes_3"/>
+          <dgm:constr type="r" for="ch" forName="FourNodes_3_text" refType="r" refFor="ch" refForName="FourNodes_3"/>
+          <dgm:constr type="l" for="ch" forName="FourNodes_4_text" refType="r" refFor="ch" refForName="FourConn_3-4"/>
+          <dgm:constr type="t" for="ch" forName="FourNodes_4_text" refType="t" refFor="ch" refForName="FourNodes_4"/>
+          <dgm:constr type="b" for="ch" forName="FourNodes_4_text" refType="b" refFor="ch" refForName="FourNodes_4"/>
+          <dgm:constr type="r" for="ch" forName="FourNodes_4_text" refType="r" refFor="ch" refForName="FourNodes_4"/>
+          <dgm:constr type="w" for="ch" forName="FiveNodes_1" refType="w" fact="0.77"/>
+          <dgm:constr type="h" for="ch" forName="FiveNodes_1" refType="h" fact="0.18"/>
+          <dgm:constr type="t" for="ch" forName="FiveNodes_1"/>
+          <dgm:constr type="r" for="ch" forName="FiveNodes_1" refType="w"/>
+          <dgm:constr type="w" for="ch" forName="FiveNodes_2" refType="w" fact="0.77"/>
+          <dgm:constr type="h" for="ch" forName="FiveNodes_2" refType="h" fact="0.18"/>
+          <dgm:constr type="ctrY" for="ch" forName="FiveNodes_2" refType="h" fact="0.295"/>
+          <dgm:constr type="ctrX" for="ch" forName="FiveNodes_2" refType="w" fact="0.5575"/>
+          <dgm:constr type="w" for="ch" forName="FiveNodes_3" refType="w" fact="0.77"/>
+          <dgm:constr type="h" for="ch" forName="FiveNodes_3" refType="h" fact="0.18"/>
+          <dgm:constr type="ctrY" for="ch" forName="FiveNodes_3" refType="h" fact="0.5"/>
+          <dgm:constr type="ctrX" for="ch" forName="FiveNodes_3" refType="w" fact="0.5"/>
+          <dgm:constr type="w" for="ch" forName="FiveNodes_4" refType="w" fact="0.77"/>
+          <dgm:constr type="h" for="ch" forName="FiveNodes_4" refType="h" fact="0.18"/>
+          <dgm:constr type="ctrY" for="ch" forName="FiveNodes_4" refType="h" fact="0.705"/>
+          <dgm:constr type="ctrX" for="ch" forName="FiveNodes_4" refType="w" fact="0.4425"/>
+          <dgm:constr type="w" for="ch" forName="FiveNodes_5" refType="w" fact="0.77"/>
+          <dgm:constr type="h" for="ch" forName="FiveNodes_5" refType="h" fact="0.18"/>
+          <dgm:constr type="b" for="ch" forName="FiveNodes_5" refType="h"/>
+          <dgm:constr type="l" for="ch" forName="FiveNodes_5"/>
+          <dgm:constr type="w" for="ch" forName="FiveConn_1-2" refType="h" refFor="ch" refForName="FiveNodes_1" fact="0.65"/>
+          <dgm:constr type="h" for="ch" forName="FiveConn_1-2" refType="h" refFor="ch" refForName="FiveNodes_1" fact="0.65"/>
+          <dgm:constr type="ctrY" for="ch" forName="FiveConn_1-2" refType="h" fact="0.19"/>
+          <dgm:constr type="l" for="ch" forName="FiveConn_1-2" refType="l" refFor="ch" refForName="FiveNodes_1"/>
+          <dgm:constr type="w" for="ch" forName="FiveConn_2-3" refType="h" refFor="ch" refForName="FiveNodes_2" fact="0.65"/>
+          <dgm:constr type="h" for="ch" forName="FiveConn_2-3" refType="h" refFor="ch" refForName="FiveNodes_2" fact="0.65"/>
+          <dgm:constr type="ctrY" for="ch" forName="FiveConn_2-3" refType="h" fact="0.395"/>
+          <dgm:constr type="l" for="ch" forName="FiveConn_2-3" refType="l" refFor="ch" refForName="FiveNodes_2"/>
+          <dgm:constr type="w" for="ch" forName="FiveConn_3-4" refType="h" refFor="ch" refForName="FiveNodes_3" fact="0.65"/>
+          <dgm:constr type="h" for="ch" forName="FiveConn_3-4" refType="h" refFor="ch" refForName="FiveNodes_3" fact="0.65"/>
+          <dgm:constr type="ctrY" for="ch" forName="FiveConn_3-4" refType="h" fact="0.597"/>
+          <dgm:constr type="l" for="ch" forName="FiveConn_3-4" refType="l" refFor="ch" refForName="FiveNodes_3"/>
+          <dgm:constr type="w" for="ch" forName="FiveConn_4-5" refType="h" refFor="ch" refForName="FiveNodes_4" fact="0.65"/>
+          <dgm:constr type="h" for="ch" forName="FiveConn_4-5" refType="h" refFor="ch" refForName="FiveNodes_4" fact="0.65"/>
+          <dgm:constr type="ctrY" for="ch" forName="FiveConn_4-5" refType="h" fact="0.804"/>
+          <dgm:constr type="l" for="ch" forName="FiveConn_4-5" refType="l" refFor="ch" refForName="FiveNodes_4"/>
+          <dgm:constr type="l" for="ch" forName="FiveNodes_1_text" refType="r" refFor="ch" refForName="FiveConn_1-2"/>
+          <dgm:constr type="lOff" for="ch" forName="FiveNodes_1_text" refType="w" refFor="ch" refForName="FiveConn_1-2" fact="0.73"/>
+          <dgm:constr type="t" for="ch" forName="FiveNodes_1_text" refType="t" refFor="ch" refForName="FiveNodes_1"/>
+          <dgm:constr type="b" for="ch" forName="FiveNodes_1_text" refType="b" refFor="ch" refForName="FiveNodes_1"/>
+          <dgm:constr type="r" for="ch" forName="FiveNodes_1_text" refType="r" refFor="ch" refForName="FiveNodes_1"/>
+          <dgm:constr type="l" for="ch" forName="FiveNodes_2_text" refType="r" refFor="ch" refForName="FiveConn_1-2"/>
+          <dgm:constr type="t" for="ch" forName="FiveNodes_2_text" refType="t" refFor="ch" refForName="FiveNodes_2"/>
+          <dgm:constr type="b" for="ch" forName="FiveNodes_2_text" refType="b" refFor="ch" refForName="FiveNodes_2"/>
+          <dgm:constr type="r" for="ch" forName="FiveNodes_2_text" refType="r" refFor="ch" refForName="FiveNodes_2"/>
+          <dgm:constr type="l" for="ch" forName="FiveNodes_3_text" refType="r" refFor="ch" refForName="FiveConn_2-3"/>
+          <dgm:constr type="t" for="ch" forName="FiveNodes_3_text" refType="t" refFor="ch" refForName="FiveNodes_3"/>
+          <dgm:constr type="b" for="ch" forName="FiveNodes_3_text" refType="b" refFor="ch" refForName="FiveNodes_3"/>
+          <dgm:constr type="r" for="ch" forName="FiveNodes_3_text" refType="r" refFor="ch" refForName="FiveNodes_3"/>
+          <dgm:constr type="l" for="ch" forName="FiveNodes_4_text" refType="r" refFor="ch" refForName="FiveConn_3-4"/>
+          <dgm:constr type="t" for="ch" forName="FiveNodes_4_text" refType="t" refFor="ch" refForName="FiveNodes_4"/>
+          <dgm:constr type="b" for="ch" forName="FiveNodes_4_text" refType="b" refFor="ch" refForName="FiveNodes_4"/>
+          <dgm:constr type="r" for="ch" forName="FiveNodes_4_text" refType="r" refFor="ch" refForName="FiveNodes_4"/>
+          <dgm:constr type="l" for="ch" forName="FiveNodes_5_text" refType="r" refFor="ch" refForName="FiveConn_4-5"/>
+          <dgm:constr type="t" for="ch" forName="FiveNodes_5_text" refType="t" refFor="ch" refForName="FiveNodes_5"/>
+          <dgm:constr type="b" for="ch" forName="FiveNodes_5_text" refType="b" refFor="ch" refForName="FiveNodes_5"/>
+          <dgm:constr type="r" for="ch" forName="FiveNodes_5_text" refType="r" refFor="ch" refForName="FiveNodes_5"/>
+        </dgm:constrLst>
+      </dgm:else>
+    </dgm:choose>
+    <dgm:ruleLst/>
+    <dgm:layoutNode name="dummyMaxCanvas">
+      <dgm:varLst/>
+      <dgm:alg type="sp"/>
+      <dgm:shape xmlns:r="http://schemas.openxmlformats.org/officeDocument/2006/relationships" r:blip="">
+        <dgm:adjLst/>
+      </dgm:shape>
+      <dgm:presOf/>
+      <dgm:constrLst/>
+      <dgm:ruleLst/>
+    </dgm:layoutNode>
+    <dgm:choose name="Name3">
+      <dgm:if name="Name4" axis="ch" ptType="node" func="cnt" op="equ" val="1">
+        <dgm:layoutNode name="OneNode_1">
+          <dgm:varLst>
+            <dgm:bulletEnabled val="1"/>
+          </dgm:varLst>
+          <dgm:alg type="tx"/>
+          <dgm:shape xmlns:r="http://schemas.openxmlformats.org/officeDocument/2006/relationships" type="roundRect" r:blip="">
+            <dgm:adjLst>
+              <dgm:adj idx="1" val="0.1"/>
+            </dgm:adjLst>
+          </dgm:shape>
+          <dgm:presOf axis="ch desOrSelf" ptType="node node" st="1 1" cnt="1 0"/>
+          <dgm:constrLst>
+            <dgm:constr type="lMarg" refType="primFontSz" fact="0.3"/>
+            <dgm:constr type="rMarg" refType="primFontSz" fact="0.3"/>
+            <dgm:constr type="tMarg" refType="primFontSz" fact="0.3"/>
+            <dgm:constr type="bMarg" refType="primFontSz" fact="0.3"/>
+          </dgm:constrLst>
+          <dgm:ruleLst>
+            <dgm:rule type="primFontSz" val="5" fact="NaN" max="NaN"/>
+          </dgm:ruleLst>
+        </dgm:layoutNode>
+      </dgm:if>
+      <dgm:else name="Name5">
+        <dgm:choose name="Name6">
+          <dgm:if name="Name7" axis="ch" ptType="node" func="cnt" op="equ" val="2">
+            <dgm:layoutNode name="TwoNodes_1">
+              <dgm:varLst>
+                <dgm:bulletEnabled val="1"/>
+              </dgm:varLst>
+              <dgm:alg type="sp"/>
+              <dgm:shape xmlns:r="http://schemas.openxmlformats.org/officeDocument/2006/relationships" type="roundRect" r:blip="">
+                <dgm:adjLst>
+                  <dgm:adj idx="1" val="0.1"/>
+                </dgm:adjLst>
+              </dgm:shape>
+              <dgm:presOf axis="ch desOrSelf" ptType="node node" st="1 1" cnt="1 0"/>
+              <dgm:constrLst/>
+              <dgm:ruleLst/>
+            </dgm:layoutNode>
+            <dgm:layoutNode name="TwoNodes_2">
+              <dgm:varLst>
+                <dgm:bulletEnabled val="1"/>
+              </dgm:varLst>
+              <dgm:alg type="sp"/>
+              <dgm:shape xmlns:r="http://schemas.openxmlformats.org/officeDocument/2006/relationships" type="roundRect" r:blip="">
+                <dgm:adjLst>
+                  <dgm:adj idx="1" val="0.1"/>
+                </dgm:adjLst>
+              </dgm:shape>
+              <dgm:presOf axis="ch desOrSelf" ptType="node node" st="2 1" cnt="1 0"/>
+              <dgm:constrLst/>
+              <dgm:ruleLst/>
+            </dgm:layoutNode>
+            <dgm:layoutNode name="TwoConn_1-2" styleLbl="fgAccFollowNode1">
+              <dgm:varLst>
+                <dgm:bulletEnabled val="1"/>
+              </dgm:varLst>
+              <dgm:alg type="tx"/>
+              <dgm:shape xmlns:r="http://schemas.openxmlformats.org/officeDocument/2006/relationships" type="downArrow" r:blip="">
+                <dgm:adjLst>
+                  <dgm:adj idx="1" val="0.55"/>
+                  <dgm:adj idx="2" val="0.45"/>
+                </dgm:adjLst>
+              </dgm:shape>
+              <dgm:presOf axis="ch" ptType="sibTrans" cnt="1"/>
+              <dgm:constrLst>
+                <dgm:constr type="lMarg" refType="primFontSz" fact="0.1"/>
+                <dgm:constr type="rMarg" refType="primFontSz" fact="0.1"/>
+                <dgm:constr type="tMarg" refType="primFontSz" fact="0.1"/>
+                <dgm:constr type="bMarg" refType="primFontSz" fact="0.1"/>
+              </dgm:constrLst>
+              <dgm:ruleLst>
+                <dgm:rule type="primFontSz" val="5" fact="NaN" max="NaN"/>
+              </dgm:ruleLst>
+            </dgm:layoutNode>
+            <dgm:layoutNode name="TwoNodes_1_text">
+              <dgm:varLst>
+                <dgm:bulletEnabled val="1"/>
+              </dgm:varLst>
+              <dgm:alg type="tx">
+                <dgm:param type="parTxLTRAlign" val="l"/>
+                <dgm:param type="txAnchorVertCh" val="mid"/>
+              </dgm:alg>
+              <dgm:shape xmlns:r="http://schemas.openxmlformats.org/officeDocument/2006/relationships" type="roundRect" r:blip="" hideGeom="1">
+                <dgm:adjLst>
+                  <dgm:adj idx="1" val="0.1"/>
+                </dgm:adjLst>
+              </dgm:shape>
+              <dgm:presOf axis="ch desOrSelf" ptType="node node" st="1 1" cnt="1 0"/>
+              <dgm:constrLst>
+                <dgm:constr type="lMarg" refType="primFontSz" fact="0.3"/>
+                <dgm:constr type="rMarg" refType="primFontSz" fact="0.3"/>
+                <dgm:constr type="tMarg" refType="primFontSz" fact="0.3"/>
+                <dgm:constr type="bMarg" refType="primFontSz" fact="0.3"/>
+              </dgm:constrLst>
+              <dgm:ruleLst>
+                <dgm:rule type="primFontSz" val="5" fact="NaN" max="NaN"/>
+              </dgm:ruleLst>
+            </dgm:layoutNode>
+            <dgm:layoutNode name="TwoNodes_2_text">
+              <dgm:varLst>
+                <dgm:bulletEnabled val="1"/>
+              </dgm:varLst>
+              <dgm:alg type="tx">
+                <dgm:param type="parTxLTRAlign" val="l"/>
+                <dgm:param type="txAnchorVertCh" val="mid"/>
+              </dgm:alg>
+              <dgm:shape xmlns:r="http://schemas.openxmlformats.org/officeDocument/2006/relationships" type="roundRect" r:blip="" hideGeom="1">
+                <dgm:adjLst>
+                  <dgm:adj idx="1" val="0.1"/>
+                </dgm:adjLst>
+              </dgm:shape>
+              <dgm:presOf axis="ch desOrSelf" ptType="node node" st="2 1" cnt="1 0"/>
+              <dgm:constrLst>
+                <dgm:constr type="lMarg" refType="primFontSz" fact="0.3"/>
+                <dgm:constr type="rMarg" refType="primFontSz" fact="0.3"/>
+                <dgm:constr type="tMarg" refType="primFontSz" fact="0.3"/>
+                <dgm:constr type="bMarg" refType="primFontSz" fact="0.3"/>
+              </dgm:constrLst>
+              <dgm:ruleLst>
+                <dgm:rule type="primFontSz" val="5" fact="NaN" max="NaN"/>
+              </dgm:ruleLst>
+            </dgm:layoutNode>
+          </dgm:if>
+          <dgm:else name="Name8">
+            <dgm:choose name="Name9">
+              <dgm:if name="Name10" axis="ch" ptType="node" func="cnt" op="equ" val="3">
+                <dgm:layoutNode name="ThreeNodes_1">
+                  <dgm:varLst>
+                    <dgm:bulletEnabled val="1"/>
+                  </dgm:varLst>
+                  <dgm:alg type="sp"/>
+                  <dgm:shape xmlns:r="http://schemas.openxmlformats.org/officeDocument/2006/relationships" type="roundRect" r:blip="">
+                    <dgm:adjLst>
+                      <dgm:adj idx="1" val="0.1"/>
+                    </dgm:adjLst>
+                  </dgm:shape>
+                  <dgm:presOf axis="ch desOrSelf" ptType="node node" st="1 1" cnt="1 0"/>
+                  <dgm:constrLst/>
+                  <dgm:ruleLst/>
+                </dgm:layoutNode>
+                <dgm:layoutNode name="ThreeNodes_2">
+                  <dgm:varLst>
+                    <dgm:bulletEnabled val="1"/>
+                  </dgm:varLst>
+                  <dgm:alg type="sp"/>
+                  <dgm:shape xmlns:r="http://schemas.openxmlformats.org/officeDocument/2006/relationships" type="roundRect" r:blip="">
+                    <dgm:adjLst>
+                      <dgm:adj idx="1" val="0.1"/>
+                    </dgm:adjLst>
+                  </dgm:shape>
+                  <dgm:presOf axis="ch desOrSelf" ptType="node node" st="2 1" cnt="1 0"/>
+                  <dgm:constrLst/>
+                  <dgm:ruleLst/>
+                </dgm:layoutNode>
+                <dgm:layoutNode name="ThreeNodes_3">
+                  <dgm:varLst>
+                    <dgm:bulletEnabled val="1"/>
+                  </dgm:varLst>
+                  <dgm:alg type="sp"/>
+                  <dgm:shape xmlns:r="http://schemas.openxmlformats.org/officeDocument/2006/relationships" type="roundRect" r:blip="">
+                    <dgm:adjLst>
+                      <dgm:adj idx="1" val="0.1"/>
+                    </dgm:adjLst>
+                  </dgm:shape>
+                  <dgm:presOf axis="ch desOrSelf" ptType="node node" st="3 1" cnt="1 0"/>
+                  <dgm:constrLst/>
+                  <dgm:ruleLst/>
+                </dgm:layoutNode>
+                <dgm:layoutNode name="ThreeConn_1-2" styleLbl="fgAccFollowNode1">
+                  <dgm:varLst>
+                    <dgm:bulletEnabled val="1"/>
+                  </dgm:varLst>
+                  <dgm:alg type="tx"/>
+                  <dgm:shape xmlns:r="http://schemas.openxmlformats.org/officeDocument/2006/relationships" type="downArrow" r:blip="">
+                    <dgm:adjLst>
+                      <dgm:adj idx="1" val="0.55"/>
+                      <dgm:adj idx="2" val="0.45"/>
+                    </dgm:adjLst>
+                  </dgm:shape>
+                  <dgm:presOf axis="ch" ptType="sibTrans" cnt="1"/>
+                  <dgm:constrLst>
+                    <dgm:constr type="lMarg" refType="primFontSz" fact="0.1"/>
+                    <dgm:constr type="rMarg" refType="primFontSz" fact="0.1"/>
+                    <dgm:constr type="tMarg" refType="primFontSz" fact="0.1"/>
+                    <dgm:constr type="bMarg" refType="primFontSz" fact="0.1"/>
+                  </dgm:constrLst>
+                  <dgm:ruleLst>
+                    <dgm:rule type="primFontSz" val="5" fact="NaN" max="NaN"/>
+                  </dgm:ruleLst>
+                </dgm:layoutNode>
+                <dgm:layoutNode name="ThreeConn_2-3" styleLbl="fgAccFollowNode1">
+                  <dgm:varLst>
+                    <dgm:bulletEnabled val="1"/>
+                  </dgm:varLst>
+                  <dgm:alg type="tx"/>
+                  <dgm:shape xmlns:r="http://schemas.openxmlformats.org/officeDocument/2006/relationships" type="downArrow" r:blip="">
+                    <dgm:adjLst>
+                      <dgm:adj idx="1" val="0.55"/>
+                      <dgm:adj idx="2" val="0.45"/>
+                    </dgm:adjLst>
+                  </dgm:shape>
+                  <dgm:presOf axis="ch" ptType="sibTrans" st="2" cnt="1"/>
+                  <dgm:constrLst>
+                    <dgm:constr type="lMarg" refType="primFontSz" fact="0.1"/>
+                    <dgm:constr type="rMarg" refType="primFontSz" fact="0.1"/>
+                    <dgm:constr type="tMarg" refType="primFontSz" fact="0.1"/>
+                    <dgm:constr type="bMarg" refType="primFontSz" fact="0.1"/>
+                  </dgm:constrLst>
+                  <dgm:ruleLst>
+                    <dgm:rule type="primFontSz" val="5" fact="NaN" max="NaN"/>
+                  </dgm:ruleLst>
+                </dgm:layoutNode>
+                <dgm:layoutNode name="ThreeNodes_1_text">
+                  <dgm:varLst>
+                    <dgm:bulletEnabled val="1"/>
+                  </dgm:varLst>
+                  <dgm:alg type="tx">
+                    <dgm:param type="parTxLTRAlign" val="l"/>
+                    <dgm:param type="txAnchorVertCh" val="mid"/>
+                  </dgm:alg>
+                  <dgm:shape xmlns:r="http://schemas.openxmlformats.org/officeDocument/2006/relationships" type="roundRect" r:blip="" hideGeom="1">
+                    <dgm:adjLst>
+                      <dgm:adj idx="1" val="0.1"/>
+                    </dgm:adjLst>
+                  </dgm:shape>
+                  <dgm:presOf axis="ch desOrSelf" ptType="node node" st="1 1" cnt="1 0"/>
+                  <dgm:constrLst>
+                    <dgm:constr type="lMarg" refType="primFontSz" fact="0.3"/>
+                    <dgm:constr type="rMarg" refType="primFontSz" fact="0.3"/>
+                    <dgm:constr type="tMarg" refType="primFontSz" fact="0.3"/>
+                    <dgm:constr type="bMarg" refType="primFontSz" fact="0.3"/>
+                  </dgm:constrLst>
+                  <dgm:ruleLst>
+                    <dgm:rule type="primFontSz" val="5" fact="NaN" max="NaN"/>
+                  </dgm:ruleLst>
+                </dgm:layoutNode>
+                <dgm:layoutNode name="ThreeNodes_2_text">
+                  <dgm:varLst>
+                    <dgm:bulletEnabled val="1"/>
+                  </dgm:varLst>
+                  <dgm:alg type="tx">
+                    <dgm:param type="parTxLTRAlign" val="l"/>
+                    <dgm:param type="txAnchorVertCh" val="mid"/>
+                  </dgm:alg>
+                  <dgm:shape xmlns:r="http://schemas.openxmlformats.org/officeDocument/2006/relationships" type="roundRect" r:blip="" hideGeom="1">
+                    <dgm:adjLst>
+                      <dgm:adj idx="1" val="0.1"/>
+                    </dgm:adjLst>
+                  </dgm:shape>
+                  <dgm:presOf axis="ch desOrSelf" ptType="node node" st="2 1" cnt="1 0"/>
+                  <dgm:constrLst>
+                    <dgm:constr type="lMarg" refType="primFontSz" fact="0.3"/>
+                    <dgm:constr type="rMarg" refType="primFontSz" fact="0.3"/>
+                    <dgm:constr type="tMarg" refType="primFontSz" fact="0.3"/>
+                    <dgm:constr type="bMarg" refType="primFontSz" fact="0.3"/>
+                  </dgm:constrLst>
+                  <dgm:ruleLst>
+                    <dgm:rule type="primFontSz" val="5" fact="NaN" max="NaN"/>
+                  </dgm:ruleLst>
+                </dgm:layoutNode>
+                <dgm:layoutNode name="ThreeNodes_3_text">
+                  <dgm:varLst>
+                    <dgm:bulletEnabled val="1"/>
+                  </dgm:varLst>
+                  <dgm:alg type="tx">
+                    <dgm:param type="parTxLTRAlign" val="l"/>
+                    <dgm:param type="txAnchorVertCh" val="mid"/>
+                  </dgm:alg>
+                  <dgm:shape xmlns:r="http://schemas.openxmlformats.org/officeDocument/2006/relationships" type="roundRect" r:blip="" hideGeom="1">
+                    <dgm:adjLst>
+                      <dgm:adj idx="1" val="0.1"/>
+                    </dgm:adjLst>
+                  </dgm:shape>
+                  <dgm:presOf axis="ch desOrSelf" ptType="node node" st="3 1" cnt="1 0"/>
+                  <dgm:constrLst>
+                    <dgm:constr type="lMarg" refType="primFontSz" fact="0.3"/>
+                    <dgm:constr type="rMarg" refType="primFontSz" fact="0.3"/>
+                    <dgm:constr type="tMarg" refType="primFontSz" fact="0.3"/>
+                    <dgm:constr type="bMarg" refType="primFontSz" fact="0.3"/>
+                  </dgm:constrLst>
+                  <dgm:ruleLst>
+                    <dgm:rule type="primFontSz" val="5" fact="NaN" max="NaN"/>
+                  </dgm:ruleLst>
+                </dgm:layoutNode>
+              </dgm:if>
+              <dgm:else name="Name11">
+                <dgm:choose name="Name12">
+                  <dgm:if name="Name13" axis="ch" ptType="node" func="cnt" op="equ" val="4">
+                    <dgm:layoutNode name="FourNodes_1">
+                      <dgm:varLst>
+                        <dgm:bulletEnabled val="1"/>
+                      </dgm:varLst>
+                      <dgm:alg type="sp"/>
+                      <dgm:shape xmlns:r="http://schemas.openxmlformats.org/officeDocument/2006/relationships" type="roundRect" r:blip="">
+                        <dgm:adjLst>
+                          <dgm:adj idx="1" val="0.1"/>
+                        </dgm:adjLst>
+                      </dgm:shape>
+                      <dgm:presOf axis="ch desOrSelf" ptType="node node" st="1 1" cnt="1 0"/>
+                      <dgm:constrLst/>
+                      <dgm:ruleLst/>
+                    </dgm:layoutNode>
+                    <dgm:layoutNode name="FourNodes_2">
+                      <dgm:varLst>
+                        <dgm:bulletEnabled val="1"/>
+                      </dgm:varLst>
+                      <dgm:alg type="sp"/>
+                      <dgm:shape xmlns:r="http://schemas.openxmlformats.org/officeDocument/2006/relationships" type="roundRect" r:blip="">
+                        <dgm:adjLst>
+                          <dgm:adj idx="1" val="0.1"/>
+                        </dgm:adjLst>
+                      </dgm:shape>
+                      <dgm:presOf axis="ch desOrSelf" ptType="node node" st="2 1" cnt="1 0"/>
+                      <dgm:constrLst/>
+                      <dgm:ruleLst/>
+                    </dgm:layoutNode>
+                    <dgm:layoutNode name="FourNodes_3">
+                      <dgm:varLst>
+                        <dgm:bulletEnabled val="1"/>
+                      </dgm:varLst>
+                      <dgm:alg type="sp"/>
+                      <dgm:shape xmlns:r="http://schemas.openxmlformats.org/officeDocument/2006/relationships" type="roundRect" r:blip="">
+                        <dgm:adjLst>
+                          <dgm:adj idx="1" val="0.1"/>
+                        </dgm:adjLst>
+                      </dgm:shape>
+                      <dgm:presOf axis="ch desOrSelf" ptType="node node" st="3 1" cnt="1 0"/>
+                      <dgm:constrLst/>
+                      <dgm:ruleLst/>
+                    </dgm:layoutNode>
+                    <dgm:layoutNode name="FourNodes_4">
+                      <dgm:varLst>
+                        <dgm:bulletEnabled val="1"/>
+                      </dgm:varLst>
+                      <dgm:alg type="sp"/>
+                      <dgm:shape xmlns:r="http://schemas.openxmlformats.org/officeDocument/2006/relationships" type="roundRect" r:blip="">
+                        <dgm:adjLst>
+                          <dgm:adj idx="1" val="0.1"/>
+                        </dgm:adjLst>
+                      </dgm:shape>
+                      <dgm:presOf axis="ch desOrSelf" ptType="node node" st="4 1" cnt="1 0"/>
+                      <dgm:constrLst/>
+                      <dgm:ruleLst/>
+                    </dgm:layoutNode>
+                    <dgm:layoutNode name="FourConn_1-2" styleLbl="fgAccFollowNode1">
+                      <dgm:varLst>
+                        <dgm:bulletEnabled val="1"/>
+                      </dgm:varLst>
+                      <dgm:alg type="tx"/>
+                      <dgm:shape xmlns:r="http://schemas.openxmlformats.org/officeDocument/2006/relationships" type="downArrow" r:blip="">
+                        <dgm:adjLst>
+                          <dgm:adj idx="1" val="0.55"/>
+                          <dgm:adj idx="2" val="0.45"/>
+                        </dgm:adjLst>
+                      </dgm:shape>
+                      <dgm:presOf axis="ch" ptType="sibTrans" cnt="1"/>
+                      <dgm:constrLst>
+                        <dgm:constr type="lMarg" refType="primFontSz" fact="0.1"/>
+                        <dgm:constr type="rMarg" refType="primFontSz" fact="0.1"/>
+                        <dgm:constr type="tMarg" refType="primFontSz" fact="0.1"/>
+                        <dgm:constr type="bMarg" refType="primFontSz" fact="0.1"/>
+                      </dgm:constrLst>
+                      <dgm:ruleLst>
+                        <dgm:rule type="primFontSz" val="5" fact="NaN" max="NaN"/>
+                      </dgm:ruleLst>
+                    </dgm:layoutNode>
+                    <dgm:layoutNode name="FourConn_2-3" styleLbl="fgAccFollowNode1">
+                      <dgm:varLst>
+                        <dgm:bulletEnabled val="1"/>
+                      </dgm:varLst>
+                      <dgm:alg type="tx"/>
+                      <dgm:shape xmlns:r="http://schemas.openxmlformats.org/officeDocument/2006/relationships" type="downArrow" r:blip="">
+                        <dgm:adjLst>
+                          <dgm:adj idx="1" val="0.55"/>
+                          <dgm:adj idx="2" val="0.45"/>
+                        </dgm:adjLst>
+                      </dgm:shape>
+                      <dgm:presOf axis="ch" ptType="sibTrans" st="2" cnt="1"/>
+                      <dgm:constrLst>
+                        <dgm:constr type="lMarg" refType="primFontSz" fact="0.1"/>
+                        <dgm:constr type="rMarg" refType="primFontSz" fact="0.1"/>
+                        <dgm:constr type="tMarg" refType="primFontSz" fact="0.1"/>
+                        <dgm:constr type="bMarg" refType="primFontSz" fact="0.1"/>
+                      </dgm:constrLst>
+                      <dgm:ruleLst>
+                        <dgm:rule type="primFontSz" val="5" fact="NaN" max="NaN"/>
+                      </dgm:ruleLst>
+                    </dgm:layoutNode>
+                    <dgm:layoutNode name="FourConn_3-4" styleLbl="fgAccFollowNode1">
+                      <dgm:varLst>
+                        <dgm:bulletEnabled val="1"/>
+                      </dgm:varLst>
+                      <dgm:alg type="tx"/>
+                      <dgm:shape xmlns:r="http://schemas.openxmlformats.org/officeDocument/2006/relationships" type="downArrow" r:blip="">
+                        <dgm:adjLst>
+                          <dgm:adj idx="1" val="0.55"/>
+                          <dgm:adj idx="2" val="0.45"/>
+                        </dgm:adjLst>
+                      </dgm:shape>
+                      <dgm:presOf axis="ch" ptType="sibTrans" st="3" cnt="1"/>
+                      <dgm:constrLst>
+                        <dgm:constr type="lMarg" refType="primFontSz" fact="0.1"/>
+                        <dgm:constr type="rMarg" refType="primFontSz" fact="0.1"/>
+                        <dgm:constr type="tMarg" refType="primFontSz" fact="0.1"/>
+                        <dgm:constr type="bMarg" refType="primFontSz" fact="0.1"/>
+                      </dgm:constrLst>
+                      <dgm:ruleLst>
+                        <dgm:rule type="primFontSz" val="5" fact="NaN" max="NaN"/>
+                      </dgm:ruleLst>
+                    </dgm:layoutNode>
+                    <dgm:layoutNode name="FourNodes_1_text">
+                      <dgm:varLst>
+                        <dgm:bulletEnabled val="1"/>
+                      </dgm:varLst>
+                      <dgm:alg type="tx">
+                        <dgm:param type="parTxLTRAlign" val="l"/>
+                        <dgm:param type="txAnchorVertCh" val="mid"/>
+                      </dgm:alg>
+                      <dgm:shape xmlns:r="http://schemas.openxmlformats.org/officeDocument/2006/relationships" type="roundRect" r:blip="" hideGeom="1">
+                        <dgm:adjLst>
+                          <dgm:adj idx="1" val="0.1"/>
+                        </dgm:adjLst>
+                      </dgm:shape>
+                      <dgm:presOf axis="ch desOrSelf" ptType="node node" st="1 1" cnt="1 0"/>
+                      <dgm:constrLst>
+                        <dgm:constr type="lMarg" refType="primFontSz" fact="0.3"/>
+                        <dgm:constr type="rMarg" refType="primFontSz" fact="0.3"/>
+                        <dgm:constr type="tMarg" refType="primFontSz" fact="0.3"/>
+                        <dgm:constr type="bMarg" refType="primFontSz" fact="0.3"/>
+                      </dgm:constrLst>
+                      <dgm:ruleLst>
+                        <dgm:rule type="primFontSz" val="5" fact="NaN" max="NaN"/>
+                      </dgm:ruleLst>
+                    </dgm:layoutNode>
+                    <dgm:layoutNode name="FourNodes_2_text">
+                      <dgm:varLst>
+                        <dgm:bulletEnabled val="1"/>
+                      </dgm:varLst>
+                      <dgm:alg type="tx">
+                        <dgm:param type="parTxLTRAlign" val="l"/>
+                        <dgm:param type="txAnchorVertCh" val="mid"/>
+                      </dgm:alg>
+                      <dgm:shape xmlns:r="http://schemas.openxmlformats.org/officeDocument/2006/relationships" type="roundRect" r:blip="" hideGeom="1">
+                        <dgm:adjLst>
+                          <dgm:adj idx="1" val="0.1"/>
+                        </dgm:adjLst>
+                      </dgm:shape>
+                      <dgm:presOf axis="ch desOrSelf" ptType="node node" st="2 1" cnt="1 0"/>
+                      <dgm:constrLst>
+                        <dgm:constr type="lMarg" refType="primFontSz" fact="0.3"/>
+                        <dgm:constr type="rMarg" refType="primFontSz" fact="0.3"/>
+                        <dgm:constr type="tMarg" refType="primFontSz" fact="0.3"/>
+                        <dgm:constr type="bMarg" refType="primFontSz" fact="0.3"/>
+                      </dgm:constrLst>
+                      <dgm:ruleLst>
+                        <dgm:rule type="primFontSz" val="5" fact="NaN" max="NaN"/>
+                      </dgm:ruleLst>
+                    </dgm:layoutNode>
+                    <dgm:layoutNode name="FourNodes_3_text">
+                      <dgm:varLst>
+                        <dgm:bulletEnabled val="1"/>
+                      </dgm:varLst>
+                      <dgm:alg type="tx">
+                        <dgm:param type="parTxLTRAlign" val="l"/>
+                        <dgm:param type="txAnchorVertCh" val="mid"/>
+                      </dgm:alg>
+                      <dgm:shape xmlns:r="http://schemas.openxmlformats.org/officeDocument/2006/relationships" type="roundRect" r:blip="" hideGeom="1">
+                        <dgm:adjLst>
+                          <dgm:adj idx="1" val="0.1"/>
+                        </dgm:adjLst>
+                      </dgm:shape>
+                      <dgm:presOf axis="ch desOrSelf" ptType="node node" st="3 1" cnt="1 0"/>
+                      <dgm:constrLst>
+                        <dgm:constr type="lMarg" refType="primFontSz" fact="0.3"/>
+                        <dgm:constr type="rMarg" refType="primFontSz" fact="0.3"/>
+                        <dgm:constr type="tMarg" refType="primFontSz" fact="0.3"/>
+                        <dgm:constr type="bMarg" refType="primFontSz" fact="0.3"/>
+                      </dgm:constrLst>
+                      <dgm:ruleLst>
+                        <dgm:rule type="primFontSz" val="5" fact="NaN" max="NaN"/>
+                      </dgm:ruleLst>
+                    </dgm:layoutNode>
+                    <dgm:layoutNode name="FourNodes_4_text">
+                      <dgm:varLst>
+                        <dgm:bulletEnabled val="1"/>
+                      </dgm:varLst>
+                      <dgm:alg type="tx">
+                        <dgm:param type="parTxLTRAlign" val="l"/>
+                        <dgm:param type="txAnchorVertCh" val="mid"/>
+                      </dgm:alg>
+                      <dgm:shape xmlns:r="http://schemas.openxmlformats.org/officeDocument/2006/relationships" type="roundRect" r:blip="" hideGeom="1">
+                        <dgm:adjLst>
+                          <dgm:adj idx="1" val="0.1"/>
+                        </dgm:adjLst>
+                      </dgm:shape>
+                      <dgm:presOf axis="ch desOrSelf" ptType="node node" st="4 1" cnt="1 0"/>
+                      <dgm:constrLst>
+                        <dgm:constr type="lMarg" refType="primFontSz" fact="0.3"/>
+                        <dgm:constr type="rMarg" refType="primFontSz" fact="0.3"/>
+                        <dgm:constr type="tMarg" refType="primFontSz" fact="0.3"/>
+                        <dgm:constr type="bMarg" refType="primFontSz" fact="0.3"/>
+                      </dgm:constrLst>
+                      <dgm:ruleLst>
+                        <dgm:rule type="primFontSz" val="5" fact="NaN" max="NaN"/>
+                      </dgm:ruleLst>
+                    </dgm:layoutNode>
+                  </dgm:if>
+                  <dgm:else name="Name14">
+                    <dgm:choose name="Name15">
+                      <dgm:if name="Name16" axis="ch" ptType="node" func="cnt" op="gte" val="5">
+                        <dgm:layoutNode name="FiveNodes_1">
+                          <dgm:varLst>
+                            <dgm:bulletEnabled val="1"/>
+                          </dgm:varLst>
+                          <dgm:alg type="sp"/>
+                          <dgm:shape xmlns:r="http://schemas.openxmlformats.org/officeDocument/2006/relationships" type="roundRect" r:blip="">
+                            <dgm:adjLst>
+                              <dgm:adj idx="1" val="0.1"/>
+                            </dgm:adjLst>
+                          </dgm:shape>
+                          <dgm:presOf axis="ch desOrSelf" ptType="node node" st="1 1" cnt="1 0"/>
+                          <dgm:constrLst/>
+                          <dgm:ruleLst/>
+                        </dgm:layoutNode>
+                        <dgm:layoutNode name="FiveNodes_2">
+                          <dgm:varLst>
+                            <dgm:bulletEnabled val="1"/>
+                          </dgm:varLst>
+                          <dgm:alg type="sp"/>
+                          <dgm:shape xmlns:r="http://schemas.openxmlformats.org/officeDocument/2006/relationships" type="roundRect" r:blip="">
+                            <dgm:adjLst>
+                              <dgm:adj idx="1" val="0.1"/>
+                            </dgm:adjLst>
+                          </dgm:shape>
+                          <dgm:presOf axis="ch desOrSelf" ptType="node node" st="2 1" cnt="1 0"/>
+                          <dgm:constrLst/>
+                          <dgm:ruleLst/>
+                        </dgm:layoutNode>
+                        <dgm:layoutNode name="FiveNodes_3">
+                          <dgm:varLst>
+                            <dgm:bulletEnabled val="1"/>
+                          </dgm:varLst>
+                          <dgm:alg type="sp"/>
+                          <dgm:shape xmlns:r="http://schemas.openxmlformats.org/officeDocument/2006/relationships" type="roundRect" r:blip="">
+                            <dgm:adjLst>
+                              <dgm:adj idx="1" val="0.1"/>
+                            </dgm:adjLst>
+                          </dgm:shape>
+                          <dgm:presOf axis="ch desOrSelf" ptType="node node" st="3 1" cnt="1 0"/>
+                          <dgm:constrLst/>
+                          <dgm:ruleLst/>
+                        </dgm:layoutNode>
+                        <dgm:layoutNode name="FiveNodes_4">
+                          <dgm:varLst>
+                            <dgm:bulletEnabled val="1"/>
+                          </dgm:varLst>
+                          <dgm:alg type="sp"/>
+                          <dgm:shape xmlns:r="http://schemas.openxmlformats.org/officeDocument/2006/relationships" type="roundRect" r:blip="">
+                            <dgm:adjLst>
+                              <dgm:adj idx="1" val="0.1"/>
+                            </dgm:adjLst>
+                          </dgm:shape>
+                          <dgm:presOf axis="ch desOrSelf" ptType="node node" st="4 1" cnt="1 0"/>
+                          <dgm:constrLst/>
+                          <dgm:ruleLst/>
+                        </dgm:layoutNode>
+                        <dgm:layoutNode name="FiveNodes_5">
+                          <dgm:varLst>
+                            <dgm:bulletEnabled val="1"/>
+                          </dgm:varLst>
+                          <dgm:alg type="sp"/>
+                          <dgm:shape xmlns:r="http://schemas.openxmlformats.org/officeDocument/2006/relationships" type="roundRect" r:blip="">
+                            <dgm:adjLst>
+                              <dgm:adj idx="1" val="0.1"/>
+                            </dgm:adjLst>
+                          </dgm:shape>
+                          <dgm:presOf axis="ch desOrSelf" ptType="node node" st="5 1" cnt="1 0"/>
+                          <dgm:constrLst/>
+                          <dgm:ruleLst/>
+                        </dgm:layoutNode>
+                        <dgm:layoutNode name="FiveConn_1-2" styleLbl="fgAccFollowNode1">
+                          <dgm:varLst>
+                            <dgm:bulletEnabled val="1"/>
+                          </dgm:varLst>
+                          <dgm:alg type="tx"/>
+                          <dgm:shape xmlns:r="http://schemas.openxmlformats.org/officeDocument/2006/relationships" type="downArrow" r:blip="">
+                            <dgm:adjLst>
+                              <dgm:adj idx="1" val="0.55"/>
+                              <dgm:adj idx="2" val="0.45"/>
+                            </dgm:adjLst>
+                          </dgm:shape>
+                          <dgm:presOf axis="ch" ptType="sibTrans" cnt="1"/>
+                          <dgm:constrLst>
+                            <dgm:constr type="lMarg" refType="primFontSz" fact="0.1"/>
+                            <dgm:constr type="rMarg" refType="primFontSz" fact="0.1"/>
+                            <dgm:constr type="tMarg" refType="primFontSz" fact="0.1"/>
+                            <dgm:constr type="bMarg" refType="primFontSz" fact="0.1"/>
+                          </dgm:constrLst>
+                          <dgm:ruleLst>
+                            <dgm:rule type="primFontSz" val="5" fact="NaN" max="NaN"/>
+                          </dgm:ruleLst>
+                        </dgm:layoutNode>
+                        <dgm:layoutNode name="FiveConn_2-3" styleLbl="fgAccFollowNode1">
+                          <dgm:varLst>
+                            <dgm:bulletEnabled val="1"/>
+                          </dgm:varLst>
+                          <dgm:alg type="tx"/>
+                          <dgm:shape xmlns:r="http://schemas.openxmlformats.org/officeDocument/2006/relationships" type="downArrow" r:blip="">
+                            <dgm:adjLst>
+                              <dgm:adj idx="1" val="0.55"/>
+                              <dgm:adj idx="2" val="0.45"/>
+                            </dgm:adjLst>
+                          </dgm:shape>
+                          <dgm:presOf axis="ch" ptType="sibTrans" st="2" cnt="1"/>
+                          <dgm:constrLst>
+                            <dgm:constr type="lMarg" refType="primFontSz" fact="0.1"/>
+                            <dgm:constr type="rMarg" refType="primFontSz" fact="0.1"/>
+                            <dgm:constr type="tMarg" refType="primFontSz" fact="0.1"/>
+                            <dgm:constr type="bMarg" refType="primFontSz" fact="0.1"/>
+                          </dgm:constrLst>
+                          <dgm:ruleLst>
+                            <dgm:rule type="primFontSz" val="5" fact="NaN" max="NaN"/>
+                          </dgm:ruleLst>
+                        </dgm:layoutNode>
+                        <dgm:layoutNode name="FiveConn_3-4" styleLbl="fgAccFollowNode1">
+                          <dgm:varLst>
+                            <dgm:bulletEnabled val="1"/>
+                          </dgm:varLst>
+                          <dgm:alg type="tx"/>
+                          <dgm:shape xmlns:r="http://schemas.openxmlformats.org/officeDocument/2006/relationships" type="downArrow" r:blip="">
+                            <dgm:adjLst>
+                              <dgm:adj idx="1" val="0.55"/>
+                              <dgm:adj idx="2" val="0.45"/>
+                            </dgm:adjLst>
+                          </dgm:shape>
+                          <dgm:presOf axis="ch" ptType="sibTrans" st="3" cnt="1"/>
+                          <dgm:constrLst>
+                            <dgm:constr type="lMarg" refType="primFontSz" fact="0.1"/>
+                            <dgm:constr type="rMarg" refType="primFontSz" fact="0.1"/>
+                            <dgm:constr type="tMarg" refType="primFontSz" fact="0.1"/>
+                            <dgm:constr type="bMarg" refType="primFontSz" fact="0.1"/>
+                          </dgm:constrLst>
+                          <dgm:ruleLst>
+                            <dgm:rule type="primFontSz" val="5" fact="NaN" max="NaN"/>
+                          </dgm:ruleLst>
+                        </dgm:layoutNode>
+                        <dgm:layoutNode name="FiveConn_4-5" styleLbl="fgAccFollowNode1">
+                          <dgm:varLst>
+                            <dgm:bulletEnabled val="1"/>
+                          </dgm:varLst>
+                          <dgm:alg type="tx"/>
+                          <dgm:shape xmlns:r="http://schemas.openxmlformats.org/officeDocument/2006/relationships" type="downArrow" r:blip="">
+                            <dgm:adjLst>
+                              <dgm:adj idx="1" val="0.55"/>
+                              <dgm:adj idx="2" val="0.45"/>
+                            </dgm:adjLst>
+                          </dgm:shape>
+                          <dgm:presOf axis="ch" ptType="sibTrans" st="4" cnt="1"/>
+                          <dgm:constrLst>
+                            <dgm:constr type="lMarg" refType="primFontSz" fact="0.1"/>
+                            <dgm:constr type="rMarg" refType="primFontSz" fact="0.1"/>
+                            <dgm:constr type="tMarg" refType="primFontSz" fact="0.1"/>
+                            <dgm:constr type="bMarg" refType="primFontSz" fact="0.1"/>
+                          </dgm:constrLst>
+                          <dgm:ruleLst>
+                            <dgm:rule type="primFontSz" val="5" fact="NaN" max="NaN"/>
+                          </dgm:ruleLst>
+                        </dgm:layoutNode>
+                        <dgm:layoutNode name="FiveNodes_1_text">
+                          <dgm:varLst>
+                            <dgm:bulletEnabled val="1"/>
+                          </dgm:varLst>
+                          <dgm:alg type="tx">
+                            <dgm:param type="parTxLTRAlign" val="l"/>
+                            <dgm:param type="txAnchorVertCh" val="mid"/>
+                          </dgm:alg>
+                          <dgm:shape xmlns:r="http://schemas.openxmlformats.org/officeDocument/2006/relationships" type="roundRect" r:blip="" hideGeom="1">
+                            <dgm:adjLst>
+                              <dgm:adj idx="1" val="0.1"/>
+                            </dgm:adjLst>
+                          </dgm:shape>
+                          <dgm:presOf axis="ch desOrSelf" ptType="node node" st="1 1" cnt="1 0"/>
+                          <dgm:constrLst>
+                            <dgm:constr type="lMarg" refType="primFontSz" fact="0.3"/>
+                            <dgm:constr type="rMarg" refType="primFontSz" fact="0.3"/>
+                            <dgm:constr type="tMarg" refType="primFontSz" fact="0.3"/>
+                            <dgm:constr type="bMarg" refType="primFontSz" fact="0.3"/>
+                          </dgm:constrLst>
+                          <dgm:ruleLst>
+                            <dgm:rule type="primFontSz" val="5" fact="NaN" max="NaN"/>
+                          </dgm:ruleLst>
+                        </dgm:layoutNode>
+                        <dgm:layoutNode name="FiveNodes_2_text">
+                          <dgm:varLst>
+                            <dgm:bulletEnabled val="1"/>
+                          </dgm:varLst>
+                          <dgm:alg type="tx">
+                            <dgm:param type="parTxLTRAlign" val="l"/>
+                            <dgm:param type="txAnchorVertCh" val="mid"/>
+                          </dgm:alg>
+                          <dgm:shape xmlns:r="http://schemas.openxmlformats.org/officeDocument/2006/relationships" type="roundRect" r:blip="" hideGeom="1">
+                            <dgm:adjLst>
+                              <dgm:adj idx="1" val="0.1"/>
+                            </dgm:adjLst>
+                          </dgm:shape>
+                          <dgm:presOf axis="ch desOrSelf" ptType="node node" st="2 1" cnt="1 0"/>
+                          <dgm:constrLst>
+                            <dgm:constr type="lMarg" refType="primFontSz" fact="0.3"/>
+                            <dgm:constr type="rMarg" refType="primFontSz" fact="0.3"/>
+                            <dgm:constr type="tMarg" refType="primFontSz" fact="0.3"/>
+                            <dgm:constr type="bMarg" refType="primFontSz" fact="0.3"/>
+                          </dgm:constrLst>
+                          <dgm:ruleLst>
+                            <dgm:rule type="primFontSz" val="5" fact="NaN" max="NaN"/>
+                          </dgm:ruleLst>
+                        </dgm:layoutNode>
+                        <dgm:layoutNode name="FiveNodes_3_text">
+                          <dgm:varLst>
+                            <dgm:bulletEnabled val="1"/>
+                          </dgm:varLst>
+                          <dgm:alg type="tx">
+                            <dgm:param type="parTxLTRAlign" val="l"/>
+                            <dgm:param type="txAnchorVertCh" val="mid"/>
+                          </dgm:alg>
+                          <dgm:shape xmlns:r="http://schemas.openxmlformats.org/officeDocument/2006/relationships" type="roundRect" r:blip="" hideGeom="1">
+                            <dgm:adjLst>
+                              <dgm:adj idx="1" val="0.1"/>
+                            </dgm:adjLst>
+                          </dgm:shape>
+                          <dgm:presOf axis="ch desOrSelf" ptType="node node" st="3 1" cnt="1 0"/>
+                          <dgm:constrLst>
+                            <dgm:constr type="lMarg" refType="primFontSz" fact="0.3"/>
+                            <dgm:constr type="rMarg" refType="primFontSz" fact="0.3"/>
+                            <dgm:constr type="tMarg" refType="primFontSz" fact="0.3"/>
+                            <dgm:constr type="bMarg" refType="primFontSz" fact="0.3"/>
+                          </dgm:constrLst>
+                          <dgm:ruleLst>
+                            <dgm:rule type="primFontSz" val="5" fact="NaN" max="NaN"/>
+                          </dgm:ruleLst>
+                        </dgm:layoutNode>
+                        <dgm:layoutNode name="FiveNodes_4_text">
+                          <dgm:varLst>
+                            <dgm:bulletEnabled val="1"/>
+                          </dgm:varLst>
+                          <dgm:alg type="tx">
+                            <dgm:param type="parTxLTRAlign" val="l"/>
+                            <dgm:param type="txAnchorVertCh" val="mid"/>
+                          </dgm:alg>
+                          <dgm:shape xmlns:r="http://schemas.openxmlformats.org/officeDocument/2006/relationships" type="roundRect" r:blip="" hideGeom="1">
+                            <dgm:adjLst>
+                              <dgm:adj idx="1" val="0.1"/>
+                            </dgm:adjLst>
+                          </dgm:shape>
+                          <dgm:presOf axis="ch desOrSelf" ptType="node node" st="4 1" cnt="1 0"/>
+                          <dgm:constrLst>
+                            <dgm:constr type="lMarg" refType="primFontSz" fact="0.3"/>
+                            <dgm:constr type="rMarg" refType="primFontSz" fact="0.3"/>
+                            <dgm:constr type="tMarg" refType="primFontSz" fact="0.3"/>
+                            <dgm:constr type="bMarg" refType="primFontSz" fact="0.3"/>
+                          </dgm:constrLst>
+                          <dgm:ruleLst>
+                            <dgm:rule type="primFontSz" val="5" fact="NaN" max="NaN"/>
+                          </dgm:ruleLst>
+                        </dgm:layoutNode>
+                        <dgm:layoutNode name="FiveNodes_5_text">
+                          <dgm:varLst>
+                            <dgm:bulletEnabled val="1"/>
+                          </dgm:varLst>
+                          <dgm:alg type="tx">
+                            <dgm:param type="parTxLTRAlign" val="l"/>
+                            <dgm:param type="txAnchorVertCh" val="mid"/>
+                          </dgm:alg>
+                          <dgm:shape xmlns:r="http://schemas.openxmlformats.org/officeDocument/2006/relationships" type="roundRect" r:blip="" hideGeom="1">
+                            <dgm:adjLst>
+                              <dgm:adj idx="1" val="0.1"/>
+                            </dgm:adjLst>
+                          </dgm:shape>
+                          <dgm:presOf axis="ch desOrSelf" ptType="node node" st="5 1" cnt="1 0"/>
+                          <dgm:constrLst>
+                            <dgm:constr type="lMarg" refType="primFontSz" fact="0.3"/>
+                            <dgm:constr type="rMarg" refType="primFontSz" fact="0.3"/>
+                            <dgm:constr type="tMarg" refType="primFontSz" fact="0.3"/>
+                            <dgm:constr type="bMarg" refType="primFontSz" fact="0.3"/>
+                          </dgm:constrLst>
+                          <dgm:ruleLst>
+                            <dgm:rule type="primFontSz" val="5" fact="NaN" max="NaN"/>
+                          </dgm:ruleLst>
+                        </dgm:layoutNode>
+                      </dgm:if>
+                      <dgm:else name="Name17"/>
+                    </dgm:choose>
+                  </dgm:else>
+                </dgm:choose>
+              </dgm:else>
+            </dgm:choose>
+          </dgm:else>
+        </dgm:choose>
+      </dgm:else>
+    </dgm:choose>
+  </dgm:layoutNode>
+</dgm:layoutDef>
 </file>
 
-<file path=ppt/charts/style1.xml><?xml version="1.0" encoding="utf-8"?>
-<cs:chartStyle xmlns:cs="http://schemas.microsoft.com/office/drawing/2012/chartStyle" xmlns:a="http://schemas.openxmlformats.org/drawingml/2006/main" id="201">
-  <cs:axisTitle>
-    <cs:lnRef idx="0"/>
-    <cs:fillRef idx="0"/>
-    <cs:effectRef idx="0"/>
-    <cs:fontRef idx="minor">
-      <a:schemeClr val="tx1">
-        <a:lumMod val="65000"/>
-        <a:lumOff val="35000"/>
-      </a:schemeClr>
-    </cs:fontRef>
-    <cs:defRPr sz="1330" kern="1200"/>
-  </cs:axisTitle>
-  <cs:categoryAxis>
-    <cs:lnRef idx="0"/>
-    <cs:fillRef idx="0"/>
-    <cs:effectRef idx="0"/>
-    <cs:fontRef idx="minor">
-      <a:schemeClr val="tx1">
-        <a:lumMod val="65000"/>
-        <a:lumOff val="35000"/>
-      </a:schemeClr>
-    </cs:fontRef>
-    <cs:spPr>
-      <a:ln w="9525" cap="flat" cmpd="sng" algn="ctr">
-        <a:solidFill>
-          <a:schemeClr val="tx1">
-            <a:lumMod val="15000"/>
-            <a:lumOff val="85000"/>
-          </a:schemeClr>
-        </a:solidFill>
-        <a:round/>
-      </a:ln>
-    </cs:spPr>
-    <cs:defRPr sz="1197" kern="1200"/>
-  </cs:categoryAxis>
-  <cs:chartArea mods="allowNoFillOverride allowNoLineOverride">
-    <cs:lnRef idx="0"/>
-    <cs:fillRef idx="0"/>
-    <cs:effectRef idx="0"/>
-    <cs:fontRef idx="minor">
-      <a:schemeClr val="tx1"/>
-    </cs:fontRef>
-    <cs:spPr>
-      <a:solidFill>
-        <a:schemeClr val="bg1"/>
-      </a:solidFill>
-      <a:ln w="9525" cap="flat" cmpd="sng" algn="ctr">
-        <a:solidFill>
-          <a:schemeClr val="tx1">
-            <a:lumMod val="15000"/>
-            <a:lumOff val="85000"/>
-          </a:schemeClr>
-        </a:solidFill>
-        <a:round/>
-      </a:ln>
-    </cs:spPr>
-    <cs:defRPr sz="1330" kern="1200"/>
-  </cs:chartArea>
-  <cs:dataLabel>
-    <cs:lnRef idx="0"/>
-    <cs:fillRef idx="0"/>
-    <cs:effectRef idx="0"/>
-    <cs:fontRef idx="minor">
-      <a:schemeClr val="tx1">
-        <a:lumMod val="75000"/>
-        <a:lumOff val="25000"/>
-      </a:schemeClr>
-    </cs:fontRef>
-    <cs:defRPr sz="1197" kern="1200"/>
-  </cs:dataLabel>
-  <cs:dataLabelCallout>
-    <cs:lnRef idx="0"/>
-    <cs:fillRef idx="0"/>
-    <cs:effectRef idx="0"/>
-    <cs:fontRef idx="minor">
-      <a:schemeClr val="dk1">
-        <a:lumMod val="65000"/>
-        <a:lumOff val="35000"/>
-      </a:schemeClr>
-    </cs:fontRef>
-    <cs:spPr>
-      <a:solidFill>
+<file path=ppt/diagrams/quickStyle1.xml><?xml version="1.0" encoding="utf-8"?>
+<dgm:styleDef xmlns:dgm="http://schemas.openxmlformats.org/drawingml/2006/diagram" xmlns:a="http://schemas.openxmlformats.org/drawingml/2006/main" uniqueId="urn:microsoft.com/office/officeart/2005/8/quickstyle/simple1">
+  <dgm:title val=""/>
+  <dgm:desc val=""/>
+  <dgm:catLst>
+    <dgm:cat type="simple" pri="10100"/>
+  </dgm:catLst>
+  <dgm:scene3d>
+    <a:camera prst="orthographicFront"/>
+    <a:lightRig rig="threePt" dir="t"/>
+  </dgm:scene3d>
+  <dgm:styleLbl name="node0">
+    <dgm:scene3d>
+      <a:camera prst="orthographicFront"/>
+      <a:lightRig rig="threePt" dir="t"/>
+    </dgm:scene3d>
+    <dgm:sp3d/>
+    <dgm:txPr/>
+    <dgm:style>
+      <a:lnRef idx="2">
+        <a:scrgbClr r="0" g="0" b="0"/>
+      </a:lnRef>
+      <a:fillRef idx="1">
+        <a:scrgbClr r="0" g="0" b="0"/>
+      </a:fillRef>
+      <a:effectRef idx="0">
+        <a:scrgbClr r="0" g="0" b="0"/>
+      </a:effectRef>
+      <a:fontRef idx="minor">
         <a:schemeClr val="lt1"/>
-      </a:solidFill>
-      <a:ln>
-        <a:solidFill>
-          <a:schemeClr val="dk1">
-            <a:lumMod val="25000"/>
-            <a:lumOff val="75000"/>
-          </a:schemeClr>
-        </a:solidFill>
-      </a:ln>
-    </cs:spPr>
-    <cs:defRPr sz="1197" kern="1200"/>
-    <cs:bodyPr rot="0" spcFirstLastPara="1" vertOverflow="clip" horzOverflow="clip" vert="horz" wrap="square" lIns="36576" tIns="18288" rIns="36576" bIns="18288" anchor="ctr" anchorCtr="1">
-      <a:spAutoFit/>
-    </cs:bodyPr>
-  </cs:dataLabelCallout>
-  <cs:dataPoint>
-    <cs:lnRef idx="0"/>
-    <cs:fillRef idx="1">
-      <cs:styleClr val="auto"/>
-    </cs:fillRef>
-    <cs:effectRef idx="0"/>
-    <cs:fontRef idx="minor">
-      <a:schemeClr val="tx1"/>
-    </cs:fontRef>
-  </cs:dataPoint>
-  <cs:dataPoint3D>
-    <cs:lnRef idx="0"/>
-    <cs:fillRef idx="1">
-      <cs:styleClr val="auto"/>
-    </cs:fillRef>
-    <cs:effectRef idx="0"/>
-    <cs:fontRef idx="minor">
-      <a:schemeClr val="tx1"/>
-    </cs:fontRef>
-  </cs:dataPoint3D>
-  <cs:dataPointLine>
-    <cs:lnRef idx="0">
-      <cs:styleClr val="auto"/>
-    </cs:lnRef>
-    <cs:fillRef idx="1"/>
-    <cs:effectRef idx="0"/>
-    <cs:fontRef idx="minor">
-      <a:schemeClr val="tx1"/>
-    </cs:fontRef>
-    <cs:spPr>
-      <a:ln w="28575" cap="rnd">
-        <a:solidFill>
-          <a:schemeClr val="phClr"/>
-        </a:solidFill>
-        <a:round/>
-      </a:ln>
-    </cs:spPr>
-  </cs:dataPointLine>
-  <cs:dataPointMarker>
-    <cs:lnRef idx="0">
-      <cs:styleClr val="auto"/>
-    </cs:lnRef>
-    <cs:fillRef idx="1">
-      <cs:styleClr val="auto"/>
-    </cs:fillRef>
-    <cs:effectRef idx="0"/>
-    <cs:fontRef idx="minor">
-      <a:schemeClr val="tx1"/>
-    </cs:fontRef>
-    <cs:spPr>
-      <a:ln w="9525">
-        <a:solidFill>
-          <a:schemeClr val="phClr"/>
-        </a:solidFill>
-      </a:ln>
-    </cs:spPr>
-  </cs:dataPointMarker>
-  <cs:dataPointMarkerLayout symbol="circle" size="5"/>
-  <cs:dataPointWireframe>
-    <cs:lnRef idx="0">
-      <cs:styleClr val="auto"/>
-    </cs:lnRef>
-    <cs:fillRef idx="1"/>
-    <cs:effectRef idx="0"/>
-    <cs:fontRef idx="minor">
-      <a:schemeClr val="tx1"/>
-    </cs:fontRef>
-    <cs:spPr>
-      <a:ln w="9525" cap="rnd">
-        <a:solidFill>
-          <a:schemeClr val="phClr"/>
-        </a:solidFill>
-        <a:round/>
-      </a:ln>
-    </cs:spPr>
-  </cs:dataPointWireframe>
-  <cs:dataTable>
-    <cs:lnRef idx="0"/>
-    <cs:fillRef idx="0"/>
-    <cs:effectRef idx="0"/>
-    <cs:fontRef idx="minor">
-      <a:schemeClr val="tx1">
-        <a:lumMod val="65000"/>
-        <a:lumOff val="35000"/>
-      </a:schemeClr>
-    </cs:fontRef>
-    <cs:spPr>
-      <a:noFill/>
-      <a:ln w="9525" cap="flat" cmpd="sng" algn="ctr">
-        <a:solidFill>
-          <a:schemeClr val="tx1">
-            <a:lumMod val="15000"/>
-            <a:lumOff val="85000"/>
-          </a:schemeClr>
-        </a:solidFill>
-        <a:round/>
-      </a:ln>
-    </cs:spPr>
-    <cs:defRPr sz="1197" kern="1200"/>
-  </cs:dataTable>
-  <cs:downBar>
-    <cs:lnRef idx="0"/>
-    <cs:fillRef idx="0"/>
-    <cs:effectRef idx="0"/>
-    <cs:fontRef idx="minor">
-      <a:schemeClr val="dk1"/>
-    </cs:fontRef>
-    <cs:spPr>
-      <a:solidFill>
-        <a:schemeClr val="dk1">
-          <a:lumMod val="65000"/>
-          <a:lumOff val="35000"/>
-        </a:schemeClr>
-      </a:solidFill>
-      <a:ln w="9525">
-        <a:solidFill>
-          <a:schemeClr val="tx1">
-            <a:lumMod val="65000"/>
-            <a:lumOff val="35000"/>
-          </a:schemeClr>
-        </a:solidFill>
-      </a:ln>
-    </cs:spPr>
-  </cs:downBar>
-  <cs:dropLine>
-    <cs:lnRef idx="0"/>
-    <cs:fillRef idx="0"/>
-    <cs:effectRef idx="0"/>
-    <cs:fontRef idx="minor">
-      <a:schemeClr val="tx1"/>
-    </cs:fontRef>
-    <cs:spPr>
-      <a:ln w="9525" cap="flat" cmpd="sng" algn="ctr">
-        <a:solidFill>
-          <a:schemeClr val="tx1">
-            <a:lumMod val="35000"/>
-            <a:lumOff val="65000"/>
-          </a:schemeClr>
-        </a:solidFill>
-        <a:round/>
-      </a:ln>
-    </cs:spPr>
-  </cs:dropLine>
-  <cs:errorBar>
-    <cs:lnRef idx="0"/>
-    <cs:fillRef idx="0"/>
-    <cs:effectRef idx="0"/>
-    <cs:fontRef idx="minor">
-      <a:schemeClr val="tx1"/>
-    </cs:fontRef>
-    <cs:spPr>
-      <a:ln w="9525" cap="flat" cmpd="sng" algn="ctr">
-        <a:solidFill>
-          <a:schemeClr val="tx1">
-            <a:lumMod val="65000"/>
-            <a:lumOff val="35000"/>
-          </a:schemeClr>
-        </a:solidFill>
-        <a:round/>
-      </a:ln>
-    </cs:spPr>
-  </cs:errorBar>
-  <cs:floor>
-    <cs:lnRef idx="0"/>
-    <cs:fillRef idx="0"/>
-    <cs:effectRef idx="0"/>
-    <cs:fontRef idx="minor">
-      <a:schemeClr val="tx1"/>
-    </cs:fontRef>
-    <cs:spPr>
-      <a:noFill/>
-      <a:ln>
-        <a:noFill/>
-      </a:ln>
-    </cs:spPr>
-  </cs:floor>
-  <cs:gridlineMajor>
-    <cs:lnRef idx="0"/>
-    <cs:fillRef idx="0"/>
-    <cs:effectRef idx="0"/>
-    <cs:fontRef idx="minor">
-      <a:schemeClr val="tx1"/>
-    </cs:fontRef>
-    <cs:spPr>
-      <a:ln w="9525" cap="flat" cmpd="sng" algn="ctr">
-        <a:solidFill>
-          <a:schemeClr val="tx1">
-            <a:lumMod val="15000"/>
-            <a:lumOff val="85000"/>
-          </a:schemeClr>
-        </a:solidFill>
-        <a:round/>
-      </a:ln>
-    </cs:spPr>
-  </cs:gridlineMajor>
-  <cs:gridlineMinor>
-    <cs:lnRef idx="0"/>
-    <cs:fillRef idx="0"/>
-    <cs:effectRef idx="0"/>
-    <cs:fontRef idx="minor">
-      <a:schemeClr val="tx1"/>
-    </cs:fontRef>
-    <cs:spPr>
-      <a:ln w="9525" cap="flat" cmpd="sng" algn="ctr">
-        <a:solidFill>
-          <a:schemeClr val="tx1">
-            <a:lumMod val="5000"/>
-            <a:lumOff val="95000"/>
-          </a:schemeClr>
-        </a:solidFill>
-        <a:round/>
-      </a:ln>
-    </cs:spPr>
-  </cs:gridlineMinor>
-  <cs:hiLoLine>
-    <cs:lnRef idx="0"/>
-    <cs:fillRef idx="0"/>
-    <cs:effectRef idx="0"/>
-    <cs:fontRef idx="minor">
-      <a:schemeClr val="tx1"/>
-    </cs:fontRef>
-    <cs:spPr>
-      <a:ln w="9525" cap="flat" cmpd="sng" algn="ctr">
-        <a:solidFill>
-          <a:schemeClr val="tx1">
-            <a:lumMod val="75000"/>
-            <a:lumOff val="25000"/>
-          </a:schemeClr>
-        </a:solidFill>
-        <a:round/>
-      </a:ln>
-    </cs:spPr>
-  </cs:hiLoLine>
-  <cs:leaderLine>
-    <cs:lnRef idx="0"/>
-    <cs:fillRef idx="0"/>
-    <cs:effectRef idx="0"/>
-    <cs:fontRef idx="minor">
-      <a:schemeClr val="tx1"/>
-    </cs:fontRef>
-    <cs:spPr>
-      <a:ln w="9525" cap="flat" cmpd="sng" algn="ctr">
-        <a:solidFill>
-          <a:schemeClr val="tx1">
-            <a:lumMod val="35000"/>
-            <a:lumOff val="65000"/>
-          </a:schemeClr>
-        </a:solidFill>
-        <a:round/>
-      </a:ln>
-    </cs:spPr>
-  </cs:leaderLine>
-  <cs:legend>
-    <cs:lnRef idx="0"/>
-    <cs:fillRef idx="0"/>
-    <cs:effectRef idx="0"/>
-    <cs:fontRef idx="minor">
-      <a:schemeClr val="tx1">
-        <a:lumMod val="65000"/>
-        <a:lumOff val="35000"/>
-      </a:schemeClr>
-    </cs:fontRef>
-    <cs:defRPr sz="1197" kern="1200"/>
-  </cs:legend>
-  <cs:plotArea mods="allowNoFillOverride allowNoLineOverride">
-    <cs:lnRef idx="0"/>
-    <cs:fillRef idx="0"/>
-    <cs:effectRef idx="0"/>
-    <cs:fontRef idx="minor">
-      <a:schemeClr val="tx1"/>
-    </cs:fontRef>
-  </cs:plotArea>
-  <cs:plotArea3D mods="allowNoFillOverride allowNoLineOverride">
-    <cs:lnRef idx="0"/>
-    <cs:fillRef idx="0"/>
-    <cs:effectRef idx="0"/>
-    <cs:fontRef idx="minor">
-      <a:schemeClr val="tx1"/>
-    </cs:fontRef>
-  </cs:plotArea3D>
-  <cs:seriesAxis>
-    <cs:lnRef idx="0"/>
-    <cs:fillRef idx="0"/>
-    <cs:effectRef idx="0"/>
-    <cs:fontRef idx="minor">
-      <a:schemeClr val="tx1">
-        <a:lumMod val="65000"/>
-        <a:lumOff val="35000"/>
-      </a:schemeClr>
-    </cs:fontRef>
-    <cs:defRPr sz="1197" kern="1200"/>
-  </cs:seriesAxis>
-  <cs:seriesLine>
-    <cs:lnRef idx="0"/>
-    <cs:fillRef idx="0"/>
-    <cs:effectRef idx="0"/>
-    <cs:fontRef idx="minor">
-      <a:schemeClr val="tx1"/>
-    </cs:fontRef>
-    <cs:spPr>
-      <a:ln w="9525" cap="flat" cmpd="sng" algn="ctr">
-        <a:solidFill>
-          <a:schemeClr val="tx1">
-            <a:lumMod val="35000"/>
-            <a:lumOff val="65000"/>
-          </a:schemeClr>
-        </a:solidFill>
-        <a:round/>
-      </a:ln>
-    </cs:spPr>
-  </cs:seriesLine>
-  <cs:title>
-    <cs:lnRef idx="0"/>
-    <cs:fillRef idx="0"/>
-    <cs:effectRef idx="0"/>
-    <cs:fontRef idx="minor">
-      <a:schemeClr val="tx1">
-        <a:lumMod val="65000"/>
-        <a:lumOff val="35000"/>
-      </a:schemeClr>
-    </cs:fontRef>
-    <cs:defRPr sz="1862" b="0" kern="1200" spc="0" baseline="0"/>
-  </cs:title>
-  <cs:trendline>
-    <cs:lnRef idx="0">
-      <cs:styleClr val="auto"/>
-    </cs:lnRef>
-    <cs:fillRef idx="0"/>
-    <cs:effectRef idx="0"/>
-    <cs:fontRef idx="minor">
-      <a:schemeClr val="tx1"/>
-    </cs:fontRef>
-    <cs:spPr>
-      <a:ln w="19050" cap="rnd">
-        <a:solidFill>
-          <a:schemeClr val="phClr"/>
-        </a:solidFill>
-        <a:prstDash val="sysDot"/>
-      </a:ln>
-    </cs:spPr>
-  </cs:trendline>
-  <cs:trendlineLabel>
-    <cs:lnRef idx="0"/>
-    <cs:fillRef idx="0"/>
-    <cs:effectRef idx="0"/>
-    <cs:fontRef idx="minor">
-      <a:schemeClr val="tx1">
-        <a:lumMod val="65000"/>
-        <a:lumOff val="35000"/>
-      </a:schemeClr>
-    </cs:fontRef>
-    <cs:defRPr sz="1197" kern="1200"/>
-  </cs:trendlineLabel>
-  <cs:upBar>
-    <cs:lnRef idx="0"/>
-    <cs:fillRef idx="0"/>
-    <cs:effectRef idx="0"/>
-    <cs:fontRef idx="minor">
-      <a:schemeClr val="dk1"/>
-    </cs:fontRef>
-    <cs:spPr>
-      <a:solidFill>
+      </a:fontRef>
+    </dgm:style>
+  </dgm:styleLbl>
+  <dgm:styleLbl name="lnNode1">
+    <dgm:scene3d>
+      <a:camera prst="orthographicFront"/>
+      <a:lightRig rig="threePt" dir="t"/>
+    </dgm:scene3d>
+    <dgm:sp3d/>
+    <dgm:txPr/>
+    <dgm:style>
+      <a:lnRef idx="2">
+        <a:scrgbClr r="0" g="0" b="0"/>
+      </a:lnRef>
+      <a:fillRef idx="1">
+        <a:scrgbClr r="0" g="0" b="0"/>
+      </a:fillRef>
+      <a:effectRef idx="0">
+        <a:scrgbClr r="0" g="0" b="0"/>
+      </a:effectRef>
+      <a:fontRef idx="minor">
         <a:schemeClr val="lt1"/>
-      </a:solidFill>
-      <a:ln w="9525">
-        <a:solidFill>
-          <a:schemeClr val="tx1">
-            <a:lumMod val="15000"/>
-            <a:lumOff val="85000"/>
-          </a:schemeClr>
-        </a:solidFill>
-      </a:ln>
-    </cs:spPr>
-  </cs:upBar>
-  <cs:valueAxis>
-    <cs:lnRef idx="0"/>
-    <cs:fillRef idx="0"/>
-    <cs:effectRef idx="0"/>
-    <cs:fontRef idx="minor">
-      <a:schemeClr val="tx1">
-        <a:lumMod val="65000"/>
-        <a:lumOff val="35000"/>
-      </a:schemeClr>
-    </cs:fontRef>
-    <cs:defRPr sz="1197" kern="1200"/>
-  </cs:valueAxis>
-  <cs:wall>
-    <cs:lnRef idx="0"/>
-    <cs:fillRef idx="0"/>
-    <cs:effectRef idx="0"/>
-    <cs:fontRef idx="minor">
-      <a:schemeClr val="tx1"/>
-    </cs:fontRef>
-    <cs:spPr>
-      <a:noFill/>
-      <a:ln>
-        <a:noFill/>
-      </a:ln>
-    </cs:spPr>
-  </cs:wall>
-</cs:chartStyle>
+      </a:fontRef>
+    </dgm:style>
+  </dgm:styleLbl>
+  <dgm:styleLbl name="vennNode1">
+    <dgm:scene3d>
+      <a:camera prst="orthographicFront"/>
+      <a:lightRig rig="threePt" dir="t"/>
+    </dgm:scene3d>
+    <dgm:sp3d/>
+    <dgm:txPr/>
+    <dgm:style>
+      <a:lnRef idx="2">
+        <a:scrgbClr r="0" g="0" b="0"/>
+      </a:lnRef>
+      <a:fillRef idx="1">
+        <a:scrgbClr r="0" g="0" b="0"/>
+      </a:fillRef>
+      <a:effectRef idx="0">
+        <a:scrgbClr r="0" g="0" b="0"/>
+      </a:effectRef>
+      <a:fontRef idx="minor">
+        <a:schemeClr val="tx1"/>
+      </a:fontRef>
+    </dgm:style>
+  </dgm:styleLbl>
+  <dgm:styleLbl name="alignNode1">
+    <dgm:scene3d>
+      <a:camera prst="orthographicFront"/>
+      <a:lightRig rig="threePt" dir="t"/>
+    </dgm:scene3d>
+    <dgm:sp3d/>
+    <dgm:txPr/>
+    <dgm:style>
+      <a:lnRef idx="2">
+        <a:scrgbClr r="0" g="0" b="0"/>
+      </a:lnRef>
+      <a:fillRef idx="1">
+        <a:scrgbClr r="0" g="0" b="0"/>
+      </a:fillRef>
+      <a:effectRef idx="0">
+        <a:scrgbClr r="0" g="0" b="0"/>
+      </a:effectRef>
+      <a:fontRef idx="minor">
+        <a:schemeClr val="lt1"/>
+      </a:fontRef>
+    </dgm:style>
+  </dgm:styleLbl>
+  <dgm:styleLbl name="node1">
+    <dgm:scene3d>
+      <a:camera prst="orthographicFront"/>
+      <a:lightRig rig="threePt" dir="t"/>
+    </dgm:scene3d>
+    <dgm:sp3d/>
+    <dgm:txPr/>
+    <dgm:style>
+      <a:lnRef idx="2">
+        <a:scrgbClr r="0" g="0" b="0"/>
+      </a:lnRef>
+      <a:fillRef idx="1">
+        <a:scrgbClr r="0" g="0" b="0"/>
+      </a:fillRef>
+      <a:effectRef idx="0">
+        <a:scrgbClr r="0" g="0" b="0"/>
+      </a:effectRef>
+      <a:fontRef idx="minor">
+        <a:schemeClr val="lt1"/>
+      </a:fontRef>
+    </dgm:style>
+  </dgm:styleLbl>
+  <dgm:styleLbl name="node2">
+    <dgm:scene3d>
+      <a:camera prst="orthographicFront"/>
+      <a:lightRig rig="threePt" dir="t"/>
+    </dgm:scene3d>
+    <dgm:sp3d/>
+    <dgm:txPr/>
+    <dgm:style>
+      <a:lnRef idx="2">
+        <a:scrgbClr r="0" g="0" b="0"/>
+      </a:lnRef>
+      <a:fillRef idx="1">
+        <a:scrgbClr r="0" g="0" b="0"/>
+      </a:fillRef>
+      <a:effectRef idx="0">
+        <a:scrgbClr r="0" g="0" b="0"/>
+      </a:effectRef>
+      <a:fontRef idx="minor">
+        <a:schemeClr val="lt1"/>
+      </a:fontRef>
+    </dgm:style>
+  </dgm:styleLbl>
+  <dgm:styleLbl name="node3">
+    <dgm:scene3d>
+      <a:camera prst="orthographicFront"/>
+      <a:lightRig rig="threePt" dir="t"/>
+    </dgm:scene3d>
+    <dgm:sp3d/>
+    <dgm:txPr/>
+    <dgm:style>
+      <a:lnRef idx="2">
+        <a:scrgbClr r="0" g="0" b="0"/>
+      </a:lnRef>
+      <a:fillRef idx="1">
+        <a:scrgbClr r="0" g="0" b="0"/>
+      </a:fillRef>
+      <a:effectRef idx="0">
+        <a:scrgbClr r="0" g="0" b="0"/>
+      </a:effectRef>
+      <a:fontRef idx="minor">
+        <a:schemeClr val="lt1"/>
+      </a:fontRef>
+    </dgm:style>
+  </dgm:styleLbl>
+  <dgm:styleLbl name="node4">
+    <dgm:scene3d>
+      <a:camera prst="orthographicFront"/>
+      <a:lightRig rig="threePt" dir="t"/>
+    </dgm:scene3d>
+    <dgm:sp3d/>
+    <dgm:txPr/>
+    <dgm:style>
+      <a:lnRef idx="2">
+        <a:scrgbClr r="0" g="0" b="0"/>
+      </a:lnRef>
+      <a:fillRef idx="1">
+        <a:scrgbClr r="0" g="0" b="0"/>
+      </a:fillRef>
+      <a:effectRef idx="0">
+        <a:scrgbClr r="0" g="0" b="0"/>
+      </a:effectRef>
+      <a:fontRef idx="minor">
+        <a:schemeClr val="lt1"/>
+      </a:fontRef>
+    </dgm:style>
+  </dgm:styleLbl>
+  <dgm:styleLbl name="fgImgPlace1">
+    <dgm:scene3d>
+      <a:camera prst="orthographicFront"/>
+      <a:lightRig rig="threePt" dir="t"/>
+    </dgm:scene3d>
+    <dgm:sp3d/>
+    <dgm:txPr/>
+    <dgm:style>
+      <a:lnRef idx="2">
+        <a:scrgbClr r="0" g="0" b="0"/>
+      </a:lnRef>
+      <a:fillRef idx="1">
+        <a:scrgbClr r="0" g="0" b="0"/>
+      </a:fillRef>
+      <a:effectRef idx="0">
+        <a:scrgbClr r="0" g="0" b="0"/>
+      </a:effectRef>
+      <a:fontRef idx="minor"/>
+    </dgm:style>
+  </dgm:styleLbl>
+  <dgm:styleLbl name="alignImgPlace1">
+    <dgm:scene3d>
+      <a:camera prst="orthographicFront"/>
+      <a:lightRig rig="threePt" dir="t"/>
+    </dgm:scene3d>
+    <dgm:sp3d/>
+    <dgm:txPr/>
+    <dgm:style>
+      <a:lnRef idx="2">
+        <a:scrgbClr r="0" g="0" b="0"/>
+      </a:lnRef>
+      <a:fillRef idx="1">
+        <a:scrgbClr r="0" g="0" b="0"/>
+      </a:fillRef>
+      <a:effectRef idx="0">
+        <a:scrgbClr r="0" g="0" b="0"/>
+      </a:effectRef>
+      <a:fontRef idx="minor"/>
+    </dgm:style>
+  </dgm:styleLbl>
+  <dgm:styleLbl name="bgImgPlace1">
+    <dgm:scene3d>
+      <a:camera prst="orthographicFront"/>
+      <a:lightRig rig="threePt" dir="t"/>
+    </dgm:scene3d>
+    <dgm:sp3d/>
+    <dgm:txPr/>
+    <dgm:style>
+      <a:lnRef idx="2">
+        <a:scrgbClr r="0" g="0" b="0"/>
+      </a:lnRef>
+      <a:fillRef idx="1">
+        <a:scrgbClr r="0" g="0" b="0"/>
+      </a:fillRef>
+      <a:effectRef idx="0">
+        <a:scrgbClr r="0" g="0" b="0"/>
+      </a:effectRef>
+      <a:fontRef idx="minor"/>
+    </dgm:style>
+  </dgm:styleLbl>
+  <dgm:styleLbl name="sibTrans2D1">
+    <dgm:scene3d>
+      <a:camera prst="orthographicFront"/>
+      <a:lightRig rig="threePt" dir="t"/>
+    </dgm:scene3d>
+    <dgm:sp3d/>
+    <dgm:txPr/>
+    <dgm:style>
+      <a:lnRef idx="0">
+        <a:scrgbClr r="0" g="0" b="0"/>
+      </a:lnRef>
+      <a:fillRef idx="1">
+        <a:scrgbClr r="0" g="0" b="0"/>
+      </a:fillRef>
+      <a:effectRef idx="0">
+        <a:scrgbClr r="0" g="0" b="0"/>
+      </a:effectRef>
+      <a:fontRef idx="minor">
+        <a:schemeClr val="lt1"/>
+      </a:fontRef>
+    </dgm:style>
+  </dgm:styleLbl>
+  <dgm:styleLbl name="fgSibTrans2D1">
+    <dgm:scene3d>
+      <a:camera prst="orthographicFront"/>
+      <a:lightRig rig="threePt" dir="t"/>
+    </dgm:scene3d>
+    <dgm:sp3d/>
+    <dgm:txPr/>
+    <dgm:style>
+      <a:lnRef idx="0">
+        <a:scrgbClr r="0" g="0" b="0"/>
+      </a:lnRef>
+      <a:fillRef idx="1">
+        <a:scrgbClr r="0" g="0" b="0"/>
+      </a:fillRef>
+      <a:effectRef idx="0">
+        <a:scrgbClr r="0" g="0" b="0"/>
+      </a:effectRef>
+      <a:fontRef idx="minor">
+        <a:schemeClr val="lt1"/>
+      </a:fontRef>
+    </dgm:style>
+  </dgm:styleLbl>
+  <dgm:styleLbl name="bgSibTrans2D1">
+    <dgm:scene3d>
+      <a:camera prst="orthographicFront"/>
+      <a:lightRig rig="threePt" dir="t"/>
+    </dgm:scene3d>
+    <dgm:sp3d/>
+    <dgm:txPr/>
+    <dgm:style>
+      <a:lnRef idx="0">
+        <a:scrgbClr r="0" g="0" b="0"/>
+      </a:lnRef>
+      <a:fillRef idx="1">
+        <a:scrgbClr r="0" g="0" b="0"/>
+      </a:fillRef>
+      <a:effectRef idx="0">
+        <a:scrgbClr r="0" g="0" b="0"/>
+      </a:effectRef>
+      <a:fontRef idx="minor">
+        <a:schemeClr val="lt1"/>
+      </a:fontRef>
+    </dgm:style>
+  </dgm:styleLbl>
+  <dgm:styleLbl name="sibTrans1D1">
+    <dgm:scene3d>
+      <a:camera prst="orthographicFront"/>
+      <a:lightRig rig="threePt" dir="t"/>
+    </dgm:scene3d>
+    <dgm:sp3d/>
+    <dgm:txPr/>
+    <dgm:style>
+      <a:lnRef idx="1">
+        <a:scrgbClr r="0" g="0" b="0"/>
+      </a:lnRef>
+      <a:fillRef idx="0">
+        <a:scrgbClr r="0" g="0" b="0"/>
+      </a:fillRef>
+      <a:effectRef idx="0">
+        <a:scrgbClr r="0" g="0" b="0"/>
+      </a:effectRef>
+      <a:fontRef idx="minor"/>
+    </dgm:style>
+  </dgm:styleLbl>
+  <dgm:styleLbl name="callout">
+    <dgm:scene3d>
+      <a:camera prst="orthographicFront"/>
+      <a:lightRig rig="threePt" dir="t"/>
+    </dgm:scene3d>
+    <dgm:sp3d/>
+    <dgm:txPr/>
+    <dgm:style>
+      <a:lnRef idx="2">
+        <a:scrgbClr r="0" g="0" b="0"/>
+      </a:lnRef>
+      <a:fillRef idx="1">
+        <a:scrgbClr r="0" g="0" b="0"/>
+      </a:fillRef>
+      <a:effectRef idx="0">
+        <a:scrgbClr r="0" g="0" b="0"/>
+      </a:effectRef>
+      <a:fontRef idx="minor"/>
+    </dgm:style>
+  </dgm:styleLbl>
+  <dgm:styleLbl name="asst0">
+    <dgm:scene3d>
+      <a:camera prst="orthographicFront"/>
+      <a:lightRig rig="threePt" dir="t"/>
+    </dgm:scene3d>
+    <dgm:sp3d/>
+    <dgm:txPr/>
+    <dgm:style>
+      <a:lnRef idx="2">
+        <a:scrgbClr r="0" g="0" b="0"/>
+      </a:lnRef>
+      <a:fillRef idx="1">
+        <a:scrgbClr r="0" g="0" b="0"/>
+      </a:fillRef>
+      <a:effectRef idx="0">
+        <a:scrgbClr r="0" g="0" b="0"/>
+      </a:effectRef>
+      <a:fontRef idx="minor">
+        <a:schemeClr val="lt1"/>
+      </a:fontRef>
+    </dgm:style>
+  </dgm:styleLbl>
+  <dgm:styleLbl name="asst1">
+    <dgm:scene3d>
+      <a:camera prst="orthographicFront"/>
+      <a:lightRig rig="threePt" dir="t"/>
+    </dgm:scene3d>
+    <dgm:sp3d/>
+    <dgm:txPr/>
+    <dgm:style>
+      <a:lnRef idx="2">
+        <a:scrgbClr r="0" g="0" b="0"/>
+      </a:lnRef>
+      <a:fillRef idx="1">
+        <a:scrgbClr r="0" g="0" b="0"/>
+      </a:fillRef>
+      <a:effectRef idx="0">
+        <a:scrgbClr r="0" g="0" b="0"/>
+      </a:effectRef>
+      <a:fontRef idx="minor">
+        <a:schemeClr val="lt1"/>
+      </a:fontRef>
+    </dgm:style>
+  </dgm:styleLbl>
+  <dgm:styleLbl name="asst2">
+    <dgm:scene3d>
+      <a:camera prst="orthographicFront"/>
+      <a:lightRig rig="threePt" dir="t"/>
+    </dgm:scene3d>
+    <dgm:sp3d/>
+    <dgm:txPr/>
+    <dgm:style>
+      <a:lnRef idx="2">
+        <a:scrgbClr r="0" g="0" b="0"/>
+      </a:lnRef>
+      <a:fillRef idx="1">
+        <a:scrgbClr r="0" g="0" b="0"/>
+      </a:fillRef>
+      <a:effectRef idx="0">
+        <a:scrgbClr r="0" g="0" b="0"/>
+      </a:effectRef>
+      <a:fontRef idx="minor">
+        <a:schemeClr val="lt1"/>
+      </a:fontRef>
+    </dgm:style>
+  </dgm:styleLbl>
+  <dgm:styleLbl name="asst3">
+    <dgm:scene3d>
+      <a:camera prst="orthographicFront"/>
+      <a:lightRig rig="threePt" dir="t"/>
+    </dgm:scene3d>
+    <dgm:sp3d/>
+    <dgm:txPr/>
+    <dgm:style>
+      <a:lnRef idx="2">
+        <a:scrgbClr r="0" g="0" b="0"/>
+      </a:lnRef>
+      <a:fillRef idx="1">
+        <a:scrgbClr r="0" g="0" b="0"/>
+      </a:fillRef>
+      <a:effectRef idx="0">
+        <a:scrgbClr r="0" g="0" b="0"/>
+      </a:effectRef>
+      <a:fontRef idx="minor">
+        <a:schemeClr val="lt1"/>
+      </a:fontRef>
+    </dgm:style>
+  </dgm:styleLbl>
+  <dgm:styleLbl name="asst4">
+    <dgm:scene3d>
+      <a:camera prst="orthographicFront"/>
+      <a:lightRig rig="threePt" dir="t"/>
+    </dgm:scene3d>
+    <dgm:sp3d/>
+    <dgm:txPr/>
+    <dgm:style>
+      <a:lnRef idx="2">
+        <a:scrgbClr r="0" g="0" b="0"/>
+      </a:lnRef>
+      <a:fillRef idx="1">
+        <a:scrgbClr r="0" g="0" b="0"/>
+      </a:fillRef>
+      <a:effectRef idx="0">
+        <a:scrgbClr r="0" g="0" b="0"/>
+      </a:effectRef>
+      <a:fontRef idx="minor">
+        <a:schemeClr val="lt1"/>
+      </a:fontRef>
+    </dgm:style>
+  </dgm:styleLbl>
+  <dgm:styleLbl name="parChTrans2D1">
+    <dgm:scene3d>
+      <a:camera prst="orthographicFront"/>
+      <a:lightRig rig="threePt" dir="t"/>
+    </dgm:scene3d>
+    <dgm:sp3d/>
+    <dgm:txPr/>
+    <dgm:style>
+      <a:lnRef idx="2">
+        <a:scrgbClr r="0" g="0" b="0"/>
+      </a:lnRef>
+      <a:fillRef idx="1">
+        <a:scrgbClr r="0" g="0" b="0"/>
+      </a:fillRef>
+      <a:effectRef idx="0">
+        <a:scrgbClr r="0" g="0" b="0"/>
+      </a:effectRef>
+      <a:fontRef idx="minor">
+        <a:schemeClr val="lt1"/>
+      </a:fontRef>
+    </dgm:style>
+  </dgm:styleLbl>
+  <dgm:styleLbl name="parChTrans2D2">
+    <dgm:scene3d>
+      <a:camera prst="orthographicFront"/>
+      <a:lightRig rig="threePt" dir="t"/>
+    </dgm:scene3d>
+    <dgm:sp3d/>
+    <dgm:txPr/>
+    <dgm:style>
+      <a:lnRef idx="2">
+        <a:scrgbClr r="0" g="0" b="0"/>
+      </a:lnRef>
+      <a:fillRef idx="1">
+        <a:scrgbClr r="0" g="0" b="0"/>
+      </a:fillRef>
+      <a:effectRef idx="0">
+        <a:scrgbClr r="0" g="0" b="0"/>
+      </a:effectRef>
+      <a:fontRef idx="minor">
+        <a:schemeClr val="lt1"/>
+      </a:fontRef>
+    </dgm:style>
+  </dgm:styleLbl>
+  <dgm:styleLbl name="parChTrans2D3">
+    <dgm:scene3d>
+      <a:camera prst="orthographicFront"/>
+      <a:lightRig rig="threePt" dir="t"/>
+    </dgm:scene3d>
+    <dgm:sp3d/>
+    <dgm:txPr/>
+    <dgm:style>
+      <a:lnRef idx="2">
+        <a:scrgbClr r="0" g="0" b="0"/>
+      </a:lnRef>
+      <a:fillRef idx="1">
+        <a:scrgbClr r="0" g="0" b="0"/>
+      </a:fillRef>
+      <a:effectRef idx="0">
+        <a:scrgbClr r="0" g="0" b="0"/>
+      </a:effectRef>
+      <a:fontRef idx="minor">
+        <a:schemeClr val="lt1"/>
+      </a:fontRef>
+    </dgm:style>
+  </dgm:styleLbl>
+  <dgm:styleLbl name="parChTrans2D4">
+    <dgm:scene3d>
+      <a:camera prst="orthographicFront"/>
+      <a:lightRig rig="threePt" dir="t"/>
+    </dgm:scene3d>
+    <dgm:sp3d/>
+    <dgm:txPr/>
+    <dgm:style>
+      <a:lnRef idx="2">
+        <a:scrgbClr r="0" g="0" b="0"/>
+      </a:lnRef>
+      <a:fillRef idx="1">
+        <a:scrgbClr r="0" g="0" b="0"/>
+      </a:fillRef>
+      <a:effectRef idx="0">
+        <a:scrgbClr r="0" g="0" b="0"/>
+      </a:effectRef>
+      <a:fontRef idx="minor">
+        <a:schemeClr val="lt1"/>
+      </a:fontRef>
+    </dgm:style>
+  </dgm:styleLbl>
+  <dgm:styleLbl name="parChTrans1D1">
+    <dgm:scene3d>
+      <a:camera prst="orthographicFront"/>
+      <a:lightRig rig="threePt" dir="t"/>
+    </dgm:scene3d>
+    <dgm:sp3d/>
+    <dgm:txPr/>
+    <dgm:style>
+      <a:lnRef idx="2">
+        <a:scrgbClr r="0" g="0" b="0"/>
+      </a:lnRef>
+      <a:fillRef idx="0">
+        <a:scrgbClr r="0" g="0" b="0"/>
+      </a:fillRef>
+      <a:effectRef idx="0">
+        <a:scrgbClr r="0" g="0" b="0"/>
+      </a:effectRef>
+      <a:fontRef idx="minor"/>
+    </dgm:style>
+  </dgm:styleLbl>
+  <dgm:styleLbl name="parChTrans1D2">
+    <dgm:scene3d>
+      <a:camera prst="orthographicFront"/>
+      <a:lightRig rig="threePt" dir="t"/>
+    </dgm:scene3d>
+    <dgm:sp3d/>
+    <dgm:txPr/>
+    <dgm:style>
+      <a:lnRef idx="2">
+        <a:scrgbClr r="0" g="0" b="0"/>
+      </a:lnRef>
+      <a:fillRef idx="0">
+        <a:scrgbClr r="0" g="0" b="0"/>
+      </a:fillRef>
+      <a:effectRef idx="0">
+        <a:scrgbClr r="0" g="0" b="0"/>
+      </a:effectRef>
+      <a:fontRef idx="minor"/>
+    </dgm:style>
+  </dgm:styleLbl>
+  <dgm:styleLbl name="parChTrans1D3">
+    <dgm:scene3d>
+      <a:camera prst="orthographicFront"/>
+      <a:lightRig rig="threePt" dir="t"/>
+    </dgm:scene3d>
+    <dgm:sp3d/>
+    <dgm:txPr/>
+    <dgm:style>
+      <a:lnRef idx="2">
+        <a:scrgbClr r="0" g="0" b="0"/>
+      </a:lnRef>
+      <a:fillRef idx="0">
+        <a:scrgbClr r="0" g="0" b="0"/>
+      </a:fillRef>
+      <a:effectRef idx="0">
+        <a:scrgbClr r="0" g="0" b="0"/>
+      </a:effectRef>
+      <a:fontRef idx="minor"/>
+    </dgm:style>
+  </dgm:styleLbl>
+  <dgm:styleLbl name="parChTrans1D4">
+    <dgm:scene3d>
+      <a:camera prst="orthographicFront"/>
+      <a:lightRig rig="threePt" dir="t"/>
+    </dgm:scene3d>
+    <dgm:sp3d/>
+    <dgm:txPr/>
+    <dgm:style>
+      <a:lnRef idx="2">
+        <a:scrgbClr r="0" g="0" b="0"/>
+      </a:lnRef>
+      <a:fillRef idx="0">
+        <a:scrgbClr r="0" g="0" b="0"/>
+      </a:fillRef>
+      <a:effectRef idx="0">
+        <a:scrgbClr r="0" g="0" b="0"/>
+      </a:effectRef>
+      <a:fontRef idx="minor"/>
+    </dgm:style>
+  </dgm:styleLbl>
+  <dgm:styleLbl name="fgAcc1">
+    <dgm:scene3d>
+      <a:camera prst="orthographicFront"/>
+      <a:lightRig rig="threePt" dir="t"/>
+    </dgm:scene3d>
+    <dgm:sp3d/>
+    <dgm:txPr/>
+    <dgm:style>
+      <a:lnRef idx="2">
+        <a:scrgbClr r="0" g="0" b="0"/>
+      </a:lnRef>
+      <a:fillRef idx="1">
+        <a:scrgbClr r="0" g="0" b="0"/>
+      </a:fillRef>
+      <a:effectRef idx="0">
+        <a:scrgbClr r="0" g="0" b="0"/>
+      </a:effectRef>
+      <a:fontRef idx="minor"/>
+    </dgm:style>
+  </dgm:styleLbl>
+  <dgm:styleLbl name="conFgAcc1">
+    <dgm:scene3d>
+      <a:camera prst="orthographicFront"/>
+      <a:lightRig rig="threePt" dir="t"/>
+    </dgm:scene3d>
+    <dgm:sp3d/>
+    <dgm:txPr/>
+    <dgm:style>
+      <a:lnRef idx="2">
+        <a:scrgbClr r="0" g="0" b="0"/>
+      </a:lnRef>
+      <a:fillRef idx="1">
+        <a:scrgbClr r="0" g="0" b="0"/>
+      </a:fillRef>
+      <a:effectRef idx="0">
+        <a:scrgbClr r="0" g="0" b="0"/>
+      </a:effectRef>
+      <a:fontRef idx="minor"/>
+    </dgm:style>
+  </dgm:styleLbl>
+  <dgm:styleLbl name="alignAcc1">
+    <dgm:scene3d>
+      <a:camera prst="orthographicFront"/>
+      <a:lightRig rig="threePt" dir="t"/>
+    </dgm:scene3d>
+    <dgm:sp3d/>
+    <dgm:txPr/>
+    <dgm:style>
+      <a:lnRef idx="2">
+        <a:scrgbClr r="0" g="0" b="0"/>
+      </a:lnRef>
+      <a:fillRef idx="1">
+        <a:scrgbClr r="0" g="0" b="0"/>
+      </a:fillRef>
+      <a:effectRef idx="0">
+        <a:scrgbClr r="0" g="0" b="0"/>
+      </a:effectRef>
+      <a:fontRef idx="minor"/>
+    </dgm:style>
+  </dgm:styleLbl>
+  <dgm:styleLbl name="trAlignAcc1">
+    <dgm:scene3d>
+      <a:camera prst="orthographicFront"/>
+      <a:lightRig rig="threePt" dir="t"/>
+    </dgm:scene3d>
+    <dgm:sp3d/>
+    <dgm:txPr/>
+    <dgm:style>
+      <a:lnRef idx="1">
+        <a:scrgbClr r="0" g="0" b="0"/>
+      </a:lnRef>
+      <a:fillRef idx="1">
+        <a:scrgbClr r="0" g="0" b="0"/>
+      </a:fillRef>
+      <a:effectRef idx="0">
+        <a:scrgbClr r="0" g="0" b="0"/>
+      </a:effectRef>
+      <a:fontRef idx="minor"/>
+    </dgm:style>
+  </dgm:styleLbl>
+  <dgm:styleLbl name="bgAcc1">
+    <dgm:scene3d>
+      <a:camera prst="orthographicFront"/>
+      <a:lightRig rig="threePt" dir="t"/>
+    </dgm:scene3d>
+    <dgm:sp3d/>
+    <dgm:txPr/>
+    <dgm:style>
+      <a:lnRef idx="2">
+        <a:scrgbClr r="0" g="0" b="0"/>
+      </a:lnRef>
+      <a:fillRef idx="1">
+        <a:scrgbClr r="0" g="0" b="0"/>
+      </a:fillRef>
+      <a:effectRef idx="0">
+        <a:scrgbClr r="0" g="0" b="0"/>
+      </a:effectRef>
+      <a:fontRef idx="minor"/>
+    </dgm:style>
+  </dgm:styleLbl>
+  <dgm:styleLbl name="solidFgAcc1">
+    <dgm:scene3d>
+      <a:camera prst="orthographicFront"/>
+      <a:lightRig rig="threePt" dir="t"/>
+    </dgm:scene3d>
+    <dgm:sp3d/>
+    <dgm:txPr/>
+    <dgm:style>
+      <a:lnRef idx="2">
+        <a:scrgbClr r="0" g="0" b="0"/>
+      </a:lnRef>
+      <a:fillRef idx="1">
+        <a:scrgbClr r="0" g="0" b="0"/>
+      </a:fillRef>
+      <a:effectRef idx="0">
+        <a:scrgbClr r="0" g="0" b="0"/>
+      </a:effectRef>
+      <a:fontRef idx="minor"/>
+    </dgm:style>
+  </dgm:styleLbl>
+  <dgm:styleLbl name="solidAlignAcc1">
+    <dgm:scene3d>
+      <a:camera prst="orthographicFront"/>
+      <a:lightRig rig="threePt" dir="t"/>
+    </dgm:scene3d>
+    <dgm:sp3d/>
+    <dgm:txPr/>
+    <dgm:style>
+      <a:lnRef idx="2">
+        <a:scrgbClr r="0" g="0" b="0"/>
+      </a:lnRef>
+      <a:fillRef idx="1">
+        <a:scrgbClr r="0" g="0" b="0"/>
+      </a:fillRef>
+      <a:effectRef idx="0">
+        <a:scrgbClr r="0" g="0" b="0"/>
+      </a:effectRef>
+      <a:fontRef idx="minor"/>
+    </dgm:style>
+  </dgm:styleLbl>
+  <dgm:styleLbl name="solidBgAcc1">
+    <dgm:scene3d>
+      <a:camera prst="orthographicFront"/>
+      <a:lightRig rig="threePt" dir="t"/>
+    </dgm:scene3d>
+    <dgm:sp3d/>
+    <dgm:txPr/>
+    <dgm:style>
+      <a:lnRef idx="2">
+        <a:scrgbClr r="0" g="0" b="0"/>
+      </a:lnRef>
+      <a:fillRef idx="1">
+        <a:scrgbClr r="0" g="0" b="0"/>
+      </a:fillRef>
+      <a:effectRef idx="0">
+        <a:scrgbClr r="0" g="0" b="0"/>
+      </a:effectRef>
+      <a:fontRef idx="minor"/>
+    </dgm:style>
+  </dgm:styleLbl>
+  <dgm:styleLbl name="fgAccFollowNode1">
+    <dgm:scene3d>
+      <a:camera prst="orthographicFront"/>
+      <a:lightRig rig="threePt" dir="t"/>
+    </dgm:scene3d>
+    <dgm:sp3d/>
+    <dgm:txPr/>
+    <dgm:style>
+      <a:lnRef idx="2">
+        <a:scrgbClr r="0" g="0" b="0"/>
+      </a:lnRef>
+      <a:fillRef idx="1">
+        <a:scrgbClr r="0" g="0" b="0"/>
+      </a:fillRef>
+      <a:effectRef idx="0">
+        <a:scrgbClr r="0" g="0" b="0"/>
+      </a:effectRef>
+      <a:fontRef idx="minor"/>
+    </dgm:style>
+  </dgm:styleLbl>
+  <dgm:styleLbl name="alignAccFollowNode1">
+    <dgm:scene3d>
+      <a:camera prst="orthographicFront"/>
+      <a:lightRig rig="threePt" dir="t"/>
+    </dgm:scene3d>
+    <dgm:sp3d/>
+    <dgm:txPr/>
+    <dgm:style>
+      <a:lnRef idx="2">
+        <a:scrgbClr r="0" g="0" b="0"/>
+      </a:lnRef>
+      <a:fillRef idx="1">
+        <a:scrgbClr r="0" g="0" b="0"/>
+      </a:fillRef>
+      <a:effectRef idx="0">
+        <a:scrgbClr r="0" g="0" b="0"/>
+      </a:effectRef>
+      <a:fontRef idx="minor"/>
+    </dgm:style>
+  </dgm:styleLbl>
+  <dgm:styleLbl name="bgAccFollowNode1">
+    <dgm:scene3d>
+      <a:camera prst="orthographicFront"/>
+      <a:lightRig rig="threePt" dir="t"/>
+    </dgm:scene3d>
+    <dgm:sp3d/>
+    <dgm:txPr/>
+    <dgm:style>
+      <a:lnRef idx="2">
+        <a:scrgbClr r="0" g="0" b="0"/>
+      </a:lnRef>
+      <a:fillRef idx="1">
+        <a:scrgbClr r="0" g="0" b="0"/>
+      </a:fillRef>
+      <a:effectRef idx="0">
+        <a:scrgbClr r="0" g="0" b="0"/>
+      </a:effectRef>
+      <a:fontRef idx="minor"/>
+    </dgm:style>
+  </dgm:styleLbl>
+  <dgm:styleLbl name="fgAcc0">
+    <dgm:scene3d>
+      <a:camera prst="orthographicFront"/>
+      <a:lightRig rig="threePt" dir="t"/>
+    </dgm:scene3d>
+    <dgm:sp3d/>
+    <dgm:txPr/>
+    <dgm:style>
+      <a:lnRef idx="2">
+        <a:scrgbClr r="0" g="0" b="0"/>
+      </a:lnRef>
+      <a:fillRef idx="1">
+        <a:scrgbClr r="0" g="0" b="0"/>
+      </a:fillRef>
+      <a:effectRef idx="0">
+        <a:scrgbClr r="0" g="0" b="0"/>
+      </a:effectRef>
+      <a:fontRef idx="minor"/>
+    </dgm:style>
+  </dgm:styleLbl>
+  <dgm:styleLbl name="fgAcc2">
+    <dgm:scene3d>
+      <a:camera prst="orthographicFront"/>
+      <a:lightRig rig="threePt" dir="t"/>
+    </dgm:scene3d>
+    <dgm:sp3d/>
+    <dgm:txPr/>
+    <dgm:style>
+      <a:lnRef idx="2">
+        <a:scrgbClr r="0" g="0" b="0"/>
+      </a:lnRef>
+      <a:fillRef idx="1">
+        <a:scrgbClr r="0" g="0" b="0"/>
+      </a:fillRef>
+      <a:effectRef idx="0">
+        <a:scrgbClr r="0" g="0" b="0"/>
+      </a:effectRef>
+      <a:fontRef idx="minor"/>
+    </dgm:style>
+  </dgm:styleLbl>
+  <dgm:styleLbl name="fgAcc3">
+    <dgm:scene3d>
+      <a:camera prst="orthographicFront"/>
+      <a:lightRig rig="threePt" dir="t"/>
+    </dgm:scene3d>
+    <dgm:sp3d/>
+    <dgm:txPr/>
+    <dgm:style>
+      <a:lnRef idx="2">
+        <a:scrgbClr r="0" g="0" b="0"/>
+      </a:lnRef>
+      <a:fillRef idx="1">
+        <a:scrgbClr r="0" g="0" b="0"/>
+      </a:fillRef>
+      <a:effectRef idx="0">
+        <a:scrgbClr r="0" g="0" b="0"/>
+      </a:effectRef>
+      <a:fontRef idx="minor"/>
+    </dgm:style>
+  </dgm:styleLbl>
+  <dgm:styleLbl name="fgAcc4">
+    <dgm:scene3d>
+      <a:camera prst="orthographicFront"/>
+      <a:lightRig rig="threePt" dir="t"/>
+    </dgm:scene3d>
+    <dgm:sp3d/>
+    <dgm:txPr/>
+    <dgm:style>
+      <a:lnRef idx="2">
+        <a:scrgbClr r="0" g="0" b="0"/>
+      </a:lnRef>
+      <a:fillRef idx="1">
+        <a:scrgbClr r="0" g="0" b="0"/>
+      </a:fillRef>
+      <a:effectRef idx="0">
+        <a:scrgbClr r="0" g="0" b="0"/>
+      </a:effectRef>
+      <a:fontRef idx="minor"/>
+    </dgm:style>
+  </dgm:styleLbl>
+  <dgm:styleLbl name="bgShp">
+    <dgm:scene3d>
+      <a:camera prst="orthographicFront"/>
+      <a:lightRig rig="threePt" dir="t"/>
+    </dgm:scene3d>
+    <dgm:sp3d/>
+    <dgm:txPr/>
+    <dgm:style>
+      <a:lnRef idx="0">
+        <a:scrgbClr r="0" g="0" b="0"/>
+      </a:lnRef>
+      <a:fillRef idx="1">
+        <a:scrgbClr r="0" g="0" b="0"/>
+      </a:fillRef>
+      <a:effectRef idx="0">
+        <a:scrgbClr r="0" g="0" b="0"/>
+      </a:effectRef>
+      <a:fontRef idx="minor"/>
+    </dgm:style>
+  </dgm:styleLbl>
+  <dgm:styleLbl name="dkBgShp">
+    <dgm:scene3d>
+      <a:camera prst="orthographicFront"/>
+      <a:lightRig rig="threePt" dir="t"/>
+    </dgm:scene3d>
+    <dgm:sp3d/>
+    <dgm:txPr/>
+    <dgm:style>
+      <a:lnRef idx="0">
+        <a:scrgbClr r="0" g="0" b="0"/>
+      </a:lnRef>
+      <a:fillRef idx="1">
+        <a:scrgbClr r="0" g="0" b="0"/>
+      </a:fillRef>
+      <a:effectRef idx="0">
+        <a:scrgbClr r="0" g="0" b="0"/>
+      </a:effectRef>
+      <a:fontRef idx="minor"/>
+    </dgm:style>
+  </dgm:styleLbl>
+  <dgm:styleLbl name="trBgShp">
+    <dgm:scene3d>
+      <a:camera prst="orthographicFront"/>
+      <a:lightRig rig="threePt" dir="t"/>
+    </dgm:scene3d>
+    <dgm:sp3d/>
+    <dgm:txPr/>
+    <dgm:style>
+      <a:lnRef idx="0">
+        <a:scrgbClr r="0" g="0" b="0"/>
+      </a:lnRef>
+      <a:fillRef idx="1">
+        <a:scrgbClr r="0" g="0" b="0"/>
+      </a:fillRef>
+      <a:effectRef idx="0">
+        <a:scrgbClr r="0" g="0" b="0"/>
+      </a:effectRef>
+      <a:fontRef idx="minor"/>
+    </dgm:style>
+  </dgm:styleLbl>
+  <dgm:styleLbl name="fgShp">
+    <dgm:scene3d>
+      <a:camera prst="orthographicFront"/>
+      <a:lightRig rig="threePt" dir="t"/>
+    </dgm:scene3d>
+    <dgm:sp3d/>
+    <dgm:txPr/>
+    <dgm:style>
+      <a:lnRef idx="2">
+        <a:scrgbClr r="0" g="0" b="0"/>
+      </a:lnRef>
+      <a:fillRef idx="1">
+        <a:scrgbClr r="0" g="0" b="0"/>
+      </a:fillRef>
+      <a:effectRef idx="0">
+        <a:scrgbClr r="0" g="0" b="0"/>
+      </a:effectRef>
+      <a:fontRef idx="minor"/>
+    </dgm:style>
+  </dgm:styleLbl>
+  <dgm:styleLbl name="revTx">
+    <dgm:scene3d>
+      <a:camera prst="orthographicFront"/>
+      <a:lightRig rig="threePt" dir="t"/>
+    </dgm:scene3d>
+    <dgm:sp3d/>
+    <dgm:txPr/>
+    <dgm:style>
+      <a:lnRef idx="0">
+        <a:scrgbClr r="0" g="0" b="0"/>
+      </a:lnRef>
+      <a:fillRef idx="0">
+        <a:scrgbClr r="0" g="0" b="0"/>
+      </a:fillRef>
+      <a:effectRef idx="0">
+        <a:scrgbClr r="0" g="0" b="0"/>
+      </a:effectRef>
+      <a:fontRef idx="minor"/>
+    </dgm:style>
+  </dgm:styleLbl>
+</dgm:styleDef>
 </file>
 
 <file path=ppt/handoutMasters/handoutMaster1.xml><?xml version="1.0" encoding="utf-8"?>
@@ -1318,7 +4769,7 @@
                 <a:latin typeface="微軟正黑體" panose="020B0604030504040204" pitchFamily="34" charset="-120"/>
                 <a:ea typeface="微軟正黑體" panose="020B0604030504040204" pitchFamily="34" charset="-120"/>
               </a:rPr>
-              <a:t>2019年5月29日</a:t>
+              <a:t>2019年5月30日</a:t>
             </a:fld>
             <a:endParaRPr lang="zh-TW" altLang="en-US" b="1" dirty="0">
               <a:latin typeface="微軟正黑體" panose="020B0604030504040204" pitchFamily="34" charset="-120"/>
@@ -1504,7 +4955,7 @@
             <a:fld id="{10AFC914-B5DE-44F3-9588-41AE004F9655}" type="datetime2">
               <a:rPr lang="zh-TW" altLang="en-US" smtClean="0"/>
               <a:pPr/>
-              <a:t>2019年5月29日</a:t>
+              <a:t>2019年5月30日</a:t>
             </a:fld>
             <a:endParaRPr lang="zh-TW" altLang="en-US" dirty="0"/>
           </a:p>
@@ -2113,7 +5564,7 @@
             <a:pPr rtl="0"/>
             <a:fld id="{05C1D8F7-2BDD-4C56-98AF-2E212EF349F3}" type="slidenum">
               <a:rPr lang="en-US" altLang="zh-TW" smtClean="0"/>
-              <a:t>6</a:t>
+              <a:t>7</a:t>
             </a:fld>
             <a:endParaRPr lang="zh-TW" altLang="en-US" dirty="0"/>
           </a:p>
@@ -2122,7 +5573,7 @@
     </p:spTree>
     <p:extLst>
       <p:ext uri="{BB962C8B-B14F-4D97-AF65-F5344CB8AC3E}">
-        <p14:creationId xmlns:p14="http://schemas.microsoft.com/office/powerpoint/2010/main" val="354254131"/>
+        <p14:creationId xmlns:p14="http://schemas.microsoft.com/office/powerpoint/2010/main" val="3283043115"/>
       </p:ext>
     </p:extLst>
   </p:cSld>
@@ -2201,359 +5652,7 @@
             <a:pPr rtl="0"/>
             <a:fld id="{05C1D8F7-2BDD-4C56-98AF-2E212EF349F3}" type="slidenum">
               <a:rPr lang="en-US" altLang="zh-TW" smtClean="0"/>
-              <a:t>7</a:t>
-            </a:fld>
-            <a:endParaRPr lang="zh-TW" altLang="en-US" dirty="0"/>
-          </a:p>
-        </p:txBody>
-      </p:sp>
-    </p:spTree>
-    <p:extLst>
-      <p:ext uri="{BB962C8B-B14F-4D97-AF65-F5344CB8AC3E}">
-        <p14:creationId xmlns:p14="http://schemas.microsoft.com/office/powerpoint/2010/main" val="3877192637"/>
-      </p:ext>
-    </p:extLst>
-  </p:cSld>
-  <p:clrMapOvr>
-    <a:masterClrMapping/>
-  </p:clrMapOvr>
-</p:notes>
-</file>
-
-<file path=ppt/notesSlides/notesSlide6.xml><?xml version="1.0" encoding="utf-8"?>
-<p:notes xmlns:a="http://schemas.openxmlformats.org/drawingml/2006/main" xmlns:r="http://schemas.openxmlformats.org/officeDocument/2006/relationships" xmlns:p="http://schemas.openxmlformats.org/presentationml/2006/main">
-  <p:cSld>
-    <p:spTree>
-      <p:nvGrpSpPr>
-        <p:cNvPr id="1" name=""/>
-        <p:cNvGrpSpPr/>
-        <p:nvPr/>
-      </p:nvGrpSpPr>
-      <p:grpSpPr>
-        <a:xfrm>
-          <a:off x="0" y="0"/>
-          <a:ext cx="0" cy="0"/>
-          <a:chOff x="0" y="0"/>
-          <a:chExt cx="0" cy="0"/>
-        </a:xfrm>
-      </p:grpSpPr>
-      <p:sp>
-        <p:nvSpPr>
-          <p:cNvPr id="2" name="投影片圖像版面配置區 1"/>
-          <p:cNvSpPr>
-            <a:spLocks noGrp="1" noRot="1" noChangeAspect="1"/>
-          </p:cNvSpPr>
-          <p:nvPr>
-            <p:ph type="sldImg"/>
-          </p:nvPr>
-        </p:nvSpPr>
-        <p:spPr/>
-      </p:sp>
-      <p:sp>
-        <p:nvSpPr>
-          <p:cNvPr id="3" name="備忘稿版面配置區 2"/>
-          <p:cNvSpPr>
-            <a:spLocks noGrp="1"/>
-          </p:cNvSpPr>
-          <p:nvPr>
-            <p:ph type="body" idx="1"/>
-          </p:nvPr>
-        </p:nvSpPr>
-        <p:spPr/>
-        <p:txBody>
-          <a:bodyPr/>
-          <a:lstStyle/>
-          <a:p>
-            <a:endParaRPr lang="zh-TW" altLang="en-US" b="0" dirty="0">
-              <a:latin typeface="微軟正黑體" panose="020B0604030504040204" pitchFamily="34" charset="-120"/>
-              <a:ea typeface="微軟正黑體" panose="020B0604030504040204" pitchFamily="34" charset="-120"/>
-            </a:endParaRPr>
-          </a:p>
-        </p:txBody>
-      </p:sp>
-      <p:sp>
-        <p:nvSpPr>
-          <p:cNvPr id="4" name="投影片編號版面配置區 3"/>
-          <p:cNvSpPr>
-            <a:spLocks noGrp="1"/>
-          </p:cNvSpPr>
-          <p:nvPr>
-            <p:ph type="sldNum" sz="quarter" idx="10"/>
-          </p:nvPr>
-        </p:nvSpPr>
-        <p:spPr/>
-        <p:txBody>
-          <a:bodyPr/>
-          <a:lstStyle/>
-          <a:p>
-            <a:pPr rtl="0"/>
-            <a:fld id="{05C1D8F7-2BDD-4C56-98AF-2E212EF349F3}" type="slidenum">
-              <a:rPr lang="en-US" altLang="zh-TW" smtClean="0"/>
               <a:t>8</a:t>
-            </a:fld>
-            <a:endParaRPr lang="zh-TW" altLang="en-US" dirty="0"/>
-          </a:p>
-        </p:txBody>
-      </p:sp>
-    </p:spTree>
-    <p:extLst>
-      <p:ext uri="{BB962C8B-B14F-4D97-AF65-F5344CB8AC3E}">
-        <p14:creationId xmlns:p14="http://schemas.microsoft.com/office/powerpoint/2010/main" val="2869312965"/>
-      </p:ext>
-    </p:extLst>
-  </p:cSld>
-  <p:clrMapOvr>
-    <a:masterClrMapping/>
-  </p:clrMapOvr>
-</p:notes>
-</file>
-
-<file path=ppt/notesSlides/notesSlide7.xml><?xml version="1.0" encoding="utf-8"?>
-<p:notes xmlns:a="http://schemas.openxmlformats.org/drawingml/2006/main" xmlns:r="http://schemas.openxmlformats.org/officeDocument/2006/relationships" xmlns:p="http://schemas.openxmlformats.org/presentationml/2006/main">
-  <p:cSld>
-    <p:spTree>
-      <p:nvGrpSpPr>
-        <p:cNvPr id="1" name=""/>
-        <p:cNvGrpSpPr/>
-        <p:nvPr/>
-      </p:nvGrpSpPr>
-      <p:grpSpPr>
-        <a:xfrm>
-          <a:off x="0" y="0"/>
-          <a:ext cx="0" cy="0"/>
-          <a:chOff x="0" y="0"/>
-          <a:chExt cx="0" cy="0"/>
-        </a:xfrm>
-      </p:grpSpPr>
-      <p:sp>
-        <p:nvSpPr>
-          <p:cNvPr id="2" name="投影片圖像版面配置區 1"/>
-          <p:cNvSpPr>
-            <a:spLocks noGrp="1" noRot="1" noChangeAspect="1"/>
-          </p:cNvSpPr>
-          <p:nvPr>
-            <p:ph type="sldImg"/>
-          </p:nvPr>
-        </p:nvSpPr>
-        <p:spPr/>
-      </p:sp>
-      <p:sp>
-        <p:nvSpPr>
-          <p:cNvPr id="3" name="備忘稿版面配置區 2"/>
-          <p:cNvSpPr>
-            <a:spLocks noGrp="1"/>
-          </p:cNvSpPr>
-          <p:nvPr>
-            <p:ph type="body" idx="1"/>
-          </p:nvPr>
-        </p:nvSpPr>
-        <p:spPr/>
-        <p:txBody>
-          <a:bodyPr/>
-          <a:lstStyle/>
-          <a:p>
-            <a:endParaRPr lang="zh-TW" altLang="en-US" b="0" noProof="0" dirty="0">
-              <a:latin typeface="微軟正黑體" panose="020B0604030504040204" pitchFamily="34" charset="-120"/>
-              <a:ea typeface="微軟正黑體" panose="020B0604030504040204" pitchFamily="34" charset="-120"/>
-            </a:endParaRPr>
-          </a:p>
-        </p:txBody>
-      </p:sp>
-      <p:sp>
-        <p:nvSpPr>
-          <p:cNvPr id="4" name="投影片編號版面配置區 3"/>
-          <p:cNvSpPr>
-            <a:spLocks noGrp="1"/>
-          </p:cNvSpPr>
-          <p:nvPr>
-            <p:ph type="sldNum" sz="quarter" idx="10"/>
-          </p:nvPr>
-        </p:nvSpPr>
-        <p:spPr/>
-        <p:txBody>
-          <a:bodyPr/>
-          <a:lstStyle/>
-          <a:p>
-            <a:pPr rtl="0"/>
-            <a:fld id="{05C1D8F7-2BDD-4C56-98AF-2E212EF349F3}" type="slidenum">
-              <a:rPr lang="en-US" altLang="zh-TW" smtClean="0"/>
-              <a:t>9</a:t>
-            </a:fld>
-            <a:endParaRPr lang="zh-TW" altLang="en-US" dirty="0"/>
-          </a:p>
-        </p:txBody>
-      </p:sp>
-    </p:spTree>
-    <p:extLst>
-      <p:ext uri="{BB962C8B-B14F-4D97-AF65-F5344CB8AC3E}">
-        <p14:creationId xmlns:p14="http://schemas.microsoft.com/office/powerpoint/2010/main" val="1259776294"/>
-      </p:ext>
-    </p:extLst>
-  </p:cSld>
-  <p:clrMapOvr>
-    <a:masterClrMapping/>
-  </p:clrMapOvr>
-</p:notes>
-</file>
-
-<file path=ppt/notesSlides/notesSlide8.xml><?xml version="1.0" encoding="utf-8"?>
-<p:notes xmlns:a="http://schemas.openxmlformats.org/drawingml/2006/main" xmlns:r="http://schemas.openxmlformats.org/officeDocument/2006/relationships" xmlns:p="http://schemas.openxmlformats.org/presentationml/2006/main">
-  <p:cSld>
-    <p:spTree>
-      <p:nvGrpSpPr>
-        <p:cNvPr id="1" name=""/>
-        <p:cNvGrpSpPr/>
-        <p:nvPr/>
-      </p:nvGrpSpPr>
-      <p:grpSpPr>
-        <a:xfrm>
-          <a:off x="0" y="0"/>
-          <a:ext cx="0" cy="0"/>
-          <a:chOff x="0" y="0"/>
-          <a:chExt cx="0" cy="0"/>
-        </a:xfrm>
-      </p:grpSpPr>
-      <p:sp>
-        <p:nvSpPr>
-          <p:cNvPr id="2" name="投影片圖像版面配置區 1"/>
-          <p:cNvSpPr>
-            <a:spLocks noGrp="1" noRot="1" noChangeAspect="1"/>
-          </p:cNvSpPr>
-          <p:nvPr>
-            <p:ph type="sldImg"/>
-          </p:nvPr>
-        </p:nvSpPr>
-        <p:spPr/>
-      </p:sp>
-      <p:sp>
-        <p:nvSpPr>
-          <p:cNvPr id="3" name="備忘稿版面配置區 2"/>
-          <p:cNvSpPr>
-            <a:spLocks noGrp="1"/>
-          </p:cNvSpPr>
-          <p:nvPr>
-            <p:ph type="body" idx="1"/>
-          </p:nvPr>
-        </p:nvSpPr>
-        <p:spPr/>
-        <p:txBody>
-          <a:bodyPr/>
-          <a:lstStyle/>
-          <a:p>
-            <a:endParaRPr lang="zh-TW" altLang="en-US" b="0" noProof="0" dirty="0">
-              <a:latin typeface="微軟正黑體" panose="020B0604030504040204" pitchFamily="34" charset="-120"/>
-              <a:ea typeface="微軟正黑體" panose="020B0604030504040204" pitchFamily="34" charset="-120"/>
-            </a:endParaRPr>
-          </a:p>
-        </p:txBody>
-      </p:sp>
-      <p:sp>
-        <p:nvSpPr>
-          <p:cNvPr id="4" name="投影片編號版面配置區 3"/>
-          <p:cNvSpPr>
-            <a:spLocks noGrp="1"/>
-          </p:cNvSpPr>
-          <p:nvPr>
-            <p:ph type="sldNum" sz="quarter" idx="10"/>
-          </p:nvPr>
-        </p:nvSpPr>
-        <p:spPr/>
-        <p:txBody>
-          <a:bodyPr/>
-          <a:lstStyle/>
-          <a:p>
-            <a:pPr rtl="0"/>
-            <a:fld id="{05C1D8F7-2BDD-4C56-98AF-2E212EF349F3}" type="slidenum">
-              <a:rPr lang="en-US" altLang="zh-TW" smtClean="0"/>
-              <a:t>10</a:t>
-            </a:fld>
-            <a:endParaRPr lang="zh-TW" altLang="en-US" dirty="0"/>
-          </a:p>
-        </p:txBody>
-      </p:sp>
-    </p:spTree>
-    <p:extLst>
-      <p:ext uri="{BB962C8B-B14F-4D97-AF65-F5344CB8AC3E}">
-        <p14:creationId xmlns:p14="http://schemas.microsoft.com/office/powerpoint/2010/main" val="1408403021"/>
-      </p:ext>
-    </p:extLst>
-  </p:cSld>
-  <p:clrMapOvr>
-    <a:masterClrMapping/>
-  </p:clrMapOvr>
-</p:notes>
-</file>
-
-<file path=ppt/notesSlides/notesSlide9.xml><?xml version="1.0" encoding="utf-8"?>
-<p:notes xmlns:a="http://schemas.openxmlformats.org/drawingml/2006/main" xmlns:r="http://schemas.openxmlformats.org/officeDocument/2006/relationships" xmlns:p="http://schemas.openxmlformats.org/presentationml/2006/main">
-  <p:cSld>
-    <p:spTree>
-      <p:nvGrpSpPr>
-        <p:cNvPr id="1" name=""/>
-        <p:cNvGrpSpPr/>
-        <p:nvPr/>
-      </p:nvGrpSpPr>
-      <p:grpSpPr>
-        <a:xfrm>
-          <a:off x="0" y="0"/>
-          <a:ext cx="0" cy="0"/>
-          <a:chOff x="0" y="0"/>
-          <a:chExt cx="0" cy="0"/>
-        </a:xfrm>
-      </p:grpSpPr>
-      <p:sp>
-        <p:nvSpPr>
-          <p:cNvPr id="2" name="投影片圖像版面配置區 1"/>
-          <p:cNvSpPr>
-            <a:spLocks noGrp="1" noRot="1" noChangeAspect="1"/>
-          </p:cNvSpPr>
-          <p:nvPr>
-            <p:ph type="sldImg"/>
-          </p:nvPr>
-        </p:nvSpPr>
-        <p:spPr/>
-      </p:sp>
-      <p:sp>
-        <p:nvSpPr>
-          <p:cNvPr id="3" name="備忘稿版面配置區 2"/>
-          <p:cNvSpPr>
-            <a:spLocks noGrp="1"/>
-          </p:cNvSpPr>
-          <p:nvPr>
-            <p:ph type="body" idx="1"/>
-          </p:nvPr>
-        </p:nvSpPr>
-        <p:spPr/>
-        <p:txBody>
-          <a:bodyPr/>
-          <a:lstStyle/>
-          <a:p>
-            <a:endParaRPr lang="zh-TW" altLang="en-US" b="0" dirty="0">
-              <a:latin typeface="微軟正黑體" panose="020B0604030504040204" pitchFamily="34" charset="-120"/>
-              <a:ea typeface="微軟正黑體" panose="020B0604030504040204" pitchFamily="34" charset="-120"/>
-            </a:endParaRPr>
-          </a:p>
-        </p:txBody>
-      </p:sp>
-      <p:sp>
-        <p:nvSpPr>
-          <p:cNvPr id="4" name="投影片編號版面配置區 3"/>
-          <p:cNvSpPr>
-            <a:spLocks noGrp="1"/>
-          </p:cNvSpPr>
-          <p:nvPr>
-            <p:ph type="sldNum" sz="quarter" idx="10"/>
-          </p:nvPr>
-        </p:nvSpPr>
-        <p:spPr/>
-        <p:txBody>
-          <a:bodyPr/>
-          <a:lstStyle/>
-          <a:p>
-            <a:pPr rtl="0"/>
-            <a:fld id="{05C1D8F7-2BDD-4C56-98AF-2E212EF349F3}" type="slidenum">
-              <a:rPr lang="en-US" altLang="zh-TW" smtClean="0"/>
-              <a:t>11</a:t>
             </a:fld>
             <a:endParaRPr lang="zh-TW" altLang="en-US" dirty="0"/>
           </a:p>
@@ -2883,7 +5982,7 @@
             <a:fld id="{3101F5B2-FD42-407C-BA47-CFAC8C06E260}" type="datetime2">
               <a:rPr lang="zh-TW" altLang="en-US" smtClean="0"/>
               <a:pPr/>
-              <a:t>2019年5月29日</a:t>
+              <a:t>2019年5月30日</a:t>
             </a:fld>
             <a:endParaRPr lang="zh-TW" altLang="en-US" dirty="0"/>
           </a:p>
@@ -3087,7 +6186,7 @@
             <a:fld id="{4D2E0DA1-41AE-48FE-BDDE-16ABF9084C88}" type="datetime2">
               <a:rPr lang="zh-TW" altLang="en-US" smtClean="0"/>
               <a:pPr/>
-              <a:t>2019年5月29日</a:t>
+              <a:t>2019年5月30日</a:t>
             </a:fld>
             <a:endParaRPr lang="zh-TW" altLang="en-US" dirty="0"/>
           </a:p>
@@ -3281,7 +6380,7 @@
             <a:fld id="{D2903C24-8A22-44FE-BE04-2EAB467F030C}" type="datetime2">
               <a:rPr lang="zh-TW" altLang="en-US" smtClean="0"/>
               <a:pPr/>
-              <a:t>2019年5月29日</a:t>
+              <a:t>2019年5月30日</a:t>
             </a:fld>
             <a:endParaRPr lang="zh-TW" altLang="en-US" dirty="0"/>
           </a:p>
@@ -3556,7 +6655,7 @@
             <a:fld id="{1EF4E503-819D-4740-8BA0-3554FB928380}" type="datetime2">
               <a:rPr lang="zh-TW" altLang="en-US" smtClean="0"/>
               <a:pPr/>
-              <a:t>2019年5月29日</a:t>
+              <a:t>2019年5月30日</a:t>
             </a:fld>
             <a:endParaRPr lang="zh-TW" altLang="en-US" dirty="0"/>
           </a:p>
@@ -3812,7 +6911,7 @@
             <a:fld id="{724BF764-6307-4C86-A7CC-2E453EEE9DEA}" type="datetime2">
               <a:rPr lang="zh-TW" altLang="en-US" smtClean="0"/>
               <a:pPr/>
-              <a:t>2019年5月29日</a:t>
+              <a:t>2019年5月30日</a:t>
             </a:fld>
             <a:endParaRPr lang="zh-TW" altLang="en-US" dirty="0"/>
           </a:p>
@@ -4212,7 +7311,7 @@
             <a:fld id="{2201BD93-8BBF-457F-AE5B-5A2B8BB8F31A}" type="datetime2">
               <a:rPr lang="zh-TW" altLang="en-US" smtClean="0"/>
               <a:pPr/>
-              <a:t>2019年5月29日</a:t>
+              <a:t>2019年5月30日</a:t>
             </a:fld>
             <a:endParaRPr lang="zh-TW" altLang="en-US" dirty="0"/>
           </a:p>
@@ -4354,7 +7453,7 @@
             <a:fld id="{ACBCA9B0-F685-488F-A828-988EABA139B8}" type="datetime2">
               <a:rPr lang="zh-TW" altLang="en-US" smtClean="0"/>
               <a:pPr/>
-              <a:t>2019年5月29日</a:t>
+              <a:t>2019年5月30日</a:t>
             </a:fld>
             <a:endParaRPr lang="zh-TW" altLang="en-US" dirty="0"/>
           </a:p>
@@ -4472,7 +7571,7 @@
             <a:fld id="{6360496B-4DF6-4A19-8F15-DF2DF7511C12}" type="datetime2">
               <a:rPr lang="zh-TW" altLang="en-US" smtClean="0"/>
               <a:pPr/>
-              <a:t>2019年5月29日</a:t>
+              <a:t>2019年5月30日</a:t>
             </a:fld>
             <a:endParaRPr lang="zh-TW" altLang="en-US" dirty="0"/>
           </a:p>
@@ -5319,7 +8418,7 @@
             <a:fld id="{FD54D614-E7CA-44F9-8228-3EED907E7187}" type="datetime2">
               <a:rPr lang="zh-TW" altLang="en-US" smtClean="0"/>
               <a:pPr/>
-              <a:t>2019年5月29日</a:t>
+              <a:t>2019年5月30日</a:t>
             </a:fld>
             <a:endParaRPr lang="zh-TW" altLang="en-US" dirty="0"/>
           </a:p>
@@ -5917,183 +9016,6 @@
 </p:sld>
 </file>
 
-<file path=ppt/slides/slide10.xml><?xml version="1.0" encoding="utf-8"?>
-<p:sld xmlns:a="http://schemas.openxmlformats.org/drawingml/2006/main" xmlns:r="http://schemas.openxmlformats.org/officeDocument/2006/relationships" xmlns:p="http://schemas.openxmlformats.org/presentationml/2006/main">
-  <p:cSld>
-    <p:spTree>
-      <p:nvGrpSpPr>
-        <p:cNvPr id="1" name=""/>
-        <p:cNvGrpSpPr/>
-        <p:nvPr/>
-      </p:nvGrpSpPr>
-      <p:grpSpPr>
-        <a:xfrm>
-          <a:off x="0" y="0"/>
-          <a:ext cx="0" cy="0"/>
-          <a:chOff x="0" y="0"/>
-          <a:chExt cx="0" cy="0"/>
-        </a:xfrm>
-      </p:grpSpPr>
-      <p:sp>
-        <p:nvSpPr>
-          <p:cNvPr id="2" name="標題 1"/>
-          <p:cNvSpPr>
-            <a:spLocks noGrp="1"/>
-          </p:cNvSpPr>
-          <p:nvPr>
-            <p:ph type="title"/>
-          </p:nvPr>
-        </p:nvSpPr>
-        <p:spPr/>
-        <p:txBody>
-          <a:bodyPr rtlCol="0"/>
-          <a:lstStyle/>
-          <a:p>
-            <a:pPr rtl="0"/>
-            <a:r>
-              <a:rPr lang="zh-TW" altLang="en-US" b="1" dirty="0" smtClean="0">
-                <a:latin typeface="微軟正黑體" panose="020B0604030504040204" pitchFamily="34" charset="-120"/>
-                <a:ea typeface="微軟正黑體" panose="020B0604030504040204" pitchFamily="34" charset="-120"/>
-                <a:sym typeface="Arial" panose="020B0604020202020204" pitchFamily="34" charset="0"/>
-              </a:rPr>
-              <a:t>新增投影片標題 </a:t>
-            </a:r>
-            <a:r>
-              <a:rPr lang="en-US" altLang="zh-TW" b="1" dirty="0" smtClean="0">
-                <a:latin typeface="微軟正黑體" panose="020B0604030504040204" pitchFamily="34" charset="-120"/>
-                <a:ea typeface="微軟正黑體" panose="020B0604030504040204" pitchFamily="34" charset="-120"/>
-                <a:sym typeface="Arial" panose="020B0604020202020204" pitchFamily="34" charset="0"/>
-              </a:rPr>
-              <a:t>- 3</a:t>
-            </a:r>
-            <a:endParaRPr lang="zh-TW" altLang="en-US" b="1" dirty="0">
-              <a:latin typeface="微軟正黑體" panose="020B0604030504040204" pitchFamily="34" charset="-120"/>
-              <a:ea typeface="微軟正黑體" panose="020B0604030504040204" pitchFamily="34" charset="-120"/>
-              <a:sym typeface="Arial" panose="020B0604020202020204" pitchFamily="34" charset="0"/>
-            </a:endParaRPr>
-          </a:p>
-        </p:txBody>
-      </p:sp>
-    </p:spTree>
-    <p:extLst>
-      <p:ext uri="{BB962C8B-B14F-4D97-AF65-F5344CB8AC3E}">
-        <p14:creationId xmlns:p14="http://schemas.microsoft.com/office/powerpoint/2010/main" val="1864551520"/>
-      </p:ext>
-    </p:extLst>
-  </p:cSld>
-  <p:clrMapOvr>
-    <a:masterClrMapping/>
-  </p:clrMapOvr>
-  <mc:AlternateContent xmlns:mc="http://schemas.openxmlformats.org/markup-compatibility/2006" xmlns:p14="http://schemas.microsoft.com/office/powerpoint/2010/main">
-    <mc:Choice Requires="p14">
-      <p:transition spd="med" p14:dur="700">
-        <p:fade/>
-      </p:transition>
-    </mc:Choice>
-    <mc:Fallback xmlns="">
-      <p:transition spd="med">
-        <p:fade/>
-      </p:transition>
-    </mc:Fallback>
-  </mc:AlternateContent>
-  <p:timing>
-    <p:tnLst>
-      <p:par>
-        <p:cTn id="1" dur="indefinite" restart="never" nodeType="tmRoot"/>
-      </p:par>
-    </p:tnLst>
-  </p:timing>
-</p:sld>
-</file>
-
-<file path=ppt/slides/slide11.xml><?xml version="1.0" encoding="utf-8"?>
-<p:sld xmlns:a="http://schemas.openxmlformats.org/drawingml/2006/main" xmlns:r="http://schemas.openxmlformats.org/officeDocument/2006/relationships" xmlns:p="http://schemas.openxmlformats.org/presentationml/2006/main">
-  <p:cSld>
-    <p:spTree>
-      <p:nvGrpSpPr>
-        <p:cNvPr id="1" name=""/>
-        <p:cNvGrpSpPr/>
-        <p:nvPr/>
-      </p:nvGrpSpPr>
-      <p:grpSpPr>
-        <a:xfrm>
-          <a:off x="0" y="0"/>
-          <a:ext cx="0" cy="0"/>
-          <a:chOff x="0" y="0"/>
-          <a:chExt cx="0" cy="0"/>
-        </a:xfrm>
-      </p:grpSpPr>
-      <p:sp>
-        <p:nvSpPr>
-          <p:cNvPr id="2" name="文字方塊 1"/>
-          <p:cNvSpPr txBox="1"/>
-          <p:nvPr/>
-        </p:nvSpPr>
-        <p:spPr>
-          <a:xfrm>
-            <a:off x="3755740" y="2204864"/>
-            <a:ext cx="4680520" cy="1446550"/>
-          </a:xfrm>
-          <a:prstGeom prst="rect">
-            <a:avLst/>
-          </a:prstGeom>
-          <a:noFill/>
-        </p:spPr>
-        <p:txBody>
-          <a:bodyPr wrap="square" rtlCol="0">
-            <a:spAutoFit/>
-          </a:bodyPr>
-          <a:lstStyle/>
-          <a:p>
-            <a:r>
-              <a:rPr lang="zh-TW" altLang="en-US" sz="8800" b="1" i="1" dirty="0" smtClean="0">
-                <a:latin typeface="微軟正黑體" panose="020B0604030504040204" pitchFamily="34" charset="-120"/>
-                <a:ea typeface="微軟正黑體" panose="020B0604030504040204" pitchFamily="34" charset="-120"/>
-              </a:rPr>
-              <a:t>謝謝大</a:t>
-            </a:r>
-            <a:r>
-              <a:rPr lang="zh-TW" altLang="en-US" sz="8800" b="1" i="1" dirty="0">
-                <a:latin typeface="微軟正黑體" panose="020B0604030504040204" pitchFamily="34" charset="-120"/>
-                <a:ea typeface="微軟正黑體" panose="020B0604030504040204" pitchFamily="34" charset="-120"/>
-              </a:rPr>
-              <a:t>家</a:t>
-            </a:r>
-          </a:p>
-        </p:txBody>
-      </p:sp>
-    </p:spTree>
-    <p:extLst>
-      <p:ext uri="{BB962C8B-B14F-4D97-AF65-F5344CB8AC3E}">
-        <p14:creationId xmlns:p14="http://schemas.microsoft.com/office/powerpoint/2010/main" val="242861733"/>
-      </p:ext>
-    </p:extLst>
-  </p:cSld>
-  <p:clrMapOvr>
-    <a:masterClrMapping/>
-  </p:clrMapOvr>
-  <mc:AlternateContent xmlns:mc="http://schemas.openxmlformats.org/markup-compatibility/2006" xmlns:p14="http://schemas.microsoft.com/office/powerpoint/2010/main">
-    <mc:Choice Requires="p14">
-      <p:transition spd="med" p14:dur="700">
-        <p:fade/>
-      </p:transition>
-    </mc:Choice>
-    <mc:Fallback xmlns="">
-      <p:transition spd="med">
-        <p:fade/>
-      </p:transition>
-    </mc:Fallback>
-  </mc:AlternateContent>
-  <p:timing>
-    <p:tnLst>
-      <p:par>
-        <p:cTn id="1" dur="indefinite" restart="never" nodeType="tmRoot"/>
-      </p:par>
-    </p:tnLst>
-  </p:timing>
-</p:sld>
-</file>
-
 <file path=ppt/slides/slide2.xml><?xml version="1.0" encoding="utf-8"?>
 <p:sld xmlns:a="http://schemas.openxmlformats.org/drawingml/2006/main" xmlns:r="http://schemas.openxmlformats.org/officeDocument/2006/relationships" xmlns:p="http://schemas.openxmlformats.org/presentationml/2006/main">
   <p:cSld>
@@ -6864,7 +9786,7 @@
         <p:spPr>
           <a:xfrm>
             <a:off x="1066800" y="836712"/>
-            <a:ext cx="2148880" cy="611088"/>
+            <a:ext cx="7189440" cy="611088"/>
           </a:xfrm>
         </p:spPr>
         <p:txBody>
@@ -6874,95 +9796,35 @@
           <a:lstStyle/>
           <a:p>
             <a:r>
-              <a:rPr lang="en-US" altLang="zh-TW" dirty="0" smtClean="0"/>
-              <a:t>K-Means</a:t>
+              <a:rPr lang="en-US" altLang="zh-TW" dirty="0"/>
+              <a:t>PCA(Principal component analysis)</a:t>
             </a:r>
             <a:endParaRPr lang="zh-TW" altLang="en-US" dirty="0"/>
           </a:p>
         </p:txBody>
       </p:sp>
-      <p:sp>
-        <p:nvSpPr>
-          <p:cNvPr id="3" name="內容版面配置區 2"/>
-          <p:cNvSpPr>
-            <a:spLocks noGrp="1"/>
-          </p:cNvSpPr>
+      <p:graphicFrame>
+        <p:nvGraphicFramePr>
+          <p:cNvPr id="4" name="資料庫圖表 3"/>
+          <p:cNvGraphicFramePr/>
           <p:nvPr>
-            <p:ph idx="1"/>
+            <p:extLst>
+              <p:ext uri="{D42A27DB-BD31-4B8C-83A1-F6EECF244321}">
+                <p14:modId xmlns:p14="http://schemas.microsoft.com/office/powerpoint/2010/main" val="1384091709"/>
+              </p:ext>
+            </p:extLst>
           </p:nvPr>
-        </p:nvSpPr>
-        <p:spPr/>
-        <p:txBody>
-          <a:bodyPr/>
-          <a:lstStyle/>
-          <a:p>
-            <a:pPr marL="0" indent="0">
-              <a:buNone/>
-            </a:pPr>
-            <a:r>
-              <a:rPr lang="en-US" altLang="zh-TW" dirty="0" smtClean="0"/>
-              <a:t>	K-Means</a:t>
-            </a:r>
-            <a:r>
-              <a:rPr lang="zh-TW" altLang="en-US" dirty="0" smtClean="0"/>
-              <a:t>為非監督式學習，於一開始設定分為</a:t>
-            </a:r>
-            <a:r>
-              <a:rPr lang="en-US" altLang="zh-TW" dirty="0" smtClean="0"/>
-              <a:t>K</a:t>
-            </a:r>
-            <a:r>
-              <a:rPr lang="zh-TW" altLang="en-US" dirty="0" smtClean="0"/>
-              <a:t>群，並隨機找</a:t>
-            </a:r>
-            <a:r>
-              <a:rPr lang="en-US" altLang="zh-TW" dirty="0" smtClean="0"/>
-              <a:t>K</a:t>
-            </a:r>
-            <a:r>
-              <a:rPr lang="zh-TW" altLang="en-US" dirty="0"/>
-              <a:t>個點</a:t>
-            </a:r>
-            <a:r>
-              <a:rPr lang="zh-TW" altLang="en-US" dirty="0" smtClean="0"/>
-              <a:t>，並重複計算直到每</a:t>
-            </a:r>
-            <a:r>
-              <a:rPr lang="zh-TW" altLang="en-US" dirty="0"/>
-              <a:t>個點都屬於離他最近的均值（此即群集中心）對應的</a:t>
-            </a:r>
-            <a:r>
-              <a:rPr lang="zh-TW" altLang="en-US" dirty="0" smtClean="0"/>
-              <a:t>群集。</a:t>
-            </a:r>
-            <a:endParaRPr lang="zh-TW" altLang="en-US" dirty="0"/>
-          </a:p>
-        </p:txBody>
-      </p:sp>
-      <p:pic>
-        <p:nvPicPr>
-          <p:cNvPr id="8" name="圖片 7"/>
-          <p:cNvPicPr>
-            <a:picLocks noChangeAspect="1"/>
-          </p:cNvPicPr>
-          <p:nvPr/>
-        </p:nvPicPr>
-        <p:blipFill>
-          <a:blip r:embed="rId2"/>
-          <a:stretch>
-            <a:fillRect/>
-          </a:stretch>
-        </p:blipFill>
-        <p:spPr>
-          <a:xfrm>
-            <a:off x="2943400" y="2821924"/>
-            <a:ext cx="6305199" cy="3165654"/>
-          </a:xfrm>
-          <a:prstGeom prst="rect">
-            <a:avLst/>
-          </a:prstGeom>
-        </p:spPr>
-      </p:pic>
+        </p:nvGraphicFramePr>
+        <p:xfrm>
+          <a:off x="1066800" y="1700808"/>
+          <a:ext cx="10285784" cy="4392488"/>
+        </p:xfrm>
+        <a:graphic>
+          <a:graphicData uri="http://schemas.openxmlformats.org/drawingml/2006/diagram">
+            <dgm:relIds xmlns:dgm="http://schemas.openxmlformats.org/drawingml/2006/diagram" xmlns:r="http://schemas.openxmlformats.org/officeDocument/2006/relationships" r:dm="rId2" r:lo="rId3" r:qs="rId4" r:cs="rId5"/>
+          </a:graphicData>
+        </a:graphic>
+      </p:graphicFrame>
     </p:spTree>
     <p:extLst>
       <p:ext uri="{BB962C8B-B14F-4D97-AF65-F5344CB8AC3E}">
@@ -7017,92 +9879,110 @@
         </p:nvSpPr>
         <p:spPr>
           <a:xfrm>
-            <a:off x="7924800" y="838200"/>
-            <a:ext cx="3276600" cy="2133600"/>
+            <a:off x="1066800" y="836712"/>
+            <a:ext cx="2148880" cy="611088"/>
           </a:xfrm>
         </p:spPr>
         <p:txBody>
-          <a:bodyPr rtlCol="0"/>
+          <a:bodyPr>
+            <a:normAutofit fontScale="90000"/>
+          </a:bodyPr>
           <a:lstStyle/>
           <a:p>
-            <a:pPr rtl="0"/>
-            <a:r>
-              <a:rPr lang="zh-TW" altLang="en-US" b="1" dirty="0" smtClean="0">
-                <a:latin typeface="Arial" panose="020B0604020202020204" pitchFamily="34" charset="0"/>
-                <a:ea typeface="微軟正黑體" panose="020B0604030504040204" pitchFamily="34" charset="-120"/>
-                <a:sym typeface="Arial" panose="020B0604020202020204" pitchFamily="34" charset="0"/>
-              </a:rPr>
-              <a:t>含標題的內容版面配置</a:t>
-            </a:r>
-            <a:endParaRPr lang="zh-TW" altLang="en-US" b="1" dirty="0">
-              <a:latin typeface="Arial" panose="020B0604020202020204" pitchFamily="34" charset="0"/>
-              <a:ea typeface="微軟正黑體" panose="020B0604030504040204" pitchFamily="34" charset="-120"/>
-              <a:sym typeface="Arial" panose="020B0604020202020204" pitchFamily="34" charset="0"/>
-            </a:endParaRPr>
+            <a:r>
+              <a:rPr lang="en-US" altLang="zh-TW" dirty="0" smtClean="0"/>
+              <a:t>K-Means</a:t>
+            </a:r>
+            <a:endParaRPr lang="zh-TW" altLang="en-US" dirty="0"/>
           </a:p>
         </p:txBody>
       </p:sp>
-      <p:graphicFrame>
-        <p:nvGraphicFramePr>
-          <p:cNvPr id="10" name="內容預留位置 9" descr="顯示由 3 種數列值所組成 4 種類別的群組直條圖"/>
-          <p:cNvGraphicFramePr>
-            <a:graphicFrameLocks noGrp="1"/>
-          </p:cNvGraphicFramePr>
-          <p:nvPr>
-            <p:ph idx="1"/>
-            <p:extLst>
-              <p:ext uri="{D42A27DB-BD31-4B8C-83A1-F6EECF244321}">
-                <p14:modId xmlns:p14="http://schemas.microsoft.com/office/powerpoint/2010/main" val="3412471364"/>
-              </p:ext>
-            </p:extLst>
-          </p:nvPr>
-        </p:nvGraphicFramePr>
-        <p:xfrm>
-          <a:off x="609600" y="838200"/>
-          <a:ext cx="6172200" cy="5181600"/>
-        </p:xfrm>
-        <a:graphic>
-          <a:graphicData uri="http://schemas.openxmlformats.org/drawingml/2006/chart">
-            <c:chart xmlns:c="http://schemas.openxmlformats.org/drawingml/2006/chart" xmlns:r="http://schemas.openxmlformats.org/officeDocument/2006/relationships" r:id="rId3"/>
-          </a:graphicData>
-        </a:graphic>
-      </p:graphicFrame>
       <p:sp>
         <p:nvSpPr>
-          <p:cNvPr id="4" name="文字預留位置 3"/>
+          <p:cNvPr id="3" name="內容版面配置區 2"/>
           <p:cNvSpPr>
             <a:spLocks noGrp="1"/>
           </p:cNvSpPr>
           <p:nvPr>
-            <p:ph type="body" sz="half" idx="2"/>
+            <p:ph idx="1"/>
           </p:nvPr>
         </p:nvSpPr>
         <p:spPr/>
         <p:txBody>
-          <a:bodyPr rtlCol="0"/>
+          <a:bodyPr/>
           <a:lstStyle/>
           <a:p>
-            <a:pPr rtl="0"/>
-            <a:r>
-              <a:rPr lang="zh-TW" altLang="en-US" b="0" dirty="0" smtClean="0">
-                <a:latin typeface="Arial" panose="020B0604020202020204" pitchFamily="34" charset="0"/>
-                <a:ea typeface="微軟正黑體" panose="020B0604030504040204" pitchFamily="34" charset="-120"/>
-                <a:sym typeface="Arial" panose="020B0604020202020204" pitchFamily="34" charset="0"/>
-              </a:rPr>
-              <a:t>標題</a:t>
-            </a:r>
-            <a:endParaRPr lang="zh-TW" altLang="en-US" b="0" dirty="0">
-              <a:latin typeface="Arial" panose="020B0604020202020204" pitchFamily="34" charset="0"/>
-              <a:ea typeface="微軟正黑體" panose="020B0604030504040204" pitchFamily="34" charset="-120"/>
-              <a:sym typeface="Arial" panose="020B0604020202020204" pitchFamily="34" charset="0"/>
-            </a:endParaRPr>
+            <a:pPr marL="0" indent="0">
+              <a:buNone/>
+            </a:pPr>
+            <a:r>
+              <a:rPr lang="en-US" altLang="zh-TW" dirty="0" smtClean="0"/>
+              <a:t>	K-Means</a:t>
+            </a:r>
+            <a:r>
+              <a:rPr lang="zh-TW" altLang="en-US" dirty="0" smtClean="0"/>
+              <a:t>為非監督式學習，於一開始設定分為</a:t>
+            </a:r>
+            <a:r>
+              <a:rPr lang="en-US" altLang="zh-TW" dirty="0" smtClean="0"/>
+              <a:t>K</a:t>
+            </a:r>
+            <a:r>
+              <a:rPr lang="zh-TW" altLang="en-US" dirty="0" smtClean="0"/>
+              <a:t>群，並隨機找</a:t>
+            </a:r>
+            <a:r>
+              <a:rPr lang="en-US" altLang="zh-TW" dirty="0" smtClean="0"/>
+              <a:t>K</a:t>
+            </a:r>
+            <a:r>
+              <a:rPr lang="zh-TW" altLang="en-US" dirty="0"/>
+              <a:t>個點</a:t>
+            </a:r>
+            <a:r>
+              <a:rPr lang="zh-TW" altLang="en-US" dirty="0" smtClean="0"/>
+              <a:t>，並重複計算直到每</a:t>
+            </a:r>
+            <a:r>
+              <a:rPr lang="zh-TW" altLang="en-US" dirty="0"/>
+              <a:t>個點都屬於離他最近的均值（此即群集中心）對應的</a:t>
+            </a:r>
+            <a:r>
+              <a:rPr lang="zh-TW" altLang="en-US" dirty="0" smtClean="0"/>
+              <a:t>群集。</a:t>
+            </a:r>
+            <a:endParaRPr lang="zh-TW" altLang="en-US" dirty="0"/>
           </a:p>
         </p:txBody>
       </p:sp>
+      <p:pic>
+        <p:nvPicPr>
+          <p:cNvPr id="8" name="圖片 7"/>
+          <p:cNvPicPr>
+            <a:picLocks noChangeAspect="1"/>
+          </p:cNvPicPr>
+          <p:nvPr/>
+        </p:nvPicPr>
+        <p:blipFill>
+          <a:blip r:embed="rId2"/>
+          <a:stretch>
+            <a:fillRect/>
+          </a:stretch>
+        </p:blipFill>
+        <p:spPr>
+          <a:xfrm>
+            <a:off x="2943400" y="2821924"/>
+            <a:ext cx="6305199" cy="3165654"/>
+          </a:xfrm>
+          <a:prstGeom prst="rect">
+            <a:avLst/>
+          </a:prstGeom>
+        </p:spPr>
+      </p:pic>
     </p:spTree>
     <p:extLst>
       <p:ext uri="{BB962C8B-B14F-4D97-AF65-F5344CB8AC3E}">
-        <p14:creationId xmlns:p14="http://schemas.microsoft.com/office/powerpoint/2010/main" val="1949577601"/>
+        <p14:creationId xmlns:p14="http://schemas.microsoft.com/office/powerpoint/2010/main" val="2534403037"/>
       </p:ext>
     </p:extLst>
   </p:cSld>
@@ -7121,13 +10001,6 @@
       </p:transition>
     </mc:Fallback>
   </mc:AlternateContent>
-  <p:timing>
-    <p:tnLst>
-      <p:par>
-        <p:cTn id="1" dur="indefinite" restart="never" nodeType="tmRoot"/>
-      </p:par>
-    </p:tnLst>
-  </p:timing>
 </p:sld>
 </file>
 
@@ -7150,490 +10023,44 @@
       </p:grpSpPr>
       <p:sp>
         <p:nvSpPr>
-          <p:cNvPr id="2" name="標題 1"/>
-          <p:cNvSpPr>
-            <a:spLocks noGrp="1"/>
-          </p:cNvSpPr>
-          <p:nvPr>
-            <p:ph type="title"/>
-          </p:nvPr>
+          <p:cNvPr id="2" name="文字方塊 1"/>
+          <p:cNvSpPr txBox="1"/>
+          <p:nvPr/>
         </p:nvSpPr>
-        <p:spPr/>
+        <p:spPr>
+          <a:xfrm>
+            <a:off x="4205790" y="2204864"/>
+            <a:ext cx="3780420" cy="1446550"/>
+          </a:xfrm>
+          <a:prstGeom prst="rect">
+            <a:avLst/>
+          </a:prstGeom>
+          <a:noFill/>
+        </p:spPr>
         <p:txBody>
-          <a:bodyPr rtlCol="0"/>
+          <a:bodyPr wrap="square" rtlCol="0">
+            <a:spAutoFit/>
+          </a:bodyPr>
           <a:lstStyle/>
           <a:p>
-            <a:pPr rtl="0"/>
-            <a:r>
-              <a:rPr lang="zh-TW" altLang="en-US" b="1" dirty="0" smtClean="0">
+            <a:r>
+              <a:rPr lang="en-US" altLang="zh-TW" sz="8800" b="1" dirty="0" smtClean="0">
                 <a:latin typeface="微軟正黑體" panose="020B0604030504040204" pitchFamily="34" charset="-120"/>
                 <a:ea typeface="微軟正黑體" panose="020B0604030504040204" pitchFamily="34" charset="-120"/>
-                <a:sym typeface="Arial" panose="020B0604020202020204" pitchFamily="34" charset="0"/>
               </a:rPr>
-              <a:t>含表格的兩個內容版面配置</a:t>
-            </a:r>
-            <a:endParaRPr lang="zh-TW" altLang="en-US" b="1" dirty="0">
+              <a:t>DEMO</a:t>
+            </a:r>
+            <a:endParaRPr lang="zh-TW" altLang="en-US" sz="8800" b="1" dirty="0">
               <a:latin typeface="微軟正黑體" panose="020B0604030504040204" pitchFamily="34" charset="-120"/>
               <a:ea typeface="微軟正黑體" panose="020B0604030504040204" pitchFamily="34" charset="-120"/>
-              <a:sym typeface="Arial" panose="020B0604020202020204" pitchFamily="34" charset="0"/>
             </a:endParaRPr>
           </a:p>
         </p:txBody>
       </p:sp>
-      <p:sp>
-        <p:nvSpPr>
-          <p:cNvPr id="3" name="內容預留位置 2"/>
-          <p:cNvSpPr>
-            <a:spLocks noGrp="1"/>
-          </p:cNvSpPr>
-          <p:nvPr>
-            <p:ph sz="half" idx="1"/>
-          </p:nvPr>
-        </p:nvSpPr>
-        <p:spPr/>
-        <p:txBody>
-          <a:bodyPr rtlCol="0"/>
-          <a:lstStyle/>
-          <a:p>
-            <a:pPr rtl="0"/>
-            <a:r>
-              <a:rPr lang="zh-TW" altLang="en-US" b="0" dirty="0" smtClean="0">
-                <a:latin typeface="微軟正黑體" panose="020B0604030504040204" pitchFamily="34" charset="-120"/>
-                <a:ea typeface="微軟正黑體" panose="020B0604030504040204" pitchFamily="34" charset="-120"/>
-                <a:sym typeface="Arial" panose="020B0604020202020204" pitchFamily="34" charset="0"/>
-              </a:rPr>
-              <a:t>第一個項目符號</a:t>
-            </a:r>
-          </a:p>
-          <a:p>
-            <a:pPr rtl="0"/>
-            <a:r>
-              <a:rPr lang="zh-TW" altLang="en-US" b="0" dirty="0" smtClean="0">
-                <a:latin typeface="微軟正黑體" panose="020B0604030504040204" pitchFamily="34" charset="-120"/>
-                <a:ea typeface="微軟正黑體" panose="020B0604030504040204" pitchFamily="34" charset="-120"/>
-                <a:sym typeface="Arial" panose="020B0604020202020204" pitchFamily="34" charset="0"/>
-              </a:rPr>
-              <a:t>第二個項目符號</a:t>
-            </a:r>
-          </a:p>
-          <a:p>
-            <a:pPr rtl="0"/>
-            <a:r>
-              <a:rPr lang="zh-TW" altLang="en-US" b="0" dirty="0" smtClean="0">
-                <a:latin typeface="微軟正黑體" panose="020B0604030504040204" pitchFamily="34" charset="-120"/>
-                <a:ea typeface="微軟正黑體" panose="020B0604030504040204" pitchFamily="34" charset="-120"/>
-                <a:sym typeface="Arial" panose="020B0604020202020204" pitchFamily="34" charset="0"/>
-              </a:rPr>
-              <a:t>第三個項目符號</a:t>
-            </a:r>
-            <a:endParaRPr lang="zh-TW" altLang="en-US" b="0" dirty="0">
-              <a:latin typeface="微軟正黑體" panose="020B0604030504040204" pitchFamily="34" charset="-120"/>
-              <a:ea typeface="微軟正黑體" panose="020B0604030504040204" pitchFamily="34" charset="-120"/>
-              <a:sym typeface="Arial" panose="020B0604020202020204" pitchFamily="34" charset="0"/>
-            </a:endParaRPr>
-          </a:p>
-        </p:txBody>
-      </p:sp>
-      <p:graphicFrame>
-        <p:nvGraphicFramePr>
-          <p:cNvPr id="5" name="內容預留位置 4"/>
-          <p:cNvGraphicFramePr>
-            <a:graphicFrameLocks noGrp="1"/>
-          </p:cNvGraphicFramePr>
-          <p:nvPr>
-            <p:ph sz="half" idx="2"/>
-            <p:extLst>
-              <p:ext uri="{D42A27DB-BD31-4B8C-83A1-F6EECF244321}">
-                <p14:modId xmlns:p14="http://schemas.microsoft.com/office/powerpoint/2010/main" val="3482945573"/>
-              </p:ext>
-            </p:extLst>
-          </p:nvPr>
-        </p:nvGraphicFramePr>
-        <p:xfrm>
-          <a:off x="6278563" y="1676400"/>
-          <a:ext cx="4846638" cy="2209800"/>
-        </p:xfrm>
-        <a:graphic>
-          <a:graphicData uri="http://schemas.openxmlformats.org/drawingml/2006/table">
-            <a:tbl>
-              <a:tblPr firstRow="1" bandRow="1">
-                <a:tableStyleId>{0E3FDE45-AF77-4B5C-9715-49D594BDF05E}</a:tableStyleId>
-              </a:tblPr>
-              <a:tblGrid>
-                <a:gridCol w="1615546">
-                  <a:extLst>
-                    <a:ext uri="{9D8B030D-6E8A-4147-A177-3AD203B41FA5}">
-                      <a16:colId xmlns:a16="http://schemas.microsoft.com/office/drawing/2014/main" val="20000"/>
-                    </a:ext>
-                  </a:extLst>
-                </a:gridCol>
-                <a:gridCol w="1615546">
-                  <a:extLst>
-                    <a:ext uri="{9D8B030D-6E8A-4147-A177-3AD203B41FA5}">
-                      <a16:colId xmlns:a16="http://schemas.microsoft.com/office/drawing/2014/main" val="20001"/>
-                    </a:ext>
-                  </a:extLst>
-                </a:gridCol>
-                <a:gridCol w="1615546">
-                  <a:extLst>
-                    <a:ext uri="{9D8B030D-6E8A-4147-A177-3AD203B41FA5}">
-                      <a16:colId xmlns:a16="http://schemas.microsoft.com/office/drawing/2014/main" val="20002"/>
-                    </a:ext>
-                  </a:extLst>
-                </a:gridCol>
-              </a:tblGrid>
-              <a:tr h="552450">
-                <a:tc>
-                  <a:txBody>
-                    <a:bodyPr/>
-                    <a:lstStyle/>
-                    <a:p>
-                      <a:pPr algn="ctr" rtl="0"/>
-                      <a:r>
-                        <a:rPr lang="zh-TW" altLang="en-US" b="1" dirty="0" smtClean="0">
-                          <a:latin typeface="微軟正黑體" panose="020B0604030504040204" pitchFamily="34" charset="-120"/>
-                          <a:ea typeface="微軟正黑體" panose="020B0604030504040204" pitchFamily="34" charset="-120"/>
-                          <a:sym typeface="Arial" panose="020B0604020202020204" pitchFamily="34" charset="0"/>
-                        </a:rPr>
-                        <a:t>類別</a:t>
-                      </a:r>
-                      <a:endParaRPr lang="zh-TW" altLang="en-US" b="1" dirty="0">
-                        <a:latin typeface="微軟正黑體" panose="020B0604030504040204" pitchFamily="34" charset="-120"/>
-                        <a:ea typeface="微軟正黑體" panose="020B0604030504040204" pitchFamily="34" charset="-120"/>
-                        <a:sym typeface="Arial" panose="020B0604020202020204" pitchFamily="34" charset="0"/>
-                      </a:endParaRPr>
-                    </a:p>
-                  </a:txBody>
-                  <a:tcPr anchor="ctr"/>
-                </a:tc>
-                <a:tc>
-                  <a:txBody>
-                    <a:bodyPr/>
-                    <a:lstStyle/>
-                    <a:p>
-                      <a:pPr algn="ctr" rtl="0"/>
-                      <a:r>
-                        <a:rPr lang="zh-TW" altLang="en-US" b="1" dirty="0" smtClean="0">
-                          <a:latin typeface="微軟正黑體" panose="020B0604030504040204" pitchFamily="34" charset="-120"/>
-                          <a:ea typeface="微軟正黑體" panose="020B0604030504040204" pitchFamily="34" charset="-120"/>
-                          <a:sym typeface="Arial" panose="020B0604020202020204" pitchFamily="34" charset="0"/>
-                        </a:rPr>
-                        <a:t>群組 </a:t>
-                      </a:r>
-                      <a:r>
-                        <a:rPr lang="en-US" altLang="zh-TW" b="1" dirty="0" smtClean="0">
-                          <a:latin typeface="微軟正黑體" panose="020B0604030504040204" pitchFamily="34" charset="-120"/>
-                          <a:ea typeface="微軟正黑體" panose="020B0604030504040204" pitchFamily="34" charset="-120"/>
-                          <a:sym typeface="Arial" panose="020B0604020202020204" pitchFamily="34" charset="0"/>
-                        </a:rPr>
-                        <a:t>1</a:t>
-                      </a:r>
-                      <a:endParaRPr lang="zh-TW" altLang="en-US" b="1" dirty="0">
-                        <a:latin typeface="微軟正黑體" panose="020B0604030504040204" pitchFamily="34" charset="-120"/>
-                        <a:ea typeface="微軟正黑體" panose="020B0604030504040204" pitchFamily="34" charset="-120"/>
-                        <a:sym typeface="Arial" panose="020B0604020202020204" pitchFamily="34" charset="0"/>
-                      </a:endParaRPr>
-                    </a:p>
-                  </a:txBody>
-                  <a:tcPr anchor="ctr"/>
-                </a:tc>
-                <a:tc>
-                  <a:txBody>
-                    <a:bodyPr/>
-                    <a:lstStyle/>
-                    <a:p>
-                      <a:pPr algn="ctr" rtl="0"/>
-                      <a:r>
-                        <a:rPr lang="zh-TW" altLang="en-US" b="1" dirty="0" smtClean="0">
-                          <a:latin typeface="微軟正黑體" panose="020B0604030504040204" pitchFamily="34" charset="-120"/>
-                          <a:ea typeface="微軟正黑體" panose="020B0604030504040204" pitchFamily="34" charset="-120"/>
-                          <a:sym typeface="Arial" panose="020B0604020202020204" pitchFamily="34" charset="0"/>
-                        </a:rPr>
-                        <a:t>群組 </a:t>
-                      </a:r>
-                      <a:r>
-                        <a:rPr lang="en-US" altLang="zh-TW" b="1" dirty="0" smtClean="0">
-                          <a:latin typeface="微軟正黑體" panose="020B0604030504040204" pitchFamily="34" charset="-120"/>
-                          <a:ea typeface="微軟正黑體" panose="020B0604030504040204" pitchFamily="34" charset="-120"/>
-                          <a:sym typeface="Arial" panose="020B0604020202020204" pitchFamily="34" charset="0"/>
-                        </a:rPr>
-                        <a:t>2</a:t>
-                      </a:r>
-                      <a:endParaRPr lang="zh-TW" altLang="en-US" b="1" dirty="0">
-                        <a:latin typeface="微軟正黑體" panose="020B0604030504040204" pitchFamily="34" charset="-120"/>
-                        <a:ea typeface="微軟正黑體" panose="020B0604030504040204" pitchFamily="34" charset="-120"/>
-                        <a:sym typeface="Arial" panose="020B0604020202020204" pitchFamily="34" charset="0"/>
-                      </a:endParaRPr>
-                    </a:p>
-                  </a:txBody>
-                  <a:tcPr anchor="ctr"/>
-                </a:tc>
-                <a:extLst>
-                  <a:ext uri="{0D108BD9-81ED-4DB2-BD59-A6C34878D82A}">
-                    <a16:rowId xmlns:a16="http://schemas.microsoft.com/office/drawing/2014/main" val="10000"/>
-                  </a:ext>
-                </a:extLst>
-              </a:tr>
-              <a:tr h="552450">
-                <a:tc>
-                  <a:txBody>
-                    <a:bodyPr/>
-                    <a:lstStyle/>
-                    <a:p>
-                      <a:pPr algn="ctr" rtl="0"/>
-                      <a:r>
-                        <a:rPr lang="zh-TW" altLang="en-US" b="0" dirty="0" smtClean="0">
-                          <a:latin typeface="微軟正黑體" panose="020B0604030504040204" pitchFamily="34" charset="-120"/>
-                          <a:ea typeface="微軟正黑體" panose="020B0604030504040204" pitchFamily="34" charset="-120"/>
-                          <a:sym typeface="Arial" panose="020B0604020202020204" pitchFamily="34" charset="0"/>
-                        </a:rPr>
-                        <a:t>類別 </a:t>
-                      </a:r>
-                      <a:r>
-                        <a:rPr lang="en-US" altLang="zh-TW" b="0" dirty="0" smtClean="0">
-                          <a:latin typeface="微軟正黑體" panose="020B0604030504040204" pitchFamily="34" charset="-120"/>
-                          <a:ea typeface="微軟正黑體" panose="020B0604030504040204" pitchFamily="34" charset="-120"/>
-                          <a:sym typeface="Arial" panose="020B0604020202020204" pitchFamily="34" charset="0"/>
-                        </a:rPr>
-                        <a:t>1</a:t>
-                      </a:r>
-                      <a:endParaRPr lang="zh-TW" altLang="en-US" b="0" dirty="0">
-                        <a:latin typeface="微軟正黑體" panose="020B0604030504040204" pitchFamily="34" charset="-120"/>
-                        <a:ea typeface="微軟正黑體" panose="020B0604030504040204" pitchFamily="34" charset="-120"/>
-                        <a:sym typeface="Arial" panose="020B0604020202020204" pitchFamily="34" charset="0"/>
-                      </a:endParaRPr>
-                    </a:p>
-                  </a:txBody>
-                  <a:tcPr anchor="ctr"/>
-                </a:tc>
-                <a:tc>
-                  <a:txBody>
-                    <a:bodyPr/>
-                    <a:lstStyle/>
-                    <a:p>
-                      <a:pPr algn="ctr" rtl="0"/>
-                      <a:r>
-                        <a:rPr lang="en-US" altLang="zh-TW" b="0" dirty="0" smtClean="0">
-                          <a:latin typeface="微軟正黑體" panose="020B0604030504040204" pitchFamily="34" charset="-120"/>
-                          <a:ea typeface="微軟正黑體" panose="020B0604030504040204" pitchFamily="34" charset="-120"/>
-                          <a:sym typeface="Arial" panose="020B0604020202020204" pitchFamily="34" charset="0"/>
-                        </a:rPr>
-                        <a:t>82</a:t>
-                      </a:r>
-                      <a:endParaRPr lang="zh-TW" altLang="en-US" b="0" dirty="0">
-                        <a:latin typeface="微軟正黑體" panose="020B0604030504040204" pitchFamily="34" charset="-120"/>
-                        <a:ea typeface="微軟正黑體" panose="020B0604030504040204" pitchFamily="34" charset="-120"/>
-                        <a:sym typeface="Arial" panose="020B0604020202020204" pitchFamily="34" charset="0"/>
-                      </a:endParaRPr>
-                    </a:p>
-                  </a:txBody>
-                  <a:tcPr anchor="ctr"/>
-                </a:tc>
-                <a:tc>
-                  <a:txBody>
-                    <a:bodyPr/>
-                    <a:lstStyle/>
-                    <a:p>
-                      <a:pPr algn="ctr" rtl="0"/>
-                      <a:r>
-                        <a:rPr lang="en-US" altLang="zh-TW" b="0" dirty="0" smtClean="0">
-                          <a:latin typeface="微軟正黑體" panose="020B0604030504040204" pitchFamily="34" charset="-120"/>
-                          <a:ea typeface="微軟正黑體" panose="020B0604030504040204" pitchFamily="34" charset="-120"/>
-                          <a:sym typeface="Arial" panose="020B0604020202020204" pitchFamily="34" charset="0"/>
-                        </a:rPr>
-                        <a:t>95</a:t>
-                      </a:r>
-                      <a:endParaRPr lang="zh-TW" altLang="en-US" b="0" dirty="0">
-                        <a:latin typeface="微軟正黑體" panose="020B0604030504040204" pitchFamily="34" charset="-120"/>
-                        <a:ea typeface="微軟正黑體" panose="020B0604030504040204" pitchFamily="34" charset="-120"/>
-                        <a:sym typeface="Arial" panose="020B0604020202020204" pitchFamily="34" charset="0"/>
-                      </a:endParaRPr>
-                    </a:p>
-                  </a:txBody>
-                  <a:tcPr anchor="ctr"/>
-                </a:tc>
-                <a:extLst>
-                  <a:ext uri="{0D108BD9-81ED-4DB2-BD59-A6C34878D82A}">
-                    <a16:rowId xmlns:a16="http://schemas.microsoft.com/office/drawing/2014/main" val="10001"/>
-                  </a:ext>
-                </a:extLst>
-              </a:tr>
-              <a:tr h="552450">
-                <a:tc>
-                  <a:txBody>
-                    <a:bodyPr/>
-                    <a:lstStyle/>
-                    <a:p>
-                      <a:pPr algn="ctr" rtl="0"/>
-                      <a:r>
-                        <a:rPr lang="zh-TW" altLang="en-US" b="0" dirty="0">
-                          <a:latin typeface="微軟正黑體" panose="020B0604030504040204" pitchFamily="34" charset="-120"/>
-                          <a:ea typeface="微軟正黑體" panose="020B0604030504040204" pitchFamily="34" charset="-120"/>
-                          <a:sym typeface="Arial" panose="020B0604020202020204" pitchFamily="34" charset="0"/>
-                        </a:rPr>
-                        <a:t>類別 </a:t>
-                      </a:r>
-                      <a:r>
-                        <a:rPr lang="en-US" altLang="zh-TW" b="0" dirty="0">
-                          <a:latin typeface="微軟正黑體" panose="020B0604030504040204" pitchFamily="34" charset="-120"/>
-                          <a:ea typeface="微軟正黑體" panose="020B0604030504040204" pitchFamily="34" charset="-120"/>
-                          <a:sym typeface="Arial" panose="020B0604020202020204" pitchFamily="34" charset="0"/>
-                        </a:rPr>
-                        <a:t>2</a:t>
-                      </a:r>
-                      <a:endParaRPr lang="zh-TW" altLang="en-US" b="0" dirty="0">
-                        <a:latin typeface="微軟正黑體" panose="020B0604030504040204" pitchFamily="34" charset="-120"/>
-                        <a:ea typeface="微軟正黑體" panose="020B0604030504040204" pitchFamily="34" charset="-120"/>
-                        <a:sym typeface="Arial" panose="020B0604020202020204" pitchFamily="34" charset="0"/>
-                      </a:endParaRPr>
-                    </a:p>
-                  </a:txBody>
-                  <a:tcPr anchor="ctr"/>
-                </a:tc>
-                <a:tc>
-                  <a:txBody>
-                    <a:bodyPr/>
-                    <a:lstStyle/>
-                    <a:p>
-                      <a:pPr algn="ctr" rtl="0"/>
-                      <a:r>
-                        <a:rPr lang="en-US" altLang="zh-TW" b="0" dirty="0" smtClean="0">
-                          <a:latin typeface="微軟正黑體" panose="020B0604030504040204" pitchFamily="34" charset="-120"/>
-                          <a:ea typeface="微軟正黑體" panose="020B0604030504040204" pitchFamily="34" charset="-120"/>
-                          <a:sym typeface="Arial" panose="020B0604020202020204" pitchFamily="34" charset="0"/>
-                        </a:rPr>
-                        <a:t>76</a:t>
-                      </a:r>
-                      <a:endParaRPr lang="zh-TW" altLang="en-US" b="0" dirty="0">
-                        <a:latin typeface="微軟正黑體" panose="020B0604030504040204" pitchFamily="34" charset="-120"/>
-                        <a:ea typeface="微軟正黑體" panose="020B0604030504040204" pitchFamily="34" charset="-120"/>
-                        <a:sym typeface="Arial" panose="020B0604020202020204" pitchFamily="34" charset="0"/>
-                      </a:endParaRPr>
-                    </a:p>
-                  </a:txBody>
-                  <a:tcPr anchor="ctr"/>
-                </a:tc>
-                <a:tc>
-                  <a:txBody>
-                    <a:bodyPr/>
-                    <a:lstStyle/>
-                    <a:p>
-                      <a:pPr algn="ctr" rtl="0"/>
-                      <a:r>
-                        <a:rPr lang="en-US" altLang="zh-TW" b="0" dirty="0" smtClean="0">
-                          <a:latin typeface="微軟正黑體" panose="020B0604030504040204" pitchFamily="34" charset="-120"/>
-                          <a:ea typeface="微軟正黑體" panose="020B0604030504040204" pitchFamily="34" charset="-120"/>
-                          <a:sym typeface="Arial" panose="020B0604020202020204" pitchFamily="34" charset="0"/>
-                        </a:rPr>
-                        <a:t>88</a:t>
-                      </a:r>
-                      <a:endParaRPr lang="zh-TW" altLang="en-US" b="0" dirty="0">
-                        <a:latin typeface="微軟正黑體" panose="020B0604030504040204" pitchFamily="34" charset="-120"/>
-                        <a:ea typeface="微軟正黑體" panose="020B0604030504040204" pitchFamily="34" charset="-120"/>
-                        <a:sym typeface="Arial" panose="020B0604020202020204" pitchFamily="34" charset="0"/>
-                      </a:endParaRPr>
-                    </a:p>
-                  </a:txBody>
-                  <a:tcPr anchor="ctr"/>
-                </a:tc>
-                <a:extLst>
-                  <a:ext uri="{0D108BD9-81ED-4DB2-BD59-A6C34878D82A}">
-                    <a16:rowId xmlns:a16="http://schemas.microsoft.com/office/drawing/2014/main" val="10002"/>
-                  </a:ext>
-                </a:extLst>
-              </a:tr>
-              <a:tr h="552450">
-                <a:tc>
-                  <a:txBody>
-                    <a:bodyPr/>
-                    <a:lstStyle/>
-                    <a:p>
-                      <a:pPr algn="ctr" rtl="0"/>
-                      <a:r>
-                        <a:rPr lang="zh-TW" altLang="en-US" b="0" dirty="0" smtClean="0">
-                          <a:latin typeface="微軟正黑體" panose="020B0604030504040204" pitchFamily="34" charset="-120"/>
-                          <a:ea typeface="微軟正黑體" panose="020B0604030504040204" pitchFamily="34" charset="-120"/>
-                          <a:sym typeface="Arial" panose="020B0604020202020204" pitchFamily="34" charset="0"/>
-                        </a:rPr>
-                        <a:t>類別 </a:t>
-                      </a:r>
-                      <a:r>
-                        <a:rPr lang="en-US" altLang="zh-TW" b="0" dirty="0" smtClean="0">
-                          <a:latin typeface="微軟正黑體" panose="020B0604030504040204" pitchFamily="34" charset="-120"/>
-                          <a:ea typeface="微軟正黑體" panose="020B0604030504040204" pitchFamily="34" charset="-120"/>
-                          <a:sym typeface="Arial" panose="020B0604020202020204" pitchFamily="34" charset="0"/>
-                        </a:rPr>
-                        <a:t>3</a:t>
-                      </a:r>
-                      <a:endParaRPr lang="zh-TW" altLang="en-US" b="0" dirty="0">
-                        <a:latin typeface="微軟正黑體" panose="020B0604030504040204" pitchFamily="34" charset="-120"/>
-                        <a:ea typeface="微軟正黑體" panose="020B0604030504040204" pitchFamily="34" charset="-120"/>
-                        <a:sym typeface="Arial" panose="020B0604020202020204" pitchFamily="34" charset="0"/>
-                      </a:endParaRPr>
-                    </a:p>
-                  </a:txBody>
-                  <a:tcPr anchor="ctr"/>
-                </a:tc>
-                <a:tc>
-                  <a:txBody>
-                    <a:bodyPr/>
-                    <a:lstStyle/>
-                    <a:p>
-                      <a:pPr algn="ctr" rtl="0"/>
-                      <a:r>
-                        <a:rPr lang="en-US" altLang="zh-TW" b="0" dirty="0" smtClean="0">
-                          <a:latin typeface="微軟正黑體" panose="020B0604030504040204" pitchFamily="34" charset="-120"/>
-                          <a:ea typeface="微軟正黑體" panose="020B0604030504040204" pitchFamily="34" charset="-120"/>
-                          <a:sym typeface="Arial" panose="020B0604020202020204" pitchFamily="34" charset="0"/>
-                        </a:rPr>
-                        <a:t>84</a:t>
-                      </a:r>
-                      <a:endParaRPr lang="zh-TW" altLang="en-US" b="0" dirty="0">
-                        <a:latin typeface="微軟正黑體" panose="020B0604030504040204" pitchFamily="34" charset="-120"/>
-                        <a:ea typeface="微軟正黑體" panose="020B0604030504040204" pitchFamily="34" charset="-120"/>
-                        <a:sym typeface="Arial" panose="020B0604020202020204" pitchFamily="34" charset="0"/>
-                      </a:endParaRPr>
-                    </a:p>
-                  </a:txBody>
-                  <a:tcPr anchor="ctr"/>
-                </a:tc>
-                <a:tc>
-                  <a:txBody>
-                    <a:bodyPr/>
-                    <a:lstStyle/>
-                    <a:p>
-                      <a:pPr algn="ctr" rtl="0"/>
-                      <a:r>
-                        <a:rPr lang="en-US" altLang="zh-TW" b="0" dirty="0" smtClean="0">
-                          <a:latin typeface="微軟正黑體" panose="020B0604030504040204" pitchFamily="34" charset="-120"/>
-                          <a:ea typeface="微軟正黑體" panose="020B0604030504040204" pitchFamily="34" charset="-120"/>
-                          <a:sym typeface="Arial" panose="020B0604020202020204" pitchFamily="34" charset="0"/>
-                        </a:rPr>
-                        <a:t>90</a:t>
-                      </a:r>
-                      <a:endParaRPr lang="zh-TW" altLang="en-US" b="0" dirty="0">
-                        <a:latin typeface="微軟正黑體" panose="020B0604030504040204" pitchFamily="34" charset="-120"/>
-                        <a:ea typeface="微軟正黑體" panose="020B0604030504040204" pitchFamily="34" charset="-120"/>
-                        <a:sym typeface="Arial" panose="020B0604020202020204" pitchFamily="34" charset="0"/>
-                      </a:endParaRPr>
-                    </a:p>
-                  </a:txBody>
-                  <a:tcPr anchor="ctr"/>
-                </a:tc>
-                <a:extLst>
-                  <a:ext uri="{0D108BD9-81ED-4DB2-BD59-A6C34878D82A}">
-                    <a16:rowId xmlns:a16="http://schemas.microsoft.com/office/drawing/2014/main" val="10003"/>
-                  </a:ext>
-                </a:extLst>
-              </a:tr>
-            </a:tbl>
-          </a:graphicData>
-        </a:graphic>
-      </p:graphicFrame>
     </p:spTree>
     <p:extLst>
       <p:ext uri="{BB962C8B-B14F-4D97-AF65-F5344CB8AC3E}">
-        <p14:creationId xmlns:p14="http://schemas.microsoft.com/office/powerpoint/2010/main" val="2598391320"/>
+        <p14:creationId xmlns:p14="http://schemas.microsoft.com/office/powerpoint/2010/main" val="2875422924"/>
       </p:ext>
     </p:extLst>
   </p:cSld>
@@ -7681,257 +10108,47 @@
       </p:grpSpPr>
       <p:sp>
         <p:nvSpPr>
-          <p:cNvPr id="2" name="標題 1"/>
-          <p:cNvSpPr>
-            <a:spLocks noGrp="1"/>
-          </p:cNvSpPr>
-          <p:nvPr>
-            <p:ph type="title"/>
-          </p:nvPr>
+          <p:cNvPr id="2" name="文字方塊 1"/>
+          <p:cNvSpPr txBox="1"/>
+          <p:nvPr/>
         </p:nvSpPr>
-        <p:spPr/>
+        <p:spPr>
+          <a:xfrm>
+            <a:off x="3755740" y="2204864"/>
+            <a:ext cx="4680520" cy="1446550"/>
+          </a:xfrm>
+          <a:prstGeom prst="rect">
+            <a:avLst/>
+          </a:prstGeom>
+          <a:noFill/>
+        </p:spPr>
         <p:txBody>
-          <a:bodyPr rtlCol="0"/>
+          <a:bodyPr wrap="square" rtlCol="0">
+            <a:spAutoFit/>
+          </a:bodyPr>
           <a:lstStyle/>
           <a:p>
-            <a:pPr rtl="0"/>
-            <a:r>
-              <a:rPr lang="zh-TW" altLang="en-US" b="1" dirty="0" smtClean="0">
+            <a:r>
+              <a:rPr lang="zh-TW" altLang="en-US" sz="8800" b="1" i="1" dirty="0" smtClean="0">
                 <a:latin typeface="微軟正黑體" panose="020B0604030504040204" pitchFamily="34" charset="-120"/>
                 <a:ea typeface="微軟正黑體" panose="020B0604030504040204" pitchFamily="34" charset="-120"/>
-                <a:sym typeface="Arial" panose="020B0604020202020204" pitchFamily="34" charset="0"/>
               </a:rPr>
-              <a:t>新增投影片標題 </a:t>
-            </a:r>
-            <a:r>
-              <a:rPr lang="en-US" altLang="zh-TW" b="1" dirty="0" smtClean="0">
+              <a:t>謝謝大</a:t>
+            </a:r>
+            <a:r>
+              <a:rPr lang="zh-TW" altLang="en-US" sz="8800" b="1" i="1" dirty="0">
                 <a:latin typeface="微軟正黑體" panose="020B0604030504040204" pitchFamily="34" charset="-120"/>
                 <a:ea typeface="微軟正黑體" panose="020B0604030504040204" pitchFamily="34" charset="-120"/>
-                <a:sym typeface="Arial" panose="020B0604020202020204" pitchFamily="34" charset="0"/>
               </a:rPr>
-              <a:t>- 1</a:t>
-            </a:r>
-            <a:endParaRPr lang="zh-TW" altLang="en-US" b="1" dirty="0">
-              <a:latin typeface="微軟正黑體" panose="020B0604030504040204" pitchFamily="34" charset="-120"/>
-              <a:ea typeface="微軟正黑體" panose="020B0604030504040204" pitchFamily="34" charset="-120"/>
-              <a:sym typeface="Arial" panose="020B0604020202020204" pitchFamily="34" charset="0"/>
-            </a:endParaRPr>
-          </a:p>
-        </p:txBody>
-      </p:sp>
-      <p:sp>
-        <p:nvSpPr>
-          <p:cNvPr id="3" name="文字預留位置 2"/>
-          <p:cNvSpPr>
-            <a:spLocks noGrp="1"/>
-          </p:cNvSpPr>
-          <p:nvPr>
-            <p:ph type="body" idx="1"/>
-          </p:nvPr>
-        </p:nvSpPr>
-        <p:spPr/>
-        <p:txBody>
-          <a:bodyPr rtlCol="0"/>
-          <a:lstStyle/>
-          <a:p>
-            <a:pPr rtl="0"/>
-            <a:endParaRPr lang="zh-TW" altLang="en-US" b="0" dirty="0">
-              <a:latin typeface="微軟正黑體" panose="020B0604030504040204" pitchFamily="34" charset="-120"/>
-              <a:ea typeface="微軟正黑體" panose="020B0604030504040204" pitchFamily="34" charset="-120"/>
-              <a:sym typeface="Arial" panose="020B0604020202020204" pitchFamily="34" charset="0"/>
-            </a:endParaRPr>
+              <a:t>家</a:t>
+            </a:r>
           </a:p>
         </p:txBody>
       </p:sp>
     </p:spTree>
     <p:extLst>
       <p:ext uri="{BB962C8B-B14F-4D97-AF65-F5344CB8AC3E}">
-        <p14:creationId xmlns:p14="http://schemas.microsoft.com/office/powerpoint/2010/main" val="2993111047"/>
-      </p:ext>
-    </p:extLst>
-  </p:cSld>
-  <p:clrMapOvr>
-    <a:masterClrMapping/>
-  </p:clrMapOvr>
-  <mc:AlternateContent xmlns:mc="http://schemas.openxmlformats.org/markup-compatibility/2006" xmlns:p14="http://schemas.microsoft.com/office/powerpoint/2010/main">
-    <mc:Choice Requires="p14">
-      <p:transition spd="med" p14:dur="700">
-        <p:fade/>
-      </p:transition>
-    </mc:Choice>
-    <mc:Fallback xmlns="">
-      <p:transition spd="med">
-        <p:fade/>
-      </p:transition>
-    </mc:Fallback>
-  </mc:AlternateContent>
-  <p:timing>
-    <p:tnLst>
-      <p:par>
-        <p:cTn id="1" dur="indefinite" restart="never" nodeType="tmRoot"/>
-      </p:par>
-    </p:tnLst>
-  </p:timing>
-</p:sld>
-</file>
-
-<file path=ppt/slides/slide9.xml><?xml version="1.0" encoding="utf-8"?>
-<p:sld xmlns:a="http://schemas.openxmlformats.org/drawingml/2006/main" xmlns:r="http://schemas.openxmlformats.org/officeDocument/2006/relationships" xmlns:p="http://schemas.openxmlformats.org/presentationml/2006/main">
-  <p:cSld>
-    <p:spTree>
-      <p:nvGrpSpPr>
-        <p:cNvPr id="1" name=""/>
-        <p:cNvGrpSpPr/>
-        <p:nvPr/>
-      </p:nvGrpSpPr>
-      <p:grpSpPr>
-        <a:xfrm>
-          <a:off x="0" y="0"/>
-          <a:ext cx="0" cy="0"/>
-          <a:chOff x="0" y="0"/>
-          <a:chExt cx="0" cy="0"/>
-        </a:xfrm>
-      </p:grpSpPr>
-      <p:sp>
-        <p:nvSpPr>
-          <p:cNvPr id="2" name="標題 1"/>
-          <p:cNvSpPr>
-            <a:spLocks noGrp="1"/>
-          </p:cNvSpPr>
-          <p:nvPr>
-            <p:ph type="title"/>
-          </p:nvPr>
-        </p:nvSpPr>
-        <p:spPr/>
-        <p:txBody>
-          <a:bodyPr rtlCol="0"/>
-          <a:lstStyle/>
-          <a:p>
-            <a:pPr rtl="0"/>
-            <a:r>
-              <a:rPr lang="zh-TW" altLang="en-US" b="1" dirty="0" smtClean="0">
-                <a:latin typeface="微軟正黑體" panose="020B0604030504040204" pitchFamily="34" charset="-120"/>
-                <a:ea typeface="微軟正黑體" panose="020B0604030504040204" pitchFamily="34" charset="-120"/>
-                <a:sym typeface="Arial" panose="020B0604020202020204" pitchFamily="34" charset="0"/>
-              </a:rPr>
-              <a:t>新增投影片標題 </a:t>
-            </a:r>
-            <a:r>
-              <a:rPr lang="en-US" altLang="zh-TW" b="1" dirty="0" smtClean="0">
-                <a:latin typeface="微軟正黑體" panose="020B0604030504040204" pitchFamily="34" charset="-120"/>
-                <a:ea typeface="微軟正黑體" panose="020B0604030504040204" pitchFamily="34" charset="-120"/>
-                <a:sym typeface="Arial" panose="020B0604020202020204" pitchFamily="34" charset="0"/>
-              </a:rPr>
-              <a:t>- 2</a:t>
-            </a:r>
-            <a:endParaRPr lang="zh-TW" altLang="en-US" b="1" dirty="0">
-              <a:latin typeface="微軟正黑體" panose="020B0604030504040204" pitchFamily="34" charset="-120"/>
-              <a:ea typeface="微軟正黑體" panose="020B0604030504040204" pitchFamily="34" charset="-120"/>
-              <a:sym typeface="Arial" panose="020B0604020202020204" pitchFamily="34" charset="0"/>
-            </a:endParaRPr>
-          </a:p>
-        </p:txBody>
-      </p:sp>
-      <p:sp>
-        <p:nvSpPr>
-          <p:cNvPr id="3" name="文字預留位置 2"/>
-          <p:cNvSpPr>
-            <a:spLocks noGrp="1"/>
-          </p:cNvSpPr>
-          <p:nvPr>
-            <p:ph type="body" idx="1"/>
-          </p:nvPr>
-        </p:nvSpPr>
-        <p:spPr/>
-        <p:txBody>
-          <a:bodyPr rtlCol="0"/>
-          <a:lstStyle/>
-          <a:p>
-            <a:pPr rtl="0"/>
-            <a:endParaRPr lang="zh-TW" altLang="en-US" dirty="0">
-              <a:latin typeface="微軟正黑體" panose="020B0604030504040204" pitchFamily="34" charset="-120"/>
-              <a:ea typeface="微軟正黑體" panose="020B0604030504040204" pitchFamily="34" charset="-120"/>
-              <a:sym typeface="Arial" panose="020B0604020202020204" pitchFamily="34" charset="0"/>
-            </a:endParaRPr>
-          </a:p>
-        </p:txBody>
-      </p:sp>
-      <p:sp>
-        <p:nvSpPr>
-          <p:cNvPr id="4" name="內容預留位置 3"/>
-          <p:cNvSpPr>
-            <a:spLocks noGrp="1"/>
-          </p:cNvSpPr>
-          <p:nvPr>
-            <p:ph sz="half" idx="2"/>
-          </p:nvPr>
-        </p:nvSpPr>
-        <p:spPr/>
-        <p:txBody>
-          <a:bodyPr rtlCol="0"/>
-          <a:lstStyle/>
-          <a:p>
-            <a:pPr rtl="0"/>
-            <a:endParaRPr lang="zh-TW" altLang="en-US" b="0" dirty="0">
-              <a:latin typeface="微軟正黑體" panose="020B0604030504040204" pitchFamily="34" charset="-120"/>
-              <a:ea typeface="微軟正黑體" panose="020B0604030504040204" pitchFamily="34" charset="-120"/>
-              <a:sym typeface="Arial" panose="020B0604020202020204" pitchFamily="34" charset="0"/>
-            </a:endParaRPr>
-          </a:p>
-        </p:txBody>
-      </p:sp>
-      <p:sp>
-        <p:nvSpPr>
-          <p:cNvPr id="5" name="文字預留位置 4"/>
-          <p:cNvSpPr>
-            <a:spLocks noGrp="1"/>
-          </p:cNvSpPr>
-          <p:nvPr>
-            <p:ph type="body" sz="quarter" idx="3"/>
-          </p:nvPr>
-        </p:nvSpPr>
-        <p:spPr/>
-        <p:txBody>
-          <a:bodyPr rtlCol="0"/>
-          <a:lstStyle/>
-          <a:p>
-            <a:pPr rtl="0"/>
-            <a:endParaRPr lang="zh-TW" altLang="en-US" dirty="0">
-              <a:latin typeface="微軟正黑體" panose="020B0604030504040204" pitchFamily="34" charset="-120"/>
-              <a:ea typeface="微軟正黑體" panose="020B0604030504040204" pitchFamily="34" charset="-120"/>
-              <a:sym typeface="Arial" panose="020B0604020202020204" pitchFamily="34" charset="0"/>
-            </a:endParaRPr>
-          </a:p>
-        </p:txBody>
-      </p:sp>
-      <p:sp>
-        <p:nvSpPr>
-          <p:cNvPr id="6" name="內容預留位置 5"/>
-          <p:cNvSpPr>
-            <a:spLocks noGrp="1"/>
-          </p:cNvSpPr>
-          <p:nvPr>
-            <p:ph sz="quarter" idx="4"/>
-          </p:nvPr>
-        </p:nvSpPr>
-        <p:spPr/>
-        <p:txBody>
-          <a:bodyPr rtlCol="0"/>
-          <a:lstStyle/>
-          <a:p>
-            <a:pPr rtl="0"/>
-            <a:endParaRPr lang="zh-TW" altLang="en-US" b="0" dirty="0">
-              <a:latin typeface="微軟正黑體" panose="020B0604030504040204" pitchFamily="34" charset="-120"/>
-              <a:ea typeface="微軟正黑體" panose="020B0604030504040204" pitchFamily="34" charset="-120"/>
-              <a:sym typeface="Arial" panose="020B0604020202020204" pitchFamily="34" charset="0"/>
-            </a:endParaRPr>
-          </a:p>
-        </p:txBody>
-      </p:sp>
-    </p:spTree>
-    <p:extLst>
-      <p:ext uri="{BB962C8B-B14F-4D97-AF65-F5344CB8AC3E}">
-        <p14:creationId xmlns:p14="http://schemas.microsoft.com/office/powerpoint/2010/main" val="4078798235"/>
+        <p14:creationId xmlns:p14="http://schemas.microsoft.com/office/powerpoint/2010/main" val="242861733"/>
       </p:ext>
     </p:extLst>
   </p:cSld>
@@ -8573,17 +10790,6 @@
 </file>
 
 <file path=customXml/item2.xml><?xml version="1.0" encoding="utf-8"?>
-<p:properties xmlns:p="http://schemas.microsoft.com/office/2006/metadata/properties" xmlns:xsi="http://www.w3.org/2001/XMLSchema-instance" xmlns:pc="http://schemas.microsoft.com/office/infopath/2007/PartnerControls">
-  <documentManagement>
-    <VSO_x0020_item_x0020_id xmlns="40262f94-9f35-4ac3-9a90-690165a166b7" xsi:nil="true"/>
-    <Assetid_x0020_ xmlns="40262f94-9f35-4ac3-9a90-690165a166b7" xsi:nil="true"/>
-    <Item_x0020_Details xmlns="40262f94-9f35-4ac3-9a90-690165a166b7" xsi:nil="true"/>
-    <Template_x0020_details xmlns="40262f94-9f35-4ac3-9a90-690165a166b7" xsi:nil="true"/>
-  </documentManagement>
-</p:properties>
-</file>
-
-<file path=customXml/item3.xml><?xml version="1.0" encoding="utf-8"?>
 <ct:contentTypeSchema xmlns:ct="http://schemas.microsoft.com/office/2006/metadata/contentType" xmlns:ma="http://schemas.microsoft.com/office/2006/metadata/properties/metaAttributes" ct:_="" ma:_="" ma:contentTypeName="Document" ma:contentTypeID="0x010100AA3F7D94069FF64A86F7DFF56D60E3BE" ma:contentTypeVersion="6" ma:contentTypeDescription="Create a new document." ma:contentTypeScope="" ma:versionID="c32302c77d4085ecf495bdddb7f5e889">
   <xsd:schema xmlns:xsd="http://www.w3.org/2001/XMLSchema" xmlns:xs="http://www.w3.org/2001/XMLSchema" xmlns:p="http://schemas.microsoft.com/office/2006/metadata/properties" xmlns:ns2="a4f35948-e619-41b3-aa29-22878b09cfd2" xmlns:ns3="40262f94-9f35-4ac3-9a90-690165a166b7" targetNamespace="http://schemas.microsoft.com/office/2006/metadata/properties" ma:root="true" ma:fieldsID="4ab5ae46be95f9d0be6107e8200be7a2" ns2:_="" ns3:_="">
     <xsd:import namespace="a4f35948-e619-41b3-aa29-22878b09cfd2"/>
@@ -8764,6 +10970,17 @@
 </ct:contentTypeSchema>
 </file>
 
+<file path=customXml/item3.xml><?xml version="1.0" encoding="utf-8"?>
+<p:properties xmlns:p="http://schemas.microsoft.com/office/2006/metadata/properties" xmlns:xsi="http://www.w3.org/2001/XMLSchema-instance" xmlns:pc="http://schemas.microsoft.com/office/infopath/2007/PartnerControls">
+  <documentManagement>
+    <VSO_x0020_item_x0020_id xmlns="40262f94-9f35-4ac3-9a90-690165a166b7" xsi:nil="true"/>
+    <Assetid_x0020_ xmlns="40262f94-9f35-4ac3-9a90-690165a166b7" xsi:nil="true"/>
+    <Item_x0020_Details xmlns="40262f94-9f35-4ac3-9a90-690165a166b7" xsi:nil="true"/>
+    <Template_x0020_details xmlns="40262f94-9f35-4ac3-9a90-690165a166b7" xsi:nil="true"/>
+  </documentManagement>
+</p:properties>
+</file>
+
 <file path=customXml/itemProps1.xml><?xml version="1.0" encoding="utf-8"?>
 <ds:datastoreItem xmlns:ds="http://schemas.openxmlformats.org/officeDocument/2006/customXml" ds:itemID="{48E42578-9CD4-4AFF-AA5E-F33052F6B6A6}">
   <ds:schemaRefs>
@@ -8773,23 +10990,6 @@
 </file>
 
 <file path=customXml/itemProps2.xml><?xml version="1.0" encoding="utf-8"?>
-<ds:datastoreItem xmlns:ds="http://schemas.openxmlformats.org/officeDocument/2006/customXml" ds:itemID="{91DDEFBA-1D7E-4587-9763-EBF5A6740E9A}">
-  <ds:schemaRefs>
-    <ds:schemaRef ds:uri="http://schemas.microsoft.com/office/2006/metadata/properties"/>
-    <ds:schemaRef ds:uri="http://www.w3.org/XML/1998/namespace"/>
-    <ds:schemaRef ds:uri="http://schemas.microsoft.com/office/2006/documentManagement/types"/>
-    <ds:schemaRef ds:uri="http://purl.org/dc/elements/1.1/"/>
-    <ds:schemaRef ds:uri="http://schemas.microsoft.com/office/infopath/2007/PartnerControls"/>
-    <ds:schemaRef ds:uri="a4f35948-e619-41b3-aa29-22878b09cfd2"/>
-    <ds:schemaRef ds:uri="http://schemas.openxmlformats.org/package/2006/metadata/core-properties"/>
-    <ds:schemaRef ds:uri="40262f94-9f35-4ac3-9a90-690165a166b7"/>
-    <ds:schemaRef ds:uri="http://purl.org/dc/dcmitype/"/>
-    <ds:schemaRef ds:uri="http://purl.org/dc/terms/"/>
-  </ds:schemaRefs>
-</ds:datastoreItem>
-</file>
-
-<file path=customXml/itemProps3.xml><?xml version="1.0" encoding="utf-8"?>
 <ds:datastoreItem xmlns:ds="http://schemas.openxmlformats.org/officeDocument/2006/customXml" ds:itemID="{5D30E8E9-C5F6-40D8-943C-DA5B4196A643}">
   <ds:schemaRefs>
     <ds:schemaRef ds:uri="http://schemas.microsoft.com/office/2006/metadata/contentType"/>
@@ -8806,4 +11006,21 @@
     <ds:schemaRef ds:uri="http://schemas.microsoft.com/internal/obd"/>
   </ds:schemaRefs>
 </ds:datastoreItem>
+</file>
+
+<file path=customXml/itemProps3.xml><?xml version="1.0" encoding="utf-8"?>
+<ds:datastoreItem xmlns:ds="http://schemas.openxmlformats.org/officeDocument/2006/customXml" ds:itemID="{91DDEFBA-1D7E-4587-9763-EBF5A6740E9A}">
+  <ds:schemaRefs>
+    <ds:schemaRef ds:uri="http://schemas.microsoft.com/office/2006/metadata/properties"/>
+    <ds:schemaRef ds:uri="http://www.w3.org/XML/1998/namespace"/>
+    <ds:schemaRef ds:uri="http://schemas.microsoft.com/office/2006/documentManagement/types"/>
+    <ds:schemaRef ds:uri="http://purl.org/dc/elements/1.1/"/>
+    <ds:schemaRef ds:uri="http://schemas.microsoft.com/office/infopath/2007/PartnerControls"/>
+    <ds:schemaRef ds:uri="a4f35948-e619-41b3-aa29-22878b09cfd2"/>
+    <ds:schemaRef ds:uri="http://schemas.openxmlformats.org/package/2006/metadata/core-properties"/>
+    <ds:schemaRef ds:uri="40262f94-9f35-4ac3-9a90-690165a166b7"/>
+    <ds:schemaRef ds:uri="http://purl.org/dc/dcmitype/"/>
+    <ds:schemaRef ds:uri="http://purl.org/dc/terms/"/>
+  </ds:schemaRefs>
+</ds:datastoreItem>
 </file>
--- a/籃球秘書.pptx
+++ b/籃球秘書.pptx
@@ -5,20 +5,21 @@
     <p:sldMasterId id="2147483648" r:id="rId4"/>
   </p:sldMasterIdLst>
   <p:notesMasterIdLst>
-    <p:notesMasterId r:id="rId13"/>
+    <p:notesMasterId r:id="rId14"/>
   </p:notesMasterIdLst>
   <p:handoutMasterIdLst>
-    <p:handoutMasterId r:id="rId14"/>
+    <p:handoutMasterId r:id="rId15"/>
   </p:handoutMasterIdLst>
   <p:sldIdLst>
     <p:sldId id="257" r:id="rId5"/>
     <p:sldId id="265" r:id="rId6"/>
     <p:sldId id="266" r:id="rId7"/>
-    <p:sldId id="272" r:id="rId8"/>
-    <p:sldId id="273" r:id="rId9"/>
-    <p:sldId id="274" r:id="rId10"/>
-    <p:sldId id="275" r:id="rId11"/>
-    <p:sldId id="271" r:id="rId12"/>
+    <p:sldId id="276" r:id="rId8"/>
+    <p:sldId id="272" r:id="rId9"/>
+    <p:sldId id="273" r:id="rId10"/>
+    <p:sldId id="274" r:id="rId11"/>
+    <p:sldId id="275" r:id="rId12"/>
+    <p:sldId id="271" r:id="rId13"/>
   </p:sldIdLst>
   <p:sldSz cx="12192000" cy="6858000"/>
   <p:notesSz cx="6858000" cy="9144000"/>
@@ -1018,7 +1019,7 @@
         <a:lstStyle/>
         <a:p>
           <a:r>
-            <a:rPr lang="zh-TW" altLang="en-US" sz="2000" dirty="0" smtClean="0">
+            <a:rPr lang="zh-TW" altLang="en-US" sz="2000" dirty="0">
               <a:solidFill>
                 <a:schemeClr val="bg1"/>
               </a:solidFill>
@@ -1026,7 +1027,7 @@
             <a:t>標準化</a:t>
           </a:r>
           <a:r>
-            <a:rPr lang="en-US" altLang="zh-TW" sz="2000" dirty="0" smtClean="0">
+            <a:rPr lang="en-US" altLang="zh-TW" sz="2000" dirty="0">
               <a:solidFill>
                 <a:schemeClr val="bg1"/>
               </a:solidFill>
@@ -1034,18 +1035,13 @@
             <a:t>D</a:t>
           </a:r>
           <a:r>
-            <a:rPr lang="zh-TW" altLang="en-US" sz="2000" dirty="0" smtClean="0">
+            <a:rPr lang="zh-TW" altLang="en-US" sz="2000" dirty="0">
               <a:solidFill>
                 <a:schemeClr val="bg1"/>
               </a:solidFill>
             </a:rPr>
             <a:t>維原數據集</a:t>
           </a:r>
-          <a:endParaRPr lang="zh-TW" altLang="en-US" sz="2000" dirty="0">
-            <a:solidFill>
-              <a:schemeClr val="bg1"/>
-            </a:solidFill>
-          </a:endParaRPr>
         </a:p>
       </dgm:t>
     </dgm:pt>
@@ -1087,7 +1083,7 @@
         <a:lstStyle/>
         <a:p>
           <a:r>
-            <a:rPr lang="zh-TW" altLang="en-US" sz="2000" dirty="0" smtClean="0">
+            <a:rPr lang="zh-TW" altLang="en-US" sz="2000" dirty="0">
               <a:solidFill>
                 <a:schemeClr val="bg1"/>
               </a:solidFill>
@@ -1095,7 +1091,7 @@
             <a:t>分解共變異數矩陣為特徵向量與特徵值</a:t>
           </a:r>
           <a:r>
-            <a:rPr lang="en-US" altLang="zh-TW" sz="2000" dirty="0" smtClean="0">
+            <a:rPr lang="en-US" altLang="zh-TW" sz="2000" dirty="0">
               <a:solidFill>
                 <a:schemeClr val="bg1"/>
               </a:solidFill>
@@ -1148,7 +1144,7 @@
         <a:lstStyle/>
         <a:p>
           <a:r>
-            <a:rPr lang="zh-TW" altLang="en-US" sz="2000" dirty="0" smtClean="0">
+            <a:rPr lang="zh-TW" altLang="en-US" sz="2000" dirty="0">
               <a:solidFill>
                 <a:schemeClr val="bg1"/>
               </a:solidFill>
@@ -1156,7 +1152,7 @@
             <a:t>選取</a:t>
           </a:r>
           <a:r>
-            <a:rPr lang="en-US" altLang="zh-TW" sz="2000" dirty="0" smtClean="0">
+            <a:rPr lang="en-US" altLang="zh-TW" sz="2000" dirty="0">
               <a:solidFill>
                 <a:schemeClr val="bg1"/>
               </a:solidFill>
@@ -1164,18 +1160,13 @@
             <a:t>K</a:t>
           </a:r>
           <a:r>
-            <a:rPr lang="zh-TW" altLang="en-US" sz="2000" dirty="0" smtClean="0">
+            <a:rPr lang="zh-TW" altLang="en-US" sz="2000" dirty="0">
               <a:solidFill>
                 <a:schemeClr val="bg1"/>
               </a:solidFill>
             </a:rPr>
             <a:t>個最大特徵值相對應知特徵向量</a:t>
           </a:r>
-          <a:endParaRPr lang="zh-TW" altLang="en-US" sz="2000" dirty="0">
-            <a:solidFill>
-              <a:schemeClr val="bg1"/>
-            </a:solidFill>
-          </a:endParaRPr>
         </a:p>
       </dgm:t>
     </dgm:pt>
@@ -1217,7 +1208,7 @@
         <a:lstStyle/>
         <a:p>
           <a:r>
-            <a:rPr lang="zh-TW" altLang="en-US" sz="2000" dirty="0" smtClean="0">
+            <a:rPr lang="zh-TW" altLang="en-US" sz="2000" dirty="0">
               <a:solidFill>
                 <a:schemeClr val="bg1"/>
               </a:solidFill>
@@ -1225,7 +1216,7 @@
             <a:t>建立共變異數矩陣</a:t>
           </a:r>
           <a:r>
-            <a:rPr lang="en-US" altLang="zh-TW" sz="2000" dirty="0" smtClean="0">
+            <a:rPr lang="en-US" altLang="zh-TW" sz="2000" dirty="0">
               <a:solidFill>
                 <a:schemeClr val="bg1"/>
               </a:solidFill>
@@ -1278,7 +1269,7 @@
         <a:lstStyle/>
         <a:p>
           <a:r>
-            <a:rPr lang="zh-TW" altLang="en-US" sz="2000" dirty="0" smtClean="0">
+            <a:rPr lang="zh-TW" altLang="en-US" sz="2000" dirty="0">
               <a:solidFill>
                 <a:schemeClr val="bg1"/>
               </a:solidFill>
@@ -1286,7 +1277,7 @@
             <a:t>使用遞減的</a:t>
           </a:r>
           <a:r>
-            <a:rPr lang="en-US" altLang="zh-TW" sz="2000" dirty="0" smtClean="0">
+            <a:rPr lang="en-US" altLang="zh-TW" sz="2000" dirty="0">
               <a:solidFill>
                 <a:schemeClr val="bg1"/>
               </a:solidFill>
@@ -1294,7 +1285,7 @@
             <a:t>K</a:t>
           </a:r>
           <a:r>
-            <a:rPr lang="zh-TW" altLang="en-US" sz="2000" dirty="0" smtClean="0">
+            <a:rPr lang="zh-TW" altLang="en-US" sz="2000" dirty="0">
               <a:solidFill>
                 <a:schemeClr val="bg1"/>
               </a:solidFill>
@@ -1302,7 +1293,7 @@
             <a:t>個特徵向量，建立投影矩陣</a:t>
           </a:r>
           <a:r>
-            <a:rPr lang="en-US" altLang="zh-TW" sz="2000" dirty="0" smtClean="0">
+            <a:rPr lang="en-US" altLang="zh-TW" sz="2000" dirty="0">
               <a:solidFill>
                 <a:schemeClr val="bg1"/>
               </a:solidFill>
@@ -1511,27 +1502,27 @@
     </dgm:pt>
   </dgm:ptLst>
   <dgm:cxnLst>
+    <dgm:cxn modelId="{A059A806-FA14-4931-BDF5-36E7C9E47904}" type="presOf" srcId="{64BCB513-6798-45D7-9B02-98E28A53E0F0}" destId="{A6971738-7F8D-4002-9312-FBB6A557D8E0}" srcOrd="1" destOrd="0" presId="urn:microsoft.com/office/officeart/2005/8/layout/vProcess5"/>
+    <dgm:cxn modelId="{DAF18B11-0970-4164-B37A-98FEE9BCEF7D}" type="presOf" srcId="{31D25216-6064-4032-B402-5EBDBD20B3A0}" destId="{A0438C1E-A85C-4F41-8B4F-1A91042C8A67}" srcOrd="0" destOrd="0" presId="urn:microsoft.com/office/officeart/2005/8/layout/vProcess5"/>
+    <dgm:cxn modelId="{9A99BE22-BAAA-4E4E-8DF3-8A89B5FF6B3E}" type="presOf" srcId="{295CCB4F-B6B3-4028-B8DF-7C3D0AB51AAD}" destId="{0EE590B3-7D07-44B6-A516-4970ED561F29}" srcOrd="1" destOrd="0" presId="urn:microsoft.com/office/officeart/2005/8/layout/vProcess5"/>
+    <dgm:cxn modelId="{0448492E-8B35-4607-A40B-BC2EB4EF69DD}" type="presOf" srcId="{4241C6E5-1D1A-4507-93FF-C3D69CE477B1}" destId="{354A9E5D-6C73-49F3-B456-5BB9BD393D48}" srcOrd="1" destOrd="0" presId="urn:microsoft.com/office/officeart/2005/8/layout/vProcess5"/>
+    <dgm:cxn modelId="{2CB82B34-E4D2-4C85-9A16-EDDB9D4B188A}" type="presOf" srcId="{01504A53-2CF1-45CA-B751-A9B5CD895E4D}" destId="{71F58A9D-9043-4643-B80B-A10773953D9C}" srcOrd="0" destOrd="0" presId="urn:microsoft.com/office/officeart/2005/8/layout/vProcess5"/>
     <dgm:cxn modelId="{EBD73034-0A65-4A08-BC60-C8DCFBDB8870}" srcId="{8CD05B93-892E-4BDB-8D82-3282245BA974}" destId="{BCFC0A7E-F2E5-4311-9C57-6C486BDF63A6}" srcOrd="4" destOrd="0" parTransId="{5A0A140C-52A6-4E03-9ABF-E38C2A36146F}" sibTransId="{52C4958B-73A3-46D3-9C09-0123013C5AE2}"/>
+    <dgm:cxn modelId="{763D4546-FE86-423F-9274-5E94E6537363}" srcId="{8CD05B93-892E-4BDB-8D82-3282245BA974}" destId="{64BCB513-6798-45D7-9B02-98E28A53E0F0}" srcOrd="1" destOrd="0" parTransId="{D5A931BB-ABFB-4C43-8979-FF79EF65F0AF}" sibTransId="{31D25216-6064-4032-B402-5EBDBD20B3A0}"/>
+    <dgm:cxn modelId="{67AD016B-E966-4EC1-9313-AF882A9B0F64}" type="presOf" srcId="{67B50F81-6ACC-4FFC-94BB-C471B3D1385F}" destId="{B7842F61-43E3-4DD7-ACE8-CB43256A62A0}" srcOrd="0" destOrd="0" presId="urn:microsoft.com/office/officeart/2005/8/layout/vProcess5"/>
+    <dgm:cxn modelId="{FBCC2F53-45F9-45C3-BFF0-79260B7C797B}" srcId="{8CD05B93-892E-4BDB-8D82-3282245BA974}" destId="{1BBADA4F-6A1B-4631-925F-3615CC91EBEF}" srcOrd="5" destOrd="0" parTransId="{B7B52BFF-68E1-407E-AC29-F88370EF0795}" sibTransId="{97406011-F0B3-48FC-972D-9CABA10F7550}"/>
+    <dgm:cxn modelId="{73231374-6CE7-46BA-89D8-53D76B79F739}" type="presOf" srcId="{4241C6E5-1D1A-4507-93FF-C3D69CE477B1}" destId="{639BC478-BFC6-43D7-922D-87D859ECC05E}" srcOrd="0" destOrd="0" presId="urn:microsoft.com/office/officeart/2005/8/layout/vProcess5"/>
+    <dgm:cxn modelId="{04B6FA74-D8BC-4180-AE05-5465C89D665A}" srcId="{8CD05B93-892E-4BDB-8D82-3282245BA974}" destId="{67B50F81-6ACC-4FFC-94BB-C471B3D1385F}" srcOrd="0" destOrd="0" parTransId="{E542AAA5-1ABE-483F-869B-20F5041F42C8}" sibTransId="{5E973A67-1486-45A0-BA8F-94F816C5FE28}"/>
+    <dgm:cxn modelId="{A7D45F59-BF9B-4BE6-AD2C-8EBCC5C90AE1}" type="presOf" srcId="{67B50F81-6ACC-4FFC-94BB-C471B3D1385F}" destId="{27FE6635-730F-4BDB-A4F9-A84809B11271}" srcOrd="1" destOrd="0" presId="urn:microsoft.com/office/officeart/2005/8/layout/vProcess5"/>
     <dgm:cxn modelId="{B1123C7D-D6DF-452D-AA93-A04E9E7BA46F}" srcId="{8CD05B93-892E-4BDB-8D82-3282245BA974}" destId="{4241C6E5-1D1A-4507-93FF-C3D69CE477B1}" srcOrd="3" destOrd="0" parTransId="{EE1B9613-8362-40C1-8F9B-52B9492C0AE3}" sibTransId="{01504A53-2CF1-45CA-B751-A9B5CD895E4D}"/>
-    <dgm:cxn modelId="{F5C490D4-1723-4716-88EC-CDF664A11EB4}" type="presOf" srcId="{8CD05B93-892E-4BDB-8D82-3282245BA974}" destId="{A933EC0E-EBAB-4D6E-AE2F-9D173E284B24}" srcOrd="0" destOrd="0" presId="urn:microsoft.com/office/officeart/2005/8/layout/vProcess5"/>
-    <dgm:cxn modelId="{832C5EC9-5EB8-45E0-B200-5778736079DF}" type="presOf" srcId="{BCFC0A7E-F2E5-4311-9C57-6C486BDF63A6}" destId="{6C3685A6-6BD8-44D9-9485-F25396213415}" srcOrd="0" destOrd="0" presId="urn:microsoft.com/office/officeart/2005/8/layout/vProcess5"/>
     <dgm:cxn modelId="{C925A89A-2764-4043-BED1-D7A665A0BA42}" type="presOf" srcId="{BCFC0A7E-F2E5-4311-9C57-6C486BDF63A6}" destId="{1A87E1D3-ADA9-4EF9-ABB8-5584B2974D4E}" srcOrd="1" destOrd="0" presId="urn:microsoft.com/office/officeart/2005/8/layout/vProcess5"/>
     <dgm:cxn modelId="{9BE94DB2-70E4-453C-BE71-E1777C7F57AC}" type="presOf" srcId="{295CCB4F-B6B3-4028-B8DF-7C3D0AB51AAD}" destId="{2409B480-F2F4-4240-8D37-CC00BC634AC3}" srcOrd="0" destOrd="0" presId="urn:microsoft.com/office/officeart/2005/8/layout/vProcess5"/>
     <dgm:cxn modelId="{7539D3B8-6081-4D80-8D68-2AE341B1E742}" type="presOf" srcId="{755BAA70-8F1B-43F7-9791-F4C090C93D44}" destId="{FA081C38-F8FC-452B-9922-C1113C5BAE9A}" srcOrd="0" destOrd="0" presId="urn:microsoft.com/office/officeart/2005/8/layout/vProcess5"/>
-    <dgm:cxn modelId="{0448492E-8B35-4607-A40B-BC2EB4EF69DD}" type="presOf" srcId="{4241C6E5-1D1A-4507-93FF-C3D69CE477B1}" destId="{354A9E5D-6C73-49F3-B456-5BB9BD393D48}" srcOrd="1" destOrd="0" presId="urn:microsoft.com/office/officeart/2005/8/layout/vProcess5"/>
-    <dgm:cxn modelId="{67AD016B-E966-4EC1-9313-AF882A9B0F64}" type="presOf" srcId="{67B50F81-6ACC-4FFC-94BB-C471B3D1385F}" destId="{B7842F61-43E3-4DD7-ACE8-CB43256A62A0}" srcOrd="0" destOrd="0" presId="urn:microsoft.com/office/officeart/2005/8/layout/vProcess5"/>
-    <dgm:cxn modelId="{A7D45F59-BF9B-4BE6-AD2C-8EBCC5C90AE1}" type="presOf" srcId="{67B50F81-6ACC-4FFC-94BB-C471B3D1385F}" destId="{27FE6635-730F-4BDB-A4F9-A84809B11271}" srcOrd="1" destOrd="0" presId="urn:microsoft.com/office/officeart/2005/8/layout/vProcess5"/>
-    <dgm:cxn modelId="{DAF18B11-0970-4164-B37A-98FEE9BCEF7D}" type="presOf" srcId="{31D25216-6064-4032-B402-5EBDBD20B3A0}" destId="{A0438C1E-A85C-4F41-8B4F-1A91042C8A67}" srcOrd="0" destOrd="0" presId="urn:microsoft.com/office/officeart/2005/8/layout/vProcess5"/>
+    <dgm:cxn modelId="{A57273BD-0DEA-462F-8D96-E777F2BBE039}" srcId="{8CD05B93-892E-4BDB-8D82-3282245BA974}" destId="{295CCB4F-B6B3-4028-B8DF-7C3D0AB51AAD}" srcOrd="2" destOrd="0" parTransId="{4EDF469E-0B9E-4C73-AA0C-4AA0D0E0D4F9}" sibTransId="{755BAA70-8F1B-43F7-9791-F4C090C93D44}"/>
+    <dgm:cxn modelId="{832C5EC9-5EB8-45E0-B200-5778736079DF}" type="presOf" srcId="{BCFC0A7E-F2E5-4311-9C57-6C486BDF63A6}" destId="{6C3685A6-6BD8-44D9-9485-F25396213415}" srcOrd="0" destOrd="0" presId="urn:microsoft.com/office/officeart/2005/8/layout/vProcess5"/>
+    <dgm:cxn modelId="{F5C490D4-1723-4716-88EC-CDF664A11EB4}" type="presOf" srcId="{8CD05B93-892E-4BDB-8D82-3282245BA974}" destId="{A933EC0E-EBAB-4D6E-AE2F-9D173E284B24}" srcOrd="0" destOrd="0" presId="urn:microsoft.com/office/officeart/2005/8/layout/vProcess5"/>
     <dgm:cxn modelId="{73B5E8D9-D7DC-4452-AF7B-88EA9B45FB96}" type="presOf" srcId="{5E973A67-1486-45A0-BA8F-94F816C5FE28}" destId="{A316C06E-254C-4613-AB82-1A7851A08F52}" srcOrd="0" destOrd="0" presId="urn:microsoft.com/office/officeart/2005/8/layout/vProcess5"/>
     <dgm:cxn modelId="{4C497EFD-95D9-4CF1-A87B-863209B4C2BC}" type="presOf" srcId="{64BCB513-6798-45D7-9B02-98E28A53E0F0}" destId="{A50C9E9E-59AD-47F1-82ED-AC525D671497}" srcOrd="0" destOrd="0" presId="urn:microsoft.com/office/officeart/2005/8/layout/vProcess5"/>
-    <dgm:cxn modelId="{73231374-6CE7-46BA-89D8-53D76B79F739}" type="presOf" srcId="{4241C6E5-1D1A-4507-93FF-C3D69CE477B1}" destId="{639BC478-BFC6-43D7-922D-87D859ECC05E}" srcOrd="0" destOrd="0" presId="urn:microsoft.com/office/officeart/2005/8/layout/vProcess5"/>
-    <dgm:cxn modelId="{2CB82B34-E4D2-4C85-9A16-EDDB9D4B188A}" type="presOf" srcId="{01504A53-2CF1-45CA-B751-A9B5CD895E4D}" destId="{71F58A9D-9043-4643-B80B-A10773953D9C}" srcOrd="0" destOrd="0" presId="urn:microsoft.com/office/officeart/2005/8/layout/vProcess5"/>
-    <dgm:cxn modelId="{A57273BD-0DEA-462F-8D96-E777F2BBE039}" srcId="{8CD05B93-892E-4BDB-8D82-3282245BA974}" destId="{295CCB4F-B6B3-4028-B8DF-7C3D0AB51AAD}" srcOrd="2" destOrd="0" parTransId="{4EDF469E-0B9E-4C73-AA0C-4AA0D0E0D4F9}" sibTransId="{755BAA70-8F1B-43F7-9791-F4C090C93D44}"/>
-    <dgm:cxn modelId="{763D4546-FE86-423F-9274-5E94E6537363}" srcId="{8CD05B93-892E-4BDB-8D82-3282245BA974}" destId="{64BCB513-6798-45D7-9B02-98E28A53E0F0}" srcOrd="1" destOrd="0" parTransId="{D5A931BB-ABFB-4C43-8979-FF79EF65F0AF}" sibTransId="{31D25216-6064-4032-B402-5EBDBD20B3A0}"/>
-    <dgm:cxn modelId="{A059A806-FA14-4931-BDF5-36E7C9E47904}" type="presOf" srcId="{64BCB513-6798-45D7-9B02-98E28A53E0F0}" destId="{A6971738-7F8D-4002-9312-FBB6A557D8E0}" srcOrd="1" destOrd="0" presId="urn:microsoft.com/office/officeart/2005/8/layout/vProcess5"/>
-    <dgm:cxn modelId="{04B6FA74-D8BC-4180-AE05-5465C89D665A}" srcId="{8CD05B93-892E-4BDB-8D82-3282245BA974}" destId="{67B50F81-6ACC-4FFC-94BB-C471B3D1385F}" srcOrd="0" destOrd="0" parTransId="{E542AAA5-1ABE-483F-869B-20F5041F42C8}" sibTransId="{5E973A67-1486-45A0-BA8F-94F816C5FE28}"/>
-    <dgm:cxn modelId="{FBCC2F53-45F9-45C3-BFF0-79260B7C797B}" srcId="{8CD05B93-892E-4BDB-8D82-3282245BA974}" destId="{1BBADA4F-6A1B-4631-925F-3615CC91EBEF}" srcOrd="5" destOrd="0" parTransId="{B7B52BFF-68E1-407E-AC29-F88370EF0795}" sibTransId="{97406011-F0B3-48FC-972D-9CABA10F7550}"/>
-    <dgm:cxn modelId="{9A99BE22-BAAA-4E4E-8DF3-8A89B5FF6B3E}" type="presOf" srcId="{295CCB4F-B6B3-4028-B8DF-7C3D0AB51AAD}" destId="{0EE590B3-7D07-44B6-A516-4970ED561F29}" srcOrd="1" destOrd="0" presId="urn:microsoft.com/office/officeart/2005/8/layout/vProcess5"/>
     <dgm:cxn modelId="{69B0AF02-6FCF-45FD-8A97-6E08046F82A7}" type="presParOf" srcId="{A933EC0E-EBAB-4D6E-AE2F-9D173E284B24}" destId="{DA589D38-BD1C-4878-9015-98DDBE6B2192}" srcOrd="0" destOrd="0" presId="urn:microsoft.com/office/officeart/2005/8/layout/vProcess5"/>
     <dgm:cxn modelId="{AADF5733-9F7C-460B-8EEB-2674BC7C5F87}" type="presParOf" srcId="{A933EC0E-EBAB-4D6E-AE2F-9D173E284B24}" destId="{B7842F61-43E3-4DD7-ACE8-CB43256A62A0}" srcOrd="1" destOrd="0" presId="urn:microsoft.com/office/officeart/2005/8/layout/vProcess5"/>
     <dgm:cxn modelId="{55AED4A1-AA4F-44CD-BE52-30495A28C505}" type="presParOf" srcId="{A933EC0E-EBAB-4D6E-AE2F-9D173E284B24}" destId="{A50C9E9E-59AD-47F1-82ED-AC525D671497}" srcOrd="2" destOrd="0" presId="urn:microsoft.com/office/officeart/2005/8/layout/vProcess5"/>
@@ -1624,7 +1615,7 @@
         </a:bodyPr>
         <a:lstStyle/>
         <a:p>
-          <a:pPr lvl="0" algn="l" defTabSz="889000">
+          <a:pPr marL="0" lvl="0" indent="0" algn="l" defTabSz="889000">
             <a:lnSpc>
               <a:spcPct val="90000"/>
             </a:lnSpc>
@@ -1634,9 +1625,10 @@
             <a:spcAft>
               <a:spcPct val="35000"/>
             </a:spcAft>
+            <a:buNone/>
           </a:pPr>
           <a:r>
-            <a:rPr lang="zh-TW" altLang="en-US" sz="2000" kern="1200" dirty="0" smtClean="0">
+            <a:rPr lang="zh-TW" altLang="en-US" sz="2000" kern="1200" dirty="0">
               <a:solidFill>
                 <a:schemeClr val="bg1"/>
               </a:solidFill>
@@ -1644,7 +1636,7 @@
             <a:t>標準化</a:t>
           </a:r>
           <a:r>
-            <a:rPr lang="en-US" altLang="zh-TW" sz="2000" kern="1200" dirty="0" smtClean="0">
+            <a:rPr lang="en-US" altLang="zh-TW" sz="2000" kern="1200" dirty="0">
               <a:solidFill>
                 <a:schemeClr val="bg1"/>
               </a:solidFill>
@@ -1652,18 +1644,13 @@
             <a:t>D</a:t>
           </a:r>
           <a:r>
-            <a:rPr lang="zh-TW" altLang="en-US" sz="2000" kern="1200" dirty="0" smtClean="0">
+            <a:rPr lang="zh-TW" altLang="en-US" sz="2000" kern="1200" dirty="0">
               <a:solidFill>
                 <a:schemeClr val="bg1"/>
               </a:solidFill>
             </a:rPr>
             <a:t>維原數據集</a:t>
           </a:r>
-          <a:endParaRPr lang="zh-TW" altLang="en-US" sz="2000" kern="1200" dirty="0">
-            <a:solidFill>
-              <a:schemeClr val="bg1"/>
-            </a:solidFill>
-          </a:endParaRPr>
         </a:p>
       </dsp:txBody>
       <dsp:txXfrm>
@@ -1729,7 +1716,7 @@
         </a:bodyPr>
         <a:lstStyle/>
         <a:p>
-          <a:pPr lvl="0" algn="l" defTabSz="889000">
+          <a:pPr marL="0" lvl="0" indent="0" algn="l" defTabSz="889000">
             <a:lnSpc>
               <a:spcPct val="90000"/>
             </a:lnSpc>
@@ -1739,9 +1726,10 @@
             <a:spcAft>
               <a:spcPct val="35000"/>
             </a:spcAft>
+            <a:buNone/>
           </a:pPr>
           <a:r>
-            <a:rPr lang="zh-TW" altLang="en-US" sz="2000" kern="1200" dirty="0" smtClean="0">
+            <a:rPr lang="zh-TW" altLang="en-US" sz="2000" kern="1200" dirty="0">
               <a:solidFill>
                 <a:schemeClr val="bg1"/>
               </a:solidFill>
@@ -1749,7 +1737,7 @@
             <a:t>建立共變異數矩陣</a:t>
           </a:r>
           <a:r>
-            <a:rPr lang="en-US" altLang="zh-TW" sz="2000" kern="1200" dirty="0" smtClean="0">
+            <a:rPr lang="en-US" altLang="zh-TW" sz="2000" kern="1200" dirty="0">
               <a:solidFill>
                 <a:schemeClr val="bg1"/>
               </a:solidFill>
@@ -1826,7 +1814,7 @@
         </a:bodyPr>
         <a:lstStyle/>
         <a:p>
-          <a:pPr lvl="0" algn="l" defTabSz="889000">
+          <a:pPr marL="0" lvl="0" indent="0" algn="l" defTabSz="889000">
             <a:lnSpc>
               <a:spcPct val="90000"/>
             </a:lnSpc>
@@ -1836,9 +1824,10 @@
             <a:spcAft>
               <a:spcPct val="35000"/>
             </a:spcAft>
+            <a:buNone/>
           </a:pPr>
           <a:r>
-            <a:rPr lang="zh-TW" altLang="en-US" sz="2000" kern="1200" dirty="0" smtClean="0">
+            <a:rPr lang="zh-TW" altLang="en-US" sz="2000" kern="1200" dirty="0">
               <a:solidFill>
                 <a:schemeClr val="bg1"/>
               </a:solidFill>
@@ -1846,7 +1835,7 @@
             <a:t>分解共變異數矩陣為特徵向量與特徵值</a:t>
           </a:r>
           <a:r>
-            <a:rPr lang="en-US" altLang="zh-TW" sz="2000" kern="1200" dirty="0" smtClean="0">
+            <a:rPr lang="en-US" altLang="zh-TW" sz="2000" kern="1200" dirty="0">
               <a:solidFill>
                 <a:schemeClr val="bg1"/>
               </a:solidFill>
@@ -1923,7 +1912,7 @@
         </a:bodyPr>
         <a:lstStyle/>
         <a:p>
-          <a:pPr lvl="0" algn="l" defTabSz="889000">
+          <a:pPr marL="0" lvl="0" indent="0" algn="l" defTabSz="889000">
             <a:lnSpc>
               <a:spcPct val="90000"/>
             </a:lnSpc>
@@ -1933,9 +1922,10 @@
             <a:spcAft>
               <a:spcPct val="35000"/>
             </a:spcAft>
+            <a:buNone/>
           </a:pPr>
           <a:r>
-            <a:rPr lang="zh-TW" altLang="en-US" sz="2000" kern="1200" dirty="0" smtClean="0">
+            <a:rPr lang="zh-TW" altLang="en-US" sz="2000" kern="1200" dirty="0">
               <a:solidFill>
                 <a:schemeClr val="bg1"/>
               </a:solidFill>
@@ -1943,7 +1933,7 @@
             <a:t>選取</a:t>
           </a:r>
           <a:r>
-            <a:rPr lang="en-US" altLang="zh-TW" sz="2000" kern="1200" dirty="0" smtClean="0">
+            <a:rPr lang="en-US" altLang="zh-TW" sz="2000" kern="1200" dirty="0">
               <a:solidFill>
                 <a:schemeClr val="bg1"/>
               </a:solidFill>
@@ -1951,18 +1941,13 @@
             <a:t>K</a:t>
           </a:r>
           <a:r>
-            <a:rPr lang="zh-TW" altLang="en-US" sz="2000" kern="1200" dirty="0" smtClean="0">
+            <a:rPr lang="zh-TW" altLang="en-US" sz="2000" kern="1200" dirty="0">
               <a:solidFill>
                 <a:schemeClr val="bg1"/>
               </a:solidFill>
             </a:rPr>
             <a:t>個最大特徵值相對應知特徵向量</a:t>
           </a:r>
-          <a:endParaRPr lang="zh-TW" altLang="en-US" sz="2000" kern="1200" dirty="0">
-            <a:solidFill>
-              <a:schemeClr val="bg1"/>
-            </a:solidFill>
-          </a:endParaRPr>
         </a:p>
       </dsp:txBody>
       <dsp:txXfrm>
@@ -2028,7 +2013,7 @@
         </a:bodyPr>
         <a:lstStyle/>
         <a:p>
-          <a:pPr lvl="0" algn="l" defTabSz="889000">
+          <a:pPr marL="0" lvl="0" indent="0" algn="l" defTabSz="889000">
             <a:lnSpc>
               <a:spcPct val="90000"/>
             </a:lnSpc>
@@ -2038,9 +2023,10 @@
             <a:spcAft>
               <a:spcPct val="35000"/>
             </a:spcAft>
+            <a:buNone/>
           </a:pPr>
           <a:r>
-            <a:rPr lang="zh-TW" altLang="en-US" sz="2000" kern="1200" dirty="0" smtClean="0">
+            <a:rPr lang="zh-TW" altLang="en-US" sz="2000" kern="1200" dirty="0">
               <a:solidFill>
                 <a:schemeClr val="bg1"/>
               </a:solidFill>
@@ -2048,7 +2034,7 @@
             <a:t>使用遞減的</a:t>
           </a:r>
           <a:r>
-            <a:rPr lang="en-US" altLang="zh-TW" sz="2000" kern="1200" dirty="0" smtClean="0">
+            <a:rPr lang="en-US" altLang="zh-TW" sz="2000" kern="1200" dirty="0">
               <a:solidFill>
                 <a:schemeClr val="bg1"/>
               </a:solidFill>
@@ -2056,7 +2042,7 @@
             <a:t>K</a:t>
           </a:r>
           <a:r>
-            <a:rPr lang="zh-TW" altLang="en-US" sz="2000" kern="1200" dirty="0" smtClean="0">
+            <a:rPr lang="zh-TW" altLang="en-US" sz="2000" kern="1200" dirty="0">
               <a:solidFill>
                 <a:schemeClr val="bg1"/>
               </a:solidFill>
@@ -2064,7 +2050,7 @@
             <a:t>個特徵向量，建立投影矩陣</a:t>
           </a:r>
           <a:r>
-            <a:rPr lang="en-US" altLang="zh-TW" sz="2000" kern="1200" dirty="0" smtClean="0">
+            <a:rPr lang="en-US" altLang="zh-TW" sz="2000" kern="1200" dirty="0">
               <a:solidFill>
                 <a:schemeClr val="bg1"/>
               </a:solidFill>
@@ -2143,7 +2129,7 @@
         </a:bodyPr>
         <a:lstStyle/>
         <a:p>
-          <a:pPr lvl="0" algn="ctr" defTabSz="889000">
+          <a:pPr marL="0" lvl="0" indent="0" algn="ctr" defTabSz="889000">
             <a:lnSpc>
               <a:spcPct val="90000"/>
             </a:lnSpc>
@@ -2153,6 +2139,7 @@
             <a:spcAft>
               <a:spcPct val="35000"/>
             </a:spcAft>
+            <a:buNone/>
           </a:pPr>
           <a:endParaRPr lang="zh-TW" altLang="en-US" sz="2000" kern="1200">
             <a:solidFill>
@@ -2226,7 +2213,7 @@
         </a:bodyPr>
         <a:lstStyle/>
         <a:p>
-          <a:pPr lvl="0" algn="ctr" defTabSz="889000">
+          <a:pPr marL="0" lvl="0" indent="0" algn="ctr" defTabSz="889000">
             <a:lnSpc>
               <a:spcPct val="90000"/>
             </a:lnSpc>
@@ -2236,6 +2223,7 @@
             <a:spcAft>
               <a:spcPct val="35000"/>
             </a:spcAft>
+            <a:buNone/>
           </a:pPr>
           <a:endParaRPr lang="zh-TW" altLang="en-US" sz="2000" kern="1200">
             <a:solidFill>
@@ -2309,7 +2297,7 @@
         </a:bodyPr>
         <a:lstStyle/>
         <a:p>
-          <a:pPr lvl="0" algn="ctr" defTabSz="889000">
+          <a:pPr marL="0" lvl="0" indent="0" algn="ctr" defTabSz="889000">
             <a:lnSpc>
               <a:spcPct val="90000"/>
             </a:lnSpc>
@@ -2319,6 +2307,7 @@
             <a:spcAft>
               <a:spcPct val="35000"/>
             </a:spcAft>
+            <a:buNone/>
           </a:pPr>
           <a:endParaRPr lang="zh-TW" altLang="en-US" sz="2000" kern="1200">
             <a:solidFill>
@@ -2392,7 +2381,7 @@
         </a:bodyPr>
         <a:lstStyle/>
         <a:p>
-          <a:pPr lvl="0" algn="ctr" defTabSz="889000">
+          <a:pPr marL="0" lvl="0" indent="0" algn="ctr" defTabSz="889000">
             <a:lnSpc>
               <a:spcPct val="90000"/>
             </a:lnSpc>
@@ -2402,6 +2391,7 @@
             <a:spcAft>
               <a:spcPct val="35000"/>
             </a:spcAft>
+            <a:buNone/>
           </a:pPr>
           <a:endParaRPr lang="zh-TW" altLang="en-US" sz="2000" kern="1200">
             <a:solidFill>
@@ -5020,38 +5010,37 @@
           <a:p>
             <a:pPr lvl="0" rtl="0"/>
             <a:r>
-              <a:rPr lang="zh-TW" altLang="en-US" noProof="0" dirty="0" smtClean="0"/>
+              <a:rPr lang="zh-TW" altLang="en-US" noProof="0" dirty="0"/>
               <a:t>按一下以編輯母片文字樣式</a:t>
             </a:r>
           </a:p>
           <a:p>
             <a:pPr lvl="1" rtl="0"/>
             <a:r>
-              <a:rPr lang="zh-TW" altLang="en-US" noProof="0" dirty="0" smtClean="0"/>
+              <a:rPr lang="zh-TW" altLang="en-US" noProof="0" dirty="0"/>
               <a:t>第二層</a:t>
             </a:r>
           </a:p>
           <a:p>
             <a:pPr lvl="2" rtl="0"/>
             <a:r>
-              <a:rPr lang="zh-TW" altLang="en-US" noProof="0" dirty="0" smtClean="0"/>
+              <a:rPr lang="zh-TW" altLang="en-US" noProof="0" dirty="0"/>
               <a:t>第三層</a:t>
             </a:r>
           </a:p>
           <a:p>
             <a:pPr lvl="3" rtl="0"/>
             <a:r>
-              <a:rPr lang="zh-TW" altLang="en-US" noProof="0" dirty="0" smtClean="0"/>
+              <a:rPr lang="zh-TW" altLang="en-US" noProof="0" dirty="0"/>
               <a:t>第四層</a:t>
             </a:r>
           </a:p>
           <a:p>
             <a:pPr lvl="4" rtl="0"/>
             <a:r>
-              <a:rPr lang="zh-TW" altLang="en-US" noProof="0" dirty="0" smtClean="0"/>
+              <a:rPr lang="zh-TW" altLang="en-US" noProof="0" dirty="0"/>
               <a:t>第五層</a:t>
             </a:r>
-            <a:endParaRPr lang="zh-TW" altLang="en-US" noProof="0" dirty="0"/>
           </a:p>
         </p:txBody>
       </p:sp>
@@ -5564,7 +5553,7 @@
             <a:pPr rtl="0"/>
             <a:fld id="{05C1D8F7-2BDD-4C56-98AF-2E212EF349F3}" type="slidenum">
               <a:rPr lang="en-US" altLang="zh-TW" smtClean="0"/>
-              <a:t>7</a:t>
+              <a:t>4</a:t>
             </a:fld>
             <a:endParaRPr lang="zh-TW" altLang="en-US" dirty="0"/>
           </a:p>
@@ -5573,7 +5562,7 @@
     </p:spTree>
     <p:extLst>
       <p:ext uri="{BB962C8B-B14F-4D97-AF65-F5344CB8AC3E}">
-        <p14:creationId xmlns:p14="http://schemas.microsoft.com/office/powerpoint/2010/main" val="3283043115"/>
+        <p14:creationId xmlns:p14="http://schemas.microsoft.com/office/powerpoint/2010/main" val="2795612977"/>
       </p:ext>
     </p:extLst>
   </p:cSld>
@@ -5653,6 +5642,94 @@
             <a:fld id="{05C1D8F7-2BDD-4C56-98AF-2E212EF349F3}" type="slidenum">
               <a:rPr lang="en-US" altLang="zh-TW" smtClean="0"/>
               <a:t>8</a:t>
+            </a:fld>
+            <a:endParaRPr lang="zh-TW" altLang="en-US" dirty="0"/>
+          </a:p>
+        </p:txBody>
+      </p:sp>
+    </p:spTree>
+    <p:extLst>
+      <p:ext uri="{BB962C8B-B14F-4D97-AF65-F5344CB8AC3E}">
+        <p14:creationId xmlns:p14="http://schemas.microsoft.com/office/powerpoint/2010/main" val="3283043115"/>
+      </p:ext>
+    </p:extLst>
+  </p:cSld>
+  <p:clrMapOvr>
+    <a:masterClrMapping/>
+  </p:clrMapOvr>
+</p:notes>
+</file>
+
+<file path=ppt/notesSlides/notesSlide6.xml><?xml version="1.0" encoding="utf-8"?>
+<p:notes xmlns:a="http://schemas.openxmlformats.org/drawingml/2006/main" xmlns:r="http://schemas.openxmlformats.org/officeDocument/2006/relationships" xmlns:p="http://schemas.openxmlformats.org/presentationml/2006/main">
+  <p:cSld>
+    <p:spTree>
+      <p:nvGrpSpPr>
+        <p:cNvPr id="1" name=""/>
+        <p:cNvGrpSpPr/>
+        <p:nvPr/>
+      </p:nvGrpSpPr>
+      <p:grpSpPr>
+        <a:xfrm>
+          <a:off x="0" y="0"/>
+          <a:ext cx="0" cy="0"/>
+          <a:chOff x="0" y="0"/>
+          <a:chExt cx="0" cy="0"/>
+        </a:xfrm>
+      </p:grpSpPr>
+      <p:sp>
+        <p:nvSpPr>
+          <p:cNvPr id="2" name="投影片圖像版面配置區 1"/>
+          <p:cNvSpPr>
+            <a:spLocks noGrp="1" noRot="1" noChangeAspect="1"/>
+          </p:cNvSpPr>
+          <p:nvPr>
+            <p:ph type="sldImg"/>
+          </p:nvPr>
+        </p:nvSpPr>
+        <p:spPr/>
+      </p:sp>
+      <p:sp>
+        <p:nvSpPr>
+          <p:cNvPr id="3" name="備忘稿版面配置區 2"/>
+          <p:cNvSpPr>
+            <a:spLocks noGrp="1"/>
+          </p:cNvSpPr>
+          <p:nvPr>
+            <p:ph type="body" idx="1"/>
+          </p:nvPr>
+        </p:nvSpPr>
+        <p:spPr/>
+        <p:txBody>
+          <a:bodyPr/>
+          <a:lstStyle/>
+          <a:p>
+            <a:endParaRPr lang="zh-TW" altLang="en-US" b="0" dirty="0">
+              <a:latin typeface="微軟正黑體" panose="020B0604030504040204" pitchFamily="34" charset="-120"/>
+              <a:ea typeface="微軟正黑體" panose="020B0604030504040204" pitchFamily="34" charset="-120"/>
+            </a:endParaRPr>
+          </a:p>
+        </p:txBody>
+      </p:sp>
+      <p:sp>
+        <p:nvSpPr>
+          <p:cNvPr id="4" name="投影片編號版面配置區 3"/>
+          <p:cNvSpPr>
+            <a:spLocks noGrp="1"/>
+          </p:cNvSpPr>
+          <p:nvPr>
+            <p:ph type="sldNum" sz="quarter" idx="10"/>
+          </p:nvPr>
+        </p:nvSpPr>
+        <p:spPr/>
+        <p:txBody>
+          <a:bodyPr/>
+          <a:lstStyle/>
+          <a:p>
+            <a:pPr rtl="0"/>
+            <a:fld id="{05C1D8F7-2BDD-4C56-98AF-2E212EF349F3}" type="slidenum">
+              <a:rPr lang="en-US" altLang="zh-TW" smtClean="0"/>
+              <a:t>9</a:t>
             </a:fld>
             <a:endParaRPr lang="zh-TW" altLang="en-US" dirty="0"/>
           </a:p>
@@ -5733,7 +5810,7 @@
           <a:p>
             <a:pPr rtl="0"/>
             <a:r>
-              <a:rPr lang="zh-TW" altLang="en-US" smtClean="0"/>
+              <a:rPr lang="zh-TW" altLang="en-US"/>
               <a:t>按一下以編輯母片標題樣式</a:t>
             </a:r>
             <a:endParaRPr lang="zh-TW" altLang="en-US" dirty="0"/>
@@ -5811,7 +5888,7 @@
           <a:p>
             <a:pPr rtl="0"/>
             <a:r>
-              <a:rPr lang="zh-TW" altLang="en-US" smtClean="0"/>
+              <a:rPr lang="zh-TW" altLang="en-US"/>
               <a:t>按一下以編輯母片副標題樣式</a:t>
             </a:r>
             <a:endParaRPr lang="zh-TW" altLang="en-US" dirty="0"/>
@@ -5877,7 +5954,7 @@
           <a:p>
             <a:pPr rtl="0"/>
             <a:r>
-              <a:rPr lang="zh-TW" altLang="en-US" smtClean="0"/>
+              <a:rPr lang="zh-TW" altLang="en-US"/>
               <a:t>按一下以編輯母片標題樣式</a:t>
             </a:r>
             <a:endParaRPr lang="zh-TW" altLang="en-US" dirty="0"/>
@@ -5901,35 +5978,35 @@
           <a:p>
             <a:pPr lvl="0" rtl="0"/>
             <a:r>
-              <a:rPr lang="zh-TW" altLang="en-US" smtClean="0"/>
+              <a:rPr lang="zh-TW" altLang="en-US"/>
               <a:t>編輯母片文字樣式</a:t>
             </a:r>
           </a:p>
           <a:p>
             <a:pPr lvl="1" rtl="0"/>
             <a:r>
-              <a:rPr lang="zh-TW" altLang="en-US" smtClean="0"/>
+              <a:rPr lang="zh-TW" altLang="en-US"/>
               <a:t>第二層</a:t>
             </a:r>
           </a:p>
           <a:p>
             <a:pPr lvl="2" rtl="0"/>
             <a:r>
-              <a:rPr lang="zh-TW" altLang="en-US" smtClean="0"/>
+              <a:rPr lang="zh-TW" altLang="en-US"/>
               <a:t>第三層</a:t>
             </a:r>
           </a:p>
           <a:p>
             <a:pPr lvl="3" rtl="0"/>
             <a:r>
-              <a:rPr lang="zh-TW" altLang="en-US" smtClean="0"/>
+              <a:rPr lang="zh-TW" altLang="en-US"/>
               <a:t>第四層</a:t>
             </a:r>
           </a:p>
           <a:p>
             <a:pPr lvl="4" rtl="0"/>
             <a:r>
-              <a:rPr lang="zh-TW" altLang="en-US" smtClean="0"/>
+              <a:rPr lang="zh-TW" altLang="en-US"/>
               <a:t>第五層</a:t>
             </a:r>
             <a:endParaRPr lang="zh-TW" altLang="en-US" dirty="0"/>
@@ -5953,10 +6030,9 @@
           <a:p>
             <a:pPr rtl="0"/>
             <a:r>
-              <a:rPr lang="zh-TW" altLang="en-US" dirty="0" smtClean="0"/>
+              <a:rPr lang="zh-TW" altLang="en-US" dirty="0"/>
               <a:t>新增頁尾</a:t>
             </a:r>
-            <a:endParaRPr lang="zh-TW" altLang="en-US" dirty="0"/>
           </a:p>
         </p:txBody>
       </p:sp>
@@ -6076,7 +6152,7 @@
           <a:p>
             <a:pPr rtl="0"/>
             <a:r>
-              <a:rPr lang="zh-TW" altLang="en-US" noProof="0" smtClean="0"/>
+              <a:rPr lang="zh-TW" altLang="en-US" noProof="0"/>
               <a:t>按一下以編輯母片標題樣式</a:t>
             </a:r>
             <a:endParaRPr lang="zh-TW" altLang="en-US" noProof="0" dirty="0"/>
@@ -6105,35 +6181,35 @@
           <a:p>
             <a:pPr lvl="0" rtl="0"/>
             <a:r>
-              <a:rPr lang="zh-TW" altLang="en-US" noProof="0" smtClean="0"/>
+              <a:rPr lang="zh-TW" altLang="en-US" noProof="0"/>
               <a:t>編輯母片文字樣式</a:t>
             </a:r>
           </a:p>
           <a:p>
             <a:pPr lvl="1" rtl="0"/>
             <a:r>
-              <a:rPr lang="zh-TW" altLang="en-US" noProof="0" smtClean="0"/>
+              <a:rPr lang="zh-TW" altLang="en-US" noProof="0"/>
               <a:t>第二層</a:t>
             </a:r>
           </a:p>
           <a:p>
             <a:pPr lvl="2" rtl="0"/>
             <a:r>
-              <a:rPr lang="zh-TW" altLang="en-US" noProof="0" smtClean="0"/>
+              <a:rPr lang="zh-TW" altLang="en-US" noProof="0"/>
               <a:t>第三層</a:t>
             </a:r>
           </a:p>
           <a:p>
             <a:pPr lvl="3" rtl="0"/>
             <a:r>
-              <a:rPr lang="zh-TW" altLang="en-US" noProof="0" smtClean="0"/>
+              <a:rPr lang="zh-TW" altLang="en-US" noProof="0"/>
               <a:t>第四層</a:t>
             </a:r>
           </a:p>
           <a:p>
             <a:pPr lvl="4" rtl="0"/>
             <a:r>
-              <a:rPr lang="zh-TW" altLang="en-US" noProof="0" smtClean="0"/>
+              <a:rPr lang="zh-TW" altLang="en-US" noProof="0"/>
               <a:t>第五層</a:t>
             </a:r>
             <a:endParaRPr lang="zh-TW" altLang="en-US" noProof="0" dirty="0"/>
@@ -6157,10 +6233,9 @@
           <a:p>
             <a:pPr rtl="0"/>
             <a:r>
-              <a:rPr lang="zh-TW" altLang="en-US" noProof="0" dirty="0" smtClean="0"/>
+              <a:rPr lang="zh-TW" altLang="en-US" noProof="0" dirty="0"/>
               <a:t>新增頁尾</a:t>
             </a:r>
-            <a:endParaRPr lang="zh-TW" altLang="en-US" noProof="0" dirty="0"/>
           </a:p>
         </p:txBody>
       </p:sp>
@@ -6275,7 +6350,7 @@
           <a:p>
             <a:pPr rtl="0"/>
             <a:r>
-              <a:rPr lang="zh-TW" altLang="en-US" smtClean="0"/>
+              <a:rPr lang="zh-TW" altLang="en-US"/>
               <a:t>按一下以編輯母片標題樣式</a:t>
             </a:r>
             <a:endParaRPr lang="zh-TW" altLang="en-US" dirty="0"/>
@@ -6299,35 +6374,35 @@
           <a:p>
             <a:pPr lvl="0" rtl="0"/>
             <a:r>
-              <a:rPr lang="zh-TW" altLang="en-US" smtClean="0"/>
+              <a:rPr lang="zh-TW" altLang="en-US"/>
               <a:t>編輯母片文字樣式</a:t>
             </a:r>
           </a:p>
           <a:p>
             <a:pPr lvl="1" rtl="0"/>
             <a:r>
-              <a:rPr lang="zh-TW" altLang="en-US" smtClean="0"/>
+              <a:rPr lang="zh-TW" altLang="en-US"/>
               <a:t>第二層</a:t>
             </a:r>
           </a:p>
           <a:p>
             <a:pPr lvl="2" rtl="0"/>
             <a:r>
-              <a:rPr lang="zh-TW" altLang="en-US" smtClean="0"/>
+              <a:rPr lang="zh-TW" altLang="en-US"/>
               <a:t>第三層</a:t>
             </a:r>
           </a:p>
           <a:p>
             <a:pPr lvl="3" rtl="0"/>
             <a:r>
-              <a:rPr lang="zh-TW" altLang="en-US" smtClean="0"/>
+              <a:rPr lang="zh-TW" altLang="en-US"/>
               <a:t>第四層</a:t>
             </a:r>
           </a:p>
           <a:p>
             <a:pPr lvl="4" rtl="0"/>
             <a:r>
-              <a:rPr lang="zh-TW" altLang="en-US" smtClean="0"/>
+              <a:rPr lang="zh-TW" altLang="en-US"/>
               <a:t>第五層</a:t>
             </a:r>
             <a:endParaRPr lang="zh-TW" altLang="en-US" dirty="0"/>
@@ -6351,10 +6426,9 @@
           <a:p>
             <a:pPr rtl="0"/>
             <a:r>
-              <a:rPr lang="zh-TW" altLang="en-US" dirty="0" smtClean="0"/>
+              <a:rPr lang="zh-TW" altLang="en-US" dirty="0"/>
               <a:t>新增頁尾</a:t>
             </a:r>
-            <a:endParaRPr lang="zh-TW" altLang="en-US" dirty="0"/>
           </a:p>
         </p:txBody>
       </p:sp>
@@ -6480,7 +6554,7 @@
           <a:p>
             <a:pPr rtl="0"/>
             <a:r>
-              <a:rPr lang="zh-TW" altLang="en-US" smtClean="0"/>
+              <a:rPr lang="zh-TW" altLang="en-US"/>
               <a:t>按一下以編輯母片標題樣式</a:t>
             </a:r>
             <a:endParaRPr lang="zh-TW" altLang="en-US" dirty="0"/>
@@ -6603,7 +6677,7 @@
           <a:p>
             <a:pPr lvl="0" rtl="0"/>
             <a:r>
-              <a:rPr lang="zh-TW" altLang="en-US" smtClean="0"/>
+              <a:rPr lang="zh-TW" altLang="en-US"/>
               <a:t>編輯母片文字樣式</a:t>
             </a:r>
           </a:p>
@@ -6626,10 +6700,9 @@
           <a:p>
             <a:pPr rtl="0"/>
             <a:r>
-              <a:rPr lang="zh-TW" altLang="en-US" dirty="0" smtClean="0"/>
+              <a:rPr lang="zh-TW" altLang="en-US" dirty="0"/>
               <a:t>新增頁尾</a:t>
             </a:r>
-            <a:endParaRPr lang="zh-TW" altLang="en-US" dirty="0"/>
           </a:p>
         </p:txBody>
       </p:sp>
@@ -6744,7 +6817,7 @@
           <a:p>
             <a:pPr rtl="0"/>
             <a:r>
-              <a:rPr lang="zh-TW" altLang="en-US" smtClean="0"/>
+              <a:rPr lang="zh-TW" altLang="en-US"/>
               <a:t>按一下以編輯母片標題樣式</a:t>
             </a:r>
             <a:endParaRPr lang="zh-TW" altLang="en-US" dirty="0"/>
@@ -6773,35 +6846,35 @@
           <a:p>
             <a:pPr lvl="0" rtl="0"/>
             <a:r>
-              <a:rPr lang="zh-TW" altLang="en-US" smtClean="0"/>
+              <a:rPr lang="zh-TW" altLang="en-US"/>
               <a:t>編輯母片文字樣式</a:t>
             </a:r>
           </a:p>
           <a:p>
             <a:pPr lvl="1" rtl="0"/>
             <a:r>
-              <a:rPr lang="zh-TW" altLang="en-US" smtClean="0"/>
+              <a:rPr lang="zh-TW" altLang="en-US"/>
               <a:t>第二層</a:t>
             </a:r>
           </a:p>
           <a:p>
             <a:pPr lvl="2" rtl="0"/>
             <a:r>
-              <a:rPr lang="zh-TW" altLang="en-US" smtClean="0"/>
+              <a:rPr lang="zh-TW" altLang="en-US"/>
               <a:t>第三層</a:t>
             </a:r>
           </a:p>
           <a:p>
             <a:pPr lvl="3" rtl="0"/>
             <a:r>
-              <a:rPr lang="zh-TW" altLang="en-US" smtClean="0"/>
+              <a:rPr lang="zh-TW" altLang="en-US"/>
               <a:t>第四層</a:t>
             </a:r>
           </a:p>
           <a:p>
             <a:pPr lvl="4" rtl="0"/>
             <a:r>
-              <a:rPr lang="zh-TW" altLang="en-US" smtClean="0"/>
+              <a:rPr lang="zh-TW" altLang="en-US"/>
               <a:t>第五層</a:t>
             </a:r>
             <a:endParaRPr lang="zh-TW" altLang="en-US" dirty="0"/>
@@ -6830,35 +6903,35 @@
           <a:p>
             <a:pPr lvl="0" rtl="0"/>
             <a:r>
-              <a:rPr lang="zh-TW" altLang="en-US" smtClean="0"/>
+              <a:rPr lang="zh-TW" altLang="en-US"/>
               <a:t>編輯母片文字樣式</a:t>
             </a:r>
           </a:p>
           <a:p>
             <a:pPr lvl="1" rtl="0"/>
             <a:r>
-              <a:rPr lang="zh-TW" altLang="en-US" smtClean="0"/>
+              <a:rPr lang="zh-TW" altLang="en-US"/>
               <a:t>第二層</a:t>
             </a:r>
           </a:p>
           <a:p>
             <a:pPr lvl="2" rtl="0"/>
             <a:r>
-              <a:rPr lang="zh-TW" altLang="en-US" smtClean="0"/>
+              <a:rPr lang="zh-TW" altLang="en-US"/>
               <a:t>第三層</a:t>
             </a:r>
           </a:p>
           <a:p>
             <a:pPr lvl="3" rtl="0"/>
             <a:r>
-              <a:rPr lang="zh-TW" altLang="en-US" smtClean="0"/>
+              <a:rPr lang="zh-TW" altLang="en-US"/>
               <a:t>第四層</a:t>
             </a:r>
           </a:p>
           <a:p>
             <a:pPr lvl="4" rtl="0"/>
             <a:r>
-              <a:rPr lang="zh-TW" altLang="en-US" smtClean="0"/>
+              <a:rPr lang="zh-TW" altLang="en-US"/>
               <a:t>第五層</a:t>
             </a:r>
             <a:endParaRPr lang="zh-TW" altLang="en-US" dirty="0"/>
@@ -6882,10 +6955,9 @@
           <a:p>
             <a:pPr rtl="0"/>
             <a:r>
-              <a:rPr lang="zh-TW" altLang="en-US" dirty="0" smtClean="0"/>
+              <a:rPr lang="zh-TW" altLang="en-US" dirty="0"/>
               <a:t>新增頁尾</a:t>
             </a:r>
-            <a:endParaRPr lang="zh-TW" altLang="en-US" dirty="0"/>
           </a:p>
         </p:txBody>
       </p:sp>
@@ -7000,7 +7072,7 @@
           <a:p>
             <a:pPr rtl="0"/>
             <a:r>
-              <a:rPr lang="zh-TW" altLang="en-US" smtClean="0"/>
+              <a:rPr lang="zh-TW" altLang="en-US"/>
               <a:t>按一下以編輯母片標題樣式</a:t>
             </a:r>
             <a:endParaRPr lang="zh-TW" altLang="en-US" dirty="0"/>
@@ -7073,7 +7145,7 @@
           <a:p>
             <a:pPr lvl="0" rtl="0"/>
             <a:r>
-              <a:rPr lang="zh-TW" altLang="en-US" smtClean="0"/>
+              <a:rPr lang="zh-TW" altLang="en-US"/>
               <a:t>編輯母片文字樣式</a:t>
             </a:r>
           </a:p>
@@ -7101,35 +7173,35 @@
           <a:p>
             <a:pPr lvl="0" rtl="0"/>
             <a:r>
-              <a:rPr lang="zh-TW" altLang="en-US" smtClean="0"/>
+              <a:rPr lang="zh-TW" altLang="en-US"/>
               <a:t>編輯母片文字樣式</a:t>
             </a:r>
           </a:p>
           <a:p>
             <a:pPr lvl="1" rtl="0"/>
             <a:r>
-              <a:rPr lang="zh-TW" altLang="en-US" smtClean="0"/>
+              <a:rPr lang="zh-TW" altLang="en-US"/>
               <a:t>第二層</a:t>
             </a:r>
           </a:p>
           <a:p>
             <a:pPr lvl="2" rtl="0"/>
             <a:r>
-              <a:rPr lang="zh-TW" altLang="en-US" smtClean="0"/>
+              <a:rPr lang="zh-TW" altLang="en-US"/>
               <a:t>第三層</a:t>
             </a:r>
           </a:p>
           <a:p>
             <a:pPr lvl="3" rtl="0"/>
             <a:r>
-              <a:rPr lang="zh-TW" altLang="en-US" smtClean="0"/>
+              <a:rPr lang="zh-TW" altLang="en-US"/>
               <a:t>第四層</a:t>
             </a:r>
           </a:p>
           <a:p>
             <a:pPr lvl="4" rtl="0"/>
             <a:r>
-              <a:rPr lang="zh-TW" altLang="en-US" smtClean="0"/>
+              <a:rPr lang="zh-TW" altLang="en-US"/>
               <a:t>第五層</a:t>
             </a:r>
             <a:endParaRPr lang="zh-TW" altLang="en-US" dirty="0"/>
@@ -7202,7 +7274,7 @@
           <a:p>
             <a:pPr lvl="0" rtl="0"/>
             <a:r>
-              <a:rPr lang="zh-TW" altLang="en-US" smtClean="0"/>
+              <a:rPr lang="zh-TW" altLang="en-US"/>
               <a:t>編輯母片文字樣式</a:t>
             </a:r>
           </a:p>
@@ -7230,35 +7302,35 @@
           <a:p>
             <a:pPr lvl="0" rtl="0"/>
             <a:r>
-              <a:rPr lang="zh-TW" altLang="en-US" smtClean="0"/>
+              <a:rPr lang="zh-TW" altLang="en-US"/>
               <a:t>編輯母片文字樣式</a:t>
             </a:r>
           </a:p>
           <a:p>
             <a:pPr lvl="1" rtl="0"/>
             <a:r>
-              <a:rPr lang="zh-TW" altLang="en-US" smtClean="0"/>
+              <a:rPr lang="zh-TW" altLang="en-US"/>
               <a:t>第二層</a:t>
             </a:r>
           </a:p>
           <a:p>
             <a:pPr lvl="2" rtl="0"/>
             <a:r>
-              <a:rPr lang="zh-TW" altLang="en-US" smtClean="0"/>
+              <a:rPr lang="zh-TW" altLang="en-US"/>
               <a:t>第三層</a:t>
             </a:r>
           </a:p>
           <a:p>
             <a:pPr lvl="3" rtl="0"/>
             <a:r>
-              <a:rPr lang="zh-TW" altLang="en-US" smtClean="0"/>
+              <a:rPr lang="zh-TW" altLang="en-US"/>
               <a:t>第四層</a:t>
             </a:r>
           </a:p>
           <a:p>
             <a:pPr lvl="4" rtl="0"/>
             <a:r>
-              <a:rPr lang="zh-TW" altLang="en-US" smtClean="0"/>
+              <a:rPr lang="zh-TW" altLang="en-US"/>
               <a:t>第五層</a:t>
             </a:r>
             <a:endParaRPr lang="zh-TW" altLang="en-US" dirty="0"/>
@@ -7282,10 +7354,9 @@
           <a:p>
             <a:pPr rtl="0"/>
             <a:r>
-              <a:rPr lang="zh-TW" altLang="en-US" dirty="0" smtClean="0"/>
+              <a:rPr lang="zh-TW" altLang="en-US" dirty="0"/>
               <a:t>新增頁尾</a:t>
             </a:r>
-            <a:endParaRPr lang="zh-TW" altLang="en-US" dirty="0"/>
           </a:p>
         </p:txBody>
       </p:sp>
@@ -7400,7 +7471,7 @@
           <a:p>
             <a:pPr rtl="0"/>
             <a:r>
-              <a:rPr lang="zh-TW" altLang="en-US" smtClean="0"/>
+              <a:rPr lang="zh-TW" altLang="en-US"/>
               <a:t>按一下以編輯母片標題樣式</a:t>
             </a:r>
             <a:endParaRPr lang="zh-TW" altLang="en-US" dirty="0"/>
@@ -7424,10 +7495,9 @@
           <a:p>
             <a:pPr rtl="0"/>
             <a:r>
-              <a:rPr lang="zh-TW" altLang="en-US" dirty="0" smtClean="0"/>
+              <a:rPr lang="zh-TW" altLang="en-US" dirty="0"/>
               <a:t>新增頁尾</a:t>
             </a:r>
-            <a:endParaRPr lang="zh-TW" altLang="en-US" dirty="0"/>
           </a:p>
         </p:txBody>
       </p:sp>
@@ -7542,10 +7612,9 @@
           <a:p>
             <a:pPr rtl="0"/>
             <a:r>
-              <a:rPr lang="zh-TW" altLang="en-US" dirty="0" smtClean="0"/>
+              <a:rPr lang="zh-TW" altLang="en-US" dirty="0"/>
               <a:t>新增頁尾</a:t>
             </a:r>
-            <a:endParaRPr lang="zh-TW" altLang="en-US" dirty="0"/>
           </a:p>
         </p:txBody>
       </p:sp>
@@ -7725,7 +7794,7 @@
           <a:p>
             <a:pPr rtl="0"/>
             <a:r>
-              <a:rPr lang="zh-TW" altLang="en-US" smtClean="0"/>
+              <a:rPr lang="zh-TW" altLang="en-US"/>
               <a:t>按一下以編輯母片標題樣式</a:t>
             </a:r>
             <a:endParaRPr lang="zh-TW" altLang="en-US" dirty="0"/>
@@ -7799,35 +7868,35 @@
           <a:p>
             <a:pPr lvl="0" rtl="0"/>
             <a:r>
-              <a:rPr lang="zh-TW" altLang="en-US" smtClean="0"/>
+              <a:rPr lang="zh-TW" altLang="en-US"/>
               <a:t>編輯母片文字樣式</a:t>
             </a:r>
           </a:p>
           <a:p>
             <a:pPr lvl="1" rtl="0"/>
             <a:r>
-              <a:rPr lang="zh-TW" altLang="en-US" smtClean="0"/>
+              <a:rPr lang="zh-TW" altLang="en-US"/>
               <a:t>第二層</a:t>
             </a:r>
           </a:p>
           <a:p>
             <a:pPr lvl="2" rtl="0"/>
             <a:r>
-              <a:rPr lang="zh-TW" altLang="en-US" smtClean="0"/>
+              <a:rPr lang="zh-TW" altLang="en-US"/>
               <a:t>第三層</a:t>
             </a:r>
           </a:p>
           <a:p>
             <a:pPr lvl="3" rtl="0"/>
             <a:r>
-              <a:rPr lang="zh-TW" altLang="en-US" smtClean="0"/>
+              <a:rPr lang="zh-TW" altLang="en-US"/>
               <a:t>第四層</a:t>
             </a:r>
           </a:p>
           <a:p>
             <a:pPr lvl="4" rtl="0"/>
             <a:r>
-              <a:rPr lang="zh-TW" altLang="en-US" smtClean="0"/>
+              <a:rPr lang="zh-TW" altLang="en-US"/>
               <a:t>第五層</a:t>
             </a:r>
             <a:endParaRPr lang="zh-TW" altLang="en-US" dirty="0"/>
@@ -7901,7 +7970,7 @@
           <a:p>
             <a:pPr lvl="0" rtl="0"/>
             <a:r>
-              <a:rPr lang="zh-TW" altLang="en-US" smtClean="0"/>
+              <a:rPr lang="zh-TW" altLang="en-US"/>
               <a:t>編輯母片文字樣式</a:t>
             </a:r>
           </a:p>
@@ -7980,7 +8049,7 @@
           <a:p>
             <a:pPr rtl="0"/>
             <a:r>
-              <a:rPr lang="zh-TW" altLang="en-US" smtClean="0"/>
+              <a:rPr lang="zh-TW" altLang="en-US"/>
               <a:t>按一下以編輯母片標題樣式</a:t>
             </a:r>
             <a:endParaRPr lang="zh-TW" altLang="en-US" dirty="0"/>
@@ -8054,7 +8123,7 @@
           <a:p>
             <a:pPr rtl="0"/>
             <a:r>
-              <a:rPr lang="zh-TW" altLang="en-US" smtClean="0"/>
+              <a:rPr lang="zh-TW" altLang="en-US"/>
               <a:t>按一下圖示以新增圖片</a:t>
             </a:r>
             <a:endParaRPr lang="zh-TW" altLang="en-US" dirty="0"/>
@@ -8128,7 +8197,7 @@
           <a:p>
             <a:pPr lvl="0" rtl="0"/>
             <a:r>
-              <a:rPr lang="zh-TW" altLang="en-US" smtClean="0"/>
+              <a:rPr lang="zh-TW" altLang="en-US"/>
               <a:t>編輯母片文字樣式</a:t>
             </a:r>
           </a:p>
@@ -8268,10 +8337,9 @@
           <a:p>
             <a:pPr rtl="0"/>
             <a:r>
-              <a:rPr lang="zh-TW" altLang="en-US" dirty="0" smtClean="0"/>
+              <a:rPr lang="zh-TW" altLang="en-US" dirty="0"/>
               <a:t>按一下以編輯母片標題樣式</a:t>
             </a:r>
-            <a:endParaRPr lang="zh-TW" altLang="en-US" dirty="0"/>
           </a:p>
         </p:txBody>
       </p:sp>
@@ -8302,38 +8370,37 @@
           <a:p>
             <a:pPr lvl="0" rtl="0"/>
             <a:r>
-              <a:rPr lang="zh-TW" altLang="en-US" dirty="0" smtClean="0"/>
+              <a:rPr lang="zh-TW" altLang="en-US" dirty="0"/>
               <a:t>按一下以編輯母片文字樣式</a:t>
             </a:r>
           </a:p>
           <a:p>
             <a:pPr lvl="1" rtl="0"/>
             <a:r>
-              <a:rPr lang="zh-TW" altLang="en-US" dirty="0" smtClean="0"/>
+              <a:rPr lang="zh-TW" altLang="en-US" dirty="0"/>
               <a:t>第二層</a:t>
             </a:r>
           </a:p>
           <a:p>
             <a:pPr lvl="2" rtl="0"/>
             <a:r>
-              <a:rPr lang="zh-TW" altLang="en-US" dirty="0" smtClean="0"/>
+              <a:rPr lang="zh-TW" altLang="en-US" dirty="0"/>
               <a:t>第三層</a:t>
             </a:r>
           </a:p>
           <a:p>
             <a:pPr lvl="3" rtl="0"/>
             <a:r>
-              <a:rPr lang="zh-TW" altLang="en-US" dirty="0" smtClean="0"/>
+              <a:rPr lang="zh-TW" altLang="en-US" dirty="0"/>
               <a:t>第四層</a:t>
             </a:r>
           </a:p>
           <a:p>
             <a:pPr lvl="4" rtl="0"/>
             <a:r>
-              <a:rPr lang="zh-TW" altLang="en-US" dirty="0" smtClean="0"/>
+              <a:rPr lang="zh-TW" altLang="en-US" dirty="0"/>
               <a:t>第五層</a:t>
             </a:r>
-            <a:endParaRPr lang="zh-TW" altLang="en-US" dirty="0"/>
           </a:p>
         </p:txBody>
       </p:sp>
@@ -8373,7 +8440,7 @@
           </a:lstStyle>
           <a:p>
             <a:r>
-              <a:rPr lang="zh-TW" altLang="en-US" smtClean="0"/>
+              <a:rPr lang="zh-TW" altLang="en-US"/>
               <a:t>新增頁尾</a:t>
             </a:r>
             <a:endParaRPr lang="zh-TW" altLang="en-US" dirty="0"/>
@@ -8841,18 +8908,13 @@
           <a:p>
             <a:pPr rtl="0"/>
             <a:r>
-              <a:rPr lang="zh-TW" altLang="en-US" sz="8800" i="1" dirty="0" smtClean="0">
+              <a:rPr lang="zh-TW" altLang="en-US" sz="8800" i="1" dirty="0">
                 <a:latin typeface="Arial" panose="020B0604020202020204" pitchFamily="34" charset="0"/>
                 <a:ea typeface="微軟正黑體" panose="020B0604030504040204" pitchFamily="34" charset="-120"/>
                 <a:sym typeface="Arial" panose="020B0604020202020204" pitchFamily="34" charset="0"/>
               </a:rPr>
               <a:t>籃球秘書</a:t>
             </a:r>
-            <a:endParaRPr lang="zh-TW" altLang="en-US" sz="8800" i="1" dirty="0">
-              <a:latin typeface="Arial" panose="020B0604020202020204" pitchFamily="34" charset="0"/>
-              <a:ea typeface="微軟正黑體" panose="020B0604030504040204" pitchFamily="34" charset="-120"/>
-              <a:sym typeface="Arial" panose="020B0604020202020204" pitchFamily="34" charset="0"/>
-            </a:endParaRPr>
           </a:p>
         </p:txBody>
       </p:sp>
@@ -8880,27 +8942,27 @@
           <a:p>
             <a:pPr algn="r" rtl="0"/>
             <a:r>
-              <a:rPr lang="zh-TW" altLang="en-US" sz="1600" b="0" i="1" dirty="0" smtClean="0">
+              <a:rPr lang="zh-TW" altLang="en-US" sz="1600" b="0" i="1" dirty="0">
                 <a:latin typeface="Arial" panose="020B0604020202020204" pitchFamily="34" charset="0"/>
                 <a:sym typeface="Arial" panose="020B0604020202020204" pitchFamily="34" charset="0"/>
               </a:rPr>
               <a:t>組員：</a:t>
             </a:r>
             <a:r>
-              <a:rPr lang="en-US" altLang="zh-TW" sz="1600" b="0" i="1" dirty="0" smtClean="0">
+              <a:rPr lang="en-US" altLang="zh-TW" sz="1600" b="0" i="1" dirty="0">
                 <a:latin typeface="Arial" panose="020B0604020202020204" pitchFamily="34" charset="0"/>
                 <a:sym typeface="Arial" panose="020B0604020202020204" pitchFamily="34" charset="0"/>
               </a:rPr>
               <a:t>105590023</a:t>
             </a:r>
             <a:r>
-              <a:rPr lang="zh-TW" altLang="en-US" sz="1600" b="0" i="1" dirty="0" smtClean="0">
+              <a:rPr lang="zh-TW" altLang="en-US" sz="1600" b="0" i="1" dirty="0">
                 <a:latin typeface="Arial" panose="020B0604020202020204" pitchFamily="34" charset="0"/>
                 <a:sym typeface="Arial" panose="020B0604020202020204" pitchFamily="34" charset="0"/>
               </a:rPr>
               <a:t> 芮嘉輝</a:t>
             </a:r>
-            <a:endParaRPr lang="en-US" altLang="zh-TW" sz="1600" b="0" i="1" dirty="0" smtClean="0">
+            <a:endParaRPr lang="en-US" altLang="zh-TW" sz="1600" b="0" i="1" dirty="0">
               <a:latin typeface="Arial" panose="020B0604020202020204" pitchFamily="34" charset="0"/>
               <a:sym typeface="Arial" panose="020B0604020202020204" pitchFamily="34" charset="0"/>
             </a:endParaRPr>
@@ -8912,23 +8974,16 @@
                 <a:latin typeface="Arial" panose="020B0604020202020204" pitchFamily="34" charset="0"/>
                 <a:sym typeface="Arial" panose="020B0604020202020204" pitchFamily="34" charset="0"/>
               </a:rPr>
-              <a:t>	</a:t>
-            </a:r>
-            <a:r>
-              <a:rPr lang="en-US" altLang="zh-TW" sz="1600" i="1" dirty="0" smtClean="0">
-                <a:latin typeface="Arial" panose="020B0604020202020204" pitchFamily="34" charset="0"/>
-                <a:sym typeface="Arial" panose="020B0604020202020204" pitchFamily="34" charset="0"/>
-              </a:rPr>
-              <a:t>105590026</a:t>
-            </a:r>
-            <a:r>
-              <a:rPr lang="zh-TW" altLang="en-US" sz="1600" i="1" dirty="0" smtClean="0">
+              <a:t>	105590026</a:t>
+            </a:r>
+            <a:r>
+              <a:rPr lang="zh-TW" altLang="en-US" sz="1600" i="1" dirty="0">
                 <a:latin typeface="Arial" panose="020B0604020202020204" pitchFamily="34" charset="0"/>
                 <a:sym typeface="Arial" panose="020B0604020202020204" pitchFamily="34" charset="0"/>
               </a:rPr>
               <a:t> 黃彥穎</a:t>
             </a:r>
-            <a:endParaRPr lang="en-US" altLang="zh-TW" sz="1600" i="1" dirty="0" smtClean="0">
+            <a:endParaRPr lang="en-US" altLang="zh-TW" sz="1600" i="1" dirty="0">
               <a:latin typeface="Arial" panose="020B0604020202020204" pitchFamily="34" charset="0"/>
               <a:sym typeface="Arial" panose="020B0604020202020204" pitchFamily="34" charset="0"/>
             </a:endParaRPr>
@@ -8936,20 +8991,20 @@
           <a:p>
             <a:pPr algn="r" rtl="0"/>
             <a:r>
-              <a:rPr lang="en-US" altLang="zh-TW" sz="1600" b="0" i="1" dirty="0" smtClean="0">
+              <a:rPr lang="en-US" altLang="zh-TW" sz="1600" b="0" i="1" dirty="0">
                 <a:latin typeface="Arial" panose="020B0604020202020204" pitchFamily="34" charset="0"/>
                 <a:sym typeface="Arial" panose="020B0604020202020204" pitchFamily="34" charset="0"/>
               </a:rPr>
               <a:t>	105590028</a:t>
             </a:r>
             <a:r>
-              <a:rPr lang="zh-TW" altLang="en-US" sz="1600" b="0" i="1" dirty="0" smtClean="0">
+              <a:rPr lang="zh-TW" altLang="en-US" sz="1600" b="0" i="1" dirty="0">
                 <a:latin typeface="Arial" panose="020B0604020202020204" pitchFamily="34" charset="0"/>
                 <a:sym typeface="Arial" panose="020B0604020202020204" pitchFamily="34" charset="0"/>
               </a:rPr>
               <a:t> 鄭宇翔</a:t>
             </a:r>
-            <a:endParaRPr lang="en-US" altLang="zh-TW" sz="1600" b="0" i="1" dirty="0" smtClean="0">
+            <a:endParaRPr lang="en-US" altLang="zh-TW" sz="1600" b="0" i="1" dirty="0">
               <a:latin typeface="Arial" panose="020B0604020202020204" pitchFamily="34" charset="0"/>
               <a:sym typeface="Arial" panose="020B0604020202020204" pitchFamily="34" charset="0"/>
             </a:endParaRPr>
@@ -8961,17 +9016,10 @@
                 <a:latin typeface="Arial" panose="020B0604020202020204" pitchFamily="34" charset="0"/>
                 <a:sym typeface="Arial" panose="020B0604020202020204" pitchFamily="34" charset="0"/>
               </a:rPr>
-              <a:t>	</a:t>
-            </a:r>
-            <a:r>
-              <a:rPr lang="en-US" altLang="zh-TW" sz="1600" i="1" dirty="0" smtClean="0">
-                <a:latin typeface="Arial" panose="020B0604020202020204" pitchFamily="34" charset="0"/>
-                <a:sym typeface="Arial" panose="020B0604020202020204" pitchFamily="34" charset="0"/>
-              </a:rPr>
-              <a:t>105590030</a:t>
-            </a:r>
-            <a:r>
-              <a:rPr lang="zh-TW" altLang="en-US" sz="1600" i="1" dirty="0" smtClean="0">
+              <a:t>	105590030</a:t>
+            </a:r>
+            <a:r>
+              <a:rPr lang="zh-TW" altLang="en-US" sz="1600" i="1" dirty="0">
                 <a:latin typeface="Arial" panose="020B0604020202020204" pitchFamily="34" charset="0"/>
                 <a:sym typeface="Arial" panose="020B0604020202020204" pitchFamily="34" charset="0"/>
               </a:rPr>
@@ -9006,13 +9054,6 @@
       </p:transition>
     </mc:Fallback>
   </mc:AlternateContent>
-  <p:timing>
-    <p:tnLst>
-      <p:par>
-        <p:cTn id="1" dur="indefinite" restart="never" nodeType="tmRoot"/>
-      </p:par>
-    </p:tnLst>
-  </p:timing>
 </p:sld>
 </file>
 
@@ -9057,18 +9098,11 @@
           <a:p>
             <a:pPr rtl="0"/>
             <a:r>
-              <a:rPr lang="zh-TW" altLang="en-US" dirty="0" smtClean="0">
-                <a:latin typeface="Arial" panose="020B0604020202020204" pitchFamily="34" charset="0"/>
-                <a:sym typeface="Arial" panose="020B0604020202020204" pitchFamily="34" charset="0"/>
-              </a:rPr>
-              <a:t>目標與動</a:t>
-            </a:r>
-            <a:r>
               <a:rPr lang="zh-TW" altLang="en-US" dirty="0">
                 <a:latin typeface="Arial" panose="020B0604020202020204" pitchFamily="34" charset="0"/>
                 <a:sym typeface="Arial" panose="020B0604020202020204" pitchFamily="34" charset="0"/>
               </a:rPr>
-              <a:t>機</a:t>
+              <a:t>目標與動機</a:t>
             </a:r>
             <a:endParaRPr lang="zh-TW" altLang="en-US" b="1" dirty="0">
               <a:latin typeface="Arial" panose="020B0604020202020204" pitchFamily="34" charset="0"/>
@@ -9131,17 +9165,10 @@
                 <a:latin typeface="Arial" panose="020B0604020202020204" pitchFamily="34" charset="0"/>
                 <a:sym typeface="Arial" panose="020B0604020202020204" pitchFamily="34" charset="0"/>
               </a:rPr>
-              <a:t> </a:t>
-            </a:r>
-            <a:r>
-              <a:rPr lang="zh-TW" altLang="en-US" dirty="0" smtClean="0">
-                <a:latin typeface="Arial" panose="020B0604020202020204" pitchFamily="34" charset="0"/>
-                <a:sym typeface="Arial" panose="020B0604020202020204" pitchFamily="34" charset="0"/>
-              </a:rPr>
-              <a:t>   </a:t>
-            </a:r>
-            <a:r>
-              <a:rPr lang="zh-TW" altLang="en-US" sz="1600" b="0" dirty="0" smtClean="0">
+              <a:t>    </a:t>
+            </a:r>
+            <a:r>
+              <a:rPr lang="zh-TW" altLang="en-US" sz="1600" b="0" dirty="0">
                 <a:latin typeface="Arial" panose="020B0604020202020204" pitchFamily="34" charset="0"/>
                 <a:ea typeface="微軟正黑體" panose="020B0604030504040204" pitchFamily="34" charset="-120"/>
                 <a:sym typeface="Arial" panose="020B0604020202020204" pitchFamily="34" charset="0"/>
@@ -9149,7 +9176,7 @@
               <a:t>全世界有超過</a:t>
             </a:r>
             <a:r>
-              <a:rPr lang="en-US" altLang="zh-TW" sz="1600" b="0" dirty="0" smtClean="0">
+              <a:rPr lang="en-US" altLang="zh-TW" sz="1600" b="0" dirty="0">
                 <a:latin typeface="Arial" panose="020B0604020202020204" pitchFamily="34" charset="0"/>
                 <a:ea typeface="微軟正黑體" panose="020B0604030504040204" pitchFamily="34" charset="-120"/>
                 <a:sym typeface="Arial" panose="020B0604020202020204" pitchFamily="34" charset="0"/>
@@ -9157,7 +9184,7 @@
               <a:t>800</a:t>
             </a:r>
             <a:r>
-              <a:rPr lang="zh-TW" altLang="en-US" sz="1600" b="0" dirty="0" smtClean="0">
+              <a:rPr lang="zh-TW" altLang="en-US" sz="1600" b="0" dirty="0">
                 <a:latin typeface="Arial" panose="020B0604020202020204" pitchFamily="34" charset="0"/>
                 <a:ea typeface="微軟正黑體" panose="020B0604030504040204" pitchFamily="34" charset="-120"/>
                 <a:sym typeface="Arial" panose="020B0604020202020204" pitchFamily="34" charset="0"/>
@@ -9165,7 +9192,7 @@
               <a:t>萬的籃球迷，但在現今「小球戰術」席捲籃球，籃球員不再被先天身材所侷限住發展位置，因此本次專題使用</a:t>
             </a:r>
             <a:r>
-              <a:rPr lang="en-US" altLang="zh-TW" sz="1600" b="0" dirty="0" smtClean="0">
+              <a:rPr lang="en-US" altLang="zh-TW" sz="1600" b="0" dirty="0">
                 <a:latin typeface="Arial" panose="020B0604020202020204" pitchFamily="34" charset="0"/>
                 <a:ea typeface="微軟正黑體" panose="020B0604030504040204" pitchFamily="34" charset="-120"/>
                 <a:sym typeface="Arial" panose="020B0604020202020204" pitchFamily="34" charset="0"/>
@@ -9173,7 +9200,7 @@
               <a:t>K-Means</a:t>
             </a:r>
             <a:r>
-              <a:rPr lang="zh-TW" altLang="en-US" sz="1600" b="0" dirty="0" smtClean="0">
+              <a:rPr lang="zh-TW" altLang="en-US" sz="1600" b="0" dirty="0">
                 <a:latin typeface="Arial" panose="020B0604020202020204" pitchFamily="34" charset="0"/>
                 <a:ea typeface="微軟正黑體" panose="020B0604030504040204" pitchFamily="34" charset="-120"/>
                 <a:sym typeface="Arial" panose="020B0604020202020204" pitchFamily="34" charset="0"/>
@@ -9181,21 +9208,14 @@
               <a:t>進行</a:t>
             </a:r>
             <a:r>
-              <a:rPr lang="zh-TW" altLang="en-US" sz="1600" dirty="0" smtClean="0">
-                <a:latin typeface="Arial" panose="020B0604020202020204" pitchFamily="34" charset="0"/>
-                <a:sym typeface="Arial" panose="020B0604020202020204" pitchFamily="34" charset="0"/>
-              </a:rPr>
-              <a:t>機器學</a:t>
-            </a:r>
-            <a:r>
               <a:rPr lang="zh-TW" altLang="en-US" sz="1600" dirty="0">
                 <a:latin typeface="Arial" panose="020B0604020202020204" pitchFamily="34" charset="0"/>
                 <a:sym typeface="Arial" panose="020B0604020202020204" pitchFamily="34" charset="0"/>
               </a:rPr>
-              <a:t>習</a:t>
-            </a:r>
-            <a:r>
-              <a:rPr lang="zh-TW" altLang="en-US" sz="1600" b="0" dirty="0" smtClean="0">
+              <a:t>機器學習</a:t>
+            </a:r>
+            <a:r>
+              <a:rPr lang="zh-TW" altLang="en-US" sz="1600" b="0" dirty="0">
                 <a:latin typeface="Arial" panose="020B0604020202020204" pitchFamily="34" charset="0"/>
                 <a:ea typeface="微軟正黑體" panose="020B0604030504040204" pitchFamily="34" charset="-120"/>
                 <a:sym typeface="Arial" panose="020B0604020202020204" pitchFamily="34" charset="0"/>
@@ -9210,7 +9230,7 @@
               <a:t>數據</a:t>
             </a:r>
             <a:r>
-              <a:rPr lang="zh-TW" altLang="en-US" sz="1600" b="0" dirty="0" smtClean="0">
+              <a:rPr lang="zh-TW" altLang="en-US" sz="1600" b="0" dirty="0">
                 <a:latin typeface="Arial" panose="020B0604020202020204" pitchFamily="34" charset="0"/>
                 <a:ea typeface="微軟正黑體" panose="020B0604030504040204" pitchFamily="34" charset="-120"/>
                 <a:sym typeface="Arial" panose="020B0604020202020204" pitchFamily="34" charset="0"/>
@@ -9275,7 +9295,7 @@
           <a:p>
             <a:pPr rtl="0"/>
             <a:r>
-              <a:rPr lang="en-US" altLang="zh-TW" sz="1200" b="1" i="1" dirty="0" smtClean="0">
+              <a:rPr lang="en-US" altLang="zh-TW" sz="1200" b="1" i="1" dirty="0">
                 <a:latin typeface="Arial" panose="020B0604020202020204" pitchFamily="34" charset="0"/>
                 <a:ea typeface="微軟正黑體" panose="020B0604030504040204" pitchFamily="34" charset="-120"/>
                 <a:cs typeface="Arial" pitchFamily="34" charset="0"/>
@@ -9287,7 +9307,7 @@
           <a:p>
             <a:pPr rtl="0"/>
             <a:r>
-              <a:rPr lang="en-US" altLang="zh-TW" sz="1200" i="1" dirty="0" smtClean="0">
+              <a:rPr lang="en-US" altLang="zh-TW" sz="1200" i="1" dirty="0">
                 <a:latin typeface="Arial" pitchFamily="34" charset="0"/>
                 <a:ea typeface="微軟正黑體" panose="020B0604030504040204" pitchFamily="34" charset="-120"/>
                 <a:cs typeface="Arial" pitchFamily="34" charset="0"/>
@@ -9299,7 +9319,7 @@
           <a:p>
             <a:pPr rtl="0"/>
             <a:r>
-              <a:rPr lang="en-US" altLang="zh-TW" sz="1200" i="1" dirty="0" smtClean="0">
+              <a:rPr lang="en-US" altLang="zh-TW" sz="1200" i="1" dirty="0">
                 <a:latin typeface="Arial" pitchFamily="34" charset="0"/>
                 <a:ea typeface="微軟正黑體" panose="020B0604030504040204" pitchFamily="34" charset="-120"/>
                 <a:cs typeface="Arial" pitchFamily="34" charset="0"/>
@@ -9338,13 +9358,6 @@
       </p:transition>
     </mc:Fallback>
   </mc:AlternateContent>
-  <p:timing>
-    <p:tnLst>
-      <p:par>
-        <p:cTn id="1" dur="indefinite" restart="never" nodeType="tmRoot"/>
-      </p:par>
-    </p:tnLst>
-  </p:timing>
 </p:sld>
 </file>
 
@@ -9387,18 +9400,13 @@
           <a:p>
             <a:pPr rtl="0"/>
             <a:r>
-              <a:rPr lang="zh-TW" altLang="en-US" b="1" dirty="0" smtClean="0">
+              <a:rPr lang="zh-TW" altLang="en-US" b="1" dirty="0">
                 <a:latin typeface="Arial" panose="020B0604020202020204" pitchFamily="34" charset="0"/>
                 <a:ea typeface="微軟正黑體" panose="020B0604030504040204" pitchFamily="34" charset="-120"/>
                 <a:sym typeface="Arial" panose="020B0604020202020204" pitchFamily="34" charset="0"/>
               </a:rPr>
               <a:t>使用工具與開發環境</a:t>
             </a:r>
-            <a:endParaRPr lang="zh-TW" altLang="en-US" b="1" dirty="0">
-              <a:latin typeface="Arial" panose="020B0604020202020204" pitchFamily="34" charset="0"/>
-              <a:ea typeface="微軟正黑體" panose="020B0604030504040204" pitchFamily="34" charset="-120"/>
-              <a:sym typeface="Arial" panose="020B0604020202020204" pitchFamily="34" charset="0"/>
-            </a:endParaRPr>
           </a:p>
         </p:txBody>
       </p:sp>
@@ -9419,7 +9427,7 @@
           <a:p>
             <a:pPr rtl="0"/>
             <a:r>
-              <a:rPr lang="zh-TW" altLang="en-US" b="0" dirty="0" smtClean="0">
+              <a:rPr lang="zh-TW" altLang="en-US" b="0" dirty="0">
                 <a:latin typeface="Arial" panose="020B0604020202020204" pitchFamily="34" charset="0"/>
                 <a:ea typeface="微軟正黑體" panose="020B0604030504040204" pitchFamily="34" charset="-120"/>
                 <a:sym typeface="Arial" panose="020B0604020202020204" pitchFamily="34" charset="0"/>
@@ -9427,7 +9435,7 @@
               <a:t>使用語言：</a:t>
             </a:r>
             <a:r>
-              <a:rPr lang="en-US" altLang="zh-TW" dirty="0" smtClean="0">
+              <a:rPr lang="en-US" altLang="zh-TW" dirty="0">
                 <a:latin typeface="Arial" panose="020B0604020202020204" pitchFamily="34" charset="0"/>
                 <a:sym typeface="Arial" panose="020B0604020202020204" pitchFamily="34" charset="0"/>
               </a:rPr>
@@ -9437,7 +9445,7 @@
           <a:p>
             <a:pPr rtl="0"/>
             <a:r>
-              <a:rPr lang="zh-TW" altLang="en-US" b="0" dirty="0" smtClean="0">
+              <a:rPr lang="zh-TW" altLang="en-US" b="0" dirty="0">
                 <a:latin typeface="Arial" panose="020B0604020202020204" pitchFamily="34" charset="0"/>
                 <a:ea typeface="微軟正黑體" panose="020B0604030504040204" pitchFamily="34" charset="-120"/>
                 <a:sym typeface="Arial" panose="020B0604020202020204" pitchFamily="34" charset="0"/>
@@ -9445,7 +9453,7 @@
               <a:t>演算法：</a:t>
             </a:r>
             <a:r>
-              <a:rPr lang="en-US" altLang="zh-TW" b="0" dirty="0" smtClean="0">
+              <a:rPr lang="en-US" altLang="zh-TW" b="0" dirty="0">
                 <a:latin typeface="Arial" panose="020B0604020202020204" pitchFamily="34" charset="0"/>
                 <a:ea typeface="微軟正黑體" panose="020B0604030504040204" pitchFamily="34" charset="-120"/>
                 <a:sym typeface="Arial" panose="020B0604020202020204" pitchFamily="34" charset="0"/>
@@ -9456,48 +9464,48 @@
           <a:p>
             <a:pPr rtl="0"/>
             <a:r>
-              <a:rPr lang="zh-TW" altLang="en-US" dirty="0" smtClean="0">
+              <a:rPr lang="zh-TW" altLang="en-US" dirty="0">
                 <a:latin typeface="Arial" panose="020B0604020202020204" pitchFamily="34" charset="0"/>
                 <a:sym typeface="Arial" panose="020B0604020202020204" pitchFamily="34" charset="0"/>
               </a:rPr>
               <a:t>開發介面：</a:t>
             </a:r>
             <a:r>
-              <a:rPr lang="en-US" altLang="zh-TW" dirty="0" smtClean="0">
+              <a:rPr lang="en-US" altLang="zh-TW" dirty="0">
                 <a:latin typeface="Arial" panose="020B0604020202020204" pitchFamily="34" charset="0"/>
                 <a:sym typeface="Arial" panose="020B0604020202020204" pitchFamily="34" charset="0"/>
               </a:rPr>
               <a:t>VS</a:t>
             </a:r>
             <a:r>
-              <a:rPr lang="zh-TW" altLang="en-US" dirty="0" smtClean="0">
+              <a:rPr lang="zh-TW" altLang="en-US" dirty="0">
                 <a:latin typeface="Arial" panose="020B0604020202020204" pitchFamily="34" charset="0"/>
                 <a:sym typeface="Arial" panose="020B0604020202020204" pitchFamily="34" charset="0"/>
               </a:rPr>
               <a:t> </a:t>
             </a:r>
             <a:r>
-              <a:rPr lang="en-US" altLang="zh-TW" dirty="0" smtClean="0">
+              <a:rPr lang="en-US" altLang="zh-TW" dirty="0">
                 <a:latin typeface="Arial" panose="020B0604020202020204" pitchFamily="34" charset="0"/>
                 <a:sym typeface="Arial" panose="020B0604020202020204" pitchFamily="34" charset="0"/>
               </a:rPr>
               <a:t>Code + </a:t>
             </a:r>
             <a:r>
-              <a:rPr lang="en-US" altLang="zh-TW" dirty="0" err="1" smtClean="0">
+              <a:rPr lang="en-US" altLang="zh-TW" dirty="0" err="1">
                 <a:latin typeface="Arial" panose="020B0604020202020204" pitchFamily="34" charset="0"/>
                 <a:sym typeface="Arial" panose="020B0604020202020204" pitchFamily="34" charset="0"/>
               </a:rPr>
               <a:t>Jupyter</a:t>
             </a:r>
-            <a:endParaRPr lang="en-US" altLang="zh-TW" dirty="0" smtClean="0">
+            <a:endParaRPr lang="en-US" altLang="zh-TW" dirty="0">
               <a:latin typeface="Arial" panose="020B0604020202020204" pitchFamily="34" charset="0"/>
               <a:sym typeface="Arial" panose="020B0604020202020204" pitchFamily="34" charset="0"/>
             </a:endParaRPr>
           </a:p>
           <a:p>
             <a:r>
-              <a:rPr lang="zh-TW" altLang="en-US" b="0" dirty="0" smtClean="0">
+              <a:rPr lang="zh-TW" altLang="en-US" b="0" dirty="0">
                 <a:latin typeface="Arial" panose="020B0604020202020204" pitchFamily="34" charset="0"/>
                 <a:ea typeface="微軟正黑體" panose="020B0604030504040204" pitchFamily="34" charset="-120"/>
                 <a:sym typeface="Arial" panose="020B0604020202020204" pitchFamily="34" charset="0"/>
@@ -9505,25 +9513,25 @@
               <a:t>套件：</a:t>
             </a:r>
             <a:r>
-              <a:rPr lang="en-US" altLang="zh-TW" dirty="0" err="1" smtClean="0">
+              <a:rPr lang="en-US" altLang="zh-TW" dirty="0" err="1">
                 <a:latin typeface="Arial" panose="020B0604020202020204" pitchFamily="34" charset="0"/>
                 <a:sym typeface="Arial" panose="020B0604020202020204" pitchFamily="34" charset="0"/>
               </a:rPr>
               <a:t>Scikit</a:t>
             </a:r>
             <a:r>
-              <a:rPr lang="en-US" altLang="zh-TW" dirty="0" smtClean="0">
+              <a:rPr lang="en-US" altLang="zh-TW" dirty="0">
                 <a:latin typeface="Arial" panose="020B0604020202020204" pitchFamily="34" charset="0"/>
                 <a:sym typeface="Arial" panose="020B0604020202020204" pitchFamily="34" charset="0"/>
               </a:rPr>
               <a:t>-learn, Pandas, </a:t>
             </a:r>
             <a:r>
-              <a:rPr lang="en-US" altLang="zh-TW" dirty="0" err="1" smtClean="0"/>
+              <a:rPr lang="en-US" altLang="zh-TW" dirty="0" err="1"/>
               <a:t>Seaborn</a:t>
             </a:r>
             <a:r>
-              <a:rPr lang="en-US" altLang="zh-TW" dirty="0" smtClean="0"/>
+              <a:rPr lang="en-US" altLang="zh-TW" dirty="0"/>
               <a:t>, </a:t>
             </a:r>
             <a:r>
@@ -9590,13 +9598,6 @@
       </p:transition>
     </mc:Fallback>
   </mc:AlternateContent>
-  <p:timing>
-    <p:tnLst>
-      <p:par>
-        <p:cTn id="1" dur="indefinite" restart="never" nodeType="tmRoot"/>
-      </p:par>
-    </p:tnLst>
-  </p:timing>
 </p:sld>
 </file>
 
@@ -9629,112 +9630,83 @@
         </p:nvSpPr>
         <p:spPr>
           <a:xfrm>
-            <a:off x="1066800" y="836712"/>
-            <a:ext cx="2148880" cy="611088"/>
+            <a:off x="1066800" y="764704"/>
+            <a:ext cx="4309120" cy="683096"/>
           </a:xfrm>
         </p:spPr>
         <p:txBody>
-          <a:bodyPr/>
+          <a:bodyPr rtlCol="0"/>
           <a:lstStyle/>
           <a:p>
-            <a:r>
-              <a:rPr lang="zh-TW" altLang="en-US" dirty="0" smtClean="0"/>
-              <a:t>參考數據</a:t>
-            </a:r>
-            <a:endParaRPr lang="zh-TW" altLang="en-US" dirty="0"/>
+            <a:pPr rtl="0"/>
+            <a:r>
+              <a:rPr lang="zh-TW" altLang="en-US" dirty="0">
+                <a:latin typeface="Arial" panose="020B0604020202020204" pitchFamily="34" charset="0"/>
+                <a:sym typeface="Arial" panose="020B0604020202020204" pitchFamily="34" charset="0"/>
+              </a:rPr>
+              <a:t>籃球位置基本介紹</a:t>
+            </a:r>
+            <a:endParaRPr lang="zh-TW" altLang="en-US" b="1" dirty="0">
+              <a:latin typeface="Arial" panose="020B0604020202020204" pitchFamily="34" charset="0"/>
+              <a:ea typeface="微軟正黑體" panose="020B0604030504040204" pitchFamily="34" charset="-120"/>
+              <a:sym typeface="Arial" panose="020B0604020202020204" pitchFamily="34" charset="0"/>
+            </a:endParaRPr>
           </a:p>
         </p:txBody>
       </p:sp>
       <p:pic>
         <p:nvPicPr>
-          <p:cNvPr id="4" name="內容版面配置區 3"/>
+          <p:cNvPr id="1028" name="Picture 4" descr="ãbasketball player posãçåçæå°çµæ">
+            <a:extLst>
+              <a:ext uri="{FF2B5EF4-FFF2-40B4-BE49-F238E27FC236}">
+                <a16:creationId xmlns:a16="http://schemas.microsoft.com/office/drawing/2014/main" id="{2A616E96-0717-4BF2-86B4-319D02355124}"/>
+              </a:ext>
+            </a:extLst>
+          </p:cNvPr>
           <p:cNvPicPr>
-            <a:picLocks noGrp="1" noChangeAspect="1"/>
+            <a:picLocks noGrp="1" noChangeAspect="1" noChangeArrowheads="1"/>
           </p:cNvPicPr>
           <p:nvPr>
             <p:ph idx="1"/>
           </p:nvPr>
         </p:nvPicPr>
         <p:blipFill>
-          <a:blip r:embed="rId2"/>
+          <a:blip r:embed="rId3">
+            <a:extLst>
+              <a:ext uri="{28A0092B-C50C-407E-A947-70E740481C1C}">
+                <a14:useLocalDpi xmlns:a14="http://schemas.microsoft.com/office/drawing/2010/main" val="0"/>
+              </a:ext>
+            </a:extLst>
+          </a:blip>
+          <a:srcRect/>
           <a:stretch>
             <a:fillRect/>
           </a:stretch>
         </p:blipFill>
-        <p:spPr>
+        <p:spPr bwMode="auto">
           <a:xfrm>
-            <a:off x="1066800" y="1845773"/>
-            <a:ext cx="10058400" cy="4004654"/>
-          </a:xfrm>
-          <a:prstGeom prst="rect">
-            <a:avLst/>
-          </a:prstGeom>
-        </p:spPr>
-      </p:pic>
-      <p:sp>
-        <p:nvSpPr>
-          <p:cNvPr id="5" name="文字方塊 4"/>
-          <p:cNvSpPr txBox="1"/>
-          <p:nvPr/>
-        </p:nvSpPr>
-        <p:spPr>
-          <a:xfrm>
-            <a:off x="1559496" y="1440873"/>
-            <a:ext cx="7549480" cy="369332"/>
+            <a:off x="2625259" y="1916832"/>
+            <a:ext cx="6941481" cy="4343400"/>
           </a:xfrm>
           <a:prstGeom prst="rect">
             <a:avLst/>
           </a:prstGeom>
           <a:noFill/>
+          <a:extLst>
+            <a:ext uri="{909E8E84-426E-40DD-AFC4-6F175D3DCCD1}">
+              <a14:hiddenFill xmlns:a14="http://schemas.microsoft.com/office/drawing/2010/main">
+                <a:solidFill>
+                  <a:srgbClr val="FFFFFF"/>
+                </a:solidFill>
+              </a14:hiddenFill>
+            </a:ext>
+          </a:extLst>
         </p:spPr>
-        <p:txBody>
-          <a:bodyPr wrap="square" rtlCol="0">
-            <a:spAutoFit/>
-          </a:bodyPr>
-          <a:lstStyle/>
-          <a:p>
-            <a:r>
-              <a:rPr lang="zh-TW" altLang="en-US" dirty="0" smtClean="0">
-                <a:latin typeface="Arial" panose="020B0604020202020204" pitchFamily="34" charset="0"/>
-                <a:ea typeface="微軟正黑體" panose="020B0604030504040204" pitchFamily="34" charset="-120"/>
-              </a:rPr>
-              <a:t>由</a:t>
-            </a:r>
-            <a:r>
-              <a:rPr lang="en-US" altLang="zh-TW" dirty="0" smtClean="0">
-                <a:latin typeface="Arial" panose="020B0604020202020204" pitchFamily="34" charset="0"/>
-                <a:ea typeface="微軟正黑體" panose="020B0604030504040204" pitchFamily="34" charset="-120"/>
-              </a:rPr>
-              <a:t>Basketball Reference</a:t>
-            </a:r>
-            <a:r>
-              <a:rPr lang="zh-TW" altLang="en-US" dirty="0" smtClean="0">
-                <a:latin typeface="Arial" panose="020B0604020202020204" pitchFamily="34" charset="0"/>
-                <a:ea typeface="微軟正黑體" panose="020B0604030504040204" pitchFamily="34" charset="-120"/>
-              </a:rPr>
-              <a:t>網站抓取球員數據，並在整理過後轉成</a:t>
-            </a:r>
-            <a:r>
-              <a:rPr lang="en-US" altLang="zh-TW" dirty="0" smtClean="0">
-                <a:latin typeface="Arial" panose="020B0604020202020204" pitchFamily="34" charset="0"/>
-                <a:ea typeface="微軟正黑體" panose="020B0604030504040204" pitchFamily="34" charset="-120"/>
-              </a:rPr>
-              <a:t>JSON</a:t>
-            </a:r>
-            <a:r>
-              <a:rPr lang="zh-TW" altLang="en-US" dirty="0">
-                <a:latin typeface="Arial" panose="020B0604020202020204" pitchFamily="34" charset="0"/>
-                <a:ea typeface="微軟正黑體" panose="020B0604030504040204" pitchFamily="34" charset="-120"/>
-              </a:rPr>
-              <a:t>檔</a:t>
-            </a:r>
-          </a:p>
-        </p:txBody>
-      </p:sp>
+      </p:pic>
     </p:spTree>
     <p:extLst>
       <p:ext uri="{BB962C8B-B14F-4D97-AF65-F5344CB8AC3E}">
-        <p14:creationId xmlns:p14="http://schemas.microsoft.com/office/powerpoint/2010/main" val="2977602463"/>
+        <p14:creationId xmlns:p14="http://schemas.microsoft.com/office/powerpoint/2010/main" val="2981512422"/>
       </p:ext>
     </p:extLst>
   </p:cSld>
@@ -9786,49 +9758,110 @@
         <p:spPr>
           <a:xfrm>
             <a:off x="1066800" y="836712"/>
-            <a:ext cx="7189440" cy="611088"/>
+            <a:ext cx="2148880" cy="611088"/>
           </a:xfrm>
         </p:spPr>
         <p:txBody>
-          <a:bodyPr>
-            <a:normAutofit fontScale="90000"/>
+          <a:bodyPr/>
+          <a:lstStyle/>
+          <a:p>
+            <a:r>
+              <a:rPr lang="zh-TW" altLang="en-US" dirty="0"/>
+              <a:t>參考數據</a:t>
+            </a:r>
+          </a:p>
+        </p:txBody>
+      </p:sp>
+      <p:pic>
+        <p:nvPicPr>
+          <p:cNvPr id="4" name="內容版面配置區 3"/>
+          <p:cNvPicPr>
+            <a:picLocks noGrp="1" noChangeAspect="1"/>
+          </p:cNvPicPr>
+          <p:nvPr>
+            <p:ph idx="1"/>
+          </p:nvPr>
+        </p:nvPicPr>
+        <p:blipFill>
+          <a:blip r:embed="rId2"/>
+          <a:stretch>
+            <a:fillRect/>
+          </a:stretch>
+        </p:blipFill>
+        <p:spPr>
+          <a:xfrm>
+            <a:off x="1066800" y="1845773"/>
+            <a:ext cx="10058400" cy="4004654"/>
+          </a:xfrm>
+          <a:prstGeom prst="rect">
+            <a:avLst/>
+          </a:prstGeom>
+        </p:spPr>
+      </p:pic>
+      <p:sp>
+        <p:nvSpPr>
+          <p:cNvPr id="5" name="文字方塊 4"/>
+          <p:cNvSpPr txBox="1"/>
+          <p:nvPr/>
+        </p:nvSpPr>
+        <p:spPr>
+          <a:xfrm>
+            <a:off x="1559496" y="1440873"/>
+            <a:ext cx="7549480" cy="369332"/>
+          </a:xfrm>
+          <a:prstGeom prst="rect">
+            <a:avLst/>
+          </a:prstGeom>
+          <a:noFill/>
+        </p:spPr>
+        <p:txBody>
+          <a:bodyPr wrap="square" rtlCol="0">
+            <a:spAutoFit/>
           </a:bodyPr>
           <a:lstStyle/>
           <a:p>
             <a:r>
-              <a:rPr lang="en-US" altLang="zh-TW" dirty="0"/>
-              <a:t>PCA(Principal component analysis)</a:t>
-            </a:r>
-            <a:endParaRPr lang="zh-TW" altLang="en-US" dirty="0"/>
+              <a:rPr lang="zh-TW" altLang="en-US" dirty="0">
+                <a:latin typeface="Arial" panose="020B0604020202020204" pitchFamily="34" charset="0"/>
+                <a:ea typeface="微軟正黑體" panose="020B0604030504040204" pitchFamily="34" charset="-120"/>
+              </a:rPr>
+              <a:t>由</a:t>
+            </a:r>
+            <a:r>
+              <a:rPr lang="en-US" altLang="zh-TW" dirty="0">
+                <a:latin typeface="Arial" panose="020B0604020202020204" pitchFamily="34" charset="0"/>
+                <a:ea typeface="微軟正黑體" panose="020B0604030504040204" pitchFamily="34" charset="-120"/>
+              </a:rPr>
+              <a:t>Basketball Reference</a:t>
+            </a:r>
+            <a:r>
+              <a:rPr lang="zh-TW" altLang="en-US" dirty="0">
+                <a:latin typeface="Arial" panose="020B0604020202020204" pitchFamily="34" charset="0"/>
+                <a:ea typeface="微軟正黑體" panose="020B0604030504040204" pitchFamily="34" charset="-120"/>
+              </a:rPr>
+              <a:t>網站抓取球員數據，並在整理過後轉成</a:t>
+            </a:r>
+            <a:r>
+              <a:rPr lang="en-US" altLang="zh-TW" dirty="0">
+                <a:latin typeface="Arial" panose="020B0604020202020204" pitchFamily="34" charset="0"/>
+                <a:ea typeface="微軟正黑體" panose="020B0604030504040204" pitchFamily="34" charset="-120"/>
+              </a:rPr>
+              <a:t>JSON</a:t>
+            </a:r>
+            <a:r>
+              <a:rPr lang="zh-TW" altLang="en-US" dirty="0">
+                <a:latin typeface="Arial" panose="020B0604020202020204" pitchFamily="34" charset="0"/>
+                <a:ea typeface="微軟正黑體" panose="020B0604030504040204" pitchFamily="34" charset="-120"/>
+              </a:rPr>
+              <a:t>檔</a:t>
+            </a:r>
           </a:p>
         </p:txBody>
       </p:sp>
-      <p:graphicFrame>
-        <p:nvGraphicFramePr>
-          <p:cNvPr id="4" name="資料庫圖表 3"/>
-          <p:cNvGraphicFramePr/>
-          <p:nvPr>
-            <p:extLst>
-              <p:ext uri="{D42A27DB-BD31-4B8C-83A1-F6EECF244321}">
-                <p14:modId xmlns:p14="http://schemas.microsoft.com/office/powerpoint/2010/main" val="1384091709"/>
-              </p:ext>
-            </p:extLst>
-          </p:nvPr>
-        </p:nvGraphicFramePr>
-        <p:xfrm>
-          <a:off x="1066800" y="1700808"/>
-          <a:ext cx="10285784" cy="4392488"/>
-        </p:xfrm>
-        <a:graphic>
-          <a:graphicData uri="http://schemas.openxmlformats.org/drawingml/2006/diagram">
-            <dgm:relIds xmlns:dgm="http://schemas.openxmlformats.org/drawingml/2006/diagram" xmlns:r="http://schemas.openxmlformats.org/officeDocument/2006/relationships" r:dm="rId2" r:lo="rId3" r:qs="rId4" r:cs="rId5"/>
-          </a:graphicData>
-        </a:graphic>
-      </p:graphicFrame>
     </p:spTree>
     <p:extLst>
       <p:ext uri="{BB962C8B-B14F-4D97-AF65-F5344CB8AC3E}">
-        <p14:creationId xmlns:p14="http://schemas.microsoft.com/office/powerpoint/2010/main" val="4092979900"/>
+        <p14:creationId xmlns:p14="http://schemas.microsoft.com/office/powerpoint/2010/main" val="2977602463"/>
       </p:ext>
     </p:extLst>
   </p:cSld>
@@ -9880,6 +9913,100 @@
         <p:spPr>
           <a:xfrm>
             <a:off x="1066800" y="836712"/>
+            <a:ext cx="7189440" cy="611088"/>
+          </a:xfrm>
+        </p:spPr>
+        <p:txBody>
+          <a:bodyPr>
+            <a:normAutofit fontScale="90000"/>
+          </a:bodyPr>
+          <a:lstStyle/>
+          <a:p>
+            <a:r>
+              <a:rPr lang="en-US" altLang="zh-TW" dirty="0"/>
+              <a:t>PCA(Principal component analysis)</a:t>
+            </a:r>
+            <a:endParaRPr lang="zh-TW" altLang="en-US" dirty="0"/>
+          </a:p>
+        </p:txBody>
+      </p:sp>
+      <p:graphicFrame>
+        <p:nvGraphicFramePr>
+          <p:cNvPr id="4" name="資料庫圖表 3"/>
+          <p:cNvGraphicFramePr/>
+          <p:nvPr>
+            <p:extLst>
+              <p:ext uri="{D42A27DB-BD31-4B8C-83A1-F6EECF244321}">
+                <p14:modId xmlns:p14="http://schemas.microsoft.com/office/powerpoint/2010/main" val="1384091709"/>
+              </p:ext>
+            </p:extLst>
+          </p:nvPr>
+        </p:nvGraphicFramePr>
+        <p:xfrm>
+          <a:off x="1066800" y="1700808"/>
+          <a:ext cx="10285784" cy="4392488"/>
+        </p:xfrm>
+        <a:graphic>
+          <a:graphicData uri="http://schemas.openxmlformats.org/drawingml/2006/diagram">
+            <dgm:relIds xmlns:dgm="http://schemas.openxmlformats.org/drawingml/2006/diagram" xmlns:r="http://schemas.openxmlformats.org/officeDocument/2006/relationships" r:dm="rId2" r:lo="rId3" r:qs="rId4" r:cs="rId5"/>
+          </a:graphicData>
+        </a:graphic>
+      </p:graphicFrame>
+    </p:spTree>
+    <p:extLst>
+      <p:ext uri="{BB962C8B-B14F-4D97-AF65-F5344CB8AC3E}">
+        <p14:creationId xmlns:p14="http://schemas.microsoft.com/office/powerpoint/2010/main" val="4092979900"/>
+      </p:ext>
+    </p:extLst>
+  </p:cSld>
+  <p:clrMapOvr>
+    <a:masterClrMapping/>
+  </p:clrMapOvr>
+  <mc:AlternateContent xmlns:mc="http://schemas.openxmlformats.org/markup-compatibility/2006" xmlns:p14="http://schemas.microsoft.com/office/powerpoint/2010/main">
+    <mc:Choice Requires="p14">
+      <p:transition spd="med" p14:dur="700">
+        <p:fade/>
+      </p:transition>
+    </mc:Choice>
+    <mc:Fallback xmlns="">
+      <p:transition spd="med">
+        <p:fade/>
+      </p:transition>
+    </mc:Fallback>
+  </mc:AlternateContent>
+</p:sld>
+</file>
+
+<file path=ppt/slides/slide7.xml><?xml version="1.0" encoding="utf-8"?>
+<p:sld xmlns:a="http://schemas.openxmlformats.org/drawingml/2006/main" xmlns:r="http://schemas.openxmlformats.org/officeDocument/2006/relationships" xmlns:p="http://schemas.openxmlformats.org/presentationml/2006/main">
+  <p:cSld>
+    <p:spTree>
+      <p:nvGrpSpPr>
+        <p:cNvPr id="1" name=""/>
+        <p:cNvGrpSpPr/>
+        <p:nvPr/>
+      </p:nvGrpSpPr>
+      <p:grpSpPr>
+        <a:xfrm>
+          <a:off x="0" y="0"/>
+          <a:ext cx="0" cy="0"/>
+          <a:chOff x="0" y="0"/>
+          <a:chExt cx="0" cy="0"/>
+        </a:xfrm>
+      </p:grpSpPr>
+      <p:sp>
+        <p:nvSpPr>
+          <p:cNvPr id="2" name="標題 1"/>
+          <p:cNvSpPr>
+            <a:spLocks noGrp="1"/>
+          </p:cNvSpPr>
+          <p:nvPr>
+            <p:ph type="title"/>
+          </p:nvPr>
+        </p:nvSpPr>
+        <p:spPr>
+          <a:xfrm>
+            <a:off x="1066800" y="836712"/>
             <a:ext cx="2148880" cy="611088"/>
           </a:xfrm>
         </p:spPr>
@@ -9890,7 +10017,7 @@
           <a:lstStyle/>
           <a:p>
             <a:r>
-              <a:rPr lang="en-US" altLang="zh-TW" dirty="0" smtClean="0"/>
+              <a:rPr lang="en-US" altLang="zh-TW" dirty="0"/>
               <a:t>K-Means</a:t>
             </a:r>
             <a:endParaRPr lang="zh-TW" altLang="en-US" dirty="0"/>
@@ -9916,42 +10043,29 @@
               <a:buNone/>
             </a:pPr>
             <a:r>
-              <a:rPr lang="en-US" altLang="zh-TW" dirty="0" smtClean="0"/>
+              <a:rPr lang="en-US" altLang="zh-TW" dirty="0"/>
               <a:t>	K-Means</a:t>
             </a:r>
             <a:r>
-              <a:rPr lang="zh-TW" altLang="en-US" dirty="0" smtClean="0"/>
+              <a:rPr lang="zh-TW" altLang="en-US" dirty="0"/>
               <a:t>為非監督式學習，於一開始設定分為</a:t>
             </a:r>
             <a:r>
-              <a:rPr lang="en-US" altLang="zh-TW" dirty="0" smtClean="0"/>
+              <a:rPr lang="en-US" altLang="zh-TW" dirty="0"/>
               <a:t>K</a:t>
             </a:r>
             <a:r>
-              <a:rPr lang="zh-TW" altLang="en-US" dirty="0" smtClean="0"/>
+              <a:rPr lang="zh-TW" altLang="en-US" dirty="0"/>
               <a:t>群，並隨機找</a:t>
             </a:r>
             <a:r>
-              <a:rPr lang="en-US" altLang="zh-TW" dirty="0" smtClean="0"/>
+              <a:rPr lang="en-US" altLang="zh-TW" dirty="0"/>
               <a:t>K</a:t>
             </a:r>
             <a:r>
               <a:rPr lang="zh-TW" altLang="en-US" dirty="0"/>
-              <a:t>個點</a:t>
-            </a:r>
-            <a:r>
-              <a:rPr lang="zh-TW" altLang="en-US" dirty="0" smtClean="0"/>
-              <a:t>，並重複計算直到每</a:t>
-            </a:r>
-            <a:r>
-              <a:rPr lang="zh-TW" altLang="en-US" dirty="0"/>
-              <a:t>個點都屬於離他最近的均值（此即群集中心）對應的</a:t>
-            </a:r>
-            <a:r>
-              <a:rPr lang="zh-TW" altLang="en-US" dirty="0" smtClean="0"/>
-              <a:t>群集。</a:t>
-            </a:r>
-            <a:endParaRPr lang="zh-TW" altLang="en-US" dirty="0"/>
+              <a:t>個點，並重複計算直到每個點都屬於離他最近的均值（此即群集中心）對應的群集。</a:t>
+            </a:r>
           </a:p>
         </p:txBody>
       </p:sp>
@@ -10004,7 +10118,7 @@
 </p:sld>
 </file>
 
-<file path=ppt/slides/slide7.xml><?xml version="1.0" encoding="utf-8"?>
+<file path=ppt/slides/slide8.xml><?xml version="1.0" encoding="utf-8"?>
 <p:sld xmlns:a="http://schemas.openxmlformats.org/drawingml/2006/main" xmlns:r="http://schemas.openxmlformats.org/officeDocument/2006/relationships" xmlns:p="http://schemas.openxmlformats.org/presentationml/2006/main">
   <p:cSld>
     <p:spTree>
@@ -10044,7 +10158,7 @@
           <a:lstStyle/>
           <a:p>
             <a:r>
-              <a:rPr lang="en-US" altLang="zh-TW" sz="8800" b="1" dirty="0" smtClean="0">
+              <a:rPr lang="en-US" altLang="zh-TW" sz="8800" b="1" dirty="0">
                 <a:latin typeface="微軟正黑體" panose="020B0604030504040204" pitchFamily="34" charset="-120"/>
                 <a:ea typeface="微軟正黑體" panose="020B0604030504040204" pitchFamily="34" charset="-120"/>
               </a:rPr>
@@ -10079,17 +10193,10 @@
       </p:transition>
     </mc:Fallback>
   </mc:AlternateContent>
-  <p:timing>
-    <p:tnLst>
-      <p:par>
-        <p:cTn id="1" dur="indefinite" restart="never" nodeType="tmRoot"/>
-      </p:par>
-    </p:tnLst>
-  </p:timing>
 </p:sld>
 </file>
 
-<file path=ppt/slides/slide8.xml><?xml version="1.0" encoding="utf-8"?>
+<file path=ppt/slides/slide9.xml><?xml version="1.0" encoding="utf-8"?>
 <p:sld xmlns:a="http://schemas.openxmlformats.org/drawingml/2006/main" xmlns:r="http://schemas.openxmlformats.org/officeDocument/2006/relationships" xmlns:p="http://schemas.openxmlformats.org/presentationml/2006/main">
   <p:cSld>
     <p:spTree>
@@ -10129,18 +10236,11 @@
           <a:lstStyle/>
           <a:p>
             <a:r>
-              <a:rPr lang="zh-TW" altLang="en-US" sz="8800" b="1" i="1" dirty="0" smtClean="0">
-                <a:latin typeface="微軟正黑體" panose="020B0604030504040204" pitchFamily="34" charset="-120"/>
-                <a:ea typeface="微軟正黑體" panose="020B0604030504040204" pitchFamily="34" charset="-120"/>
-              </a:rPr>
-              <a:t>謝謝大</a:t>
-            </a:r>
-            <a:r>
               <a:rPr lang="zh-TW" altLang="en-US" sz="8800" b="1" i="1" dirty="0">
                 <a:latin typeface="微軟正黑體" panose="020B0604030504040204" pitchFamily="34" charset="-120"/>
                 <a:ea typeface="微軟正黑體" panose="020B0604030504040204" pitchFamily="34" charset="-120"/>
               </a:rPr>
-              <a:t>家</a:t>
+              <a:t>謝謝大家</a:t>
             </a:r>
           </a:p>
         </p:txBody>
@@ -10167,13 +10267,6 @@
       </p:transition>
     </mc:Fallback>
   </mc:AlternateContent>
-  <p:timing>
-    <p:tnLst>
-      <p:par>
-        <p:cTn id="1" dur="indefinite" restart="never" nodeType="tmRoot"/>
-      </p:par>
-    </p:tnLst>
-  </p:timing>
 </p:sld>
 </file>
 
@@ -10781,12 +10874,14 @@
 </file>
 
 <file path=customXml/item1.xml><?xml version="1.0" encoding="utf-8"?>
-<?mso-contentType ?>
-<FormTemplates xmlns="http://schemas.microsoft.com/sharepoint/v3/contenttype/forms">
-  <Display>DocumentLibraryForm</Display>
-  <Edit>DocumentLibraryForm</Edit>
-  <New>DocumentLibraryForm</New>
-</FormTemplates>
+<p:properties xmlns:p="http://schemas.microsoft.com/office/2006/metadata/properties" xmlns:xsi="http://www.w3.org/2001/XMLSchema-instance" xmlns:pc="http://schemas.microsoft.com/office/infopath/2007/PartnerControls">
+  <documentManagement>
+    <VSO_x0020_item_x0020_id xmlns="40262f94-9f35-4ac3-9a90-690165a166b7" xsi:nil="true"/>
+    <Assetid_x0020_ xmlns="40262f94-9f35-4ac3-9a90-690165a166b7" xsi:nil="true"/>
+    <Item_x0020_Details xmlns="40262f94-9f35-4ac3-9a90-690165a166b7" xsi:nil="true"/>
+    <Template_x0020_details xmlns="40262f94-9f35-4ac3-9a90-690165a166b7" xsi:nil="true"/>
+  </documentManagement>
+</p:properties>
 </file>
 
 <file path=customXml/item2.xml><?xml version="1.0" encoding="utf-8"?>
@@ -10971,20 +11066,27 @@
 </file>
 
 <file path=customXml/item3.xml><?xml version="1.0" encoding="utf-8"?>
-<p:properties xmlns:p="http://schemas.microsoft.com/office/2006/metadata/properties" xmlns:xsi="http://www.w3.org/2001/XMLSchema-instance" xmlns:pc="http://schemas.microsoft.com/office/infopath/2007/PartnerControls">
-  <documentManagement>
-    <VSO_x0020_item_x0020_id xmlns="40262f94-9f35-4ac3-9a90-690165a166b7" xsi:nil="true"/>
-    <Assetid_x0020_ xmlns="40262f94-9f35-4ac3-9a90-690165a166b7" xsi:nil="true"/>
-    <Item_x0020_Details xmlns="40262f94-9f35-4ac3-9a90-690165a166b7" xsi:nil="true"/>
-    <Template_x0020_details xmlns="40262f94-9f35-4ac3-9a90-690165a166b7" xsi:nil="true"/>
-  </documentManagement>
-</p:properties>
+<?mso-contentType ?>
+<FormTemplates xmlns="http://schemas.microsoft.com/sharepoint/v3/contenttype/forms">
+  <Display>DocumentLibraryForm</Display>
+  <Edit>DocumentLibraryForm</Edit>
+  <New>DocumentLibraryForm</New>
+</FormTemplates>
 </file>
 
 <file path=customXml/itemProps1.xml><?xml version="1.0" encoding="utf-8"?>
-<ds:datastoreItem xmlns:ds="http://schemas.openxmlformats.org/officeDocument/2006/customXml" ds:itemID="{48E42578-9CD4-4AFF-AA5E-F33052F6B6A6}">
+<ds:datastoreItem xmlns:ds="http://schemas.openxmlformats.org/officeDocument/2006/customXml" ds:itemID="{91DDEFBA-1D7E-4587-9763-EBF5A6740E9A}">
   <ds:schemaRefs>
-    <ds:schemaRef ds:uri="http://schemas.microsoft.com/sharepoint/v3/contenttype/forms"/>
+    <ds:schemaRef ds:uri="http://schemas.microsoft.com/office/2006/metadata/properties"/>
+    <ds:schemaRef ds:uri="http://www.w3.org/XML/1998/namespace"/>
+    <ds:schemaRef ds:uri="http://schemas.microsoft.com/office/2006/documentManagement/types"/>
+    <ds:schemaRef ds:uri="http://purl.org/dc/elements/1.1/"/>
+    <ds:schemaRef ds:uri="http://schemas.microsoft.com/office/infopath/2007/PartnerControls"/>
+    <ds:schemaRef ds:uri="a4f35948-e619-41b3-aa29-22878b09cfd2"/>
+    <ds:schemaRef ds:uri="http://schemas.openxmlformats.org/package/2006/metadata/core-properties"/>
+    <ds:schemaRef ds:uri="40262f94-9f35-4ac3-9a90-690165a166b7"/>
+    <ds:schemaRef ds:uri="http://purl.org/dc/dcmitype/"/>
+    <ds:schemaRef ds:uri="http://purl.org/dc/terms/"/>
   </ds:schemaRefs>
 </ds:datastoreItem>
 </file>
@@ -11009,18 +11111,9 @@
 </file>
 
 <file path=customXml/itemProps3.xml><?xml version="1.0" encoding="utf-8"?>
-<ds:datastoreItem xmlns:ds="http://schemas.openxmlformats.org/officeDocument/2006/customXml" ds:itemID="{91DDEFBA-1D7E-4587-9763-EBF5A6740E9A}">
+<ds:datastoreItem xmlns:ds="http://schemas.openxmlformats.org/officeDocument/2006/customXml" ds:itemID="{48E42578-9CD4-4AFF-AA5E-F33052F6B6A6}">
   <ds:schemaRefs>
-    <ds:schemaRef ds:uri="http://schemas.microsoft.com/office/2006/metadata/properties"/>
-    <ds:schemaRef ds:uri="http://www.w3.org/XML/1998/namespace"/>
-    <ds:schemaRef ds:uri="http://schemas.microsoft.com/office/2006/documentManagement/types"/>
-    <ds:schemaRef ds:uri="http://purl.org/dc/elements/1.1/"/>
-    <ds:schemaRef ds:uri="http://schemas.microsoft.com/office/infopath/2007/PartnerControls"/>
-    <ds:schemaRef ds:uri="a4f35948-e619-41b3-aa29-22878b09cfd2"/>
-    <ds:schemaRef ds:uri="http://schemas.openxmlformats.org/package/2006/metadata/core-properties"/>
-    <ds:schemaRef ds:uri="40262f94-9f35-4ac3-9a90-690165a166b7"/>
-    <ds:schemaRef ds:uri="http://purl.org/dc/dcmitype/"/>
-    <ds:schemaRef ds:uri="http://purl.org/dc/terms/"/>
+    <ds:schemaRef ds:uri="http://schemas.microsoft.com/sharepoint/v3/contenttype/forms"/>
   </ds:schemaRefs>
 </ds:datastoreItem>
 </file>